--- a/Documents/TSH_Slide.pptx
+++ b/Documents/TSH_Slide.pptx
@@ -12935,7 +12935,7 @@
             </a:lvl9pPr>
           </a:lstStyle>
           <a:p>
-            <a:pPr marL="342900" marR="0" lvl="0" indent="-342900">
+            <a:pPr marR="0" lvl="0" indent="0">
               <a:lnSpc>
                 <a:spcPct val="107000"/>
               </a:lnSpc>
@@ -12945,756 +12945,24 @@
               <a:spcAft>
                 <a:spcPts val="800"/>
               </a:spcAft>
+              <a:buNone/>
             </a:pPr>
             <a:r>
-              <a:rPr lang="en-US" sz="1800" err="1">
-                <a:solidFill>
-                  <a:srgbClr val="000000"/>
-                </a:solidFill>
-                <a:effectLst/>
-                <a:latin typeface="Times New Roman" panose="02020603050405020304" pitchFamily="18" charset="0"/>
-                <a:ea typeface="Times New Roman" panose="02020603050405020304" pitchFamily="18" charset="0"/>
-                <a:cs typeface="Times New Roman" panose="02020603050405020304" pitchFamily="18" charset="0"/>
-              </a:rPr>
-              <a:t>Phải</a:t>
+              <a:rPr lang="en-US" sz="1800"/>
+              <a:t>Đặc điểm của </a:t>
             </a:r>
             <a:r>
               <a:rPr lang="en-US" sz="1800">
-                <a:solidFill>
-                  <a:srgbClr val="000000"/>
-                </a:solidFill>
-                <a:effectLst/>
-                <a:latin typeface="Times New Roman" panose="02020603050405020304" pitchFamily="18" charset="0"/>
-                <a:ea typeface="Times New Roman" panose="02020603050405020304" pitchFamily="18" charset="0"/>
-                <a:cs typeface="Times New Roman" panose="02020603050405020304" pitchFamily="18" charset="0"/>
-              </a:rPr>
-              <a:t> </a:t>
-            </a:r>
-            <a:r>
-              <a:rPr lang="en-US" sz="1800" err="1">
-                <a:solidFill>
-                  <a:srgbClr val="000000"/>
-                </a:solidFill>
-                <a:effectLst/>
-                <a:latin typeface="Times New Roman" panose="02020603050405020304" pitchFamily="18" charset="0"/>
-                <a:ea typeface="Times New Roman" panose="02020603050405020304" pitchFamily="18" charset="0"/>
-                <a:cs typeface="Times New Roman" panose="02020603050405020304" pitchFamily="18" charset="0"/>
-              </a:rPr>
-              <a:t>được</a:t>
-            </a:r>
-            <a:r>
-              <a:rPr lang="en-US" sz="1800">
-                <a:solidFill>
-                  <a:srgbClr val="000000"/>
-                </a:solidFill>
-                <a:effectLst/>
-                <a:latin typeface="Times New Roman" panose="02020603050405020304" pitchFamily="18" charset="0"/>
-                <a:ea typeface="Times New Roman" panose="02020603050405020304" pitchFamily="18" charset="0"/>
-                <a:cs typeface="Times New Roman" panose="02020603050405020304" pitchFamily="18" charset="0"/>
-              </a:rPr>
-              <a:t> </a:t>
-            </a:r>
-            <a:r>
-              <a:rPr lang="en-US" sz="1800" err="1">
-                <a:solidFill>
-                  <a:srgbClr val="000000"/>
-                </a:solidFill>
-                <a:effectLst/>
-                <a:latin typeface="Times New Roman" panose="02020603050405020304" pitchFamily="18" charset="0"/>
-                <a:ea typeface="Times New Roman" panose="02020603050405020304" pitchFamily="18" charset="0"/>
-                <a:cs typeface="Times New Roman" panose="02020603050405020304" pitchFamily="18" charset="0"/>
-              </a:rPr>
-              <a:t>phân</a:t>
-            </a:r>
-            <a:r>
-              <a:rPr lang="en-US" sz="1800">
-                <a:solidFill>
-                  <a:srgbClr val="000000"/>
-                </a:solidFill>
-                <a:effectLst/>
-                <a:latin typeface="Times New Roman" panose="02020603050405020304" pitchFamily="18" charset="0"/>
-                <a:ea typeface="Times New Roman" panose="02020603050405020304" pitchFamily="18" charset="0"/>
-                <a:cs typeface="Times New Roman" panose="02020603050405020304" pitchFamily="18" charset="0"/>
-              </a:rPr>
-              <a:t> </a:t>
-            </a:r>
-            <a:r>
-              <a:rPr lang="en-US" sz="1800" err="1">
-                <a:solidFill>
-                  <a:srgbClr val="000000"/>
-                </a:solidFill>
-                <a:effectLst/>
-                <a:latin typeface="Times New Roman" panose="02020603050405020304" pitchFamily="18" charset="0"/>
-                <a:ea typeface="Times New Roman" panose="02020603050405020304" pitchFamily="18" charset="0"/>
-                <a:cs typeface="Times New Roman" panose="02020603050405020304" pitchFamily="18" charset="0"/>
-              </a:rPr>
-              <a:t>lập</a:t>
-            </a:r>
-            <a:r>
-              <a:rPr lang="en-US" sz="1800">
-                <a:solidFill>
-                  <a:srgbClr val="000000"/>
-                </a:solidFill>
-                <a:effectLst/>
-                <a:latin typeface="Times New Roman" panose="02020603050405020304" pitchFamily="18" charset="0"/>
-                <a:ea typeface="Times New Roman" panose="02020603050405020304" pitchFamily="18" charset="0"/>
-                <a:cs typeface="Times New Roman" panose="02020603050405020304" pitchFamily="18" charset="0"/>
-              </a:rPr>
-              <a:t> </a:t>
-            </a:r>
-            <a:r>
-              <a:rPr lang="en-US" sz="1800" err="1">
-                <a:solidFill>
-                  <a:srgbClr val="000000"/>
-                </a:solidFill>
-                <a:effectLst/>
-                <a:latin typeface="Times New Roman" panose="02020603050405020304" pitchFamily="18" charset="0"/>
-                <a:ea typeface="Times New Roman" panose="02020603050405020304" pitchFamily="18" charset="0"/>
-                <a:cs typeface="Times New Roman" panose="02020603050405020304" pitchFamily="18" charset="0"/>
-              </a:rPr>
-              <a:t>khỏi</a:t>
-            </a:r>
-            <a:r>
-              <a:rPr lang="en-US" sz="1800">
-                <a:solidFill>
-                  <a:srgbClr val="000000"/>
-                </a:solidFill>
-                <a:effectLst/>
-                <a:latin typeface="Times New Roman" panose="02020603050405020304" pitchFamily="18" charset="0"/>
-                <a:ea typeface="Times New Roman" panose="02020603050405020304" pitchFamily="18" charset="0"/>
-                <a:cs typeface="Times New Roman" panose="02020603050405020304" pitchFamily="18" charset="0"/>
-              </a:rPr>
-              <a:t> </a:t>
-            </a:r>
-            <a:r>
-              <a:rPr lang="en-US" sz="1800" err="1">
-                <a:solidFill>
-                  <a:srgbClr val="000000"/>
-                </a:solidFill>
-                <a:effectLst/>
-                <a:latin typeface="Times New Roman" panose="02020603050405020304" pitchFamily="18" charset="0"/>
-                <a:ea typeface="Times New Roman" panose="02020603050405020304" pitchFamily="18" charset="0"/>
-                <a:cs typeface="Times New Roman" panose="02020603050405020304" pitchFamily="18" charset="0"/>
-              </a:rPr>
-              <a:t>thực</a:t>
-            </a:r>
-            <a:r>
-              <a:rPr lang="en-US" sz="1800">
-                <a:solidFill>
-                  <a:srgbClr val="000000"/>
-                </a:solidFill>
-                <a:effectLst/>
-                <a:latin typeface="Times New Roman" panose="02020603050405020304" pitchFamily="18" charset="0"/>
-                <a:ea typeface="Times New Roman" panose="02020603050405020304" pitchFamily="18" charset="0"/>
-                <a:cs typeface="Times New Roman" panose="02020603050405020304" pitchFamily="18" charset="0"/>
-              </a:rPr>
-              <a:t> </a:t>
-            </a:r>
-            <a:r>
-              <a:rPr lang="en-US" sz="1800" err="1">
-                <a:solidFill>
-                  <a:srgbClr val="000000"/>
-                </a:solidFill>
-                <a:effectLst/>
-                <a:latin typeface="Times New Roman" panose="02020603050405020304" pitchFamily="18" charset="0"/>
-                <a:ea typeface="Times New Roman" panose="02020603050405020304" pitchFamily="18" charset="0"/>
-                <a:cs typeface="Times New Roman" panose="02020603050405020304" pitchFamily="18" charset="0"/>
-              </a:rPr>
-              <a:t>khuẩn</a:t>
-            </a:r>
-            <a:r>
-              <a:rPr lang="en-US" sz="1800">
-                <a:solidFill>
-                  <a:srgbClr val="000000"/>
-                </a:solidFill>
-                <a:effectLst/>
-                <a:latin typeface="Times New Roman" panose="02020603050405020304" pitchFamily="18" charset="0"/>
-                <a:ea typeface="Times New Roman" panose="02020603050405020304" pitchFamily="18" charset="0"/>
-                <a:cs typeface="Times New Roman" panose="02020603050405020304" pitchFamily="18" charset="0"/>
-              </a:rPr>
-              <a:t> </a:t>
-            </a:r>
-            <a:r>
-              <a:rPr lang="en-US" sz="1800" err="1">
-                <a:solidFill>
-                  <a:srgbClr val="000000"/>
-                </a:solidFill>
-                <a:effectLst/>
-                <a:latin typeface="Times New Roman" panose="02020603050405020304" pitchFamily="18" charset="0"/>
-                <a:ea typeface="Times New Roman" panose="02020603050405020304" pitchFamily="18" charset="0"/>
-                <a:cs typeface="Times New Roman" panose="02020603050405020304" pitchFamily="18" charset="0"/>
-              </a:rPr>
-              <a:t>thể</a:t>
-            </a:r>
-            <a:r>
-              <a:rPr lang="en-US" sz="1800">
-                <a:solidFill>
-                  <a:srgbClr val="000000"/>
-                </a:solidFill>
-                <a:effectLst/>
-                <a:latin typeface="Times New Roman" panose="02020603050405020304" pitchFamily="18" charset="0"/>
-                <a:ea typeface="Times New Roman" panose="02020603050405020304" pitchFamily="18" charset="0"/>
-                <a:cs typeface="Times New Roman" panose="02020603050405020304" pitchFamily="18" charset="0"/>
-              </a:rPr>
-              <a:t> </a:t>
-            </a:r>
-            <a:r>
-              <a:rPr lang="en-US" sz="1800" err="1">
-                <a:solidFill>
-                  <a:srgbClr val="000000"/>
-                </a:solidFill>
-                <a:effectLst/>
-                <a:latin typeface="Times New Roman" panose="02020603050405020304" pitchFamily="18" charset="0"/>
-                <a:ea typeface="Times New Roman" panose="02020603050405020304" pitchFamily="18" charset="0"/>
-                <a:cs typeface="Times New Roman" panose="02020603050405020304" pitchFamily="18" charset="0"/>
-              </a:rPr>
-              <a:t>hoặc</a:t>
-            </a:r>
-            <a:r>
-              <a:rPr lang="en-US" sz="1800">
-                <a:solidFill>
-                  <a:srgbClr val="000000"/>
-                </a:solidFill>
-                <a:effectLst/>
-                <a:latin typeface="Times New Roman" panose="02020603050405020304" pitchFamily="18" charset="0"/>
-                <a:ea typeface="Times New Roman" panose="02020603050405020304" pitchFamily="18" charset="0"/>
-                <a:cs typeface="Times New Roman" panose="02020603050405020304" pitchFamily="18" charset="0"/>
-              </a:rPr>
-              <a:t> </a:t>
-            </a:r>
-            <a:r>
-              <a:rPr lang="en-US" sz="1800" err="1">
-                <a:solidFill>
-                  <a:srgbClr val="000000"/>
-                </a:solidFill>
-                <a:effectLst/>
-                <a:latin typeface="Times New Roman" panose="02020603050405020304" pitchFamily="18" charset="0"/>
-                <a:ea typeface="Times New Roman" panose="02020603050405020304" pitchFamily="18" charset="0"/>
-                <a:cs typeface="Times New Roman" panose="02020603050405020304" pitchFamily="18" charset="0"/>
-              </a:rPr>
-              <a:t>từ</a:t>
-            </a:r>
-            <a:r>
-              <a:rPr lang="en-US" sz="1800">
-                <a:solidFill>
-                  <a:srgbClr val="000000"/>
-                </a:solidFill>
-                <a:effectLst/>
-                <a:latin typeface="Times New Roman" panose="02020603050405020304" pitchFamily="18" charset="0"/>
-                <a:ea typeface="Times New Roman" panose="02020603050405020304" pitchFamily="18" charset="0"/>
-                <a:cs typeface="Times New Roman" panose="02020603050405020304" pitchFamily="18" charset="0"/>
-              </a:rPr>
-              <a:t> MGE </a:t>
-            </a:r>
-            <a:r>
-              <a:rPr lang="en-US" sz="1800" err="1">
-                <a:solidFill>
-                  <a:srgbClr val="000000"/>
-                </a:solidFill>
-                <a:effectLst/>
-                <a:latin typeface="Times New Roman" panose="02020603050405020304" pitchFamily="18" charset="0"/>
-                <a:ea typeface="Times New Roman" panose="02020603050405020304" pitchFamily="18" charset="0"/>
-                <a:cs typeface="Times New Roman" panose="02020603050405020304" pitchFamily="18" charset="0"/>
-              </a:rPr>
-              <a:t>của</a:t>
-            </a:r>
-            <a:r>
-              <a:rPr lang="en-US" sz="1800">
-                <a:solidFill>
-                  <a:srgbClr val="000000"/>
-                </a:solidFill>
-                <a:effectLst/>
-                <a:latin typeface="Times New Roman" panose="02020603050405020304" pitchFamily="18" charset="0"/>
-                <a:ea typeface="Times New Roman" panose="02020603050405020304" pitchFamily="18" charset="0"/>
-                <a:cs typeface="Times New Roman" panose="02020603050405020304" pitchFamily="18" charset="0"/>
-              </a:rPr>
-              <a:t> vi </a:t>
-            </a:r>
-            <a:r>
-              <a:rPr lang="en-US" sz="1800" err="1">
-                <a:solidFill>
-                  <a:srgbClr val="000000"/>
-                </a:solidFill>
-                <a:effectLst/>
-                <a:latin typeface="Times New Roman" panose="02020603050405020304" pitchFamily="18" charset="0"/>
-                <a:ea typeface="Times New Roman" panose="02020603050405020304" pitchFamily="18" charset="0"/>
-                <a:cs typeface="Times New Roman" panose="02020603050405020304" pitchFamily="18" charset="0"/>
-              </a:rPr>
-              <a:t>khuẩn</a:t>
-            </a:r>
-            <a:r>
-              <a:rPr lang="en-US" sz="1800">
-                <a:solidFill>
-                  <a:srgbClr val="000000"/>
-                </a:solidFill>
-                <a:effectLst/>
-                <a:latin typeface="Times New Roman" panose="02020603050405020304" pitchFamily="18" charset="0"/>
-                <a:ea typeface="Times New Roman" panose="02020603050405020304" pitchFamily="18" charset="0"/>
-                <a:cs typeface="Times New Roman" panose="02020603050405020304" pitchFamily="18" charset="0"/>
-              </a:rPr>
-              <a:t> (</a:t>
-            </a:r>
-            <a:r>
-              <a:rPr lang="en-US" sz="1800" err="1">
-                <a:solidFill>
-                  <a:srgbClr val="000000"/>
-                </a:solidFill>
-                <a:effectLst/>
-                <a:latin typeface="Times New Roman" panose="02020603050405020304" pitchFamily="18" charset="0"/>
-                <a:ea typeface="Times New Roman" panose="02020603050405020304" pitchFamily="18" charset="0"/>
-                <a:cs typeface="Times New Roman" panose="02020603050405020304" pitchFamily="18" charset="0"/>
-              </a:rPr>
-              <a:t>có</a:t>
-            </a:r>
-            <a:r>
-              <a:rPr lang="en-US" sz="1800">
-                <a:solidFill>
-                  <a:srgbClr val="000000"/>
-                </a:solidFill>
-                <a:effectLst/>
-                <a:latin typeface="Times New Roman" panose="02020603050405020304" pitchFamily="18" charset="0"/>
-                <a:ea typeface="Times New Roman" panose="02020603050405020304" pitchFamily="18" charset="0"/>
-                <a:cs typeface="Times New Roman" panose="02020603050405020304" pitchFamily="18" charset="0"/>
-              </a:rPr>
-              <a:t> </a:t>
-            </a:r>
-            <a:r>
-              <a:rPr lang="en-US" sz="1800" err="1">
-                <a:solidFill>
-                  <a:srgbClr val="000000"/>
-                </a:solidFill>
-                <a:effectLst/>
-                <a:latin typeface="Times New Roman" panose="02020603050405020304" pitchFamily="18" charset="0"/>
-                <a:ea typeface="Times New Roman" panose="02020603050405020304" pitchFamily="18" charset="0"/>
-                <a:cs typeface="Times New Roman" panose="02020603050405020304" pitchFamily="18" charset="0"/>
-              </a:rPr>
-              <a:t>thể</a:t>
-            </a:r>
-            <a:r>
-              <a:rPr lang="en-US" sz="1800">
-                <a:solidFill>
-                  <a:srgbClr val="000000"/>
-                </a:solidFill>
-                <a:effectLst/>
-                <a:latin typeface="Times New Roman" panose="02020603050405020304" pitchFamily="18" charset="0"/>
-                <a:ea typeface="Times New Roman" panose="02020603050405020304" pitchFamily="18" charset="0"/>
-                <a:cs typeface="Times New Roman" panose="02020603050405020304" pitchFamily="18" charset="0"/>
-              </a:rPr>
-              <a:t> </a:t>
-            </a:r>
-            <a:r>
-              <a:rPr lang="en-US" sz="1800" err="1">
-                <a:solidFill>
-                  <a:srgbClr val="000000"/>
-                </a:solidFill>
-                <a:effectLst/>
-                <a:latin typeface="Times New Roman" panose="02020603050405020304" pitchFamily="18" charset="0"/>
-                <a:ea typeface="Times New Roman" panose="02020603050405020304" pitchFamily="18" charset="0"/>
-                <a:cs typeface="Times New Roman" panose="02020603050405020304" pitchFamily="18" charset="0"/>
-              </a:rPr>
-              <a:t>được</a:t>
-            </a:r>
-            <a:r>
-              <a:rPr lang="en-US" sz="1800">
-                <a:solidFill>
-                  <a:srgbClr val="000000"/>
-                </a:solidFill>
-                <a:effectLst/>
-                <a:latin typeface="Times New Roman" panose="02020603050405020304" pitchFamily="18" charset="0"/>
-                <a:ea typeface="Times New Roman" panose="02020603050405020304" pitchFamily="18" charset="0"/>
-                <a:cs typeface="Times New Roman" panose="02020603050405020304" pitchFamily="18" charset="0"/>
-              </a:rPr>
-              <a:t> </a:t>
-            </a:r>
-            <a:r>
-              <a:rPr lang="en-US" sz="1800" err="1">
-                <a:solidFill>
-                  <a:srgbClr val="000000"/>
-                </a:solidFill>
-                <a:effectLst/>
-                <a:latin typeface="Times New Roman" panose="02020603050405020304" pitchFamily="18" charset="0"/>
-                <a:ea typeface="Times New Roman" panose="02020603050405020304" pitchFamily="18" charset="0"/>
-                <a:cs typeface="Times New Roman" panose="02020603050405020304" pitchFamily="18" charset="0"/>
-              </a:rPr>
-              <a:t>biết</a:t>
-            </a:r>
-            <a:r>
-              <a:rPr lang="en-US" sz="1800">
-                <a:solidFill>
-                  <a:srgbClr val="000000"/>
-                </a:solidFill>
-                <a:effectLst/>
-                <a:latin typeface="Times New Roman" panose="02020603050405020304" pitchFamily="18" charset="0"/>
-                <a:ea typeface="Times New Roman" panose="02020603050405020304" pitchFamily="18" charset="0"/>
-                <a:cs typeface="Times New Roman" panose="02020603050405020304" pitchFamily="18" charset="0"/>
-              </a:rPr>
-              <a:t> </a:t>
-            </a:r>
-            <a:r>
-              <a:rPr lang="en-US" sz="1800" err="1">
-                <a:solidFill>
-                  <a:srgbClr val="000000"/>
-                </a:solidFill>
-                <a:effectLst/>
-                <a:latin typeface="Times New Roman" panose="02020603050405020304" pitchFamily="18" charset="0"/>
-                <a:ea typeface="Times New Roman" panose="02020603050405020304" pitchFamily="18" charset="0"/>
-                <a:cs typeface="Times New Roman" panose="02020603050405020304" pitchFamily="18" charset="0"/>
-              </a:rPr>
-              <a:t>đến</a:t>
-            </a:r>
-            <a:r>
-              <a:rPr lang="en-US" sz="1800">
-                <a:solidFill>
-                  <a:srgbClr val="000000"/>
-                </a:solidFill>
-                <a:effectLst/>
-                <a:latin typeface="Times New Roman" panose="02020603050405020304" pitchFamily="18" charset="0"/>
-                <a:ea typeface="Times New Roman" panose="02020603050405020304" pitchFamily="18" charset="0"/>
-                <a:cs typeface="Times New Roman" panose="02020603050405020304" pitchFamily="18" charset="0"/>
-              </a:rPr>
-              <a:t> </a:t>
-            </a:r>
-            <a:r>
-              <a:rPr lang="en-US" sz="1800" err="1">
-                <a:solidFill>
-                  <a:srgbClr val="000000"/>
-                </a:solidFill>
-                <a:effectLst/>
-                <a:latin typeface="Times New Roman" panose="02020603050405020304" pitchFamily="18" charset="0"/>
-                <a:ea typeface="Times New Roman" panose="02020603050405020304" pitchFamily="18" charset="0"/>
-                <a:cs typeface="Times New Roman" panose="02020603050405020304" pitchFamily="18" charset="0"/>
-              </a:rPr>
-              <a:t>hoặc</a:t>
-            </a:r>
-            <a:r>
-              <a:rPr lang="en-US" sz="1800">
-                <a:solidFill>
-                  <a:srgbClr val="000000"/>
-                </a:solidFill>
-                <a:effectLst/>
-                <a:latin typeface="Times New Roman" panose="02020603050405020304" pitchFamily="18" charset="0"/>
-                <a:ea typeface="Times New Roman" panose="02020603050405020304" pitchFamily="18" charset="0"/>
-                <a:cs typeface="Times New Roman" panose="02020603050405020304" pitchFamily="18" charset="0"/>
-              </a:rPr>
-              <a:t> </a:t>
-            </a:r>
-            <a:r>
-              <a:rPr lang="en-US" sz="1800" err="1">
-                <a:solidFill>
-                  <a:srgbClr val="000000"/>
-                </a:solidFill>
-                <a:effectLst/>
-                <a:latin typeface="Times New Roman" panose="02020603050405020304" pitchFamily="18" charset="0"/>
-                <a:ea typeface="Times New Roman" panose="02020603050405020304" pitchFamily="18" charset="0"/>
-                <a:cs typeface="Times New Roman" panose="02020603050405020304" pitchFamily="18" charset="0"/>
-              </a:rPr>
-              <a:t>giả</a:t>
-            </a:r>
-            <a:r>
-              <a:rPr lang="en-US" sz="1800">
-                <a:solidFill>
-                  <a:srgbClr val="000000"/>
-                </a:solidFill>
-                <a:effectLst/>
-                <a:latin typeface="Times New Roman" panose="02020603050405020304" pitchFamily="18" charset="0"/>
-                <a:ea typeface="Times New Roman" panose="02020603050405020304" pitchFamily="18" charset="0"/>
-                <a:cs typeface="Times New Roman" panose="02020603050405020304" pitchFamily="18" charset="0"/>
-              </a:rPr>
-              <a:t> </a:t>
-            </a:r>
-            <a:r>
-              <a:rPr lang="en-US" sz="1800" err="1">
-                <a:solidFill>
-                  <a:srgbClr val="000000"/>
-                </a:solidFill>
-                <a:effectLst/>
-                <a:latin typeface="Times New Roman" panose="02020603050405020304" pitchFamily="18" charset="0"/>
-                <a:ea typeface="Times New Roman" panose="02020603050405020304" pitchFamily="18" charset="0"/>
-                <a:cs typeface="Times New Roman" panose="02020603050405020304" pitchFamily="18" charset="0"/>
-              </a:rPr>
-              <a:t>định</a:t>
-            </a:r>
-            <a:r>
-              <a:rPr lang="en-US" sz="1800">
-                <a:solidFill>
-                  <a:srgbClr val="000000"/>
-                </a:solidFill>
-                <a:effectLst/>
-                <a:latin typeface="Times New Roman" panose="02020603050405020304" pitchFamily="18" charset="0"/>
-                <a:ea typeface="Times New Roman" panose="02020603050405020304" pitchFamily="18" charset="0"/>
-                <a:cs typeface="Times New Roman" panose="02020603050405020304" pitchFamily="18" charset="0"/>
-              </a:rPr>
-              <a:t> </a:t>
-            </a:r>
-            <a:r>
-              <a:rPr lang="en-US" sz="1800" err="1">
-                <a:solidFill>
-                  <a:srgbClr val="000000"/>
-                </a:solidFill>
-                <a:effectLst/>
-                <a:latin typeface="Times New Roman" panose="02020603050405020304" pitchFamily="18" charset="0"/>
-                <a:ea typeface="Times New Roman" panose="02020603050405020304" pitchFamily="18" charset="0"/>
-                <a:cs typeface="Times New Roman" panose="02020603050405020304" pitchFamily="18" charset="0"/>
-              </a:rPr>
-              <a:t>là</a:t>
-            </a:r>
-            <a:r>
-              <a:rPr lang="en-US" sz="1800">
-                <a:solidFill>
-                  <a:srgbClr val="000000"/>
-                </a:solidFill>
-                <a:effectLst/>
-                <a:latin typeface="Times New Roman" panose="02020603050405020304" pitchFamily="18" charset="0"/>
-                <a:ea typeface="Times New Roman" panose="02020603050405020304" pitchFamily="18" charset="0"/>
-                <a:cs typeface="Times New Roman" panose="02020603050405020304" pitchFamily="18" charset="0"/>
-              </a:rPr>
-              <a:t> MGE), </a:t>
-            </a:r>
-            <a:r>
-              <a:rPr lang="en-US" sz="1800" err="1">
-                <a:solidFill>
-                  <a:srgbClr val="000000"/>
-                </a:solidFill>
-                <a:effectLst/>
-                <a:latin typeface="Times New Roman" panose="02020603050405020304" pitchFamily="18" charset="0"/>
-                <a:ea typeface="Times New Roman" panose="02020603050405020304" pitchFamily="18" charset="0"/>
-                <a:cs typeface="Times New Roman" panose="02020603050405020304" pitchFamily="18" charset="0"/>
-              </a:rPr>
-              <a:t>trong</a:t>
-            </a:r>
-            <a:r>
-              <a:rPr lang="en-US" sz="1800">
-                <a:solidFill>
-                  <a:srgbClr val="000000"/>
-                </a:solidFill>
-                <a:effectLst/>
-                <a:latin typeface="Times New Roman" panose="02020603050405020304" pitchFamily="18" charset="0"/>
-                <a:ea typeface="Times New Roman" panose="02020603050405020304" pitchFamily="18" charset="0"/>
-                <a:cs typeface="Times New Roman" panose="02020603050405020304" pitchFamily="18" charset="0"/>
-              </a:rPr>
-              <a:t> </a:t>
-            </a:r>
-            <a:r>
-              <a:rPr lang="en-US" sz="1800" err="1">
-                <a:solidFill>
-                  <a:srgbClr val="000000"/>
-                </a:solidFill>
-                <a:effectLst/>
-                <a:latin typeface="Times New Roman" panose="02020603050405020304" pitchFamily="18" charset="0"/>
-                <a:ea typeface="Times New Roman" panose="02020603050405020304" pitchFamily="18" charset="0"/>
-                <a:cs typeface="Times New Roman" panose="02020603050405020304" pitchFamily="18" charset="0"/>
-              </a:rPr>
-              <a:t>đó</a:t>
-            </a:r>
-            <a:r>
-              <a:rPr lang="en-US" sz="1800">
-                <a:solidFill>
-                  <a:srgbClr val="000000"/>
-                </a:solidFill>
-                <a:effectLst/>
-                <a:latin typeface="Times New Roman" panose="02020603050405020304" pitchFamily="18" charset="0"/>
-                <a:ea typeface="Times New Roman" panose="02020603050405020304" pitchFamily="18" charset="0"/>
-                <a:cs typeface="Times New Roman" panose="02020603050405020304" pitchFamily="18" charset="0"/>
-              </a:rPr>
-              <a:t> </a:t>
-            </a:r>
-            <a:r>
-              <a:rPr lang="en-US" sz="1800" err="1">
-                <a:solidFill>
-                  <a:srgbClr val="000000"/>
-                </a:solidFill>
-                <a:effectLst/>
-                <a:latin typeface="Times New Roman" panose="02020603050405020304" pitchFamily="18" charset="0"/>
-                <a:ea typeface="Times New Roman" panose="02020603050405020304" pitchFamily="18" charset="0"/>
-                <a:cs typeface="Times New Roman" panose="02020603050405020304" pitchFamily="18" charset="0"/>
-              </a:rPr>
-              <a:t>các</a:t>
-            </a:r>
-            <a:r>
-              <a:rPr lang="en-US" sz="1800">
-                <a:solidFill>
-                  <a:srgbClr val="000000"/>
-                </a:solidFill>
-                <a:effectLst/>
-                <a:latin typeface="Times New Roman" panose="02020603050405020304" pitchFamily="18" charset="0"/>
-                <a:ea typeface="Times New Roman" panose="02020603050405020304" pitchFamily="18" charset="0"/>
-                <a:cs typeface="Times New Roman" panose="02020603050405020304" pitchFamily="18" charset="0"/>
-              </a:rPr>
-              <a:t> chi vi </a:t>
-            </a:r>
-            <a:r>
-              <a:rPr lang="en-US" sz="1800" err="1">
-                <a:solidFill>
-                  <a:srgbClr val="000000"/>
-                </a:solidFill>
-                <a:effectLst/>
-                <a:latin typeface="Times New Roman" panose="02020603050405020304" pitchFamily="18" charset="0"/>
-                <a:ea typeface="Times New Roman" panose="02020603050405020304" pitchFamily="18" charset="0"/>
-                <a:cs typeface="Times New Roman" panose="02020603050405020304" pitchFamily="18" charset="0"/>
-              </a:rPr>
-              <a:t>khuẩn</a:t>
-            </a:r>
-            <a:r>
-              <a:rPr lang="en-US" sz="1800">
-                <a:solidFill>
-                  <a:srgbClr val="000000"/>
-                </a:solidFill>
-                <a:effectLst/>
-                <a:latin typeface="Times New Roman" panose="02020603050405020304" pitchFamily="18" charset="0"/>
-                <a:ea typeface="Times New Roman" panose="02020603050405020304" pitchFamily="18" charset="0"/>
-                <a:cs typeface="Times New Roman" panose="02020603050405020304" pitchFamily="18" charset="0"/>
-              </a:rPr>
-              <a:t> </a:t>
-            </a:r>
-            <a:r>
-              <a:rPr lang="en-US" sz="1800" err="1">
-                <a:solidFill>
-                  <a:srgbClr val="000000"/>
-                </a:solidFill>
-                <a:effectLst/>
-                <a:latin typeface="Times New Roman" panose="02020603050405020304" pitchFamily="18" charset="0"/>
-                <a:ea typeface="Times New Roman" panose="02020603050405020304" pitchFamily="18" charset="0"/>
-                <a:cs typeface="Times New Roman" panose="02020603050405020304" pitchFamily="18" charset="0"/>
-              </a:rPr>
-              <a:t>nhất</a:t>
-            </a:r>
-            <a:r>
-              <a:rPr lang="en-US" sz="1800">
-                <a:solidFill>
-                  <a:srgbClr val="000000"/>
-                </a:solidFill>
-                <a:effectLst/>
-                <a:latin typeface="Times New Roman" panose="02020603050405020304" pitchFamily="18" charset="0"/>
-                <a:ea typeface="Times New Roman" panose="02020603050405020304" pitchFamily="18" charset="0"/>
-                <a:cs typeface="Times New Roman" panose="02020603050405020304" pitchFamily="18" charset="0"/>
-              </a:rPr>
-              <a:t> </a:t>
-            </a:r>
-            <a:r>
-              <a:rPr lang="en-US" sz="1800" err="1">
-                <a:solidFill>
-                  <a:srgbClr val="000000"/>
-                </a:solidFill>
-                <a:effectLst/>
-                <a:latin typeface="Times New Roman" panose="02020603050405020304" pitchFamily="18" charset="0"/>
-                <a:ea typeface="Times New Roman" panose="02020603050405020304" pitchFamily="18" charset="0"/>
-                <a:cs typeface="Times New Roman" panose="02020603050405020304" pitchFamily="18" charset="0"/>
-              </a:rPr>
-              <a:t>định</a:t>
-            </a:r>
-            <a:r>
-              <a:rPr lang="en-US" sz="1800">
-                <a:solidFill>
-                  <a:srgbClr val="000000"/>
-                </a:solidFill>
-                <a:effectLst/>
-                <a:latin typeface="Times New Roman" panose="02020603050405020304" pitchFamily="18" charset="0"/>
-                <a:ea typeface="Times New Roman" panose="02020603050405020304" pitchFamily="18" charset="0"/>
-                <a:cs typeface="Times New Roman" panose="02020603050405020304" pitchFamily="18" charset="0"/>
-              </a:rPr>
-              <a:t> </a:t>
-            </a:r>
-            <a:r>
-              <a:rPr lang="en-US" sz="1800" err="1">
-                <a:solidFill>
-                  <a:srgbClr val="000000"/>
-                </a:solidFill>
-                <a:effectLst/>
-                <a:latin typeface="Times New Roman" panose="02020603050405020304" pitchFamily="18" charset="0"/>
-                <a:ea typeface="Times New Roman" panose="02020603050405020304" pitchFamily="18" charset="0"/>
-                <a:cs typeface="Times New Roman" panose="02020603050405020304" pitchFamily="18" charset="0"/>
-              </a:rPr>
-              <a:t>được</a:t>
-            </a:r>
-            <a:r>
-              <a:rPr lang="en-US" sz="1800">
-                <a:solidFill>
-                  <a:srgbClr val="000000"/>
-                </a:solidFill>
-                <a:effectLst/>
-                <a:latin typeface="Times New Roman" panose="02020603050405020304" pitchFamily="18" charset="0"/>
-                <a:ea typeface="Times New Roman" panose="02020603050405020304" pitchFamily="18" charset="0"/>
-                <a:cs typeface="Times New Roman" panose="02020603050405020304" pitchFamily="18" charset="0"/>
-              </a:rPr>
-              <a:t> </a:t>
-            </a:r>
-            <a:r>
-              <a:rPr lang="en-US" sz="1800" err="1">
-                <a:solidFill>
-                  <a:srgbClr val="000000"/>
-                </a:solidFill>
-                <a:effectLst/>
-                <a:latin typeface="Times New Roman" panose="02020603050405020304" pitchFamily="18" charset="0"/>
-                <a:ea typeface="Times New Roman" panose="02020603050405020304" pitchFamily="18" charset="0"/>
-                <a:cs typeface="Times New Roman" panose="02020603050405020304" pitchFamily="18" charset="0"/>
-              </a:rPr>
-              <a:t>biết</a:t>
-            </a:r>
-            <a:r>
-              <a:rPr lang="en-US" sz="1800">
-                <a:solidFill>
-                  <a:srgbClr val="000000"/>
-                </a:solidFill>
-                <a:effectLst/>
-                <a:latin typeface="Times New Roman" panose="02020603050405020304" pitchFamily="18" charset="0"/>
-                <a:ea typeface="Times New Roman" panose="02020603050405020304" pitchFamily="18" charset="0"/>
-                <a:cs typeface="Times New Roman" panose="02020603050405020304" pitchFamily="18" charset="0"/>
-              </a:rPr>
-              <a:t> </a:t>
-            </a:r>
-            <a:r>
-              <a:rPr lang="en-US" sz="1800" err="1">
-                <a:solidFill>
-                  <a:srgbClr val="000000"/>
-                </a:solidFill>
-                <a:effectLst/>
-                <a:latin typeface="Times New Roman" panose="02020603050405020304" pitchFamily="18" charset="0"/>
-                <a:ea typeface="Times New Roman" panose="02020603050405020304" pitchFamily="18" charset="0"/>
-                <a:cs typeface="Times New Roman" panose="02020603050405020304" pitchFamily="18" charset="0"/>
-              </a:rPr>
-              <a:t>là</a:t>
-            </a:r>
-            <a:r>
-              <a:rPr lang="en-US" sz="1800">
-                <a:solidFill>
-                  <a:srgbClr val="000000"/>
-                </a:solidFill>
-                <a:effectLst/>
-                <a:latin typeface="Times New Roman" panose="02020603050405020304" pitchFamily="18" charset="0"/>
-                <a:ea typeface="Times New Roman" panose="02020603050405020304" pitchFamily="18" charset="0"/>
-                <a:cs typeface="Times New Roman" panose="02020603050405020304" pitchFamily="18" charset="0"/>
-              </a:rPr>
-              <a:t> </a:t>
-            </a:r>
-            <a:r>
-              <a:rPr lang="en-US" sz="1800" err="1">
-                <a:solidFill>
-                  <a:srgbClr val="000000"/>
-                </a:solidFill>
-                <a:effectLst/>
-                <a:latin typeface="Times New Roman" panose="02020603050405020304" pitchFamily="18" charset="0"/>
-                <a:ea typeface="Times New Roman" panose="02020603050405020304" pitchFamily="18" charset="0"/>
-                <a:cs typeface="Times New Roman" panose="02020603050405020304" pitchFamily="18" charset="0"/>
-              </a:rPr>
-              <a:t>chứa</a:t>
-            </a:r>
-            <a:r>
-              <a:rPr lang="en-US" sz="1800">
-                <a:solidFill>
-                  <a:srgbClr val="000000"/>
-                </a:solidFill>
-                <a:effectLst/>
-                <a:latin typeface="Times New Roman" panose="02020603050405020304" pitchFamily="18" charset="0"/>
-                <a:ea typeface="Times New Roman" panose="02020603050405020304" pitchFamily="18" charset="0"/>
-                <a:cs typeface="Times New Roman" panose="02020603050405020304" pitchFamily="18" charset="0"/>
-              </a:rPr>
-              <a:t> anti-CRISPR protein,</a:t>
-            </a:r>
-            <a:endParaRPr lang="en-US" sz="1800">
+                <a:effectLst/>
+              </a:rPr>
+              <a:t>902 protein không phải là anti-CRISPR protein</a:t>
+            </a:r>
+            <a:endParaRPr lang="en-US" sz="1800" b="0" i="0">
+              <a:solidFill>
+                <a:srgbClr val="000000"/>
+              </a:solidFill>
               <a:effectLst/>
-              <a:latin typeface="Times New Roman" panose="02020603050405020304" pitchFamily="18" charset="0"/>
-              <a:ea typeface="Times New Roman" panose="02020603050405020304" pitchFamily="18" charset="0"/>
-              <a:cs typeface="Arial" panose="020B0604020202020204" pitchFamily="34" charset="0"/>
+              <a:latin typeface="TimesNewRomanPSMT"/>
             </a:endParaRPr>
           </a:p>
           <a:p>
@@ -13710,7 +12978,37 @@
               </a:spcAft>
             </a:pPr>
             <a:r>
-              <a:rPr lang="en-US" sz="1800" err="1">
+              <a:rPr lang="vi-VN" sz="1800" b="0" i="0">
+                <a:solidFill>
+                  <a:srgbClr val="000000"/>
+                </a:solidFill>
+                <a:effectLst/>
+                <a:latin typeface="TimesNewRomanPSMT"/>
+              </a:rPr>
+              <a:t>Không được biết hoặc tự đặt tên là anti-CRISPR,</a:t>
+            </a:r>
+            <a:endParaRPr lang="en-US" sz="2400" b="0" i="0">
+              <a:solidFill>
+                <a:srgbClr val="000000"/>
+              </a:solidFill>
+              <a:effectLst/>
+              <a:latin typeface="TimesNewRomanPSMT"/>
+            </a:endParaRPr>
+          </a:p>
+          <a:p>
+            <a:pPr marL="342900" marR="0" lvl="0" indent="-342900">
+              <a:lnSpc>
+                <a:spcPct val="107000"/>
+              </a:lnSpc>
+              <a:spcBef>
+                <a:spcPts val="0"/>
+              </a:spcBef>
+              <a:spcAft>
+                <a:spcPts val="800"/>
+              </a:spcAft>
+            </a:pPr>
+            <a:r>
+              <a:rPr lang="en-US" sz="1800">
                 <a:solidFill>
                   <a:srgbClr val="000000"/>
                 </a:solidFill>
@@ -13719,19 +13017,7 @@
                 <a:ea typeface="Times New Roman" panose="02020603050405020304" pitchFamily="18" charset="0"/>
                 <a:cs typeface="Times New Roman" panose="02020603050405020304" pitchFamily="18" charset="0"/>
               </a:rPr>
-              <a:t>Phải</a:t>
-            </a:r>
-            <a:r>
-              <a:rPr lang="en-US" sz="1800">
-                <a:solidFill>
-                  <a:srgbClr val="000000"/>
-                </a:solidFill>
-                <a:effectLst/>
-                <a:latin typeface="Times New Roman" panose="02020603050405020304" pitchFamily="18" charset="0"/>
-                <a:ea typeface="Times New Roman" panose="02020603050405020304" pitchFamily="18" charset="0"/>
-                <a:cs typeface="Times New Roman" panose="02020603050405020304" pitchFamily="18" charset="0"/>
-              </a:rPr>
-              <a:t> </a:t>
+              <a:t>Phải </a:t>
             </a:r>
             <a:r>
               <a:rPr lang="en-US" sz="1800" err="1">

--- a/Documents/TSH_Slide.pptx
+++ b/Documents/TSH_Slide.pptx
@@ -5,7 +5,7 @@
     <p:sldMasterId id="2147483648" r:id="rId1"/>
   </p:sldMasterIdLst>
   <p:notesMasterIdLst>
-    <p:notesMasterId r:id="rId13"/>
+    <p:notesMasterId r:id="rId16"/>
   </p:notesMasterIdLst>
   <p:sldIdLst>
     <p:sldId id="267" r:id="rId2"/>
@@ -15,32 +15,35 @@
     <p:sldId id="276" r:id="rId6"/>
     <p:sldId id="277" r:id="rId7"/>
     <p:sldId id="275" r:id="rId8"/>
-    <p:sldId id="278" r:id="rId9"/>
-    <p:sldId id="271" r:id="rId10"/>
-    <p:sldId id="279" r:id="rId11"/>
-    <p:sldId id="273" r:id="rId12"/>
+    <p:sldId id="280" r:id="rId9"/>
+    <p:sldId id="278" r:id="rId10"/>
+    <p:sldId id="281" r:id="rId11"/>
+    <p:sldId id="282" r:id="rId12"/>
+    <p:sldId id="271" r:id="rId13"/>
+    <p:sldId id="279" r:id="rId14"/>
+    <p:sldId id="273" r:id="rId15"/>
   </p:sldIdLst>
   <p:sldSz cx="9144000" cy="5143500" type="screen16x9"/>
   <p:notesSz cx="6858000" cy="9144000"/>
   <p:embeddedFontLst>
     <p:embeddedFont>
       <p:font typeface="Calibri" panose="020F0502020204030204" pitchFamily="34" charset="0"/>
-      <p:regular r:id="rId14"/>
-      <p:bold r:id="rId15"/>
-      <p:italic r:id="rId16"/>
-      <p:boldItalic r:id="rId17"/>
+      <p:regular r:id="rId17"/>
+      <p:bold r:id="rId18"/>
+      <p:italic r:id="rId19"/>
+      <p:boldItalic r:id="rId20"/>
     </p:embeddedFont>
     <p:embeddedFont>
       <p:font typeface="Calibri Light" panose="020F0302020204030204" pitchFamily="34" charset="0"/>
-      <p:regular r:id="rId18"/>
-      <p:italic r:id="rId19"/>
+      <p:regular r:id="rId21"/>
+      <p:italic r:id="rId22"/>
     </p:embeddedFont>
     <p:embeddedFont>
       <p:font typeface="Lato" panose="020B0604020202020204" charset="0"/>
-      <p:regular r:id="rId20"/>
-      <p:bold r:id="rId21"/>
-      <p:italic r:id="rId22"/>
-      <p:boldItalic r:id="rId23"/>
+      <p:regular r:id="rId23"/>
+      <p:bold r:id="rId24"/>
+      <p:italic r:id="rId25"/>
+      <p:boldItalic r:id="rId26"/>
     </p:embeddedFont>
   </p:embeddedFontLst>
   <p:defaultTextStyle>
@@ -1238,20 +1241,20 @@
   </dgm:ptLst>
   <dgm:cxnLst>
     <dgm:cxn modelId="{5F67B70B-B8DE-4050-9407-21D63ACAA954}" srcId="{E1EE600D-C8A7-4439-A50D-3F9EACB8DD18}" destId="{03475D42-3A56-4BDB-AEFE-60B91292DF4C}" srcOrd="0" destOrd="0" parTransId="{581746FC-417F-4BCB-86F9-660D01E4FE0E}" sibTransId="{7EAF5633-38E5-49B5-9187-EAB2C56E3EAD}"/>
-    <dgm:cxn modelId="{769A673F-6556-4950-88FA-5DE12BADF662}" type="presOf" srcId="{03475D42-3A56-4BDB-AEFE-60B91292DF4C}" destId="{917BBCEB-082D-4ADA-A78C-EADFCE4091E0}" srcOrd="0" destOrd="0" presId="urn:microsoft.com/office/officeart/2005/8/layout/hierarchy1"/>
-    <dgm:cxn modelId="{9088DC47-155B-49A2-9EAC-2B162C7AF184}" type="presOf" srcId="{311EC4DC-22FB-4E3A-8252-0B9F74148F95}" destId="{5BEDC2F2-F278-4F4B-ADEF-FCBFE813A0EB}" srcOrd="0" destOrd="0" presId="urn:microsoft.com/office/officeart/2005/8/layout/hierarchy1"/>
+    <dgm:cxn modelId="{7D0A1F39-2D7E-4F37-8486-2525212F2163}" type="presOf" srcId="{311EC4DC-22FB-4E3A-8252-0B9F74148F95}" destId="{5BEDC2F2-F278-4F4B-ADEF-FCBFE813A0EB}" srcOrd="0" destOrd="0" presId="urn:microsoft.com/office/officeart/2005/8/layout/hierarchy1"/>
+    <dgm:cxn modelId="{78A0D884-AB30-4044-966E-CC7F4E961E14}" type="presOf" srcId="{E1EE600D-C8A7-4439-A50D-3F9EACB8DD18}" destId="{444D80C7-B1EE-4A86-8BE6-6902748CF597}" srcOrd="0" destOrd="0" presId="urn:microsoft.com/office/officeart/2005/8/layout/hierarchy1"/>
+    <dgm:cxn modelId="{4C66F88F-BD5F-4498-88EE-6DED67FAA63F}" type="presOf" srcId="{03475D42-3A56-4BDB-AEFE-60B91292DF4C}" destId="{917BBCEB-082D-4ADA-A78C-EADFCE4091E0}" srcOrd="0" destOrd="0" presId="urn:microsoft.com/office/officeart/2005/8/layout/hierarchy1"/>
     <dgm:cxn modelId="{AEAB3892-DBA2-4A84-9B42-7070C4ECD4CC}" srcId="{E1EE600D-C8A7-4439-A50D-3F9EACB8DD18}" destId="{311EC4DC-22FB-4E3A-8252-0B9F74148F95}" srcOrd="1" destOrd="0" parTransId="{D254A6F2-075E-46D9-B88E-6E3D894A8B94}" sibTransId="{3DC50A49-A199-43A9-BB13-D478852BE858}"/>
-    <dgm:cxn modelId="{FCCC8CCC-04F2-4F58-8CB6-11F39CC82100}" type="presOf" srcId="{E1EE600D-C8A7-4439-A50D-3F9EACB8DD18}" destId="{444D80C7-B1EE-4A86-8BE6-6902748CF597}" srcOrd="0" destOrd="0" presId="urn:microsoft.com/office/officeart/2005/8/layout/hierarchy1"/>
-    <dgm:cxn modelId="{6984211E-8038-479A-B648-3EC4C2A82BDF}" type="presParOf" srcId="{444D80C7-B1EE-4A86-8BE6-6902748CF597}" destId="{DE215095-2C97-493D-B76B-97C273073C7B}" srcOrd="0" destOrd="0" presId="urn:microsoft.com/office/officeart/2005/8/layout/hierarchy1"/>
-    <dgm:cxn modelId="{471A6B47-CBC8-44C9-B5AD-BA44DD5A6F39}" type="presParOf" srcId="{DE215095-2C97-493D-B76B-97C273073C7B}" destId="{BB7C7042-2FD0-4DE7-80E2-359CE37B15AC}" srcOrd="0" destOrd="0" presId="urn:microsoft.com/office/officeart/2005/8/layout/hierarchy1"/>
-    <dgm:cxn modelId="{AB41EA88-308D-4728-81BA-B008F2DB4F56}" type="presParOf" srcId="{BB7C7042-2FD0-4DE7-80E2-359CE37B15AC}" destId="{5C5C8E9C-B583-4B83-BCB8-879BE35D0824}" srcOrd="0" destOrd="0" presId="urn:microsoft.com/office/officeart/2005/8/layout/hierarchy1"/>
-    <dgm:cxn modelId="{4CF51489-E2B9-43D3-88C0-6707BB8FBCD7}" type="presParOf" srcId="{BB7C7042-2FD0-4DE7-80E2-359CE37B15AC}" destId="{917BBCEB-082D-4ADA-A78C-EADFCE4091E0}" srcOrd="1" destOrd="0" presId="urn:microsoft.com/office/officeart/2005/8/layout/hierarchy1"/>
-    <dgm:cxn modelId="{4B3E1D08-5090-41F1-963E-EA5F027E216D}" type="presParOf" srcId="{DE215095-2C97-493D-B76B-97C273073C7B}" destId="{C884DDC3-5931-4AAD-B358-28ADBD269BC1}" srcOrd="1" destOrd="0" presId="urn:microsoft.com/office/officeart/2005/8/layout/hierarchy1"/>
-    <dgm:cxn modelId="{0C8953AF-A2F1-4BAC-990D-4F0513E4ABBF}" type="presParOf" srcId="{444D80C7-B1EE-4A86-8BE6-6902748CF597}" destId="{5013AB19-AD22-44E9-9396-46B74E08656B}" srcOrd="1" destOrd="0" presId="urn:microsoft.com/office/officeart/2005/8/layout/hierarchy1"/>
-    <dgm:cxn modelId="{CF7D90E5-7EA6-44AA-976F-43E01A53F018}" type="presParOf" srcId="{5013AB19-AD22-44E9-9396-46B74E08656B}" destId="{8B902EA2-9160-468A-B8B8-793B247B147D}" srcOrd="0" destOrd="0" presId="urn:microsoft.com/office/officeart/2005/8/layout/hierarchy1"/>
-    <dgm:cxn modelId="{558213E9-C3DD-4B50-B14B-38294270A8CE}" type="presParOf" srcId="{8B902EA2-9160-468A-B8B8-793B247B147D}" destId="{0FBD202D-7EBF-4889-8F05-1DD8940AA7DC}" srcOrd="0" destOrd="0" presId="urn:microsoft.com/office/officeart/2005/8/layout/hierarchy1"/>
-    <dgm:cxn modelId="{BBCED8DC-2F33-49F3-981C-E1A6AAC6DCB1}" type="presParOf" srcId="{8B902EA2-9160-468A-B8B8-793B247B147D}" destId="{5BEDC2F2-F278-4F4B-ADEF-FCBFE813A0EB}" srcOrd="1" destOrd="0" presId="urn:microsoft.com/office/officeart/2005/8/layout/hierarchy1"/>
-    <dgm:cxn modelId="{AC76BB20-9B0C-4B3B-B8F6-0160491BE281}" type="presParOf" srcId="{5013AB19-AD22-44E9-9396-46B74E08656B}" destId="{024DB5DA-56B9-4B43-B60E-5CE7BA614A89}" srcOrd="1" destOrd="0" presId="urn:microsoft.com/office/officeart/2005/8/layout/hierarchy1"/>
+    <dgm:cxn modelId="{78CBAB68-1B13-4E33-8E9C-9D000F6CBEF2}" type="presParOf" srcId="{444D80C7-B1EE-4A86-8BE6-6902748CF597}" destId="{DE215095-2C97-493D-B76B-97C273073C7B}" srcOrd="0" destOrd="0" presId="urn:microsoft.com/office/officeart/2005/8/layout/hierarchy1"/>
+    <dgm:cxn modelId="{0CC446D5-E961-4A50-953C-EE44B5A284D7}" type="presParOf" srcId="{DE215095-2C97-493D-B76B-97C273073C7B}" destId="{BB7C7042-2FD0-4DE7-80E2-359CE37B15AC}" srcOrd="0" destOrd="0" presId="urn:microsoft.com/office/officeart/2005/8/layout/hierarchy1"/>
+    <dgm:cxn modelId="{3570F7C0-D981-46F0-9BD5-1F477FBFDCB3}" type="presParOf" srcId="{BB7C7042-2FD0-4DE7-80E2-359CE37B15AC}" destId="{5C5C8E9C-B583-4B83-BCB8-879BE35D0824}" srcOrd="0" destOrd="0" presId="urn:microsoft.com/office/officeart/2005/8/layout/hierarchy1"/>
+    <dgm:cxn modelId="{6003F950-BB23-40FB-8C6C-50459ED242D6}" type="presParOf" srcId="{BB7C7042-2FD0-4DE7-80E2-359CE37B15AC}" destId="{917BBCEB-082D-4ADA-A78C-EADFCE4091E0}" srcOrd="1" destOrd="0" presId="urn:microsoft.com/office/officeart/2005/8/layout/hierarchy1"/>
+    <dgm:cxn modelId="{C744189E-C993-4291-A263-BF387077EF09}" type="presParOf" srcId="{DE215095-2C97-493D-B76B-97C273073C7B}" destId="{C884DDC3-5931-4AAD-B358-28ADBD269BC1}" srcOrd="1" destOrd="0" presId="urn:microsoft.com/office/officeart/2005/8/layout/hierarchy1"/>
+    <dgm:cxn modelId="{3D131E9C-1594-4F60-8875-8DB84ECC0104}" type="presParOf" srcId="{444D80C7-B1EE-4A86-8BE6-6902748CF597}" destId="{5013AB19-AD22-44E9-9396-46B74E08656B}" srcOrd="1" destOrd="0" presId="urn:microsoft.com/office/officeart/2005/8/layout/hierarchy1"/>
+    <dgm:cxn modelId="{22EB0937-4C06-44FC-A429-9B53D451D8A8}" type="presParOf" srcId="{5013AB19-AD22-44E9-9396-46B74E08656B}" destId="{8B902EA2-9160-468A-B8B8-793B247B147D}" srcOrd="0" destOrd="0" presId="urn:microsoft.com/office/officeart/2005/8/layout/hierarchy1"/>
+    <dgm:cxn modelId="{130BF6B6-61B2-4B2C-8D6B-D48B9AFA57CF}" type="presParOf" srcId="{8B902EA2-9160-468A-B8B8-793B247B147D}" destId="{0FBD202D-7EBF-4889-8F05-1DD8940AA7DC}" srcOrd="0" destOrd="0" presId="urn:microsoft.com/office/officeart/2005/8/layout/hierarchy1"/>
+    <dgm:cxn modelId="{A542EEB1-6FDB-4BA2-8657-8E54A6F6CB31}" type="presParOf" srcId="{8B902EA2-9160-468A-B8B8-793B247B147D}" destId="{5BEDC2F2-F278-4F4B-ADEF-FCBFE813A0EB}" srcOrd="1" destOrd="0" presId="urn:microsoft.com/office/officeart/2005/8/layout/hierarchy1"/>
+    <dgm:cxn modelId="{680DEDFD-B076-451F-9F5F-F87D39D162E5}" type="presParOf" srcId="{5013AB19-AD22-44E9-9396-46B74E08656B}" destId="{024DB5DA-56B9-4B43-B60E-5CE7BA614A89}" srcOrd="1" destOrd="0" presId="urn:microsoft.com/office/officeart/2005/8/layout/hierarchy1"/>
   </dgm:cxnLst>
   <dgm:bg/>
   <dgm:whole/>
@@ -5070,6 +5073,1442 @@
 <file path=ppt/slides/slide10.xml><?xml version="1.0" encoding="utf-8"?>
 <p:sld xmlns:a="http://schemas.openxmlformats.org/drawingml/2006/main" xmlns:r="http://schemas.openxmlformats.org/officeDocument/2006/relationships" xmlns:p="http://schemas.openxmlformats.org/presentationml/2006/main">
   <p:cSld>
+    <p:spTree>
+      <p:nvGrpSpPr>
+        <p:cNvPr id="1" name=""/>
+        <p:cNvGrpSpPr/>
+        <p:nvPr/>
+      </p:nvGrpSpPr>
+      <p:grpSpPr>
+        <a:xfrm>
+          <a:off x="0" y="0"/>
+          <a:ext cx="0" cy="0"/>
+          <a:chOff x="0" y="0"/>
+          <a:chExt cx="0" cy="0"/>
+        </a:xfrm>
+      </p:grpSpPr>
+      <p:sp>
+        <p:nvSpPr>
+          <p:cNvPr id="3" name="Title 2">
+            <a:extLst>
+              <a:ext uri="{FF2B5EF4-FFF2-40B4-BE49-F238E27FC236}">
+                <a16:creationId xmlns:a16="http://schemas.microsoft.com/office/drawing/2014/main" id="{3CFD9C83-41D5-4B85-B776-F102189D895F}"/>
+              </a:ext>
+            </a:extLst>
+          </p:cNvPr>
+          <p:cNvSpPr>
+            <a:spLocks noGrp="1"/>
+          </p:cNvSpPr>
+          <p:nvPr>
+            <p:ph type="title"/>
+          </p:nvPr>
+        </p:nvSpPr>
+        <p:spPr>
+          <a:xfrm>
+            <a:off x="482600" y="241300"/>
+            <a:ext cx="8178799" cy="851803"/>
+          </a:xfrm>
+        </p:spPr>
+        <p:txBody>
+          <a:bodyPr vert="horz" lIns="91440" tIns="45720" rIns="91440" bIns="45720" rtlCol="0" anchor="ctr">
+            <a:normAutofit/>
+          </a:bodyPr>
+          <a:lstStyle>
+            <a:defPPr>
+              <a:defRPr lang="en-US"/>
+            </a:defPPr>
+            <a:lvl1pPr marL="0" algn="l" defTabSz="685800" rtl="0" eaLnBrk="1" latinLnBrk="0" hangingPunct="1">
+              <a:defRPr sz="1350" kern="1200">
+                <a:solidFill>
+                  <a:schemeClr val="tx1"/>
+                </a:solidFill>
+                <a:latin typeface="+mn-lt"/>
+                <a:ea typeface="+mn-ea"/>
+                <a:cs typeface="+mn-cs"/>
+              </a:defRPr>
+            </a:lvl1pPr>
+            <a:lvl2pPr marL="342900" algn="l" defTabSz="685800" rtl="0" eaLnBrk="1" latinLnBrk="0" hangingPunct="1">
+              <a:defRPr sz="1350" kern="1200">
+                <a:solidFill>
+                  <a:schemeClr val="tx1"/>
+                </a:solidFill>
+                <a:latin typeface="+mn-lt"/>
+                <a:ea typeface="+mn-ea"/>
+                <a:cs typeface="+mn-cs"/>
+              </a:defRPr>
+            </a:lvl2pPr>
+            <a:lvl3pPr marL="685800" algn="l" defTabSz="685800" rtl="0" eaLnBrk="1" latinLnBrk="0" hangingPunct="1">
+              <a:defRPr sz="1350" kern="1200">
+                <a:solidFill>
+                  <a:schemeClr val="tx1"/>
+                </a:solidFill>
+                <a:latin typeface="+mn-lt"/>
+                <a:ea typeface="+mn-ea"/>
+                <a:cs typeface="+mn-cs"/>
+              </a:defRPr>
+            </a:lvl3pPr>
+            <a:lvl4pPr marL="1028700" algn="l" defTabSz="685800" rtl="0" eaLnBrk="1" latinLnBrk="0" hangingPunct="1">
+              <a:defRPr sz="1350" kern="1200">
+                <a:solidFill>
+                  <a:schemeClr val="tx1"/>
+                </a:solidFill>
+                <a:latin typeface="+mn-lt"/>
+                <a:ea typeface="+mn-ea"/>
+                <a:cs typeface="+mn-cs"/>
+              </a:defRPr>
+            </a:lvl4pPr>
+            <a:lvl5pPr marL="1371600" algn="l" defTabSz="685800" rtl="0" eaLnBrk="1" latinLnBrk="0" hangingPunct="1">
+              <a:defRPr sz="1350" kern="1200">
+                <a:solidFill>
+                  <a:schemeClr val="tx1"/>
+                </a:solidFill>
+                <a:latin typeface="+mn-lt"/>
+                <a:ea typeface="+mn-ea"/>
+                <a:cs typeface="+mn-cs"/>
+              </a:defRPr>
+            </a:lvl5pPr>
+            <a:lvl6pPr marL="1714500" algn="l" defTabSz="685800" rtl="0" eaLnBrk="1" latinLnBrk="0" hangingPunct="1">
+              <a:defRPr sz="1350" kern="1200">
+                <a:solidFill>
+                  <a:schemeClr val="tx1"/>
+                </a:solidFill>
+                <a:latin typeface="+mn-lt"/>
+                <a:ea typeface="+mn-ea"/>
+                <a:cs typeface="+mn-cs"/>
+              </a:defRPr>
+            </a:lvl6pPr>
+            <a:lvl7pPr marL="2057400" algn="l" defTabSz="685800" rtl="0" eaLnBrk="1" latinLnBrk="0" hangingPunct="1">
+              <a:defRPr sz="1350" kern="1200">
+                <a:solidFill>
+                  <a:schemeClr val="tx1"/>
+                </a:solidFill>
+                <a:latin typeface="+mn-lt"/>
+                <a:ea typeface="+mn-ea"/>
+                <a:cs typeface="+mn-cs"/>
+              </a:defRPr>
+            </a:lvl7pPr>
+            <a:lvl8pPr marL="2400300" algn="l" defTabSz="685800" rtl="0" eaLnBrk="1" latinLnBrk="0" hangingPunct="1">
+              <a:defRPr sz="1350" kern="1200">
+                <a:solidFill>
+                  <a:schemeClr val="tx1"/>
+                </a:solidFill>
+                <a:latin typeface="+mn-lt"/>
+                <a:ea typeface="+mn-ea"/>
+                <a:cs typeface="+mn-cs"/>
+              </a:defRPr>
+            </a:lvl8pPr>
+            <a:lvl9pPr marL="2743200" algn="l" defTabSz="685800" rtl="0" eaLnBrk="1" latinLnBrk="0" hangingPunct="1">
+              <a:defRPr sz="1350" kern="1200">
+                <a:solidFill>
+                  <a:schemeClr val="tx1"/>
+                </a:solidFill>
+                <a:latin typeface="+mn-lt"/>
+                <a:ea typeface="+mn-ea"/>
+                <a:cs typeface="+mn-cs"/>
+              </a:defRPr>
+            </a:lvl9pPr>
+          </a:lstStyle>
+          <a:p>
+            <a:pPr defTabSz="914400"/>
+            <a:r>
+              <a:rPr lang="en-US" sz="2700" kern="1200">
+                <a:solidFill>
+                  <a:schemeClr val="tx1"/>
+                </a:solidFill>
+                <a:latin typeface="+mj-lt"/>
+                <a:ea typeface="+mj-ea"/>
+                <a:cs typeface="+mj-cs"/>
+              </a:rPr>
+              <a:t>6. </a:t>
+            </a:r>
+            <a:r>
+              <a:rPr lang="en-US" sz="2700" kern="1200" err="1">
+                <a:solidFill>
+                  <a:schemeClr val="tx1"/>
+                </a:solidFill>
+                <a:latin typeface="+mj-lt"/>
+                <a:ea typeface="+mj-ea"/>
+                <a:cs typeface="+mj-cs"/>
+              </a:rPr>
+              <a:t>Trích</a:t>
+            </a:r>
+            <a:r>
+              <a:rPr lang="en-US" sz="2700" kern="1200">
+                <a:solidFill>
+                  <a:schemeClr val="tx1"/>
+                </a:solidFill>
+                <a:latin typeface="+mj-lt"/>
+                <a:ea typeface="+mj-ea"/>
+                <a:cs typeface="+mj-cs"/>
+              </a:rPr>
+              <a:t> </a:t>
+            </a:r>
+            <a:r>
+              <a:rPr lang="en-US" sz="2700" kern="1200" err="1">
+                <a:solidFill>
+                  <a:schemeClr val="tx1"/>
+                </a:solidFill>
+                <a:latin typeface="+mj-lt"/>
+                <a:ea typeface="+mj-ea"/>
+                <a:cs typeface="+mj-cs"/>
+              </a:rPr>
+              <a:t>chọn</a:t>
+            </a:r>
+            <a:r>
+              <a:rPr lang="en-US" sz="2700" kern="1200">
+                <a:solidFill>
+                  <a:schemeClr val="tx1"/>
+                </a:solidFill>
+                <a:latin typeface="+mj-lt"/>
+                <a:ea typeface="+mj-ea"/>
+                <a:cs typeface="+mj-cs"/>
+              </a:rPr>
+              <a:t> </a:t>
+            </a:r>
+            <a:r>
+              <a:rPr lang="en-US" sz="2700" kern="1200" err="1">
+                <a:solidFill>
+                  <a:schemeClr val="tx1"/>
+                </a:solidFill>
+                <a:latin typeface="+mj-lt"/>
+                <a:ea typeface="+mj-ea"/>
+                <a:cs typeface="+mj-cs"/>
+              </a:rPr>
+              <a:t>đặc</a:t>
+            </a:r>
+            <a:r>
+              <a:rPr lang="en-US" sz="2700" kern="1200">
+                <a:solidFill>
+                  <a:schemeClr val="tx1"/>
+                </a:solidFill>
+                <a:latin typeface="+mj-lt"/>
+                <a:ea typeface="+mj-ea"/>
+                <a:cs typeface="+mj-cs"/>
+              </a:rPr>
+              <a:t> </a:t>
+            </a:r>
+            <a:r>
+              <a:rPr lang="en-US" sz="2700" kern="1200" err="1">
+                <a:solidFill>
+                  <a:schemeClr val="tx1"/>
+                </a:solidFill>
+                <a:latin typeface="+mj-lt"/>
+                <a:ea typeface="+mj-ea"/>
+                <a:cs typeface="+mj-cs"/>
+              </a:rPr>
+              <a:t>trưng</a:t>
+            </a:r>
+            <a:endParaRPr lang="en-US" sz="2700" kern="1200">
+              <a:solidFill>
+                <a:schemeClr val="tx1"/>
+              </a:solidFill>
+              <a:latin typeface="+mj-lt"/>
+              <a:ea typeface="+mj-ea"/>
+              <a:cs typeface="+mj-cs"/>
+            </a:endParaRPr>
+          </a:p>
+        </p:txBody>
+      </p:sp>
+      <p:sp>
+        <p:nvSpPr>
+          <p:cNvPr id="2" name="Content Placeholder 1">
+            <a:extLst>
+              <a:ext uri="{FF2B5EF4-FFF2-40B4-BE49-F238E27FC236}">
+                <a16:creationId xmlns:a16="http://schemas.microsoft.com/office/drawing/2014/main" id="{E0253F9F-1567-4137-BBEC-7DB1E364FB0F}"/>
+              </a:ext>
+            </a:extLst>
+          </p:cNvPr>
+          <p:cNvSpPr>
+            <a:spLocks noGrp="1"/>
+          </p:cNvSpPr>
+          <p:nvPr>
+            <p:ph sz="quarter" idx="10"/>
+          </p:nvPr>
+        </p:nvSpPr>
+        <p:spPr>
+          <a:xfrm>
+            <a:off x="380272" y="1334403"/>
+            <a:ext cx="4648928" cy="3295487"/>
+          </a:xfrm>
+        </p:spPr>
+        <p:txBody>
+          <a:bodyPr vert="horz" lIns="91440" tIns="45720" rIns="91440" bIns="45720" rtlCol="0">
+            <a:noAutofit/>
+          </a:bodyPr>
+          <a:lstStyle>
+            <a:defPPr>
+              <a:defRPr lang="en-US"/>
+            </a:defPPr>
+            <a:lvl1pPr marL="0" algn="l" defTabSz="685800" rtl="0" eaLnBrk="1" latinLnBrk="0" hangingPunct="1">
+              <a:defRPr sz="1350" kern="1200">
+                <a:solidFill>
+                  <a:schemeClr val="tx1"/>
+                </a:solidFill>
+                <a:latin typeface="+mn-lt"/>
+                <a:ea typeface="+mn-ea"/>
+                <a:cs typeface="+mn-cs"/>
+              </a:defRPr>
+            </a:lvl1pPr>
+            <a:lvl2pPr marL="342900" algn="l" defTabSz="685800" rtl="0" eaLnBrk="1" latinLnBrk="0" hangingPunct="1">
+              <a:defRPr sz="1350" kern="1200">
+                <a:solidFill>
+                  <a:schemeClr val="tx1"/>
+                </a:solidFill>
+                <a:latin typeface="+mn-lt"/>
+                <a:ea typeface="+mn-ea"/>
+                <a:cs typeface="+mn-cs"/>
+              </a:defRPr>
+            </a:lvl2pPr>
+            <a:lvl3pPr marL="685800" algn="l" defTabSz="685800" rtl="0" eaLnBrk="1" latinLnBrk="0" hangingPunct="1">
+              <a:defRPr sz="1350" kern="1200">
+                <a:solidFill>
+                  <a:schemeClr val="tx1"/>
+                </a:solidFill>
+                <a:latin typeface="+mn-lt"/>
+                <a:ea typeface="+mn-ea"/>
+                <a:cs typeface="+mn-cs"/>
+              </a:defRPr>
+            </a:lvl3pPr>
+            <a:lvl4pPr marL="1028700" algn="l" defTabSz="685800" rtl="0" eaLnBrk="1" latinLnBrk="0" hangingPunct="1">
+              <a:defRPr sz="1350" kern="1200">
+                <a:solidFill>
+                  <a:schemeClr val="tx1"/>
+                </a:solidFill>
+                <a:latin typeface="+mn-lt"/>
+                <a:ea typeface="+mn-ea"/>
+                <a:cs typeface="+mn-cs"/>
+              </a:defRPr>
+            </a:lvl4pPr>
+            <a:lvl5pPr marL="1371600" algn="l" defTabSz="685800" rtl="0" eaLnBrk="1" latinLnBrk="0" hangingPunct="1">
+              <a:defRPr sz="1350" kern="1200">
+                <a:solidFill>
+                  <a:schemeClr val="tx1"/>
+                </a:solidFill>
+                <a:latin typeface="+mn-lt"/>
+                <a:ea typeface="+mn-ea"/>
+                <a:cs typeface="+mn-cs"/>
+              </a:defRPr>
+            </a:lvl5pPr>
+            <a:lvl6pPr marL="1714500" algn="l" defTabSz="685800" rtl="0" eaLnBrk="1" latinLnBrk="0" hangingPunct="1">
+              <a:defRPr sz="1350" kern="1200">
+                <a:solidFill>
+                  <a:schemeClr val="tx1"/>
+                </a:solidFill>
+                <a:latin typeface="+mn-lt"/>
+                <a:ea typeface="+mn-ea"/>
+                <a:cs typeface="+mn-cs"/>
+              </a:defRPr>
+            </a:lvl6pPr>
+            <a:lvl7pPr marL="2057400" algn="l" defTabSz="685800" rtl="0" eaLnBrk="1" latinLnBrk="0" hangingPunct="1">
+              <a:defRPr sz="1350" kern="1200">
+                <a:solidFill>
+                  <a:schemeClr val="tx1"/>
+                </a:solidFill>
+                <a:latin typeface="+mn-lt"/>
+                <a:ea typeface="+mn-ea"/>
+                <a:cs typeface="+mn-cs"/>
+              </a:defRPr>
+            </a:lvl7pPr>
+            <a:lvl8pPr marL="2400300" algn="l" defTabSz="685800" rtl="0" eaLnBrk="1" latinLnBrk="0" hangingPunct="1">
+              <a:defRPr sz="1350" kern="1200">
+                <a:solidFill>
+                  <a:schemeClr val="tx1"/>
+                </a:solidFill>
+                <a:latin typeface="+mn-lt"/>
+                <a:ea typeface="+mn-ea"/>
+                <a:cs typeface="+mn-cs"/>
+              </a:defRPr>
+            </a:lvl8pPr>
+            <a:lvl9pPr marL="2743200" algn="l" defTabSz="685800" rtl="0" eaLnBrk="1" latinLnBrk="0" hangingPunct="1">
+              <a:defRPr sz="1350" kern="1200">
+                <a:solidFill>
+                  <a:schemeClr val="tx1"/>
+                </a:solidFill>
+                <a:latin typeface="+mn-lt"/>
+                <a:ea typeface="+mn-ea"/>
+                <a:cs typeface="+mn-cs"/>
+              </a:defRPr>
+            </a:lvl9pPr>
+          </a:lstStyle>
+          <a:p>
+            <a:pPr marL="0" marR="0" defTabSz="914400">
+              <a:spcBef>
+                <a:spcPts val="0"/>
+              </a:spcBef>
+              <a:spcAft>
+                <a:spcPts val="800"/>
+              </a:spcAft>
+            </a:pPr>
+            <a:r>
+              <a:rPr lang="en-US" sz="1800" b="0" i="0">
+                <a:solidFill>
+                  <a:srgbClr val="000000"/>
+                </a:solidFill>
+                <a:effectLst/>
+                <a:latin typeface="TimesNewRomanPSMT"/>
+              </a:rPr>
+              <a:t>T</a:t>
+            </a:r>
+            <a:r>
+              <a:rPr lang="vi-VN" sz="1800" b="0" i="0">
+                <a:solidFill>
+                  <a:srgbClr val="000000"/>
+                </a:solidFill>
+                <a:effectLst/>
+                <a:latin typeface="TimesNewRomanPSMT"/>
+              </a:rPr>
+              <a:t>hành phần 1</a:t>
+            </a:r>
+            <a:r>
+              <a:rPr lang="en-US" sz="1800" b="0" i="0">
+                <a:solidFill>
+                  <a:srgbClr val="000000"/>
+                </a:solidFill>
+                <a:effectLst/>
+                <a:latin typeface="TimesNewRomanPSMT"/>
+              </a:rPr>
+              <a:t>-</a:t>
+            </a:r>
+            <a:r>
+              <a:rPr lang="vi-VN" sz="1800" b="0" i="0">
+                <a:solidFill>
+                  <a:srgbClr val="000000"/>
+                </a:solidFill>
+                <a:effectLst/>
+                <a:latin typeface="TimesNewRomanPSMT"/>
+              </a:rPr>
+              <a:t>1 sẽ là số lượng xuất hiện nhóm hai axit amin</a:t>
+            </a:r>
+            <a:r>
+              <a:rPr lang="en-US" sz="1800" b="0" i="0">
+                <a:solidFill>
+                  <a:srgbClr val="000000"/>
+                </a:solidFill>
+                <a:effectLst/>
+                <a:latin typeface="TimesNewRomanPSMT"/>
+              </a:rPr>
+              <a:t> </a:t>
+            </a:r>
+            <a:r>
+              <a:rPr lang="vi-VN" sz="1800" b="0" i="0">
+                <a:solidFill>
+                  <a:srgbClr val="000000"/>
+                </a:solidFill>
+                <a:effectLst/>
+                <a:latin typeface="TimesNewRomanPSMT"/>
+              </a:rPr>
+              <a:t>được tạo nên từ lớp 1 trong (tổng AA, AG, AV, GA, GG, GV, VA, VG, VV có</a:t>
+            </a:r>
+            <a:r>
+              <a:rPr lang="en-US" sz="1800" b="0" i="0">
+                <a:solidFill>
+                  <a:srgbClr val="000000"/>
+                </a:solidFill>
+                <a:effectLst/>
+                <a:latin typeface="TimesNewRomanPSMT"/>
+              </a:rPr>
+              <a:t> </a:t>
+            </a:r>
+            <a:r>
+              <a:rPr lang="vi-VN" sz="1800" b="0" i="0">
+                <a:solidFill>
+                  <a:srgbClr val="000000"/>
+                </a:solidFill>
+                <a:effectLst/>
+                <a:latin typeface="TimesNewRomanPSMT"/>
+              </a:rPr>
+              <a:t>trong chuỗi protein</a:t>
+            </a:r>
+            <a:r>
+              <a:rPr lang="en-US" sz="1800" b="0" i="0">
+                <a:solidFill>
+                  <a:srgbClr val="000000"/>
+                </a:solidFill>
+                <a:effectLst/>
+                <a:latin typeface="TimesNewRomanPSMT"/>
+              </a:rPr>
+              <a:t>)</a:t>
+            </a:r>
+          </a:p>
+          <a:p>
+            <a:pPr marL="0" marR="0" defTabSz="914400">
+              <a:spcBef>
+                <a:spcPts val="0"/>
+              </a:spcBef>
+              <a:spcAft>
+                <a:spcPts val="800"/>
+              </a:spcAft>
+            </a:pPr>
+            <a:r>
+              <a:rPr lang="vi-VN" sz="1800" b="0" i="0">
+                <a:solidFill>
+                  <a:srgbClr val="000000"/>
+                </a:solidFill>
+                <a:effectLst/>
+                <a:latin typeface="TimesNewRomanPSMT"/>
+              </a:rPr>
+              <a:t>Thành</a:t>
+            </a:r>
+            <a:r>
+              <a:rPr lang="en-US" sz="1800" b="0" i="0">
+                <a:solidFill>
+                  <a:srgbClr val="000000"/>
+                </a:solidFill>
+                <a:effectLst/>
+                <a:latin typeface="TimesNewRomanPSMT"/>
+              </a:rPr>
+              <a:t> </a:t>
+            </a:r>
+            <a:r>
+              <a:rPr lang="vi-VN" sz="1800" b="0" i="0">
+                <a:solidFill>
+                  <a:srgbClr val="000000"/>
+                </a:solidFill>
+                <a:effectLst/>
+                <a:latin typeface="TimesNewRomanPSMT"/>
+              </a:rPr>
+              <a:t>phần 1</a:t>
+            </a:r>
+            <a:r>
+              <a:rPr lang="en-US" sz="1800" b="0" i="0">
+                <a:solidFill>
+                  <a:srgbClr val="000000"/>
+                </a:solidFill>
+                <a:effectLst/>
+                <a:latin typeface="TimesNewRomanPSMT"/>
+              </a:rPr>
+              <a:t>-</a:t>
+            </a:r>
+            <a:r>
+              <a:rPr lang="vi-VN" sz="1800" b="0" i="0">
+                <a:solidFill>
+                  <a:srgbClr val="000000"/>
+                </a:solidFill>
+                <a:effectLst/>
+                <a:latin typeface="TimesNewRomanPSMT"/>
+              </a:rPr>
+              <a:t>7 sẽ là số lượng xuất hiện nhóm hai axit amin được tạo nên từ lớp 1 và lớp 7</a:t>
+            </a:r>
+            <a:r>
+              <a:rPr lang="en-US" sz="1800" b="0" i="0">
+                <a:solidFill>
+                  <a:srgbClr val="000000"/>
+                </a:solidFill>
+                <a:effectLst/>
+                <a:latin typeface="TimesNewRomanPSMT"/>
+              </a:rPr>
+              <a:t> </a:t>
+            </a:r>
+            <a:r>
+              <a:rPr lang="vi-VN" sz="1800" b="0" i="0">
+                <a:solidFill>
+                  <a:srgbClr val="000000"/>
+                </a:solidFill>
+                <a:effectLst/>
+                <a:latin typeface="TimesNewRomanPSMT"/>
+              </a:rPr>
+              <a:t>(tổng của AC, GC, VC có trong chuỗi protein). </a:t>
+            </a:r>
+            <a:endParaRPr lang="en-US" sz="1800">
+              <a:effectLst/>
+            </a:endParaRPr>
+          </a:p>
+          <a:p>
+            <a:pPr marL="0" marR="0" defTabSz="914400">
+              <a:spcBef>
+                <a:spcPts val="0"/>
+              </a:spcBef>
+              <a:spcAft>
+                <a:spcPts val="800"/>
+              </a:spcAft>
+            </a:pPr>
+            <a:endParaRPr lang="en-US" sz="1800">
+              <a:effectLst/>
+            </a:endParaRPr>
+          </a:p>
+          <a:p>
+            <a:pPr defTabSz="914400"/>
+            <a:endParaRPr lang="en-US" sz="1800">
+              <a:effectLst/>
+            </a:endParaRPr>
+          </a:p>
+          <a:p>
+            <a:pPr defTabSz="914400"/>
+            <a:endParaRPr lang="en-US" sz="1800"/>
+          </a:p>
+        </p:txBody>
+      </p:sp>
+      <p:pic>
+        <p:nvPicPr>
+          <p:cNvPr id="21" name="Picture 20">
+            <a:extLst>
+              <a:ext uri="{FF2B5EF4-FFF2-40B4-BE49-F238E27FC236}">
+                <a16:creationId xmlns:a16="http://schemas.microsoft.com/office/drawing/2014/main" id="{7BEA740C-C9F2-4AD5-BBC3-B0A68400DB66}"/>
+              </a:ext>
+            </a:extLst>
+          </p:cNvPr>
+          <p:cNvPicPr>
+            <a:picLocks noChangeAspect="1"/>
+          </p:cNvPicPr>
+          <p:nvPr/>
+        </p:nvPicPr>
+        <p:blipFill>
+          <a:blip r:embed="rId2"/>
+          <a:stretch>
+            <a:fillRect/>
+          </a:stretch>
+        </p:blipFill>
+        <p:spPr>
+          <a:xfrm>
+            <a:off x="4923692" y="2039815"/>
+            <a:ext cx="4165882" cy="1411307"/>
+          </a:xfrm>
+          <a:prstGeom prst="rect">
+            <a:avLst/>
+          </a:prstGeom>
+        </p:spPr>
+      </p:pic>
+    </p:spTree>
+    <p:extLst>
+      <p:ext uri="{BB962C8B-B14F-4D97-AF65-F5344CB8AC3E}">
+        <p14:creationId xmlns:p14="http://schemas.microsoft.com/office/powerpoint/2010/main" val="644447538"/>
+      </p:ext>
+    </p:extLst>
+  </p:cSld>
+  <p:clrMapOvr>
+    <a:masterClrMapping/>
+  </p:clrMapOvr>
+</p:sld>
+</file>
+
+<file path=ppt/slides/slide11.xml><?xml version="1.0" encoding="utf-8"?>
+<p:sld xmlns:a="http://schemas.openxmlformats.org/drawingml/2006/main" xmlns:r="http://schemas.openxmlformats.org/officeDocument/2006/relationships" xmlns:p="http://schemas.openxmlformats.org/presentationml/2006/main">
+  <p:cSld>
+    <p:spTree>
+      <p:nvGrpSpPr>
+        <p:cNvPr id="1" name=""/>
+        <p:cNvGrpSpPr/>
+        <p:nvPr/>
+      </p:nvGrpSpPr>
+      <p:grpSpPr>
+        <a:xfrm>
+          <a:off x="0" y="0"/>
+          <a:ext cx="0" cy="0"/>
+          <a:chOff x="0" y="0"/>
+          <a:chExt cx="0" cy="0"/>
+        </a:xfrm>
+      </p:grpSpPr>
+      <p:sp>
+        <p:nvSpPr>
+          <p:cNvPr id="3" name="Title 2">
+            <a:extLst>
+              <a:ext uri="{FF2B5EF4-FFF2-40B4-BE49-F238E27FC236}">
+                <a16:creationId xmlns:a16="http://schemas.microsoft.com/office/drawing/2014/main" id="{3CFD9C83-41D5-4B85-B776-F102189D895F}"/>
+              </a:ext>
+            </a:extLst>
+          </p:cNvPr>
+          <p:cNvSpPr>
+            <a:spLocks noGrp="1"/>
+          </p:cNvSpPr>
+          <p:nvPr>
+            <p:ph type="title"/>
+          </p:nvPr>
+        </p:nvSpPr>
+        <p:spPr>
+          <a:xfrm>
+            <a:off x="380272" y="155635"/>
+            <a:ext cx="8178799" cy="851803"/>
+          </a:xfrm>
+        </p:spPr>
+        <p:txBody>
+          <a:bodyPr vert="horz" lIns="91440" tIns="45720" rIns="91440" bIns="45720" rtlCol="0" anchor="ctr">
+            <a:normAutofit/>
+          </a:bodyPr>
+          <a:lstStyle>
+            <a:defPPr>
+              <a:defRPr lang="en-US"/>
+            </a:defPPr>
+            <a:lvl1pPr marL="0" algn="l" defTabSz="685800" rtl="0" eaLnBrk="1" latinLnBrk="0" hangingPunct="1">
+              <a:defRPr sz="1350" kern="1200">
+                <a:solidFill>
+                  <a:schemeClr val="tx1"/>
+                </a:solidFill>
+                <a:latin typeface="+mn-lt"/>
+                <a:ea typeface="+mn-ea"/>
+                <a:cs typeface="+mn-cs"/>
+              </a:defRPr>
+            </a:lvl1pPr>
+            <a:lvl2pPr marL="342900" algn="l" defTabSz="685800" rtl="0" eaLnBrk="1" latinLnBrk="0" hangingPunct="1">
+              <a:defRPr sz="1350" kern="1200">
+                <a:solidFill>
+                  <a:schemeClr val="tx1"/>
+                </a:solidFill>
+                <a:latin typeface="+mn-lt"/>
+                <a:ea typeface="+mn-ea"/>
+                <a:cs typeface="+mn-cs"/>
+              </a:defRPr>
+            </a:lvl2pPr>
+            <a:lvl3pPr marL="685800" algn="l" defTabSz="685800" rtl="0" eaLnBrk="1" latinLnBrk="0" hangingPunct="1">
+              <a:defRPr sz="1350" kern="1200">
+                <a:solidFill>
+                  <a:schemeClr val="tx1"/>
+                </a:solidFill>
+                <a:latin typeface="+mn-lt"/>
+                <a:ea typeface="+mn-ea"/>
+                <a:cs typeface="+mn-cs"/>
+              </a:defRPr>
+            </a:lvl3pPr>
+            <a:lvl4pPr marL="1028700" algn="l" defTabSz="685800" rtl="0" eaLnBrk="1" latinLnBrk="0" hangingPunct="1">
+              <a:defRPr sz="1350" kern="1200">
+                <a:solidFill>
+                  <a:schemeClr val="tx1"/>
+                </a:solidFill>
+                <a:latin typeface="+mn-lt"/>
+                <a:ea typeface="+mn-ea"/>
+                <a:cs typeface="+mn-cs"/>
+              </a:defRPr>
+            </a:lvl4pPr>
+            <a:lvl5pPr marL="1371600" algn="l" defTabSz="685800" rtl="0" eaLnBrk="1" latinLnBrk="0" hangingPunct="1">
+              <a:defRPr sz="1350" kern="1200">
+                <a:solidFill>
+                  <a:schemeClr val="tx1"/>
+                </a:solidFill>
+                <a:latin typeface="+mn-lt"/>
+                <a:ea typeface="+mn-ea"/>
+                <a:cs typeface="+mn-cs"/>
+              </a:defRPr>
+            </a:lvl5pPr>
+            <a:lvl6pPr marL="1714500" algn="l" defTabSz="685800" rtl="0" eaLnBrk="1" latinLnBrk="0" hangingPunct="1">
+              <a:defRPr sz="1350" kern="1200">
+                <a:solidFill>
+                  <a:schemeClr val="tx1"/>
+                </a:solidFill>
+                <a:latin typeface="+mn-lt"/>
+                <a:ea typeface="+mn-ea"/>
+                <a:cs typeface="+mn-cs"/>
+              </a:defRPr>
+            </a:lvl6pPr>
+            <a:lvl7pPr marL="2057400" algn="l" defTabSz="685800" rtl="0" eaLnBrk="1" latinLnBrk="0" hangingPunct="1">
+              <a:defRPr sz="1350" kern="1200">
+                <a:solidFill>
+                  <a:schemeClr val="tx1"/>
+                </a:solidFill>
+                <a:latin typeface="+mn-lt"/>
+                <a:ea typeface="+mn-ea"/>
+                <a:cs typeface="+mn-cs"/>
+              </a:defRPr>
+            </a:lvl7pPr>
+            <a:lvl8pPr marL="2400300" algn="l" defTabSz="685800" rtl="0" eaLnBrk="1" latinLnBrk="0" hangingPunct="1">
+              <a:defRPr sz="1350" kern="1200">
+                <a:solidFill>
+                  <a:schemeClr val="tx1"/>
+                </a:solidFill>
+                <a:latin typeface="+mn-lt"/>
+                <a:ea typeface="+mn-ea"/>
+                <a:cs typeface="+mn-cs"/>
+              </a:defRPr>
+            </a:lvl8pPr>
+            <a:lvl9pPr marL="2743200" algn="l" defTabSz="685800" rtl="0" eaLnBrk="1" latinLnBrk="0" hangingPunct="1">
+              <a:defRPr sz="1350" kern="1200">
+                <a:solidFill>
+                  <a:schemeClr val="tx1"/>
+                </a:solidFill>
+                <a:latin typeface="+mn-lt"/>
+                <a:ea typeface="+mn-ea"/>
+                <a:cs typeface="+mn-cs"/>
+              </a:defRPr>
+            </a:lvl9pPr>
+          </a:lstStyle>
+          <a:p>
+            <a:pPr defTabSz="914400"/>
+            <a:r>
+              <a:rPr lang="en-US" sz="2700" kern="1200">
+                <a:solidFill>
+                  <a:schemeClr val="tx1"/>
+                </a:solidFill>
+                <a:latin typeface="+mj-lt"/>
+                <a:ea typeface="+mj-ea"/>
+                <a:cs typeface="+mj-cs"/>
+              </a:rPr>
+              <a:t>6. </a:t>
+            </a:r>
+            <a:r>
+              <a:rPr lang="en-US" sz="2700" kern="1200" err="1">
+                <a:solidFill>
+                  <a:schemeClr val="tx1"/>
+                </a:solidFill>
+                <a:latin typeface="+mj-lt"/>
+                <a:ea typeface="+mj-ea"/>
+                <a:cs typeface="+mj-cs"/>
+              </a:rPr>
+              <a:t>Trích</a:t>
+            </a:r>
+            <a:r>
+              <a:rPr lang="en-US" sz="2700" kern="1200">
+                <a:solidFill>
+                  <a:schemeClr val="tx1"/>
+                </a:solidFill>
+                <a:latin typeface="+mj-lt"/>
+                <a:ea typeface="+mj-ea"/>
+                <a:cs typeface="+mj-cs"/>
+              </a:rPr>
+              <a:t> </a:t>
+            </a:r>
+            <a:r>
+              <a:rPr lang="en-US" sz="2700" kern="1200" err="1">
+                <a:solidFill>
+                  <a:schemeClr val="tx1"/>
+                </a:solidFill>
+                <a:latin typeface="+mj-lt"/>
+                <a:ea typeface="+mj-ea"/>
+                <a:cs typeface="+mj-cs"/>
+              </a:rPr>
+              <a:t>chọn</a:t>
+            </a:r>
+            <a:r>
+              <a:rPr lang="en-US" sz="2700" kern="1200">
+                <a:solidFill>
+                  <a:schemeClr val="tx1"/>
+                </a:solidFill>
+                <a:latin typeface="+mj-lt"/>
+                <a:ea typeface="+mj-ea"/>
+                <a:cs typeface="+mj-cs"/>
+              </a:rPr>
+              <a:t> </a:t>
+            </a:r>
+            <a:r>
+              <a:rPr lang="en-US" sz="2700" kern="1200" err="1">
+                <a:solidFill>
+                  <a:schemeClr val="tx1"/>
+                </a:solidFill>
+                <a:latin typeface="+mj-lt"/>
+                <a:ea typeface="+mj-ea"/>
+                <a:cs typeface="+mj-cs"/>
+              </a:rPr>
+              <a:t>đặc</a:t>
+            </a:r>
+            <a:r>
+              <a:rPr lang="en-US" sz="2700" kern="1200">
+                <a:solidFill>
+                  <a:schemeClr val="tx1"/>
+                </a:solidFill>
+                <a:latin typeface="+mj-lt"/>
+                <a:ea typeface="+mj-ea"/>
+                <a:cs typeface="+mj-cs"/>
+              </a:rPr>
+              <a:t> </a:t>
+            </a:r>
+            <a:r>
+              <a:rPr lang="en-US" sz="2700" kern="1200" err="1">
+                <a:solidFill>
+                  <a:schemeClr val="tx1"/>
+                </a:solidFill>
+                <a:latin typeface="+mj-lt"/>
+                <a:ea typeface="+mj-ea"/>
+                <a:cs typeface="+mj-cs"/>
+              </a:rPr>
+              <a:t>trưng</a:t>
+            </a:r>
+            <a:endParaRPr lang="en-US" sz="2700" kern="1200">
+              <a:solidFill>
+                <a:schemeClr val="tx1"/>
+              </a:solidFill>
+              <a:latin typeface="+mj-lt"/>
+              <a:ea typeface="+mj-ea"/>
+              <a:cs typeface="+mj-cs"/>
+            </a:endParaRPr>
+          </a:p>
+        </p:txBody>
+      </p:sp>
+      <p:sp>
+        <p:nvSpPr>
+          <p:cNvPr id="2" name="Content Placeholder 1">
+            <a:extLst>
+              <a:ext uri="{FF2B5EF4-FFF2-40B4-BE49-F238E27FC236}">
+                <a16:creationId xmlns:a16="http://schemas.microsoft.com/office/drawing/2014/main" id="{E0253F9F-1567-4137-BBEC-7DB1E364FB0F}"/>
+              </a:ext>
+            </a:extLst>
+          </p:cNvPr>
+          <p:cNvSpPr>
+            <a:spLocks noGrp="1"/>
+          </p:cNvSpPr>
+          <p:nvPr>
+            <p:ph sz="quarter" idx="10"/>
+          </p:nvPr>
+        </p:nvSpPr>
+        <p:spPr>
+          <a:xfrm>
+            <a:off x="380272" y="1285166"/>
+            <a:ext cx="4543420" cy="3295487"/>
+          </a:xfrm>
+        </p:spPr>
+        <p:txBody>
+          <a:bodyPr vert="horz" lIns="91440" tIns="45720" rIns="91440" bIns="45720" rtlCol="0">
+            <a:noAutofit/>
+          </a:bodyPr>
+          <a:lstStyle>
+            <a:defPPr>
+              <a:defRPr lang="en-US"/>
+            </a:defPPr>
+            <a:lvl1pPr marL="0" algn="l" defTabSz="685800" rtl="0" eaLnBrk="1" latinLnBrk="0" hangingPunct="1">
+              <a:defRPr sz="1350" kern="1200">
+                <a:solidFill>
+                  <a:schemeClr val="tx1"/>
+                </a:solidFill>
+                <a:latin typeface="+mn-lt"/>
+                <a:ea typeface="+mn-ea"/>
+                <a:cs typeface="+mn-cs"/>
+              </a:defRPr>
+            </a:lvl1pPr>
+            <a:lvl2pPr marL="342900" algn="l" defTabSz="685800" rtl="0" eaLnBrk="1" latinLnBrk="0" hangingPunct="1">
+              <a:defRPr sz="1350" kern="1200">
+                <a:solidFill>
+                  <a:schemeClr val="tx1"/>
+                </a:solidFill>
+                <a:latin typeface="+mn-lt"/>
+                <a:ea typeface="+mn-ea"/>
+                <a:cs typeface="+mn-cs"/>
+              </a:defRPr>
+            </a:lvl2pPr>
+            <a:lvl3pPr marL="685800" algn="l" defTabSz="685800" rtl="0" eaLnBrk="1" latinLnBrk="0" hangingPunct="1">
+              <a:defRPr sz="1350" kern="1200">
+                <a:solidFill>
+                  <a:schemeClr val="tx1"/>
+                </a:solidFill>
+                <a:latin typeface="+mn-lt"/>
+                <a:ea typeface="+mn-ea"/>
+                <a:cs typeface="+mn-cs"/>
+              </a:defRPr>
+            </a:lvl3pPr>
+            <a:lvl4pPr marL="1028700" algn="l" defTabSz="685800" rtl="0" eaLnBrk="1" latinLnBrk="0" hangingPunct="1">
+              <a:defRPr sz="1350" kern="1200">
+                <a:solidFill>
+                  <a:schemeClr val="tx1"/>
+                </a:solidFill>
+                <a:latin typeface="+mn-lt"/>
+                <a:ea typeface="+mn-ea"/>
+                <a:cs typeface="+mn-cs"/>
+              </a:defRPr>
+            </a:lvl4pPr>
+            <a:lvl5pPr marL="1371600" algn="l" defTabSz="685800" rtl="0" eaLnBrk="1" latinLnBrk="0" hangingPunct="1">
+              <a:defRPr sz="1350" kern="1200">
+                <a:solidFill>
+                  <a:schemeClr val="tx1"/>
+                </a:solidFill>
+                <a:latin typeface="+mn-lt"/>
+                <a:ea typeface="+mn-ea"/>
+                <a:cs typeface="+mn-cs"/>
+              </a:defRPr>
+            </a:lvl5pPr>
+            <a:lvl6pPr marL="1714500" algn="l" defTabSz="685800" rtl="0" eaLnBrk="1" latinLnBrk="0" hangingPunct="1">
+              <a:defRPr sz="1350" kern="1200">
+                <a:solidFill>
+                  <a:schemeClr val="tx1"/>
+                </a:solidFill>
+                <a:latin typeface="+mn-lt"/>
+                <a:ea typeface="+mn-ea"/>
+                <a:cs typeface="+mn-cs"/>
+              </a:defRPr>
+            </a:lvl6pPr>
+            <a:lvl7pPr marL="2057400" algn="l" defTabSz="685800" rtl="0" eaLnBrk="1" latinLnBrk="0" hangingPunct="1">
+              <a:defRPr sz="1350" kern="1200">
+                <a:solidFill>
+                  <a:schemeClr val="tx1"/>
+                </a:solidFill>
+                <a:latin typeface="+mn-lt"/>
+                <a:ea typeface="+mn-ea"/>
+                <a:cs typeface="+mn-cs"/>
+              </a:defRPr>
+            </a:lvl7pPr>
+            <a:lvl8pPr marL="2400300" algn="l" defTabSz="685800" rtl="0" eaLnBrk="1" latinLnBrk="0" hangingPunct="1">
+              <a:defRPr sz="1350" kern="1200">
+                <a:solidFill>
+                  <a:schemeClr val="tx1"/>
+                </a:solidFill>
+                <a:latin typeface="+mn-lt"/>
+                <a:ea typeface="+mn-ea"/>
+                <a:cs typeface="+mn-cs"/>
+              </a:defRPr>
+            </a:lvl8pPr>
+            <a:lvl9pPr marL="2743200" algn="l" defTabSz="685800" rtl="0" eaLnBrk="1" latinLnBrk="0" hangingPunct="1">
+              <a:defRPr sz="1350" kern="1200">
+                <a:solidFill>
+                  <a:schemeClr val="tx1"/>
+                </a:solidFill>
+                <a:latin typeface="+mn-lt"/>
+                <a:ea typeface="+mn-ea"/>
+                <a:cs typeface="+mn-cs"/>
+              </a:defRPr>
+            </a:lvl9pPr>
+          </a:lstStyle>
+          <a:p>
+            <a:pPr marL="0" marR="0" defTabSz="914400">
+              <a:spcBef>
+                <a:spcPts val="0"/>
+              </a:spcBef>
+              <a:spcAft>
+                <a:spcPts val="800"/>
+              </a:spcAft>
+            </a:pPr>
+            <a:r>
+              <a:rPr lang="vi-VN" sz="1800" b="0" i="0">
+                <a:solidFill>
+                  <a:srgbClr val="000000"/>
+                </a:solidFill>
+                <a:effectLst/>
+                <a:latin typeface="TimesNewRomanPSMT"/>
+              </a:rPr>
+              <a:t>Thành phần 111 trong nhóm sẽ là tổng số lần xuất hiện nhóm 3 axit amin được tạo nên từ</a:t>
+            </a:r>
+            <a:br>
+              <a:rPr lang="vi-VN" sz="1800" b="0" i="0">
+                <a:solidFill>
+                  <a:srgbClr val="000000"/>
+                </a:solidFill>
+                <a:effectLst/>
+                <a:latin typeface="TimesNewRomanPSMT"/>
+              </a:rPr>
+            </a:br>
+            <a:r>
+              <a:rPr lang="vi-VN" sz="1800" b="0" i="0">
+                <a:solidFill>
+                  <a:srgbClr val="000000"/>
+                </a:solidFill>
+                <a:effectLst/>
+                <a:latin typeface="TimesNewRomanPSMT"/>
+              </a:rPr>
+              <a:t>lớp 1 trong </a:t>
+            </a:r>
+            <a:r>
+              <a:rPr lang="vi-VN" sz="1800" b="0" i="1">
+                <a:solidFill>
+                  <a:srgbClr val="000000"/>
+                </a:solidFill>
+                <a:effectLst/>
+                <a:latin typeface="TimesNewRomanPS-ItalicMT"/>
+              </a:rPr>
+              <a:t>Bảng 2 </a:t>
+            </a:r>
+            <a:r>
+              <a:rPr lang="vi-VN" sz="1800" b="0" i="0">
+                <a:solidFill>
+                  <a:srgbClr val="000000"/>
+                </a:solidFill>
+                <a:effectLst/>
+                <a:latin typeface="TimesNewRomanPSMT"/>
+              </a:rPr>
+              <a:t>(AGV, AVG, GAV, GVA, VAG, VGA)</a:t>
+            </a:r>
+            <a:r>
+              <a:rPr lang="vi-VN" sz="2400"/>
+              <a:t> </a:t>
+            </a:r>
+            <a:br>
+              <a:rPr lang="vi-VN" sz="2400"/>
+            </a:br>
+            <a:endParaRPr lang="en-US" sz="1800">
+              <a:effectLst/>
+            </a:endParaRPr>
+          </a:p>
+          <a:p>
+            <a:pPr defTabSz="914400"/>
+            <a:endParaRPr lang="en-US" sz="1800">
+              <a:effectLst/>
+            </a:endParaRPr>
+          </a:p>
+          <a:p>
+            <a:pPr defTabSz="914400"/>
+            <a:endParaRPr lang="en-US" sz="1800"/>
+          </a:p>
+        </p:txBody>
+      </p:sp>
+      <p:pic>
+        <p:nvPicPr>
+          <p:cNvPr id="21" name="Picture 20">
+            <a:extLst>
+              <a:ext uri="{FF2B5EF4-FFF2-40B4-BE49-F238E27FC236}">
+                <a16:creationId xmlns:a16="http://schemas.microsoft.com/office/drawing/2014/main" id="{7BEA740C-C9F2-4AD5-BBC3-B0A68400DB66}"/>
+              </a:ext>
+            </a:extLst>
+          </p:cNvPr>
+          <p:cNvPicPr>
+            <a:picLocks noChangeAspect="1"/>
+          </p:cNvPicPr>
+          <p:nvPr/>
+        </p:nvPicPr>
+        <p:blipFill>
+          <a:blip r:embed="rId2"/>
+          <a:stretch>
+            <a:fillRect/>
+          </a:stretch>
+        </p:blipFill>
+        <p:spPr>
+          <a:xfrm>
+            <a:off x="4923692" y="2039815"/>
+            <a:ext cx="4165882" cy="1411307"/>
+          </a:xfrm>
+          <a:prstGeom prst="rect">
+            <a:avLst/>
+          </a:prstGeom>
+        </p:spPr>
+      </p:pic>
+    </p:spTree>
+    <p:extLst>
+      <p:ext uri="{BB962C8B-B14F-4D97-AF65-F5344CB8AC3E}">
+        <p14:creationId xmlns:p14="http://schemas.microsoft.com/office/powerpoint/2010/main" val="3583876419"/>
+      </p:ext>
+    </p:extLst>
+  </p:cSld>
+  <p:clrMapOvr>
+    <a:masterClrMapping/>
+  </p:clrMapOvr>
+</p:sld>
+</file>
+
+<file path=ppt/slides/slide12.xml><?xml version="1.0" encoding="utf-8"?>
+<p:sld xmlns:a="http://schemas.openxmlformats.org/drawingml/2006/main" xmlns:r="http://schemas.openxmlformats.org/officeDocument/2006/relationships" xmlns:p="http://schemas.openxmlformats.org/presentationml/2006/main">
+  <p:cSld>
+    <p:bg>
+      <p:bgPr>
+        <a:solidFill>
+          <a:schemeClr val="bg1"/>
+        </a:solidFill>
+        <a:effectLst/>
+      </p:bgPr>
+    </p:bg>
+    <p:spTree>
+      <p:nvGrpSpPr>
+        <p:cNvPr id="1" name=""/>
+        <p:cNvGrpSpPr/>
+        <p:nvPr/>
+      </p:nvGrpSpPr>
+      <p:grpSpPr>
+        <a:xfrm>
+          <a:off x="0" y="0"/>
+          <a:ext cx="0" cy="0"/>
+          <a:chOff x="0" y="0"/>
+          <a:chExt cx="0" cy="0"/>
+        </a:xfrm>
+      </p:grpSpPr>
+      <p:sp useBgFill="1">
+        <p:nvSpPr>
+          <p:cNvPr id="86" name="Rectangle 85">
+            <a:extLst>
+              <a:ext uri="{FF2B5EF4-FFF2-40B4-BE49-F238E27FC236}">
+                <a16:creationId xmlns:a16="http://schemas.microsoft.com/office/drawing/2014/main" id="{8761DDFE-071F-4200-B0AA-394476C2D2D6}"/>
+              </a:ext>
+              <a:ext uri="{C183D7F6-B498-43B3-948B-1728B52AA6E4}">
+                <adec:decorative xmlns:adec="http://schemas.microsoft.com/office/drawing/2017/decorative" val="1"/>
+              </a:ext>
+            </a:extLst>
+          </p:cNvPr>
+          <p:cNvSpPr>
+            <a:spLocks noGrp="1" noRot="1" noChangeAspect="1" noMove="1" noResize="1" noEditPoints="1" noAdjustHandles="1" noChangeArrowheads="1" noChangeShapeType="1" noTextEdit="1"/>
+          </p:cNvSpPr>
+          <p:nvPr>
+            <p:extLst>
+              <p:ext uri="{386F3935-93C4-4BCD-93E2-E3B085C9AB24}">
+                <p16:designElem xmlns:p16="http://schemas.microsoft.com/office/powerpoint/2015/main" val="1"/>
+              </p:ext>
+            </p:extLst>
+          </p:nvPr>
+        </p:nvSpPr>
+        <p:spPr>
+          <a:xfrm>
+            <a:off x="0" y="0"/>
+            <a:ext cx="9141713" cy="5143500"/>
+          </a:xfrm>
+          <a:prstGeom prst="rect">
+            <a:avLst/>
+          </a:prstGeom>
+          <a:ln>
+            <a:noFill/>
+          </a:ln>
+        </p:spPr>
+        <p:style>
+          <a:lnRef idx="2">
+            <a:schemeClr val="accent1">
+              <a:shade val="50000"/>
+            </a:schemeClr>
+          </a:lnRef>
+          <a:fillRef idx="1">
+            <a:schemeClr val="accent1"/>
+          </a:fillRef>
+          <a:effectRef idx="0">
+            <a:schemeClr val="accent1"/>
+          </a:effectRef>
+          <a:fontRef idx="minor">
+            <a:schemeClr val="lt1"/>
+          </a:fontRef>
+        </p:style>
+        <p:txBody>
+          <a:bodyPr rtlCol="0" anchor="ctr"/>
+          <a:lstStyle/>
+          <a:p>
+            <a:pPr algn="ctr"/>
+            <a:endParaRPr lang="en-US"/>
+          </a:p>
+        </p:txBody>
+      </p:sp>
+      <p:sp>
+        <p:nvSpPr>
+          <p:cNvPr id="3" name="Title 2">
+            <a:extLst>
+              <a:ext uri="{FF2B5EF4-FFF2-40B4-BE49-F238E27FC236}">
+                <a16:creationId xmlns:a16="http://schemas.microsoft.com/office/drawing/2014/main" id="{3CFD9C83-41D5-4B85-B776-F102189D895F}"/>
+              </a:ext>
+            </a:extLst>
+          </p:cNvPr>
+          <p:cNvSpPr>
+            <a:spLocks noGrp="1"/>
+          </p:cNvSpPr>
+          <p:nvPr>
+            <p:ph type="title"/>
+          </p:nvPr>
+        </p:nvSpPr>
+        <p:spPr>
+          <a:xfrm>
+            <a:off x="628648" y="410861"/>
+            <a:ext cx="3875389" cy="1260389"/>
+          </a:xfrm>
+        </p:spPr>
+        <p:txBody>
+          <a:bodyPr vert="horz" lIns="91440" tIns="45720" rIns="91440" bIns="45720" rtlCol="0" anchor="ctr">
+            <a:normAutofit/>
+          </a:bodyPr>
+          <a:lstStyle>
+            <a:defPPr>
+              <a:defRPr lang="en-US"/>
+            </a:defPPr>
+            <a:lvl1pPr marL="0" algn="l" defTabSz="685800" rtl="0" eaLnBrk="1" latinLnBrk="0" hangingPunct="1">
+              <a:defRPr sz="1350" kern="1200">
+                <a:solidFill>
+                  <a:schemeClr val="tx1"/>
+                </a:solidFill>
+                <a:latin typeface="+mn-lt"/>
+                <a:ea typeface="+mn-ea"/>
+                <a:cs typeface="+mn-cs"/>
+              </a:defRPr>
+            </a:lvl1pPr>
+            <a:lvl2pPr marL="342900" algn="l" defTabSz="685800" rtl="0" eaLnBrk="1" latinLnBrk="0" hangingPunct="1">
+              <a:defRPr sz="1350" kern="1200">
+                <a:solidFill>
+                  <a:schemeClr val="tx1"/>
+                </a:solidFill>
+                <a:latin typeface="+mn-lt"/>
+                <a:ea typeface="+mn-ea"/>
+                <a:cs typeface="+mn-cs"/>
+              </a:defRPr>
+            </a:lvl2pPr>
+            <a:lvl3pPr marL="685800" algn="l" defTabSz="685800" rtl="0" eaLnBrk="1" latinLnBrk="0" hangingPunct="1">
+              <a:defRPr sz="1350" kern="1200">
+                <a:solidFill>
+                  <a:schemeClr val="tx1"/>
+                </a:solidFill>
+                <a:latin typeface="+mn-lt"/>
+                <a:ea typeface="+mn-ea"/>
+                <a:cs typeface="+mn-cs"/>
+              </a:defRPr>
+            </a:lvl3pPr>
+            <a:lvl4pPr marL="1028700" algn="l" defTabSz="685800" rtl="0" eaLnBrk="1" latinLnBrk="0" hangingPunct="1">
+              <a:defRPr sz="1350" kern="1200">
+                <a:solidFill>
+                  <a:schemeClr val="tx1"/>
+                </a:solidFill>
+                <a:latin typeface="+mn-lt"/>
+                <a:ea typeface="+mn-ea"/>
+                <a:cs typeface="+mn-cs"/>
+              </a:defRPr>
+            </a:lvl4pPr>
+            <a:lvl5pPr marL="1371600" algn="l" defTabSz="685800" rtl="0" eaLnBrk="1" latinLnBrk="0" hangingPunct="1">
+              <a:defRPr sz="1350" kern="1200">
+                <a:solidFill>
+                  <a:schemeClr val="tx1"/>
+                </a:solidFill>
+                <a:latin typeface="+mn-lt"/>
+                <a:ea typeface="+mn-ea"/>
+                <a:cs typeface="+mn-cs"/>
+              </a:defRPr>
+            </a:lvl5pPr>
+            <a:lvl6pPr marL="1714500" algn="l" defTabSz="685800" rtl="0" eaLnBrk="1" latinLnBrk="0" hangingPunct="1">
+              <a:defRPr sz="1350" kern="1200">
+                <a:solidFill>
+                  <a:schemeClr val="tx1"/>
+                </a:solidFill>
+                <a:latin typeface="+mn-lt"/>
+                <a:ea typeface="+mn-ea"/>
+                <a:cs typeface="+mn-cs"/>
+              </a:defRPr>
+            </a:lvl6pPr>
+            <a:lvl7pPr marL="2057400" algn="l" defTabSz="685800" rtl="0" eaLnBrk="1" latinLnBrk="0" hangingPunct="1">
+              <a:defRPr sz="1350" kern="1200">
+                <a:solidFill>
+                  <a:schemeClr val="tx1"/>
+                </a:solidFill>
+                <a:latin typeface="+mn-lt"/>
+                <a:ea typeface="+mn-ea"/>
+                <a:cs typeface="+mn-cs"/>
+              </a:defRPr>
+            </a:lvl7pPr>
+            <a:lvl8pPr marL="2400300" algn="l" defTabSz="685800" rtl="0" eaLnBrk="1" latinLnBrk="0" hangingPunct="1">
+              <a:defRPr sz="1350" kern="1200">
+                <a:solidFill>
+                  <a:schemeClr val="tx1"/>
+                </a:solidFill>
+                <a:latin typeface="+mn-lt"/>
+                <a:ea typeface="+mn-ea"/>
+                <a:cs typeface="+mn-cs"/>
+              </a:defRPr>
+            </a:lvl8pPr>
+            <a:lvl9pPr marL="2743200" algn="l" defTabSz="685800" rtl="0" eaLnBrk="1" latinLnBrk="0" hangingPunct="1">
+              <a:defRPr sz="1350" kern="1200">
+                <a:solidFill>
+                  <a:schemeClr val="tx1"/>
+                </a:solidFill>
+                <a:latin typeface="+mn-lt"/>
+                <a:ea typeface="+mn-ea"/>
+                <a:cs typeface="+mn-cs"/>
+              </a:defRPr>
+            </a:lvl9pPr>
+          </a:lstStyle>
+          <a:p>
+            <a:pPr defTabSz="914400"/>
+            <a:r>
+              <a:rPr lang="en-US" sz="3000">
+                <a:latin typeface="+mj-lt"/>
+                <a:ea typeface="+mj-ea"/>
+                <a:cs typeface="+mj-cs"/>
+              </a:rPr>
+              <a:t>7. Các đánh giá</a:t>
+            </a:r>
+          </a:p>
+        </p:txBody>
+      </p:sp>
+      <p:sp>
+        <p:nvSpPr>
+          <p:cNvPr id="49" name="Content Placeholder 48">
+            <a:extLst>
+              <a:ext uri="{FF2B5EF4-FFF2-40B4-BE49-F238E27FC236}">
+                <a16:creationId xmlns:a16="http://schemas.microsoft.com/office/drawing/2014/main" id="{EAA74363-C793-4786-9FF1-1BA015014629}"/>
+              </a:ext>
+            </a:extLst>
+          </p:cNvPr>
+          <p:cNvSpPr>
+            <a:spLocks noGrp="1"/>
+          </p:cNvSpPr>
+          <p:nvPr>
+            <p:ph sz="quarter" idx="10"/>
+          </p:nvPr>
+        </p:nvSpPr>
+        <p:spPr>
+          <a:xfrm>
+            <a:off x="4087245" y="311588"/>
+            <a:ext cx="4698224" cy="1260389"/>
+          </a:xfrm>
+        </p:spPr>
+        <p:txBody>
+          <a:bodyPr vert="horz" lIns="91440" tIns="45720" rIns="91440" bIns="45720" rtlCol="0" anchor="ctr">
+            <a:normAutofit/>
+          </a:bodyPr>
+          <a:lstStyle/>
+          <a:p>
+            <a:r>
+              <a:rPr lang="en-US" sz="1800">
+                <a:latin typeface="+mn-lt"/>
+                <a:ea typeface="+mn-ea"/>
+                <a:cs typeface="+mn-cs"/>
+              </a:rPr>
+              <a:t>Sensitivity = 0.84		Accuracy = 0.93</a:t>
+            </a:r>
+          </a:p>
+          <a:p>
+            <a:r>
+              <a:rPr lang="en-US" sz="1800">
+                <a:latin typeface="+mn-lt"/>
+                <a:ea typeface="+mn-ea"/>
+                <a:cs typeface="+mn-cs"/>
+              </a:rPr>
+              <a:t>Specificity = 0.96		F-value = 0.89</a:t>
+            </a:r>
+          </a:p>
+        </p:txBody>
+      </p:sp>
+      <p:pic>
+        <p:nvPicPr>
+          <p:cNvPr id="8" name="Picture 7">
+            <a:extLst>
+              <a:ext uri="{FF2B5EF4-FFF2-40B4-BE49-F238E27FC236}">
+                <a16:creationId xmlns:a16="http://schemas.microsoft.com/office/drawing/2014/main" id="{6D0623AD-AF87-49C8-8E30-D4B9C28A6856}"/>
+              </a:ext>
+            </a:extLst>
+          </p:cNvPr>
+          <p:cNvPicPr>
+            <a:picLocks noChangeAspect="1"/>
+          </p:cNvPicPr>
+          <p:nvPr/>
+        </p:nvPicPr>
+        <p:blipFill>
+          <a:blip r:embed="rId2"/>
+          <a:stretch>
+            <a:fillRect/>
+          </a:stretch>
+        </p:blipFill>
+        <p:spPr>
+          <a:xfrm>
+            <a:off x="358531" y="1472704"/>
+            <a:ext cx="3100066" cy="3308724"/>
+          </a:xfrm>
+          <a:prstGeom prst="rect">
+            <a:avLst/>
+          </a:prstGeom>
+        </p:spPr>
+      </p:pic>
+      <p:pic>
+        <p:nvPicPr>
+          <p:cNvPr id="6" name="Picture 5">
+            <a:extLst>
+              <a:ext uri="{FF2B5EF4-FFF2-40B4-BE49-F238E27FC236}">
+                <a16:creationId xmlns:a16="http://schemas.microsoft.com/office/drawing/2014/main" id="{D1D706BE-27DF-40CE-B302-4F47431D9D54}"/>
+              </a:ext>
+            </a:extLst>
+          </p:cNvPr>
+          <p:cNvPicPr>
+            <a:picLocks noChangeAspect="1"/>
+          </p:cNvPicPr>
+          <p:nvPr/>
+        </p:nvPicPr>
+        <p:blipFill>
+          <a:blip r:embed="rId3"/>
+          <a:stretch>
+            <a:fillRect/>
+          </a:stretch>
+        </p:blipFill>
+        <p:spPr>
+          <a:xfrm>
+            <a:off x="3728714" y="1472704"/>
+            <a:ext cx="5281488" cy="3604614"/>
+          </a:xfrm>
+          <a:prstGeom prst="rect">
+            <a:avLst/>
+          </a:prstGeom>
+        </p:spPr>
+      </p:pic>
+    </p:spTree>
+    <p:extLst>
+      <p:ext uri="{BB962C8B-B14F-4D97-AF65-F5344CB8AC3E}">
+        <p14:creationId xmlns:p14="http://schemas.microsoft.com/office/powerpoint/2010/main" val="2106403811"/>
+      </p:ext>
+    </p:extLst>
+  </p:cSld>
+  <p:clrMapOvr>
+    <a:masterClrMapping/>
+  </p:clrMapOvr>
+</p:sld>
+</file>
+
+<file path=ppt/slides/slide13.xml><?xml version="1.0" encoding="utf-8"?>
+<p:sld xmlns:a="http://schemas.openxmlformats.org/drawingml/2006/main" xmlns:r="http://schemas.openxmlformats.org/officeDocument/2006/relationships" xmlns:p="http://schemas.openxmlformats.org/presentationml/2006/main">
+  <p:cSld>
     <p:bg>
       <p:bgPr>
         <a:solidFill>
@@ -6761,7 +8200,7 @@
 </p:sld>
 </file>
 
-<file path=ppt/slides/slide11.xml><?xml version="1.0" encoding="utf-8"?>
+<file path=ppt/slides/slide14.xml><?xml version="1.0" encoding="utf-8"?>
 <p:sld xmlns:a="http://schemas.openxmlformats.org/drawingml/2006/main" xmlns:r="http://schemas.openxmlformats.org/officeDocument/2006/relationships" xmlns:p="http://schemas.openxmlformats.org/presentationml/2006/main">
   <p:cSld>
     <p:spTree>
@@ -13004,7 +14443,7 @@
                 <a:spcPts val="0"/>
               </a:spcBef>
               <a:spcAft>
-                <a:spcPts val="800"/>
+                <a:spcPts val="0"/>
               </a:spcAft>
             </a:pPr>
             <a:r>
@@ -13029,7 +14468,7 @@
                 <a:ea typeface="Times New Roman" panose="02020603050405020304" pitchFamily="18" charset="0"/>
                 <a:cs typeface="Times New Roman" panose="02020603050405020304" pitchFamily="18" charset="0"/>
               </a:rPr>
-              <a:t>được</a:t>
+              <a:t>có</a:t>
             </a:r>
             <a:r>
               <a:rPr lang="en-US" sz="1800">
@@ -13053,7 +14492,7 @@
                 <a:ea typeface="Times New Roman" panose="02020603050405020304" pitchFamily="18" charset="0"/>
                 <a:cs typeface="Times New Roman" panose="02020603050405020304" pitchFamily="18" charset="0"/>
               </a:rPr>
-              <a:t>phân</a:t>
+              <a:t>ít</a:t>
             </a:r>
             <a:r>
               <a:rPr lang="en-US" sz="1800">
@@ -13077,7 +14516,7 @@
                 <a:ea typeface="Times New Roman" panose="02020603050405020304" pitchFamily="18" charset="0"/>
                 <a:cs typeface="Times New Roman" panose="02020603050405020304" pitchFamily="18" charset="0"/>
               </a:rPr>
-              <a:t>lập</a:t>
+              <a:t>hơn</a:t>
             </a:r>
             <a:r>
               <a:rPr lang="en-US" sz="1800">
@@ -13089,7 +14528,7 @@
                 <a:ea typeface="Times New Roman" panose="02020603050405020304" pitchFamily="18" charset="0"/>
                 <a:cs typeface="Times New Roman" panose="02020603050405020304" pitchFamily="18" charset="0"/>
               </a:rPr>
-              <a:t> </a:t>
+              <a:t> 40% </a:t>
             </a:r>
             <a:r>
               <a:rPr lang="en-US" sz="1800" err="1">
@@ -13101,7 +14540,7 @@
                 <a:ea typeface="Times New Roman" panose="02020603050405020304" pitchFamily="18" charset="0"/>
                 <a:cs typeface="Times New Roman" panose="02020603050405020304" pitchFamily="18" charset="0"/>
               </a:rPr>
-              <a:t>khỏi</a:t>
+              <a:t>trình</a:t>
             </a:r>
             <a:r>
               <a:rPr lang="en-US" sz="1800">
@@ -13125,7 +14564,7 @@
                 <a:ea typeface="Times New Roman" panose="02020603050405020304" pitchFamily="18" charset="0"/>
                 <a:cs typeface="Times New Roman" panose="02020603050405020304" pitchFamily="18" charset="0"/>
               </a:rPr>
-              <a:t>thực</a:t>
+              <a:t>tự</a:t>
             </a:r>
             <a:r>
               <a:rPr lang="en-US" sz="1800">
@@ -13149,7 +14588,7 @@
                 <a:ea typeface="Times New Roman" panose="02020603050405020304" pitchFamily="18" charset="0"/>
                 <a:cs typeface="Times New Roman" panose="02020603050405020304" pitchFamily="18" charset="0"/>
               </a:rPr>
-              <a:t>khuẩn</a:t>
+              <a:t>tương</a:t>
             </a:r>
             <a:r>
               <a:rPr lang="en-US" sz="1800">
@@ -13173,7 +14612,7 @@
                 <a:ea typeface="Times New Roman" panose="02020603050405020304" pitchFamily="18" charset="0"/>
                 <a:cs typeface="Times New Roman" panose="02020603050405020304" pitchFamily="18" charset="0"/>
               </a:rPr>
-              <a:t>thể</a:t>
+              <a:t>đồng</a:t>
             </a:r>
             <a:r>
               <a:rPr lang="en-US" sz="1800">
@@ -13197,7 +14636,7 @@
                 <a:ea typeface="Times New Roman" panose="02020603050405020304" pitchFamily="18" charset="0"/>
                 <a:cs typeface="Times New Roman" panose="02020603050405020304" pitchFamily="18" charset="0"/>
               </a:rPr>
-              <a:t>hoặc</a:t>
+              <a:t>với</a:t>
             </a:r>
             <a:r>
               <a:rPr lang="en-US" sz="1800">
@@ -13221,7 +14660,7 @@
                 <a:ea typeface="Times New Roman" panose="02020603050405020304" pitchFamily="18" charset="0"/>
                 <a:cs typeface="Times New Roman" panose="02020603050405020304" pitchFamily="18" charset="0"/>
               </a:rPr>
-              <a:t>từ</a:t>
+              <a:t>nhau</a:t>
             </a:r>
             <a:r>
               <a:rPr lang="en-US" sz="1800">
@@ -13233,784 +14672,8 @@
                 <a:ea typeface="Times New Roman" panose="02020603050405020304" pitchFamily="18" charset="0"/>
                 <a:cs typeface="Times New Roman" panose="02020603050405020304" pitchFamily="18" charset="0"/>
               </a:rPr>
-              <a:t> MGE </a:t>
-            </a:r>
-            <a:r>
-              <a:rPr lang="en-US" sz="1800" err="1">
-                <a:solidFill>
-                  <a:srgbClr val="000000"/>
-                </a:solidFill>
-                <a:effectLst/>
-                <a:latin typeface="Times New Roman" panose="02020603050405020304" pitchFamily="18" charset="0"/>
-                <a:ea typeface="Times New Roman" panose="02020603050405020304" pitchFamily="18" charset="0"/>
-                <a:cs typeface="Times New Roman" panose="02020603050405020304" pitchFamily="18" charset="0"/>
-              </a:rPr>
-              <a:t>của</a:t>
-            </a:r>
-            <a:r>
-              <a:rPr lang="en-US" sz="1800">
-                <a:solidFill>
-                  <a:srgbClr val="000000"/>
-                </a:solidFill>
-                <a:effectLst/>
-                <a:latin typeface="Times New Roman" panose="02020603050405020304" pitchFamily="18" charset="0"/>
-                <a:ea typeface="Times New Roman" panose="02020603050405020304" pitchFamily="18" charset="0"/>
-                <a:cs typeface="Times New Roman" panose="02020603050405020304" pitchFamily="18" charset="0"/>
-              </a:rPr>
-              <a:t> vi </a:t>
-            </a:r>
-            <a:r>
-              <a:rPr lang="en-US" sz="1800" err="1">
-                <a:solidFill>
-                  <a:srgbClr val="000000"/>
-                </a:solidFill>
-                <a:effectLst/>
-                <a:latin typeface="Times New Roman" panose="02020603050405020304" pitchFamily="18" charset="0"/>
-                <a:ea typeface="Times New Roman" panose="02020603050405020304" pitchFamily="18" charset="0"/>
-                <a:cs typeface="Times New Roman" panose="02020603050405020304" pitchFamily="18" charset="0"/>
-              </a:rPr>
-              <a:t>khuẩn</a:t>
-            </a:r>
-            <a:r>
-              <a:rPr lang="en-US" sz="1800">
-                <a:solidFill>
-                  <a:srgbClr val="000000"/>
-                </a:solidFill>
-                <a:effectLst/>
-                <a:latin typeface="Times New Roman" panose="02020603050405020304" pitchFamily="18" charset="0"/>
-                <a:ea typeface="Times New Roman" panose="02020603050405020304" pitchFamily="18" charset="0"/>
-                <a:cs typeface="Times New Roman" panose="02020603050405020304" pitchFamily="18" charset="0"/>
-              </a:rPr>
-              <a:t> (</a:t>
-            </a:r>
-            <a:r>
-              <a:rPr lang="en-US" sz="1800" err="1">
-                <a:solidFill>
-                  <a:srgbClr val="000000"/>
-                </a:solidFill>
-                <a:effectLst/>
-                <a:latin typeface="Times New Roman" panose="02020603050405020304" pitchFamily="18" charset="0"/>
-                <a:ea typeface="Times New Roman" panose="02020603050405020304" pitchFamily="18" charset="0"/>
-                <a:cs typeface="Times New Roman" panose="02020603050405020304" pitchFamily="18" charset="0"/>
-              </a:rPr>
-              <a:t>có</a:t>
-            </a:r>
-            <a:r>
-              <a:rPr lang="en-US" sz="1800">
-                <a:solidFill>
-                  <a:srgbClr val="000000"/>
-                </a:solidFill>
-                <a:effectLst/>
-                <a:latin typeface="Times New Roman" panose="02020603050405020304" pitchFamily="18" charset="0"/>
-                <a:ea typeface="Times New Roman" panose="02020603050405020304" pitchFamily="18" charset="0"/>
-                <a:cs typeface="Times New Roman" panose="02020603050405020304" pitchFamily="18" charset="0"/>
-              </a:rPr>
-              <a:t> </a:t>
-            </a:r>
-            <a:r>
-              <a:rPr lang="en-US" sz="1800" err="1">
-                <a:solidFill>
-                  <a:srgbClr val="000000"/>
-                </a:solidFill>
-                <a:effectLst/>
-                <a:latin typeface="Times New Roman" panose="02020603050405020304" pitchFamily="18" charset="0"/>
-                <a:ea typeface="Times New Roman" panose="02020603050405020304" pitchFamily="18" charset="0"/>
-                <a:cs typeface="Times New Roman" panose="02020603050405020304" pitchFamily="18" charset="0"/>
-              </a:rPr>
-              <a:t>thể</a:t>
-            </a:r>
-            <a:r>
-              <a:rPr lang="en-US" sz="1800">
-                <a:solidFill>
-                  <a:srgbClr val="000000"/>
-                </a:solidFill>
-                <a:effectLst/>
-                <a:latin typeface="Times New Roman" panose="02020603050405020304" pitchFamily="18" charset="0"/>
-                <a:ea typeface="Times New Roman" panose="02020603050405020304" pitchFamily="18" charset="0"/>
-                <a:cs typeface="Times New Roman" panose="02020603050405020304" pitchFamily="18" charset="0"/>
-              </a:rPr>
-              <a:t> </a:t>
-            </a:r>
-            <a:r>
-              <a:rPr lang="en-US" sz="1800" err="1">
-                <a:solidFill>
-                  <a:srgbClr val="000000"/>
-                </a:solidFill>
-                <a:effectLst/>
-                <a:latin typeface="Times New Roman" panose="02020603050405020304" pitchFamily="18" charset="0"/>
-                <a:ea typeface="Times New Roman" panose="02020603050405020304" pitchFamily="18" charset="0"/>
-                <a:cs typeface="Times New Roman" panose="02020603050405020304" pitchFamily="18" charset="0"/>
-              </a:rPr>
-              <a:t>được</a:t>
-            </a:r>
-            <a:r>
-              <a:rPr lang="en-US" sz="1800">
-                <a:solidFill>
-                  <a:srgbClr val="000000"/>
-                </a:solidFill>
-                <a:effectLst/>
-                <a:latin typeface="Times New Roman" panose="02020603050405020304" pitchFamily="18" charset="0"/>
-                <a:ea typeface="Times New Roman" panose="02020603050405020304" pitchFamily="18" charset="0"/>
-                <a:cs typeface="Times New Roman" panose="02020603050405020304" pitchFamily="18" charset="0"/>
-              </a:rPr>
-              <a:t> </a:t>
-            </a:r>
-            <a:r>
-              <a:rPr lang="en-US" sz="1800" err="1">
-                <a:solidFill>
-                  <a:srgbClr val="000000"/>
-                </a:solidFill>
-                <a:effectLst/>
-                <a:latin typeface="Times New Roman" panose="02020603050405020304" pitchFamily="18" charset="0"/>
-                <a:ea typeface="Times New Roman" panose="02020603050405020304" pitchFamily="18" charset="0"/>
-                <a:cs typeface="Times New Roman" panose="02020603050405020304" pitchFamily="18" charset="0"/>
-              </a:rPr>
-              <a:t>biết</a:t>
-            </a:r>
-            <a:r>
-              <a:rPr lang="en-US" sz="1800">
-                <a:solidFill>
-                  <a:srgbClr val="000000"/>
-                </a:solidFill>
-                <a:effectLst/>
-                <a:latin typeface="Times New Roman" panose="02020603050405020304" pitchFamily="18" charset="0"/>
-                <a:ea typeface="Times New Roman" panose="02020603050405020304" pitchFamily="18" charset="0"/>
-                <a:cs typeface="Times New Roman" panose="02020603050405020304" pitchFamily="18" charset="0"/>
-              </a:rPr>
-              <a:t> </a:t>
-            </a:r>
-            <a:r>
-              <a:rPr lang="en-US" sz="1800" err="1">
-                <a:solidFill>
-                  <a:srgbClr val="000000"/>
-                </a:solidFill>
-                <a:effectLst/>
-                <a:latin typeface="Times New Roman" panose="02020603050405020304" pitchFamily="18" charset="0"/>
-                <a:ea typeface="Times New Roman" panose="02020603050405020304" pitchFamily="18" charset="0"/>
-                <a:cs typeface="Times New Roman" panose="02020603050405020304" pitchFamily="18" charset="0"/>
-              </a:rPr>
-              <a:t>đến</a:t>
-            </a:r>
-            <a:r>
-              <a:rPr lang="en-US" sz="1800">
-                <a:solidFill>
-                  <a:srgbClr val="000000"/>
-                </a:solidFill>
-                <a:effectLst/>
-                <a:latin typeface="Times New Roman" panose="02020603050405020304" pitchFamily="18" charset="0"/>
-                <a:ea typeface="Times New Roman" panose="02020603050405020304" pitchFamily="18" charset="0"/>
-                <a:cs typeface="Times New Roman" panose="02020603050405020304" pitchFamily="18" charset="0"/>
-              </a:rPr>
-              <a:t> </a:t>
-            </a:r>
-            <a:r>
-              <a:rPr lang="en-US" sz="1800" err="1">
-                <a:solidFill>
-                  <a:srgbClr val="000000"/>
-                </a:solidFill>
-                <a:effectLst/>
-                <a:latin typeface="Times New Roman" panose="02020603050405020304" pitchFamily="18" charset="0"/>
-                <a:ea typeface="Times New Roman" panose="02020603050405020304" pitchFamily="18" charset="0"/>
-                <a:cs typeface="Times New Roman" panose="02020603050405020304" pitchFamily="18" charset="0"/>
-              </a:rPr>
-              <a:t>hoặc</a:t>
-            </a:r>
-            <a:r>
-              <a:rPr lang="en-US" sz="1800">
-                <a:solidFill>
-                  <a:srgbClr val="000000"/>
-                </a:solidFill>
-                <a:effectLst/>
-                <a:latin typeface="Times New Roman" panose="02020603050405020304" pitchFamily="18" charset="0"/>
-                <a:ea typeface="Times New Roman" panose="02020603050405020304" pitchFamily="18" charset="0"/>
-                <a:cs typeface="Times New Roman" panose="02020603050405020304" pitchFamily="18" charset="0"/>
-              </a:rPr>
-              <a:t> </a:t>
-            </a:r>
-            <a:r>
-              <a:rPr lang="en-US" sz="1800" err="1">
-                <a:solidFill>
-                  <a:srgbClr val="000000"/>
-                </a:solidFill>
-                <a:effectLst/>
-                <a:latin typeface="Times New Roman" panose="02020603050405020304" pitchFamily="18" charset="0"/>
-                <a:ea typeface="Times New Roman" panose="02020603050405020304" pitchFamily="18" charset="0"/>
-                <a:cs typeface="Times New Roman" panose="02020603050405020304" pitchFamily="18" charset="0"/>
-              </a:rPr>
-              <a:t>giả</a:t>
-            </a:r>
-            <a:r>
-              <a:rPr lang="en-US" sz="1800">
-                <a:solidFill>
-                  <a:srgbClr val="000000"/>
-                </a:solidFill>
-                <a:effectLst/>
-                <a:latin typeface="Times New Roman" panose="02020603050405020304" pitchFamily="18" charset="0"/>
-                <a:ea typeface="Times New Roman" panose="02020603050405020304" pitchFamily="18" charset="0"/>
-                <a:cs typeface="Times New Roman" panose="02020603050405020304" pitchFamily="18" charset="0"/>
-              </a:rPr>
-              <a:t> </a:t>
-            </a:r>
-            <a:r>
-              <a:rPr lang="en-US" sz="1800" err="1">
-                <a:solidFill>
-                  <a:srgbClr val="000000"/>
-                </a:solidFill>
-                <a:effectLst/>
-                <a:latin typeface="Times New Roman" panose="02020603050405020304" pitchFamily="18" charset="0"/>
-                <a:ea typeface="Times New Roman" panose="02020603050405020304" pitchFamily="18" charset="0"/>
-                <a:cs typeface="Times New Roman" panose="02020603050405020304" pitchFamily="18" charset="0"/>
-              </a:rPr>
-              <a:t>định</a:t>
-            </a:r>
-            <a:r>
-              <a:rPr lang="en-US" sz="1800">
-                <a:solidFill>
-                  <a:srgbClr val="000000"/>
-                </a:solidFill>
-                <a:effectLst/>
-                <a:latin typeface="Times New Roman" panose="02020603050405020304" pitchFamily="18" charset="0"/>
-                <a:ea typeface="Times New Roman" panose="02020603050405020304" pitchFamily="18" charset="0"/>
-                <a:cs typeface="Times New Roman" panose="02020603050405020304" pitchFamily="18" charset="0"/>
-              </a:rPr>
-              <a:t> </a:t>
-            </a:r>
-            <a:r>
-              <a:rPr lang="en-US" sz="1800" err="1">
-                <a:solidFill>
-                  <a:srgbClr val="000000"/>
-                </a:solidFill>
-                <a:effectLst/>
-                <a:latin typeface="Times New Roman" panose="02020603050405020304" pitchFamily="18" charset="0"/>
-                <a:ea typeface="Times New Roman" panose="02020603050405020304" pitchFamily="18" charset="0"/>
-                <a:cs typeface="Times New Roman" panose="02020603050405020304" pitchFamily="18" charset="0"/>
-              </a:rPr>
-              <a:t>là</a:t>
-            </a:r>
-            <a:r>
-              <a:rPr lang="en-US" sz="1800">
-                <a:solidFill>
-                  <a:srgbClr val="000000"/>
-                </a:solidFill>
-                <a:effectLst/>
-                <a:latin typeface="Times New Roman" panose="02020603050405020304" pitchFamily="18" charset="0"/>
-                <a:ea typeface="Times New Roman" panose="02020603050405020304" pitchFamily="18" charset="0"/>
-                <a:cs typeface="Times New Roman" panose="02020603050405020304" pitchFamily="18" charset="0"/>
-              </a:rPr>
-              <a:t> MGE), </a:t>
-            </a:r>
-            <a:r>
-              <a:rPr lang="en-US" sz="1800" err="1">
-                <a:solidFill>
-                  <a:srgbClr val="000000"/>
-                </a:solidFill>
-                <a:effectLst/>
-                <a:latin typeface="Times New Roman" panose="02020603050405020304" pitchFamily="18" charset="0"/>
-                <a:ea typeface="Times New Roman" panose="02020603050405020304" pitchFamily="18" charset="0"/>
-                <a:cs typeface="Times New Roman" panose="02020603050405020304" pitchFamily="18" charset="0"/>
-              </a:rPr>
-              <a:t>trong</a:t>
-            </a:r>
-            <a:r>
-              <a:rPr lang="en-US" sz="1800">
-                <a:solidFill>
-                  <a:srgbClr val="000000"/>
-                </a:solidFill>
-                <a:effectLst/>
-                <a:latin typeface="Times New Roman" panose="02020603050405020304" pitchFamily="18" charset="0"/>
-                <a:ea typeface="Times New Roman" panose="02020603050405020304" pitchFamily="18" charset="0"/>
-                <a:cs typeface="Times New Roman" panose="02020603050405020304" pitchFamily="18" charset="0"/>
-              </a:rPr>
-              <a:t> </a:t>
-            </a:r>
-            <a:r>
-              <a:rPr lang="en-US" sz="1800" err="1">
-                <a:solidFill>
-                  <a:srgbClr val="000000"/>
-                </a:solidFill>
-                <a:effectLst/>
-                <a:latin typeface="Times New Roman" panose="02020603050405020304" pitchFamily="18" charset="0"/>
-                <a:ea typeface="Times New Roman" panose="02020603050405020304" pitchFamily="18" charset="0"/>
-                <a:cs typeface="Times New Roman" panose="02020603050405020304" pitchFamily="18" charset="0"/>
-              </a:rPr>
-              <a:t>đó</a:t>
-            </a:r>
-            <a:r>
-              <a:rPr lang="en-US" sz="1800">
-                <a:solidFill>
-                  <a:srgbClr val="000000"/>
-                </a:solidFill>
-                <a:effectLst/>
-                <a:latin typeface="Times New Roman" panose="02020603050405020304" pitchFamily="18" charset="0"/>
-                <a:ea typeface="Times New Roman" panose="02020603050405020304" pitchFamily="18" charset="0"/>
-                <a:cs typeface="Times New Roman" panose="02020603050405020304" pitchFamily="18" charset="0"/>
-              </a:rPr>
-              <a:t> </a:t>
-            </a:r>
-            <a:r>
-              <a:rPr lang="en-US" sz="1800" err="1">
-                <a:solidFill>
-                  <a:srgbClr val="000000"/>
-                </a:solidFill>
-                <a:effectLst/>
-                <a:latin typeface="Times New Roman" panose="02020603050405020304" pitchFamily="18" charset="0"/>
-                <a:ea typeface="Times New Roman" panose="02020603050405020304" pitchFamily="18" charset="0"/>
-                <a:cs typeface="Times New Roman" panose="02020603050405020304" pitchFamily="18" charset="0"/>
-              </a:rPr>
-              <a:t>các</a:t>
-            </a:r>
-            <a:r>
-              <a:rPr lang="en-US" sz="1800">
-                <a:solidFill>
-                  <a:srgbClr val="000000"/>
-                </a:solidFill>
-                <a:effectLst/>
-                <a:latin typeface="Times New Roman" panose="02020603050405020304" pitchFamily="18" charset="0"/>
-                <a:ea typeface="Times New Roman" panose="02020603050405020304" pitchFamily="18" charset="0"/>
-                <a:cs typeface="Times New Roman" panose="02020603050405020304" pitchFamily="18" charset="0"/>
-              </a:rPr>
-              <a:t> chi vi </a:t>
-            </a:r>
-            <a:r>
-              <a:rPr lang="en-US" sz="1800" err="1">
-                <a:solidFill>
-                  <a:srgbClr val="000000"/>
-                </a:solidFill>
-                <a:effectLst/>
-                <a:latin typeface="Times New Roman" panose="02020603050405020304" pitchFamily="18" charset="0"/>
-                <a:ea typeface="Times New Roman" panose="02020603050405020304" pitchFamily="18" charset="0"/>
-                <a:cs typeface="Times New Roman" panose="02020603050405020304" pitchFamily="18" charset="0"/>
-              </a:rPr>
-              <a:t>khuẩn</a:t>
-            </a:r>
-            <a:r>
-              <a:rPr lang="en-US" sz="1800">
-                <a:solidFill>
-                  <a:srgbClr val="000000"/>
-                </a:solidFill>
-                <a:effectLst/>
-                <a:latin typeface="Times New Roman" panose="02020603050405020304" pitchFamily="18" charset="0"/>
-                <a:ea typeface="Times New Roman" panose="02020603050405020304" pitchFamily="18" charset="0"/>
-                <a:cs typeface="Times New Roman" panose="02020603050405020304" pitchFamily="18" charset="0"/>
-              </a:rPr>
-              <a:t> </a:t>
-            </a:r>
-            <a:r>
-              <a:rPr lang="en-US" sz="1800" err="1">
-                <a:solidFill>
-                  <a:srgbClr val="000000"/>
-                </a:solidFill>
-                <a:effectLst/>
-                <a:latin typeface="Times New Roman" panose="02020603050405020304" pitchFamily="18" charset="0"/>
-                <a:ea typeface="Times New Roman" panose="02020603050405020304" pitchFamily="18" charset="0"/>
-                <a:cs typeface="Times New Roman" panose="02020603050405020304" pitchFamily="18" charset="0"/>
-              </a:rPr>
-              <a:t>nhất</a:t>
-            </a:r>
-            <a:r>
-              <a:rPr lang="en-US" sz="1800">
-                <a:solidFill>
-                  <a:srgbClr val="000000"/>
-                </a:solidFill>
-                <a:effectLst/>
-                <a:latin typeface="Times New Roman" panose="02020603050405020304" pitchFamily="18" charset="0"/>
-                <a:ea typeface="Times New Roman" panose="02020603050405020304" pitchFamily="18" charset="0"/>
-                <a:cs typeface="Times New Roman" panose="02020603050405020304" pitchFamily="18" charset="0"/>
-              </a:rPr>
-              <a:t> </a:t>
-            </a:r>
-            <a:r>
-              <a:rPr lang="en-US" sz="1800" err="1">
-                <a:solidFill>
-                  <a:srgbClr val="000000"/>
-                </a:solidFill>
-                <a:effectLst/>
-                <a:latin typeface="Times New Roman" panose="02020603050405020304" pitchFamily="18" charset="0"/>
-                <a:ea typeface="Times New Roman" panose="02020603050405020304" pitchFamily="18" charset="0"/>
-                <a:cs typeface="Times New Roman" panose="02020603050405020304" pitchFamily="18" charset="0"/>
-              </a:rPr>
-              <a:t>định</a:t>
-            </a:r>
-            <a:r>
-              <a:rPr lang="en-US" sz="1800">
-                <a:solidFill>
-                  <a:srgbClr val="000000"/>
-                </a:solidFill>
-                <a:effectLst/>
-                <a:latin typeface="Times New Roman" panose="02020603050405020304" pitchFamily="18" charset="0"/>
-                <a:ea typeface="Times New Roman" panose="02020603050405020304" pitchFamily="18" charset="0"/>
-                <a:cs typeface="Times New Roman" panose="02020603050405020304" pitchFamily="18" charset="0"/>
-              </a:rPr>
-              <a:t> </a:t>
-            </a:r>
-            <a:r>
-              <a:rPr lang="en-US" sz="1800" err="1">
-                <a:solidFill>
-                  <a:srgbClr val="000000"/>
-                </a:solidFill>
-                <a:effectLst/>
-                <a:latin typeface="Times New Roman" panose="02020603050405020304" pitchFamily="18" charset="0"/>
-                <a:ea typeface="Times New Roman" panose="02020603050405020304" pitchFamily="18" charset="0"/>
-                <a:cs typeface="Times New Roman" panose="02020603050405020304" pitchFamily="18" charset="0"/>
-              </a:rPr>
-              <a:t>được</a:t>
-            </a:r>
-            <a:r>
-              <a:rPr lang="en-US" sz="1800">
-                <a:solidFill>
-                  <a:srgbClr val="000000"/>
-                </a:solidFill>
-                <a:effectLst/>
-                <a:latin typeface="Times New Roman" panose="02020603050405020304" pitchFamily="18" charset="0"/>
-                <a:ea typeface="Times New Roman" panose="02020603050405020304" pitchFamily="18" charset="0"/>
-                <a:cs typeface="Times New Roman" panose="02020603050405020304" pitchFamily="18" charset="0"/>
-              </a:rPr>
-              <a:t> </a:t>
-            </a:r>
-            <a:r>
-              <a:rPr lang="en-US" sz="1800" err="1">
-                <a:solidFill>
-                  <a:srgbClr val="000000"/>
-                </a:solidFill>
-                <a:effectLst/>
-                <a:latin typeface="Times New Roman" panose="02020603050405020304" pitchFamily="18" charset="0"/>
-                <a:ea typeface="Times New Roman" panose="02020603050405020304" pitchFamily="18" charset="0"/>
-                <a:cs typeface="Times New Roman" panose="02020603050405020304" pitchFamily="18" charset="0"/>
-              </a:rPr>
-              <a:t>biết</a:t>
-            </a:r>
-            <a:r>
-              <a:rPr lang="en-US" sz="1800">
-                <a:solidFill>
-                  <a:srgbClr val="000000"/>
-                </a:solidFill>
-                <a:effectLst/>
-                <a:latin typeface="Times New Roman" panose="02020603050405020304" pitchFamily="18" charset="0"/>
-                <a:ea typeface="Times New Roman" panose="02020603050405020304" pitchFamily="18" charset="0"/>
-                <a:cs typeface="Times New Roman" panose="02020603050405020304" pitchFamily="18" charset="0"/>
-              </a:rPr>
-              <a:t> </a:t>
-            </a:r>
-            <a:r>
-              <a:rPr lang="en-US" sz="1800" err="1">
-                <a:solidFill>
-                  <a:srgbClr val="000000"/>
-                </a:solidFill>
-                <a:effectLst/>
-                <a:latin typeface="Times New Roman" panose="02020603050405020304" pitchFamily="18" charset="0"/>
-                <a:ea typeface="Times New Roman" panose="02020603050405020304" pitchFamily="18" charset="0"/>
-                <a:cs typeface="Times New Roman" panose="02020603050405020304" pitchFamily="18" charset="0"/>
-              </a:rPr>
-              <a:t>là</a:t>
-            </a:r>
-            <a:r>
-              <a:rPr lang="en-US" sz="1800">
-                <a:solidFill>
-                  <a:srgbClr val="000000"/>
-                </a:solidFill>
-                <a:effectLst/>
-                <a:latin typeface="Times New Roman" panose="02020603050405020304" pitchFamily="18" charset="0"/>
-                <a:ea typeface="Times New Roman" panose="02020603050405020304" pitchFamily="18" charset="0"/>
-                <a:cs typeface="Times New Roman" panose="02020603050405020304" pitchFamily="18" charset="0"/>
-              </a:rPr>
-              <a:t> </a:t>
-            </a:r>
-            <a:r>
-              <a:rPr lang="en-US" sz="1800" err="1">
-                <a:solidFill>
-                  <a:srgbClr val="000000"/>
-                </a:solidFill>
-                <a:effectLst/>
-                <a:latin typeface="Times New Roman" panose="02020603050405020304" pitchFamily="18" charset="0"/>
-                <a:ea typeface="Times New Roman" panose="02020603050405020304" pitchFamily="18" charset="0"/>
-                <a:cs typeface="Times New Roman" panose="02020603050405020304" pitchFamily="18" charset="0"/>
-              </a:rPr>
-              <a:t>chứa</a:t>
-            </a:r>
-            <a:r>
-              <a:rPr lang="en-US" sz="1800">
-                <a:solidFill>
-                  <a:srgbClr val="000000"/>
-                </a:solidFill>
-                <a:effectLst/>
-                <a:latin typeface="Times New Roman" panose="02020603050405020304" pitchFamily="18" charset="0"/>
-                <a:ea typeface="Times New Roman" panose="02020603050405020304" pitchFamily="18" charset="0"/>
-                <a:cs typeface="Times New Roman" panose="02020603050405020304" pitchFamily="18" charset="0"/>
-              </a:rPr>
-              <a:t> anti-CRISPR protein,</a:t>
-            </a:r>
-            <a:endParaRPr lang="en-US" sz="1800">
-              <a:effectLst/>
-              <a:latin typeface="Times New Roman" panose="02020603050405020304" pitchFamily="18" charset="0"/>
-              <a:ea typeface="Times New Roman" panose="02020603050405020304" pitchFamily="18" charset="0"/>
-              <a:cs typeface="Arial" panose="020B0604020202020204" pitchFamily="34" charset="0"/>
-            </a:endParaRPr>
-          </a:p>
-          <a:p>
-            <a:pPr marL="342900" marR="0" lvl="0" indent="-342900">
-              <a:lnSpc>
-                <a:spcPct val="107000"/>
-              </a:lnSpc>
-              <a:spcBef>
-                <a:spcPts val="0"/>
-              </a:spcBef>
-              <a:spcAft>
-                <a:spcPts val="0"/>
-              </a:spcAft>
-            </a:pPr>
-            <a:r>
-              <a:rPr lang="en-US" sz="1800" err="1">
-                <a:solidFill>
-                  <a:srgbClr val="000000"/>
-                </a:solidFill>
-                <a:effectLst/>
-                <a:latin typeface="Times New Roman" panose="02020603050405020304" pitchFamily="18" charset="0"/>
-                <a:ea typeface="Times New Roman" panose="02020603050405020304" pitchFamily="18" charset="0"/>
-                <a:cs typeface="Times New Roman" panose="02020603050405020304" pitchFamily="18" charset="0"/>
-              </a:rPr>
-              <a:t>Phải</a:t>
-            </a:r>
-            <a:r>
-              <a:rPr lang="en-US" sz="1800">
-                <a:solidFill>
-                  <a:srgbClr val="000000"/>
-                </a:solidFill>
-                <a:effectLst/>
-                <a:latin typeface="Times New Roman" panose="02020603050405020304" pitchFamily="18" charset="0"/>
-                <a:ea typeface="Times New Roman" panose="02020603050405020304" pitchFamily="18" charset="0"/>
-                <a:cs typeface="Times New Roman" panose="02020603050405020304" pitchFamily="18" charset="0"/>
-              </a:rPr>
-              <a:t> </a:t>
-            </a:r>
-            <a:r>
-              <a:rPr lang="en-US" sz="1800" err="1">
-                <a:solidFill>
-                  <a:srgbClr val="000000"/>
-                </a:solidFill>
-                <a:effectLst/>
-                <a:latin typeface="Times New Roman" panose="02020603050405020304" pitchFamily="18" charset="0"/>
-                <a:ea typeface="Times New Roman" panose="02020603050405020304" pitchFamily="18" charset="0"/>
-                <a:cs typeface="Times New Roman" panose="02020603050405020304" pitchFamily="18" charset="0"/>
-              </a:rPr>
-              <a:t>có</a:t>
-            </a:r>
-            <a:r>
-              <a:rPr lang="en-US" sz="1800">
-                <a:solidFill>
-                  <a:srgbClr val="000000"/>
-                </a:solidFill>
-                <a:effectLst/>
-                <a:latin typeface="Times New Roman" panose="02020603050405020304" pitchFamily="18" charset="0"/>
-                <a:ea typeface="Times New Roman" panose="02020603050405020304" pitchFamily="18" charset="0"/>
-                <a:cs typeface="Times New Roman" panose="02020603050405020304" pitchFamily="18" charset="0"/>
-              </a:rPr>
-              <a:t> </a:t>
-            </a:r>
-            <a:r>
-              <a:rPr lang="en-US" sz="1800" err="1">
-                <a:solidFill>
-                  <a:srgbClr val="000000"/>
-                </a:solidFill>
-                <a:effectLst/>
-                <a:latin typeface="Times New Roman" panose="02020603050405020304" pitchFamily="18" charset="0"/>
-                <a:ea typeface="Times New Roman" panose="02020603050405020304" pitchFamily="18" charset="0"/>
-                <a:cs typeface="Times New Roman" panose="02020603050405020304" pitchFamily="18" charset="0"/>
-              </a:rPr>
-              <a:t>ít</a:t>
-            </a:r>
-            <a:r>
-              <a:rPr lang="en-US" sz="1800">
-                <a:solidFill>
-                  <a:srgbClr val="000000"/>
-                </a:solidFill>
-                <a:effectLst/>
-                <a:latin typeface="Times New Roman" panose="02020603050405020304" pitchFamily="18" charset="0"/>
-                <a:ea typeface="Times New Roman" panose="02020603050405020304" pitchFamily="18" charset="0"/>
-                <a:cs typeface="Times New Roman" panose="02020603050405020304" pitchFamily="18" charset="0"/>
-              </a:rPr>
-              <a:t> </a:t>
-            </a:r>
-            <a:r>
-              <a:rPr lang="en-US" sz="1800" err="1">
-                <a:solidFill>
-                  <a:srgbClr val="000000"/>
-                </a:solidFill>
-                <a:effectLst/>
-                <a:latin typeface="Times New Roman" panose="02020603050405020304" pitchFamily="18" charset="0"/>
-                <a:ea typeface="Times New Roman" panose="02020603050405020304" pitchFamily="18" charset="0"/>
-                <a:cs typeface="Times New Roman" panose="02020603050405020304" pitchFamily="18" charset="0"/>
-              </a:rPr>
-              <a:t>hơn</a:t>
-            </a:r>
-            <a:r>
-              <a:rPr lang="en-US" sz="1800">
-                <a:solidFill>
-                  <a:srgbClr val="000000"/>
-                </a:solidFill>
-                <a:effectLst/>
-                <a:latin typeface="Times New Roman" panose="02020603050405020304" pitchFamily="18" charset="0"/>
-                <a:ea typeface="Times New Roman" panose="02020603050405020304" pitchFamily="18" charset="0"/>
-                <a:cs typeface="Times New Roman" panose="02020603050405020304" pitchFamily="18" charset="0"/>
-              </a:rPr>
-              <a:t> 40% </a:t>
-            </a:r>
-            <a:r>
-              <a:rPr lang="en-US" sz="1800" err="1">
-                <a:solidFill>
-                  <a:srgbClr val="000000"/>
-                </a:solidFill>
-                <a:effectLst/>
-                <a:latin typeface="Times New Roman" panose="02020603050405020304" pitchFamily="18" charset="0"/>
-                <a:ea typeface="Times New Roman" panose="02020603050405020304" pitchFamily="18" charset="0"/>
-                <a:cs typeface="Times New Roman" panose="02020603050405020304" pitchFamily="18" charset="0"/>
-              </a:rPr>
-              <a:t>trình</a:t>
-            </a:r>
-            <a:r>
-              <a:rPr lang="en-US" sz="1800">
-                <a:solidFill>
-                  <a:srgbClr val="000000"/>
-                </a:solidFill>
-                <a:effectLst/>
-                <a:latin typeface="Times New Roman" panose="02020603050405020304" pitchFamily="18" charset="0"/>
-                <a:ea typeface="Times New Roman" panose="02020603050405020304" pitchFamily="18" charset="0"/>
-                <a:cs typeface="Times New Roman" panose="02020603050405020304" pitchFamily="18" charset="0"/>
-              </a:rPr>
-              <a:t> </a:t>
-            </a:r>
-            <a:r>
-              <a:rPr lang="en-US" sz="1800" err="1">
-                <a:solidFill>
-                  <a:srgbClr val="000000"/>
-                </a:solidFill>
-                <a:effectLst/>
-                <a:latin typeface="Times New Roman" panose="02020603050405020304" pitchFamily="18" charset="0"/>
-                <a:ea typeface="Times New Roman" panose="02020603050405020304" pitchFamily="18" charset="0"/>
-                <a:cs typeface="Times New Roman" panose="02020603050405020304" pitchFamily="18" charset="0"/>
-              </a:rPr>
-              <a:t>tự</a:t>
-            </a:r>
-            <a:r>
-              <a:rPr lang="en-US" sz="1800">
-                <a:solidFill>
-                  <a:srgbClr val="000000"/>
-                </a:solidFill>
-                <a:effectLst/>
-                <a:latin typeface="Times New Roman" panose="02020603050405020304" pitchFamily="18" charset="0"/>
-                <a:ea typeface="Times New Roman" panose="02020603050405020304" pitchFamily="18" charset="0"/>
-                <a:cs typeface="Times New Roman" panose="02020603050405020304" pitchFamily="18" charset="0"/>
-              </a:rPr>
-              <a:t> </a:t>
-            </a:r>
-            <a:r>
-              <a:rPr lang="en-US" sz="1800" err="1">
-                <a:solidFill>
-                  <a:srgbClr val="000000"/>
-                </a:solidFill>
-                <a:effectLst/>
-                <a:latin typeface="Times New Roman" panose="02020603050405020304" pitchFamily="18" charset="0"/>
-                <a:ea typeface="Times New Roman" panose="02020603050405020304" pitchFamily="18" charset="0"/>
-                <a:cs typeface="Times New Roman" panose="02020603050405020304" pitchFamily="18" charset="0"/>
-              </a:rPr>
-              <a:t>tương</a:t>
-            </a:r>
-            <a:r>
-              <a:rPr lang="en-US" sz="1800">
-                <a:solidFill>
-                  <a:srgbClr val="000000"/>
-                </a:solidFill>
-                <a:effectLst/>
-                <a:latin typeface="Times New Roman" panose="02020603050405020304" pitchFamily="18" charset="0"/>
-                <a:ea typeface="Times New Roman" panose="02020603050405020304" pitchFamily="18" charset="0"/>
-                <a:cs typeface="Times New Roman" panose="02020603050405020304" pitchFamily="18" charset="0"/>
-              </a:rPr>
-              <a:t> </a:t>
-            </a:r>
-            <a:r>
-              <a:rPr lang="en-US" sz="1800" err="1">
-                <a:solidFill>
-                  <a:srgbClr val="000000"/>
-                </a:solidFill>
-                <a:effectLst/>
-                <a:latin typeface="Times New Roman" panose="02020603050405020304" pitchFamily="18" charset="0"/>
-                <a:ea typeface="Times New Roman" panose="02020603050405020304" pitchFamily="18" charset="0"/>
-                <a:cs typeface="Times New Roman" panose="02020603050405020304" pitchFamily="18" charset="0"/>
-              </a:rPr>
-              <a:t>đồng</a:t>
-            </a:r>
-            <a:r>
-              <a:rPr lang="en-US" sz="1800">
-                <a:solidFill>
-                  <a:srgbClr val="000000"/>
-                </a:solidFill>
-                <a:effectLst/>
-                <a:latin typeface="Times New Roman" panose="02020603050405020304" pitchFamily="18" charset="0"/>
-                <a:ea typeface="Times New Roman" panose="02020603050405020304" pitchFamily="18" charset="0"/>
-                <a:cs typeface="Times New Roman" panose="02020603050405020304" pitchFamily="18" charset="0"/>
-              </a:rPr>
-              <a:t> </a:t>
-            </a:r>
-            <a:r>
-              <a:rPr lang="en-US" sz="1800" err="1">
-                <a:solidFill>
-                  <a:srgbClr val="000000"/>
-                </a:solidFill>
-                <a:effectLst/>
-                <a:latin typeface="Times New Roman" panose="02020603050405020304" pitchFamily="18" charset="0"/>
-                <a:ea typeface="Times New Roman" panose="02020603050405020304" pitchFamily="18" charset="0"/>
-                <a:cs typeface="Times New Roman" panose="02020603050405020304" pitchFamily="18" charset="0"/>
-              </a:rPr>
-              <a:t>với</a:t>
-            </a:r>
-            <a:r>
-              <a:rPr lang="en-US" sz="1800">
-                <a:solidFill>
-                  <a:srgbClr val="000000"/>
-                </a:solidFill>
-                <a:effectLst/>
-                <a:latin typeface="Times New Roman" panose="02020603050405020304" pitchFamily="18" charset="0"/>
-                <a:ea typeface="Times New Roman" panose="02020603050405020304" pitchFamily="18" charset="0"/>
-                <a:cs typeface="Times New Roman" panose="02020603050405020304" pitchFamily="18" charset="0"/>
-              </a:rPr>
-              <a:t> </a:t>
-            </a:r>
-            <a:r>
-              <a:rPr lang="en-US" sz="1800" err="1">
-                <a:solidFill>
-                  <a:srgbClr val="000000"/>
-                </a:solidFill>
-                <a:effectLst/>
-                <a:latin typeface="Times New Roman" panose="02020603050405020304" pitchFamily="18" charset="0"/>
-                <a:ea typeface="Times New Roman" panose="02020603050405020304" pitchFamily="18" charset="0"/>
-                <a:cs typeface="Times New Roman" panose="02020603050405020304" pitchFamily="18" charset="0"/>
-              </a:rPr>
-              <a:t>nhau</a:t>
-            </a:r>
-            <a:r>
-              <a:rPr lang="en-US" sz="1800">
-                <a:solidFill>
-                  <a:srgbClr val="000000"/>
-                </a:solidFill>
-                <a:effectLst/>
-                <a:latin typeface="Times New Roman" panose="02020603050405020304" pitchFamily="18" charset="0"/>
-                <a:ea typeface="Times New Roman" panose="02020603050405020304" pitchFamily="18" charset="0"/>
-                <a:cs typeface="Times New Roman" panose="02020603050405020304" pitchFamily="18" charset="0"/>
-              </a:rPr>
               <a:t>,</a:t>
             </a:r>
-          </a:p>
-          <a:p>
-            <a:pPr marL="342900" marR="0" lvl="0" indent="-342900">
-              <a:lnSpc>
-                <a:spcPct val="107000"/>
-              </a:lnSpc>
-              <a:spcBef>
-                <a:spcPts val="0"/>
-              </a:spcBef>
-              <a:spcAft>
-                <a:spcPts val="0"/>
-              </a:spcAft>
-            </a:pPr>
             <a:endParaRPr lang="en-US" sz="1800">
               <a:effectLst/>
               <a:latin typeface="Times New Roman" panose="02020603050405020304" pitchFamily="18" charset="0"/>
@@ -14847,60 +15510,12 @@
               <a:t>5. </a:t>
             </a:r>
             <a:r>
-              <a:rPr lang="en-US" sz="2700" err="1">
-                <a:latin typeface="+mj-lt"/>
-                <a:ea typeface="+mj-ea"/>
-                <a:cs typeface="+mj-cs"/>
-              </a:rPr>
-              <a:t>Đề</a:t>
-            </a:r>
-            <a:r>
               <a:rPr lang="en-US" sz="2700">
                 <a:latin typeface="+mj-lt"/>
                 <a:ea typeface="+mj-ea"/>
                 <a:cs typeface="+mj-cs"/>
               </a:rPr>
-              <a:t> </a:t>
-            </a:r>
-            <a:r>
-              <a:rPr lang="en-US" sz="2700" err="1">
-                <a:latin typeface="+mj-lt"/>
-                <a:ea typeface="+mj-ea"/>
-                <a:cs typeface="+mj-cs"/>
-              </a:rPr>
-              <a:t>xuất</a:t>
-            </a:r>
-            <a:r>
-              <a:rPr lang="en-US" sz="2700">
-                <a:latin typeface="+mj-lt"/>
-                <a:ea typeface="+mj-ea"/>
-                <a:cs typeface="+mj-cs"/>
-              </a:rPr>
-              <a:t> </a:t>
-            </a:r>
-            <a:r>
-              <a:rPr lang="en-US" sz="2700" err="1">
-                <a:latin typeface="+mj-lt"/>
-                <a:ea typeface="+mj-ea"/>
-                <a:cs typeface="+mj-cs"/>
-              </a:rPr>
-              <a:t>mô</a:t>
-            </a:r>
-            <a:r>
-              <a:rPr lang="en-US" sz="2700">
-                <a:latin typeface="+mj-lt"/>
-                <a:ea typeface="+mj-ea"/>
-                <a:cs typeface="+mj-cs"/>
-              </a:rPr>
-              <a:t> </a:t>
-            </a:r>
-            <a:r>
-              <a:rPr lang="en-US" sz="2700" err="1">
-                <a:latin typeface="+mj-lt"/>
-                <a:ea typeface="+mj-ea"/>
-                <a:cs typeface="+mj-cs"/>
-              </a:rPr>
-              <a:t>hình</a:t>
+              <a:t>Đề xuất mô hình</a:t>
             </a:r>
             <a:endParaRPr lang="en-US" sz="2700" kern="1200">
               <a:solidFill>
@@ -14929,13 +15544,13 @@
             <p:ph sz="quarter" idx="10"/>
             <p:extLst>
               <p:ext uri="{D42A27DB-BD31-4B8C-83A1-F6EECF244321}">
-                <p14:modId xmlns:p14="http://schemas.microsoft.com/office/powerpoint/2010/main" val="558921540"/>
+                <p14:modId xmlns:p14="http://schemas.microsoft.com/office/powerpoint/2010/main" val="618513867"/>
               </p:ext>
             </p:extLst>
           </p:nvPr>
         </p:nvGraphicFramePr>
         <p:xfrm>
-          <a:off x="380272" y="938545"/>
+          <a:off x="336729" y="1785821"/>
           <a:ext cx="8178799" cy="1906198"/>
         </p:xfrm>
         <a:graphic>
@@ -15264,45 +15879,6 @@
           </p:txBody>
         </p:sp>
       </p:grpSp>
-      <p:pic>
-        <p:nvPicPr>
-          <p:cNvPr id="19" name="Picture 18" descr="Diagram&#10;&#10;Description automatically generated">
-            <a:extLst>
-              <a:ext uri="{FF2B5EF4-FFF2-40B4-BE49-F238E27FC236}">
-                <a16:creationId xmlns:a16="http://schemas.microsoft.com/office/drawing/2014/main" id="{C4B917A1-695F-4BBC-8C9D-5475CC341CB7}"/>
-              </a:ext>
-            </a:extLst>
-          </p:cNvPr>
-          <p:cNvPicPr/>
-          <p:nvPr/>
-        </p:nvPicPr>
-        <p:blipFill>
-          <a:blip r:embed="rId7">
-            <a:extLst>
-              <a:ext uri="{28A0092B-C50C-407E-A947-70E740481C1C}">
-                <a14:useLocalDpi xmlns:a14="http://schemas.microsoft.com/office/drawing/2010/main" val="0"/>
-              </a:ext>
-            </a:extLst>
-          </a:blip>
-          <a:srcRect/>
-          <a:stretch>
-            <a:fillRect/>
-          </a:stretch>
-        </p:blipFill>
-        <p:spPr bwMode="auto">
-          <a:xfrm>
-            <a:off x="1512264" y="2887255"/>
-            <a:ext cx="6336336" cy="2213733"/>
-          </a:xfrm>
-          <a:prstGeom prst="rect">
-            <a:avLst/>
-          </a:prstGeom>
-          <a:noFill/>
-          <a:ln>
-            <a:noFill/>
-          </a:ln>
-        </p:spPr>
-      </p:pic>
     </p:spTree>
     <p:extLst>
       <p:ext uri="{BB962C8B-B14F-4D97-AF65-F5344CB8AC3E}">
@@ -15317,6 +15893,216 @@
 </file>
 
 <file path=ppt/slides/slide8.xml><?xml version="1.0" encoding="utf-8"?>
+<p:sld xmlns:a="http://schemas.openxmlformats.org/drawingml/2006/main" xmlns:r="http://schemas.openxmlformats.org/officeDocument/2006/relationships" xmlns:p="http://schemas.openxmlformats.org/presentationml/2006/main">
+  <p:cSld>
+    <p:bg>
+      <p:bgPr>
+        <a:solidFill>
+          <a:schemeClr val="bg1"/>
+        </a:solidFill>
+        <a:effectLst/>
+      </p:bgPr>
+    </p:bg>
+    <p:spTree>
+      <p:nvGrpSpPr>
+        <p:cNvPr id="1" name=""/>
+        <p:cNvGrpSpPr/>
+        <p:nvPr/>
+      </p:nvGrpSpPr>
+      <p:grpSpPr>
+        <a:xfrm>
+          <a:off x="0" y="0"/>
+          <a:ext cx="0" cy="0"/>
+          <a:chOff x="0" y="0"/>
+          <a:chExt cx="0" cy="0"/>
+        </a:xfrm>
+      </p:grpSpPr>
+      <p:sp>
+        <p:nvSpPr>
+          <p:cNvPr id="3" name="Title 2">
+            <a:extLst>
+              <a:ext uri="{FF2B5EF4-FFF2-40B4-BE49-F238E27FC236}">
+                <a16:creationId xmlns:a16="http://schemas.microsoft.com/office/drawing/2014/main" id="{3CFD9C83-41D5-4B85-B776-F102189D895F}"/>
+              </a:ext>
+            </a:extLst>
+          </p:cNvPr>
+          <p:cNvSpPr>
+            <a:spLocks noGrp="1"/>
+          </p:cNvSpPr>
+          <p:nvPr>
+            <p:ph type="title"/>
+          </p:nvPr>
+        </p:nvSpPr>
+        <p:spPr>
+          <a:xfrm>
+            <a:off x="628649" y="218317"/>
+            <a:ext cx="7886699" cy="699516"/>
+          </a:xfrm>
+        </p:spPr>
+        <p:txBody>
+          <a:bodyPr vert="horz" lIns="91440" tIns="45720" rIns="91440" bIns="45720" rtlCol="0" anchor="b">
+            <a:normAutofit/>
+          </a:bodyPr>
+          <a:lstStyle>
+            <a:defPPr>
+              <a:defRPr lang="en-US"/>
+            </a:defPPr>
+            <a:lvl1pPr marL="0" algn="l" defTabSz="685800" rtl="0" eaLnBrk="1" latinLnBrk="0" hangingPunct="1">
+              <a:defRPr sz="1350" kern="1200">
+                <a:solidFill>
+                  <a:schemeClr val="tx1"/>
+                </a:solidFill>
+                <a:latin typeface="+mn-lt"/>
+                <a:ea typeface="+mn-ea"/>
+                <a:cs typeface="+mn-cs"/>
+              </a:defRPr>
+            </a:lvl1pPr>
+            <a:lvl2pPr marL="342900" algn="l" defTabSz="685800" rtl="0" eaLnBrk="1" latinLnBrk="0" hangingPunct="1">
+              <a:defRPr sz="1350" kern="1200">
+                <a:solidFill>
+                  <a:schemeClr val="tx1"/>
+                </a:solidFill>
+                <a:latin typeface="+mn-lt"/>
+                <a:ea typeface="+mn-ea"/>
+                <a:cs typeface="+mn-cs"/>
+              </a:defRPr>
+            </a:lvl2pPr>
+            <a:lvl3pPr marL="685800" algn="l" defTabSz="685800" rtl="0" eaLnBrk="1" latinLnBrk="0" hangingPunct="1">
+              <a:defRPr sz="1350" kern="1200">
+                <a:solidFill>
+                  <a:schemeClr val="tx1"/>
+                </a:solidFill>
+                <a:latin typeface="+mn-lt"/>
+                <a:ea typeface="+mn-ea"/>
+                <a:cs typeface="+mn-cs"/>
+              </a:defRPr>
+            </a:lvl3pPr>
+            <a:lvl4pPr marL="1028700" algn="l" defTabSz="685800" rtl="0" eaLnBrk="1" latinLnBrk="0" hangingPunct="1">
+              <a:defRPr sz="1350" kern="1200">
+                <a:solidFill>
+                  <a:schemeClr val="tx1"/>
+                </a:solidFill>
+                <a:latin typeface="+mn-lt"/>
+                <a:ea typeface="+mn-ea"/>
+                <a:cs typeface="+mn-cs"/>
+              </a:defRPr>
+            </a:lvl4pPr>
+            <a:lvl5pPr marL="1371600" algn="l" defTabSz="685800" rtl="0" eaLnBrk="1" latinLnBrk="0" hangingPunct="1">
+              <a:defRPr sz="1350" kern="1200">
+                <a:solidFill>
+                  <a:schemeClr val="tx1"/>
+                </a:solidFill>
+                <a:latin typeface="+mn-lt"/>
+                <a:ea typeface="+mn-ea"/>
+                <a:cs typeface="+mn-cs"/>
+              </a:defRPr>
+            </a:lvl5pPr>
+            <a:lvl6pPr marL="1714500" algn="l" defTabSz="685800" rtl="0" eaLnBrk="1" latinLnBrk="0" hangingPunct="1">
+              <a:defRPr sz="1350" kern="1200">
+                <a:solidFill>
+                  <a:schemeClr val="tx1"/>
+                </a:solidFill>
+                <a:latin typeface="+mn-lt"/>
+                <a:ea typeface="+mn-ea"/>
+                <a:cs typeface="+mn-cs"/>
+              </a:defRPr>
+            </a:lvl6pPr>
+            <a:lvl7pPr marL="2057400" algn="l" defTabSz="685800" rtl="0" eaLnBrk="1" latinLnBrk="0" hangingPunct="1">
+              <a:defRPr sz="1350" kern="1200">
+                <a:solidFill>
+                  <a:schemeClr val="tx1"/>
+                </a:solidFill>
+                <a:latin typeface="+mn-lt"/>
+                <a:ea typeface="+mn-ea"/>
+                <a:cs typeface="+mn-cs"/>
+              </a:defRPr>
+            </a:lvl7pPr>
+            <a:lvl8pPr marL="2400300" algn="l" defTabSz="685800" rtl="0" eaLnBrk="1" latinLnBrk="0" hangingPunct="1">
+              <a:defRPr sz="1350" kern="1200">
+                <a:solidFill>
+                  <a:schemeClr val="tx1"/>
+                </a:solidFill>
+                <a:latin typeface="+mn-lt"/>
+                <a:ea typeface="+mn-ea"/>
+                <a:cs typeface="+mn-cs"/>
+              </a:defRPr>
+            </a:lvl8pPr>
+            <a:lvl9pPr marL="2743200" algn="l" defTabSz="685800" rtl="0" eaLnBrk="1" latinLnBrk="0" hangingPunct="1">
+              <a:defRPr sz="1350" kern="1200">
+                <a:solidFill>
+                  <a:schemeClr val="tx1"/>
+                </a:solidFill>
+                <a:latin typeface="+mn-lt"/>
+                <a:ea typeface="+mn-ea"/>
+                <a:cs typeface="+mn-cs"/>
+              </a:defRPr>
+            </a:lvl9pPr>
+          </a:lstStyle>
+          <a:p>
+            <a:pPr defTabSz="914400"/>
+            <a:r>
+              <a:rPr lang="en-US" sz="4100" kern="1200">
+                <a:solidFill>
+                  <a:schemeClr val="tx1"/>
+                </a:solidFill>
+                <a:latin typeface="+mj-lt"/>
+                <a:ea typeface="+mj-ea"/>
+                <a:cs typeface="+mj-cs"/>
+              </a:rPr>
+              <a:t>5. Đề xuất mô hình</a:t>
+            </a:r>
+          </a:p>
+        </p:txBody>
+      </p:sp>
+      <p:pic>
+        <p:nvPicPr>
+          <p:cNvPr id="19" name="Picture 18" descr="Diagram&#10;&#10;Description automatically generated">
+            <a:extLst>
+              <a:ext uri="{FF2B5EF4-FFF2-40B4-BE49-F238E27FC236}">
+                <a16:creationId xmlns:a16="http://schemas.microsoft.com/office/drawing/2014/main" id="{C4B917A1-695F-4BBC-8C9D-5475CC341CB7}"/>
+              </a:ext>
+            </a:extLst>
+          </p:cNvPr>
+          <p:cNvPicPr/>
+          <p:nvPr/>
+        </p:nvPicPr>
+        <p:blipFill>
+          <a:blip r:embed="rId2">
+            <a:extLst>
+              <a:ext uri="{28A0092B-C50C-407E-A947-70E740481C1C}">
+                <a14:useLocalDpi xmlns:a14="http://schemas.microsoft.com/office/drawing/2010/main" val="0"/>
+              </a:ext>
+            </a:extLst>
+          </a:blip>
+          <a:stretch>
+            <a:fillRect/>
+          </a:stretch>
+        </p:blipFill>
+        <p:spPr bwMode="auto">
+          <a:xfrm>
+            <a:off x="628650" y="1712533"/>
+            <a:ext cx="7886699" cy="2701193"/>
+          </a:xfrm>
+          <a:prstGeom prst="rect">
+            <a:avLst/>
+          </a:prstGeom>
+          <a:noFill/>
+        </p:spPr>
+      </p:pic>
+    </p:spTree>
+    <p:extLst>
+      <p:ext uri="{BB962C8B-B14F-4D97-AF65-F5344CB8AC3E}">
+        <p14:creationId xmlns:p14="http://schemas.microsoft.com/office/powerpoint/2010/main" val="4220189644"/>
+      </p:ext>
+    </p:extLst>
+  </p:cSld>
+  <p:clrMapOvr>
+    <a:masterClrMapping/>
+  </p:clrMapOvr>
+</p:sld>
+</file>
+
+<file path=ppt/slides/slide9.xml><?xml version="1.0" encoding="utf-8"?>
 <p:sld xmlns:a="http://schemas.openxmlformats.org/drawingml/2006/main" xmlns:r="http://schemas.openxmlformats.org/officeDocument/2006/relationships" xmlns:p="http://schemas.openxmlformats.org/presentationml/2006/main">
   <p:cSld>
     <p:bg>
@@ -16679,347 +17465,6 @@
     <p:extLst>
       <p:ext uri="{BB962C8B-B14F-4D97-AF65-F5344CB8AC3E}">
         <p14:creationId xmlns:p14="http://schemas.microsoft.com/office/powerpoint/2010/main" val="3855945354"/>
-      </p:ext>
-    </p:extLst>
-  </p:cSld>
-  <p:clrMapOvr>
-    <a:masterClrMapping/>
-  </p:clrMapOvr>
-</p:sld>
-</file>
-
-<file path=ppt/slides/slide9.xml><?xml version="1.0" encoding="utf-8"?>
-<p:sld xmlns:a="http://schemas.openxmlformats.org/drawingml/2006/main" xmlns:r="http://schemas.openxmlformats.org/officeDocument/2006/relationships" xmlns:p="http://schemas.openxmlformats.org/presentationml/2006/main">
-  <p:cSld>
-    <p:bg>
-      <p:bgPr>
-        <a:solidFill>
-          <a:schemeClr val="bg1"/>
-        </a:solidFill>
-        <a:effectLst/>
-      </p:bgPr>
-    </p:bg>
-    <p:spTree>
-      <p:nvGrpSpPr>
-        <p:cNvPr id="1" name=""/>
-        <p:cNvGrpSpPr/>
-        <p:nvPr/>
-      </p:nvGrpSpPr>
-      <p:grpSpPr>
-        <a:xfrm>
-          <a:off x="0" y="0"/>
-          <a:ext cx="0" cy="0"/>
-          <a:chOff x="0" y="0"/>
-          <a:chExt cx="0" cy="0"/>
-        </a:xfrm>
-      </p:grpSpPr>
-      <p:sp useBgFill="1">
-        <p:nvSpPr>
-          <p:cNvPr id="86" name="Rectangle 85">
-            <a:extLst>
-              <a:ext uri="{FF2B5EF4-FFF2-40B4-BE49-F238E27FC236}">
-                <a16:creationId xmlns:a16="http://schemas.microsoft.com/office/drawing/2014/main" id="{8761DDFE-071F-4200-B0AA-394476C2D2D6}"/>
-              </a:ext>
-              <a:ext uri="{C183D7F6-B498-43B3-948B-1728B52AA6E4}">
-                <adec:decorative xmlns:adec="http://schemas.microsoft.com/office/drawing/2017/decorative" val="1"/>
-              </a:ext>
-            </a:extLst>
-          </p:cNvPr>
-          <p:cNvSpPr>
-            <a:spLocks noGrp="1" noRot="1" noChangeAspect="1" noMove="1" noResize="1" noEditPoints="1" noAdjustHandles="1" noChangeArrowheads="1" noChangeShapeType="1" noTextEdit="1"/>
-          </p:cNvSpPr>
-          <p:nvPr>
-            <p:extLst>
-              <p:ext uri="{386F3935-93C4-4BCD-93E2-E3B085C9AB24}">
-                <p16:designElem xmlns:p16="http://schemas.microsoft.com/office/powerpoint/2015/main" val="1"/>
-              </p:ext>
-            </p:extLst>
-          </p:nvPr>
-        </p:nvSpPr>
-        <p:spPr>
-          <a:xfrm>
-            <a:off x="0" y="0"/>
-            <a:ext cx="9141713" cy="5143500"/>
-          </a:xfrm>
-          <a:prstGeom prst="rect">
-            <a:avLst/>
-          </a:prstGeom>
-          <a:ln>
-            <a:noFill/>
-          </a:ln>
-        </p:spPr>
-        <p:style>
-          <a:lnRef idx="2">
-            <a:schemeClr val="accent1">
-              <a:shade val="50000"/>
-            </a:schemeClr>
-          </a:lnRef>
-          <a:fillRef idx="1">
-            <a:schemeClr val="accent1"/>
-          </a:fillRef>
-          <a:effectRef idx="0">
-            <a:schemeClr val="accent1"/>
-          </a:effectRef>
-          <a:fontRef idx="minor">
-            <a:schemeClr val="lt1"/>
-          </a:fontRef>
-        </p:style>
-        <p:txBody>
-          <a:bodyPr rtlCol="0" anchor="ctr"/>
-          <a:lstStyle/>
-          <a:p>
-            <a:pPr algn="ctr"/>
-            <a:endParaRPr lang="en-US"/>
-          </a:p>
-        </p:txBody>
-      </p:sp>
-      <p:sp>
-        <p:nvSpPr>
-          <p:cNvPr id="3" name="Title 2">
-            <a:extLst>
-              <a:ext uri="{FF2B5EF4-FFF2-40B4-BE49-F238E27FC236}">
-                <a16:creationId xmlns:a16="http://schemas.microsoft.com/office/drawing/2014/main" id="{3CFD9C83-41D5-4B85-B776-F102189D895F}"/>
-              </a:ext>
-            </a:extLst>
-          </p:cNvPr>
-          <p:cNvSpPr>
-            <a:spLocks noGrp="1"/>
-          </p:cNvSpPr>
-          <p:nvPr>
-            <p:ph type="title"/>
-          </p:nvPr>
-        </p:nvSpPr>
-        <p:spPr>
-          <a:xfrm>
-            <a:off x="628648" y="410861"/>
-            <a:ext cx="3875389" cy="1260389"/>
-          </a:xfrm>
-        </p:spPr>
-        <p:txBody>
-          <a:bodyPr vert="horz" lIns="91440" tIns="45720" rIns="91440" bIns="45720" rtlCol="0" anchor="ctr">
-            <a:normAutofit/>
-          </a:bodyPr>
-          <a:lstStyle>
-            <a:defPPr>
-              <a:defRPr lang="en-US"/>
-            </a:defPPr>
-            <a:lvl1pPr marL="0" algn="l" defTabSz="685800" rtl="0" eaLnBrk="1" latinLnBrk="0" hangingPunct="1">
-              <a:defRPr sz="1350" kern="1200">
-                <a:solidFill>
-                  <a:schemeClr val="tx1"/>
-                </a:solidFill>
-                <a:latin typeface="+mn-lt"/>
-                <a:ea typeface="+mn-ea"/>
-                <a:cs typeface="+mn-cs"/>
-              </a:defRPr>
-            </a:lvl1pPr>
-            <a:lvl2pPr marL="342900" algn="l" defTabSz="685800" rtl="0" eaLnBrk="1" latinLnBrk="0" hangingPunct="1">
-              <a:defRPr sz="1350" kern="1200">
-                <a:solidFill>
-                  <a:schemeClr val="tx1"/>
-                </a:solidFill>
-                <a:latin typeface="+mn-lt"/>
-                <a:ea typeface="+mn-ea"/>
-                <a:cs typeface="+mn-cs"/>
-              </a:defRPr>
-            </a:lvl2pPr>
-            <a:lvl3pPr marL="685800" algn="l" defTabSz="685800" rtl="0" eaLnBrk="1" latinLnBrk="0" hangingPunct="1">
-              <a:defRPr sz="1350" kern="1200">
-                <a:solidFill>
-                  <a:schemeClr val="tx1"/>
-                </a:solidFill>
-                <a:latin typeface="+mn-lt"/>
-                <a:ea typeface="+mn-ea"/>
-                <a:cs typeface="+mn-cs"/>
-              </a:defRPr>
-            </a:lvl3pPr>
-            <a:lvl4pPr marL="1028700" algn="l" defTabSz="685800" rtl="0" eaLnBrk="1" latinLnBrk="0" hangingPunct="1">
-              <a:defRPr sz="1350" kern="1200">
-                <a:solidFill>
-                  <a:schemeClr val="tx1"/>
-                </a:solidFill>
-                <a:latin typeface="+mn-lt"/>
-                <a:ea typeface="+mn-ea"/>
-                <a:cs typeface="+mn-cs"/>
-              </a:defRPr>
-            </a:lvl4pPr>
-            <a:lvl5pPr marL="1371600" algn="l" defTabSz="685800" rtl="0" eaLnBrk="1" latinLnBrk="0" hangingPunct="1">
-              <a:defRPr sz="1350" kern="1200">
-                <a:solidFill>
-                  <a:schemeClr val="tx1"/>
-                </a:solidFill>
-                <a:latin typeface="+mn-lt"/>
-                <a:ea typeface="+mn-ea"/>
-                <a:cs typeface="+mn-cs"/>
-              </a:defRPr>
-            </a:lvl5pPr>
-            <a:lvl6pPr marL="1714500" algn="l" defTabSz="685800" rtl="0" eaLnBrk="1" latinLnBrk="0" hangingPunct="1">
-              <a:defRPr sz="1350" kern="1200">
-                <a:solidFill>
-                  <a:schemeClr val="tx1"/>
-                </a:solidFill>
-                <a:latin typeface="+mn-lt"/>
-                <a:ea typeface="+mn-ea"/>
-                <a:cs typeface="+mn-cs"/>
-              </a:defRPr>
-            </a:lvl6pPr>
-            <a:lvl7pPr marL="2057400" algn="l" defTabSz="685800" rtl="0" eaLnBrk="1" latinLnBrk="0" hangingPunct="1">
-              <a:defRPr sz="1350" kern="1200">
-                <a:solidFill>
-                  <a:schemeClr val="tx1"/>
-                </a:solidFill>
-                <a:latin typeface="+mn-lt"/>
-                <a:ea typeface="+mn-ea"/>
-                <a:cs typeface="+mn-cs"/>
-              </a:defRPr>
-            </a:lvl7pPr>
-            <a:lvl8pPr marL="2400300" algn="l" defTabSz="685800" rtl="0" eaLnBrk="1" latinLnBrk="0" hangingPunct="1">
-              <a:defRPr sz="1350" kern="1200">
-                <a:solidFill>
-                  <a:schemeClr val="tx1"/>
-                </a:solidFill>
-                <a:latin typeface="+mn-lt"/>
-                <a:ea typeface="+mn-ea"/>
-                <a:cs typeface="+mn-cs"/>
-              </a:defRPr>
-            </a:lvl8pPr>
-            <a:lvl9pPr marL="2743200" algn="l" defTabSz="685800" rtl="0" eaLnBrk="1" latinLnBrk="0" hangingPunct="1">
-              <a:defRPr sz="1350" kern="1200">
-                <a:solidFill>
-                  <a:schemeClr val="tx1"/>
-                </a:solidFill>
-                <a:latin typeface="+mn-lt"/>
-                <a:ea typeface="+mn-ea"/>
-                <a:cs typeface="+mn-cs"/>
-              </a:defRPr>
-            </a:lvl9pPr>
-          </a:lstStyle>
-          <a:p>
-            <a:pPr defTabSz="914400"/>
-            <a:r>
-              <a:rPr lang="en-US" sz="3000">
-                <a:latin typeface="+mj-lt"/>
-                <a:ea typeface="+mj-ea"/>
-                <a:cs typeface="+mj-cs"/>
-              </a:rPr>
-              <a:t>7. Các đánh giá</a:t>
-            </a:r>
-          </a:p>
-        </p:txBody>
-      </p:sp>
-      <p:sp>
-        <p:nvSpPr>
-          <p:cNvPr id="49" name="Content Placeholder 48">
-            <a:extLst>
-              <a:ext uri="{FF2B5EF4-FFF2-40B4-BE49-F238E27FC236}">
-                <a16:creationId xmlns:a16="http://schemas.microsoft.com/office/drawing/2014/main" id="{EAA74363-C793-4786-9FF1-1BA015014629}"/>
-              </a:ext>
-            </a:extLst>
-          </p:cNvPr>
-          <p:cNvSpPr>
-            <a:spLocks noGrp="1"/>
-          </p:cNvSpPr>
-          <p:nvPr>
-            <p:ph sz="quarter" idx="10"/>
-          </p:nvPr>
-        </p:nvSpPr>
-        <p:spPr>
-          <a:xfrm>
-            <a:off x="4087245" y="311588"/>
-            <a:ext cx="4698224" cy="1260389"/>
-          </a:xfrm>
-        </p:spPr>
-        <p:txBody>
-          <a:bodyPr vert="horz" lIns="91440" tIns="45720" rIns="91440" bIns="45720" rtlCol="0" anchor="ctr">
-            <a:normAutofit/>
-          </a:bodyPr>
-          <a:lstStyle/>
-          <a:p>
-            <a:r>
-              <a:rPr lang="en-US" sz="1800">
-                <a:latin typeface="+mn-lt"/>
-                <a:ea typeface="+mn-ea"/>
-                <a:cs typeface="+mn-cs"/>
-              </a:rPr>
-              <a:t>Sensitivity = 0.84		Accuracy = 0.93</a:t>
-            </a:r>
-          </a:p>
-          <a:p>
-            <a:r>
-              <a:rPr lang="en-US" sz="1800">
-                <a:latin typeface="+mn-lt"/>
-                <a:ea typeface="+mn-ea"/>
-                <a:cs typeface="+mn-cs"/>
-              </a:rPr>
-              <a:t>Specificity = 0.96		F-value = 0.89</a:t>
-            </a:r>
-          </a:p>
-        </p:txBody>
-      </p:sp>
-      <p:pic>
-        <p:nvPicPr>
-          <p:cNvPr id="8" name="Picture 7">
-            <a:extLst>
-              <a:ext uri="{FF2B5EF4-FFF2-40B4-BE49-F238E27FC236}">
-                <a16:creationId xmlns:a16="http://schemas.microsoft.com/office/drawing/2014/main" id="{6D0623AD-AF87-49C8-8E30-D4B9C28A6856}"/>
-              </a:ext>
-            </a:extLst>
-          </p:cNvPr>
-          <p:cNvPicPr>
-            <a:picLocks noChangeAspect="1"/>
-          </p:cNvPicPr>
-          <p:nvPr/>
-        </p:nvPicPr>
-        <p:blipFill>
-          <a:blip r:embed="rId2"/>
-          <a:stretch>
-            <a:fillRect/>
-          </a:stretch>
-        </p:blipFill>
-        <p:spPr>
-          <a:xfrm>
-            <a:off x="358531" y="1472704"/>
-            <a:ext cx="3100066" cy="3308724"/>
-          </a:xfrm>
-          <a:prstGeom prst="rect">
-            <a:avLst/>
-          </a:prstGeom>
-        </p:spPr>
-      </p:pic>
-      <p:pic>
-        <p:nvPicPr>
-          <p:cNvPr id="6" name="Picture 5">
-            <a:extLst>
-              <a:ext uri="{FF2B5EF4-FFF2-40B4-BE49-F238E27FC236}">
-                <a16:creationId xmlns:a16="http://schemas.microsoft.com/office/drawing/2014/main" id="{D1D706BE-27DF-40CE-B302-4F47431D9D54}"/>
-              </a:ext>
-            </a:extLst>
-          </p:cNvPr>
-          <p:cNvPicPr>
-            <a:picLocks noChangeAspect="1"/>
-          </p:cNvPicPr>
-          <p:nvPr/>
-        </p:nvPicPr>
-        <p:blipFill>
-          <a:blip r:embed="rId3"/>
-          <a:stretch>
-            <a:fillRect/>
-          </a:stretch>
-        </p:blipFill>
-        <p:spPr>
-          <a:xfrm>
-            <a:off x="3728714" y="1472704"/>
-            <a:ext cx="5281488" cy="3604614"/>
-          </a:xfrm>
-          <a:prstGeom prst="rect">
-            <a:avLst/>
-          </a:prstGeom>
-        </p:spPr>
-      </p:pic>
-    </p:spTree>
-    <p:extLst>
-      <p:ext uri="{BB962C8B-B14F-4D97-AF65-F5344CB8AC3E}">
-        <p14:creationId xmlns:p14="http://schemas.microsoft.com/office/powerpoint/2010/main" val="2106403811"/>
       </p:ext>
     </p:extLst>
   </p:cSld>

--- a/Documents/TSH_Slide.pptx
+++ b/Documents/TSH_Slide.pptx
@@ -301,3736 +301,6 @@
     <p1510:client id="{FFAD3151-3653-45AC-B055-62425104776E}" v="874" dt="2021-07-18T16:44:09.742"/>
   </p1510:revLst>
 </p1510:revInfo>
-</file>
-
-<file path=ppt/diagrams/colors1.xml><?xml version="1.0" encoding="utf-8"?>
-<dgm:colorsDef xmlns:dgm="http://schemas.openxmlformats.org/drawingml/2006/diagram" xmlns:a="http://schemas.openxmlformats.org/drawingml/2006/main" uniqueId="urn:microsoft.com/office/officeart/2005/8/colors/accent1_2">
-  <dgm:title val=""/>
-  <dgm:desc val=""/>
-  <dgm:catLst>
-    <dgm:cat type="accent1" pri="11200"/>
-  </dgm:catLst>
-  <dgm:styleLbl name="node0">
-    <dgm:fillClrLst meth="repeat">
-      <a:schemeClr val="accent1"/>
-    </dgm:fillClrLst>
-    <dgm:linClrLst meth="repeat">
-      <a:schemeClr val="lt1"/>
-    </dgm:linClrLst>
-    <dgm:effectClrLst/>
-    <dgm:txLinClrLst/>
-    <dgm:txFillClrLst/>
-    <dgm:txEffectClrLst/>
-  </dgm:styleLbl>
-  <dgm:styleLbl name="alignNode1">
-    <dgm:fillClrLst meth="repeat">
-      <a:schemeClr val="accent1"/>
-    </dgm:fillClrLst>
-    <dgm:linClrLst meth="repeat">
-      <a:schemeClr val="accent1"/>
-    </dgm:linClrLst>
-    <dgm:effectClrLst/>
-    <dgm:txLinClrLst/>
-    <dgm:txFillClrLst/>
-    <dgm:txEffectClrLst/>
-  </dgm:styleLbl>
-  <dgm:styleLbl name="node1">
-    <dgm:fillClrLst meth="repeat">
-      <a:schemeClr val="accent1"/>
-    </dgm:fillClrLst>
-    <dgm:linClrLst meth="repeat">
-      <a:schemeClr val="lt1"/>
-    </dgm:linClrLst>
-    <dgm:effectClrLst/>
-    <dgm:txLinClrLst/>
-    <dgm:txFillClrLst/>
-    <dgm:txEffectClrLst/>
-  </dgm:styleLbl>
-  <dgm:styleLbl name="lnNode1">
-    <dgm:fillClrLst meth="repeat">
-      <a:schemeClr val="accent1"/>
-    </dgm:fillClrLst>
-    <dgm:linClrLst meth="repeat">
-      <a:schemeClr val="lt1"/>
-    </dgm:linClrLst>
-    <dgm:effectClrLst/>
-    <dgm:txLinClrLst/>
-    <dgm:txFillClrLst/>
-    <dgm:txEffectClrLst/>
-  </dgm:styleLbl>
-  <dgm:styleLbl name="vennNode1">
-    <dgm:fillClrLst meth="repeat">
-      <a:schemeClr val="accent1">
-        <a:alpha val="50000"/>
-      </a:schemeClr>
-    </dgm:fillClrLst>
-    <dgm:linClrLst meth="repeat">
-      <a:schemeClr val="lt1"/>
-    </dgm:linClrLst>
-    <dgm:effectClrLst/>
-    <dgm:txLinClrLst/>
-    <dgm:txFillClrLst/>
-    <dgm:txEffectClrLst/>
-  </dgm:styleLbl>
-  <dgm:styleLbl name="node2">
-    <dgm:fillClrLst meth="repeat">
-      <a:schemeClr val="accent1"/>
-    </dgm:fillClrLst>
-    <dgm:linClrLst meth="repeat">
-      <a:schemeClr val="lt1"/>
-    </dgm:linClrLst>
-    <dgm:effectClrLst/>
-    <dgm:txLinClrLst/>
-    <dgm:txFillClrLst/>
-    <dgm:txEffectClrLst/>
-  </dgm:styleLbl>
-  <dgm:styleLbl name="node3">
-    <dgm:fillClrLst meth="repeat">
-      <a:schemeClr val="accent1"/>
-    </dgm:fillClrLst>
-    <dgm:linClrLst meth="repeat">
-      <a:schemeClr val="lt1"/>
-    </dgm:linClrLst>
-    <dgm:effectClrLst/>
-    <dgm:txLinClrLst/>
-    <dgm:txFillClrLst/>
-    <dgm:txEffectClrLst/>
-  </dgm:styleLbl>
-  <dgm:styleLbl name="node4">
-    <dgm:fillClrLst meth="repeat">
-      <a:schemeClr val="accent1"/>
-    </dgm:fillClrLst>
-    <dgm:linClrLst meth="repeat">
-      <a:schemeClr val="lt1"/>
-    </dgm:linClrLst>
-    <dgm:effectClrLst/>
-    <dgm:txLinClrLst/>
-    <dgm:txFillClrLst/>
-    <dgm:txEffectClrLst/>
-  </dgm:styleLbl>
-  <dgm:styleLbl name="fgImgPlace1">
-    <dgm:fillClrLst meth="repeat">
-      <a:schemeClr val="accent1">
-        <a:tint val="50000"/>
-      </a:schemeClr>
-    </dgm:fillClrLst>
-    <dgm:linClrLst meth="repeat">
-      <a:schemeClr val="lt1"/>
-    </dgm:linClrLst>
-    <dgm:effectClrLst/>
-    <dgm:txLinClrLst/>
-    <dgm:txFillClrLst meth="repeat">
-      <a:schemeClr val="lt1"/>
-    </dgm:txFillClrLst>
-    <dgm:txEffectClrLst/>
-  </dgm:styleLbl>
-  <dgm:styleLbl name="alignImgPlace1">
-    <dgm:fillClrLst meth="repeat">
-      <a:schemeClr val="accent1">
-        <a:tint val="50000"/>
-      </a:schemeClr>
-    </dgm:fillClrLst>
-    <dgm:linClrLst meth="repeat">
-      <a:schemeClr val="lt1"/>
-    </dgm:linClrLst>
-    <dgm:effectClrLst/>
-    <dgm:txLinClrLst/>
-    <dgm:txFillClrLst meth="repeat">
-      <a:schemeClr val="lt1"/>
-    </dgm:txFillClrLst>
-    <dgm:txEffectClrLst/>
-  </dgm:styleLbl>
-  <dgm:styleLbl name="bgImgPlace1">
-    <dgm:fillClrLst meth="repeat">
-      <a:schemeClr val="accent1">
-        <a:tint val="50000"/>
-      </a:schemeClr>
-    </dgm:fillClrLst>
-    <dgm:linClrLst meth="repeat">
-      <a:schemeClr val="lt1"/>
-    </dgm:linClrLst>
-    <dgm:effectClrLst/>
-    <dgm:txLinClrLst/>
-    <dgm:txFillClrLst meth="repeat">
-      <a:schemeClr val="lt1"/>
-    </dgm:txFillClrLst>
-    <dgm:txEffectClrLst/>
-  </dgm:styleLbl>
-  <dgm:styleLbl name="sibTrans2D1">
-    <dgm:fillClrLst meth="repeat">
-      <a:schemeClr val="accent1">
-        <a:tint val="60000"/>
-      </a:schemeClr>
-    </dgm:fillClrLst>
-    <dgm:linClrLst meth="repeat">
-      <a:schemeClr val="accent1">
-        <a:tint val="60000"/>
-      </a:schemeClr>
-    </dgm:linClrLst>
-    <dgm:effectClrLst/>
-    <dgm:txLinClrLst/>
-    <dgm:txFillClrLst/>
-    <dgm:txEffectClrLst/>
-  </dgm:styleLbl>
-  <dgm:styleLbl name="fgSibTrans2D1">
-    <dgm:fillClrLst meth="repeat">
-      <a:schemeClr val="accent1">
-        <a:tint val="60000"/>
-      </a:schemeClr>
-    </dgm:fillClrLst>
-    <dgm:linClrLst meth="repeat">
-      <a:schemeClr val="accent1">
-        <a:tint val="60000"/>
-      </a:schemeClr>
-    </dgm:linClrLst>
-    <dgm:effectClrLst/>
-    <dgm:txLinClrLst/>
-    <dgm:txFillClrLst/>
-    <dgm:txEffectClrLst/>
-  </dgm:styleLbl>
-  <dgm:styleLbl name="bgSibTrans2D1">
-    <dgm:fillClrLst meth="repeat">
-      <a:schemeClr val="accent1">
-        <a:tint val="60000"/>
-      </a:schemeClr>
-    </dgm:fillClrLst>
-    <dgm:linClrLst meth="repeat">
-      <a:schemeClr val="accent1">
-        <a:tint val="60000"/>
-      </a:schemeClr>
-    </dgm:linClrLst>
-    <dgm:effectClrLst/>
-    <dgm:txLinClrLst/>
-    <dgm:txFillClrLst/>
-    <dgm:txEffectClrLst/>
-  </dgm:styleLbl>
-  <dgm:styleLbl name="sibTrans1D1">
-    <dgm:fillClrLst meth="repeat">
-      <a:schemeClr val="accent1"/>
-    </dgm:fillClrLst>
-    <dgm:linClrLst meth="repeat">
-      <a:schemeClr val="accent1"/>
-    </dgm:linClrLst>
-    <dgm:effectClrLst/>
-    <dgm:txLinClrLst/>
-    <dgm:txFillClrLst meth="repeat">
-      <a:schemeClr val="tx1"/>
-    </dgm:txFillClrLst>
-    <dgm:txEffectClrLst/>
-  </dgm:styleLbl>
-  <dgm:styleLbl name="callout">
-    <dgm:fillClrLst meth="repeat">
-      <a:schemeClr val="accent1"/>
-    </dgm:fillClrLst>
-    <dgm:linClrLst meth="repeat">
-      <a:schemeClr val="accent1">
-        <a:tint val="50000"/>
-      </a:schemeClr>
-    </dgm:linClrLst>
-    <dgm:effectClrLst/>
-    <dgm:txLinClrLst/>
-    <dgm:txFillClrLst meth="repeat">
-      <a:schemeClr val="tx1"/>
-    </dgm:txFillClrLst>
-    <dgm:txEffectClrLst/>
-  </dgm:styleLbl>
-  <dgm:styleLbl name="asst0">
-    <dgm:fillClrLst meth="repeat">
-      <a:schemeClr val="accent1"/>
-    </dgm:fillClrLst>
-    <dgm:linClrLst meth="repeat">
-      <a:schemeClr val="lt1"/>
-    </dgm:linClrLst>
-    <dgm:effectClrLst/>
-    <dgm:txLinClrLst/>
-    <dgm:txFillClrLst/>
-    <dgm:txEffectClrLst/>
-  </dgm:styleLbl>
-  <dgm:styleLbl name="asst1">
-    <dgm:fillClrLst meth="repeat">
-      <a:schemeClr val="accent1"/>
-    </dgm:fillClrLst>
-    <dgm:linClrLst meth="repeat">
-      <a:schemeClr val="lt1"/>
-    </dgm:linClrLst>
-    <dgm:effectClrLst/>
-    <dgm:txLinClrLst/>
-    <dgm:txFillClrLst/>
-    <dgm:txEffectClrLst/>
-  </dgm:styleLbl>
-  <dgm:styleLbl name="asst2">
-    <dgm:fillClrLst meth="repeat">
-      <a:schemeClr val="accent1"/>
-    </dgm:fillClrLst>
-    <dgm:linClrLst meth="repeat">
-      <a:schemeClr val="lt1"/>
-    </dgm:linClrLst>
-    <dgm:effectClrLst/>
-    <dgm:txLinClrLst/>
-    <dgm:txFillClrLst/>
-    <dgm:txEffectClrLst/>
-  </dgm:styleLbl>
-  <dgm:styleLbl name="asst3">
-    <dgm:fillClrLst meth="repeat">
-      <a:schemeClr val="accent1"/>
-    </dgm:fillClrLst>
-    <dgm:linClrLst meth="repeat">
-      <a:schemeClr val="lt1"/>
-    </dgm:linClrLst>
-    <dgm:effectClrLst/>
-    <dgm:txLinClrLst/>
-    <dgm:txFillClrLst/>
-    <dgm:txEffectClrLst/>
-  </dgm:styleLbl>
-  <dgm:styleLbl name="asst4">
-    <dgm:fillClrLst meth="repeat">
-      <a:schemeClr val="accent1"/>
-    </dgm:fillClrLst>
-    <dgm:linClrLst meth="repeat">
-      <a:schemeClr val="lt1"/>
-    </dgm:linClrLst>
-    <dgm:effectClrLst/>
-    <dgm:txLinClrLst/>
-    <dgm:txFillClrLst/>
-    <dgm:txEffectClrLst/>
-  </dgm:styleLbl>
-  <dgm:styleLbl name="parChTrans2D1">
-    <dgm:fillClrLst meth="repeat">
-      <a:schemeClr val="accent1">
-        <a:tint val="60000"/>
-      </a:schemeClr>
-    </dgm:fillClrLst>
-    <dgm:linClrLst meth="repeat">
-      <a:schemeClr val="accent1">
-        <a:tint val="60000"/>
-      </a:schemeClr>
-    </dgm:linClrLst>
-    <dgm:effectClrLst/>
-    <dgm:txLinClrLst/>
-    <dgm:txFillClrLst meth="repeat">
-      <a:schemeClr val="lt1"/>
-    </dgm:txFillClrLst>
-    <dgm:txEffectClrLst/>
-  </dgm:styleLbl>
-  <dgm:styleLbl name="parChTrans2D2">
-    <dgm:fillClrLst meth="repeat">
-      <a:schemeClr val="accent1"/>
-    </dgm:fillClrLst>
-    <dgm:linClrLst meth="repeat">
-      <a:schemeClr val="accent1"/>
-    </dgm:linClrLst>
-    <dgm:effectClrLst/>
-    <dgm:txLinClrLst/>
-    <dgm:txFillClrLst meth="repeat">
-      <a:schemeClr val="lt1"/>
-    </dgm:txFillClrLst>
-    <dgm:txEffectClrLst/>
-  </dgm:styleLbl>
-  <dgm:styleLbl name="parChTrans2D3">
-    <dgm:fillClrLst meth="repeat">
-      <a:schemeClr val="accent1"/>
-    </dgm:fillClrLst>
-    <dgm:linClrLst meth="repeat">
-      <a:schemeClr val="accent1"/>
-    </dgm:linClrLst>
-    <dgm:effectClrLst/>
-    <dgm:txLinClrLst/>
-    <dgm:txFillClrLst meth="repeat">
-      <a:schemeClr val="lt1"/>
-    </dgm:txFillClrLst>
-    <dgm:txEffectClrLst/>
-  </dgm:styleLbl>
-  <dgm:styleLbl name="parChTrans2D4">
-    <dgm:fillClrLst meth="repeat">
-      <a:schemeClr val="accent1"/>
-    </dgm:fillClrLst>
-    <dgm:linClrLst meth="repeat">
-      <a:schemeClr val="accent1"/>
-    </dgm:linClrLst>
-    <dgm:effectClrLst/>
-    <dgm:txLinClrLst/>
-    <dgm:txFillClrLst meth="repeat">
-      <a:schemeClr val="lt1"/>
-    </dgm:txFillClrLst>
-    <dgm:txEffectClrLst/>
-  </dgm:styleLbl>
-  <dgm:styleLbl name="parChTrans1D1">
-    <dgm:fillClrLst meth="repeat">
-      <a:schemeClr val="accent1"/>
-    </dgm:fillClrLst>
-    <dgm:linClrLst meth="repeat">
-      <a:schemeClr val="accent1">
-        <a:shade val="60000"/>
-      </a:schemeClr>
-    </dgm:linClrLst>
-    <dgm:effectClrLst/>
-    <dgm:txLinClrLst/>
-    <dgm:txFillClrLst meth="repeat">
-      <a:schemeClr val="tx1"/>
-    </dgm:txFillClrLst>
-    <dgm:txEffectClrLst/>
-  </dgm:styleLbl>
-  <dgm:styleLbl name="parChTrans1D2">
-    <dgm:fillClrLst meth="repeat">
-      <a:schemeClr val="accent1"/>
-    </dgm:fillClrLst>
-    <dgm:linClrLst meth="repeat">
-      <a:schemeClr val="accent1">
-        <a:shade val="60000"/>
-      </a:schemeClr>
-    </dgm:linClrLst>
-    <dgm:effectClrLst/>
-    <dgm:txLinClrLst/>
-    <dgm:txFillClrLst meth="repeat">
-      <a:schemeClr val="tx1"/>
-    </dgm:txFillClrLst>
-    <dgm:txEffectClrLst/>
-  </dgm:styleLbl>
-  <dgm:styleLbl name="parChTrans1D3">
-    <dgm:fillClrLst meth="repeat">
-      <a:schemeClr val="accent1"/>
-    </dgm:fillClrLst>
-    <dgm:linClrLst meth="repeat">
-      <a:schemeClr val="accent1">
-        <a:shade val="80000"/>
-      </a:schemeClr>
-    </dgm:linClrLst>
-    <dgm:effectClrLst/>
-    <dgm:txLinClrLst/>
-    <dgm:txFillClrLst meth="repeat">
-      <a:schemeClr val="tx1"/>
-    </dgm:txFillClrLst>
-    <dgm:txEffectClrLst/>
-  </dgm:styleLbl>
-  <dgm:styleLbl name="parChTrans1D4">
-    <dgm:fillClrLst meth="repeat">
-      <a:schemeClr val="accent1"/>
-    </dgm:fillClrLst>
-    <dgm:linClrLst meth="repeat">
-      <a:schemeClr val="accent1">
-        <a:shade val="80000"/>
-      </a:schemeClr>
-    </dgm:linClrLst>
-    <dgm:effectClrLst/>
-    <dgm:txLinClrLst/>
-    <dgm:txFillClrLst meth="repeat">
-      <a:schemeClr val="tx1"/>
-    </dgm:txFillClrLst>
-    <dgm:txEffectClrLst/>
-  </dgm:styleLbl>
-  <dgm:styleLbl name="fgAcc1">
-    <dgm:fillClrLst meth="repeat">
-      <a:schemeClr val="lt1">
-        <a:alpha val="90000"/>
-      </a:schemeClr>
-    </dgm:fillClrLst>
-    <dgm:linClrLst meth="repeat">
-      <a:schemeClr val="accent1"/>
-    </dgm:linClrLst>
-    <dgm:effectClrLst/>
-    <dgm:txLinClrLst/>
-    <dgm:txFillClrLst meth="repeat">
-      <a:schemeClr val="dk1"/>
-    </dgm:txFillClrLst>
-    <dgm:txEffectClrLst/>
-  </dgm:styleLbl>
-  <dgm:styleLbl name="conFgAcc1">
-    <dgm:fillClrLst meth="repeat">
-      <a:schemeClr val="lt1">
-        <a:alpha val="90000"/>
-      </a:schemeClr>
-    </dgm:fillClrLst>
-    <dgm:linClrLst meth="repeat">
-      <a:schemeClr val="accent1"/>
-    </dgm:linClrLst>
-    <dgm:effectClrLst/>
-    <dgm:txLinClrLst/>
-    <dgm:txFillClrLst meth="repeat">
-      <a:schemeClr val="dk1"/>
-    </dgm:txFillClrLst>
-    <dgm:txEffectClrLst/>
-  </dgm:styleLbl>
-  <dgm:styleLbl name="alignAcc1">
-    <dgm:fillClrLst meth="repeat">
-      <a:schemeClr val="lt1">
-        <a:alpha val="90000"/>
-      </a:schemeClr>
-    </dgm:fillClrLst>
-    <dgm:linClrLst meth="repeat">
-      <a:schemeClr val="accent1"/>
-    </dgm:linClrLst>
-    <dgm:effectClrLst/>
-    <dgm:txLinClrLst/>
-    <dgm:txFillClrLst meth="repeat">
-      <a:schemeClr val="dk1"/>
-    </dgm:txFillClrLst>
-    <dgm:txEffectClrLst/>
-  </dgm:styleLbl>
-  <dgm:styleLbl name="trAlignAcc1">
-    <dgm:fillClrLst meth="repeat">
-      <a:schemeClr val="lt1">
-        <a:alpha val="40000"/>
-      </a:schemeClr>
-    </dgm:fillClrLst>
-    <dgm:linClrLst meth="repeat">
-      <a:schemeClr val="accent1"/>
-    </dgm:linClrLst>
-    <dgm:effectClrLst/>
-    <dgm:txLinClrLst/>
-    <dgm:txFillClrLst meth="repeat">
-      <a:schemeClr val="dk1"/>
-    </dgm:txFillClrLst>
-    <dgm:txEffectClrLst/>
-  </dgm:styleLbl>
-  <dgm:styleLbl name="bgAcc1">
-    <dgm:fillClrLst meth="repeat">
-      <a:schemeClr val="lt1">
-        <a:alpha val="90000"/>
-      </a:schemeClr>
-    </dgm:fillClrLst>
-    <dgm:linClrLst meth="repeat">
-      <a:schemeClr val="accent1"/>
-    </dgm:linClrLst>
-    <dgm:effectClrLst/>
-    <dgm:txLinClrLst/>
-    <dgm:txFillClrLst meth="repeat">
-      <a:schemeClr val="dk1"/>
-    </dgm:txFillClrLst>
-    <dgm:txEffectClrLst/>
-  </dgm:styleLbl>
-  <dgm:styleLbl name="solidFgAcc1">
-    <dgm:fillClrLst meth="repeat">
-      <a:schemeClr val="lt1"/>
-    </dgm:fillClrLst>
-    <dgm:linClrLst meth="repeat">
-      <a:schemeClr val="accent1"/>
-    </dgm:linClrLst>
-    <dgm:effectClrLst/>
-    <dgm:txLinClrLst/>
-    <dgm:txFillClrLst meth="repeat">
-      <a:schemeClr val="dk1"/>
-    </dgm:txFillClrLst>
-    <dgm:txEffectClrLst/>
-  </dgm:styleLbl>
-  <dgm:styleLbl name="solidAlignAcc1">
-    <dgm:fillClrLst meth="repeat">
-      <a:schemeClr val="lt1"/>
-    </dgm:fillClrLst>
-    <dgm:linClrLst meth="repeat">
-      <a:schemeClr val="accent1"/>
-    </dgm:linClrLst>
-    <dgm:effectClrLst/>
-    <dgm:txLinClrLst/>
-    <dgm:txFillClrLst meth="repeat">
-      <a:schemeClr val="dk1"/>
-    </dgm:txFillClrLst>
-    <dgm:txEffectClrLst/>
-  </dgm:styleLbl>
-  <dgm:styleLbl name="solidBgAcc1">
-    <dgm:fillClrLst meth="repeat">
-      <a:schemeClr val="lt1"/>
-    </dgm:fillClrLst>
-    <dgm:linClrLst meth="repeat">
-      <a:schemeClr val="accent1"/>
-    </dgm:linClrLst>
-    <dgm:effectClrLst/>
-    <dgm:txLinClrLst/>
-    <dgm:txFillClrLst meth="repeat">
-      <a:schemeClr val="dk1"/>
-    </dgm:txFillClrLst>
-    <dgm:txEffectClrLst/>
-  </dgm:styleLbl>
-  <dgm:styleLbl name="fgAccFollowNode1">
-    <dgm:fillClrLst meth="repeat">
-      <a:schemeClr val="accent1">
-        <a:alpha val="90000"/>
-        <a:tint val="40000"/>
-      </a:schemeClr>
-    </dgm:fillClrLst>
-    <dgm:linClrLst meth="repeat">
-      <a:schemeClr val="accent1">
-        <a:alpha val="90000"/>
-        <a:tint val="40000"/>
-      </a:schemeClr>
-    </dgm:linClrLst>
-    <dgm:effectClrLst/>
-    <dgm:txLinClrLst/>
-    <dgm:txFillClrLst meth="repeat">
-      <a:schemeClr val="dk1"/>
-    </dgm:txFillClrLst>
-    <dgm:txEffectClrLst/>
-  </dgm:styleLbl>
-  <dgm:styleLbl name="alignAccFollowNode1">
-    <dgm:fillClrLst meth="repeat">
-      <a:schemeClr val="accent1">
-        <a:alpha val="90000"/>
-        <a:tint val="40000"/>
-      </a:schemeClr>
-    </dgm:fillClrLst>
-    <dgm:linClrLst meth="repeat">
-      <a:schemeClr val="accent1">
-        <a:alpha val="90000"/>
-        <a:tint val="40000"/>
-      </a:schemeClr>
-    </dgm:linClrLst>
-    <dgm:effectClrLst/>
-    <dgm:txLinClrLst/>
-    <dgm:txFillClrLst meth="repeat">
-      <a:schemeClr val="dk1"/>
-    </dgm:txFillClrLst>
-    <dgm:txEffectClrLst/>
-  </dgm:styleLbl>
-  <dgm:styleLbl name="bgAccFollowNode1">
-    <dgm:fillClrLst meth="repeat">
-      <a:schemeClr val="accent1">
-        <a:alpha val="90000"/>
-        <a:tint val="40000"/>
-      </a:schemeClr>
-    </dgm:fillClrLst>
-    <dgm:linClrLst meth="repeat">
-      <a:schemeClr val="accent1">
-        <a:alpha val="90000"/>
-        <a:tint val="40000"/>
-      </a:schemeClr>
-    </dgm:linClrLst>
-    <dgm:effectClrLst/>
-    <dgm:txLinClrLst/>
-    <dgm:txFillClrLst meth="repeat">
-      <a:schemeClr val="dk1"/>
-    </dgm:txFillClrLst>
-    <dgm:txEffectClrLst/>
-  </dgm:styleLbl>
-  <dgm:styleLbl name="fgAcc0">
-    <dgm:fillClrLst meth="repeat">
-      <a:schemeClr val="lt1">
-        <a:alpha val="90000"/>
-      </a:schemeClr>
-    </dgm:fillClrLst>
-    <dgm:linClrLst meth="repeat">
-      <a:schemeClr val="accent1"/>
-    </dgm:linClrLst>
-    <dgm:effectClrLst/>
-    <dgm:txLinClrLst/>
-    <dgm:txFillClrLst meth="repeat">
-      <a:schemeClr val="dk1"/>
-    </dgm:txFillClrLst>
-    <dgm:txEffectClrLst/>
-  </dgm:styleLbl>
-  <dgm:styleLbl name="fgAcc2">
-    <dgm:fillClrLst meth="repeat">
-      <a:schemeClr val="lt1">
-        <a:alpha val="90000"/>
-      </a:schemeClr>
-    </dgm:fillClrLst>
-    <dgm:linClrLst meth="repeat">
-      <a:schemeClr val="accent1"/>
-    </dgm:linClrLst>
-    <dgm:effectClrLst/>
-    <dgm:txLinClrLst/>
-    <dgm:txFillClrLst meth="repeat">
-      <a:schemeClr val="dk1"/>
-    </dgm:txFillClrLst>
-    <dgm:txEffectClrLst/>
-  </dgm:styleLbl>
-  <dgm:styleLbl name="fgAcc3">
-    <dgm:fillClrLst meth="repeat">
-      <a:schemeClr val="lt1">
-        <a:alpha val="90000"/>
-      </a:schemeClr>
-    </dgm:fillClrLst>
-    <dgm:linClrLst meth="repeat">
-      <a:schemeClr val="accent1"/>
-    </dgm:linClrLst>
-    <dgm:effectClrLst/>
-    <dgm:txLinClrLst/>
-    <dgm:txFillClrLst meth="repeat">
-      <a:schemeClr val="dk1"/>
-    </dgm:txFillClrLst>
-    <dgm:txEffectClrLst/>
-  </dgm:styleLbl>
-  <dgm:styleLbl name="fgAcc4">
-    <dgm:fillClrLst meth="repeat">
-      <a:schemeClr val="lt1">
-        <a:alpha val="90000"/>
-      </a:schemeClr>
-    </dgm:fillClrLst>
-    <dgm:linClrLst meth="repeat">
-      <a:schemeClr val="accent1"/>
-    </dgm:linClrLst>
-    <dgm:effectClrLst/>
-    <dgm:txLinClrLst/>
-    <dgm:txFillClrLst meth="repeat">
-      <a:schemeClr val="dk1"/>
-    </dgm:txFillClrLst>
-    <dgm:txEffectClrLst/>
-  </dgm:styleLbl>
-  <dgm:styleLbl name="bgShp">
-    <dgm:fillClrLst meth="repeat">
-      <a:schemeClr val="accent1">
-        <a:tint val="40000"/>
-      </a:schemeClr>
-    </dgm:fillClrLst>
-    <dgm:linClrLst meth="repeat">
-      <a:schemeClr val="accent1"/>
-    </dgm:linClrLst>
-    <dgm:effectClrLst/>
-    <dgm:txLinClrLst/>
-    <dgm:txFillClrLst meth="repeat">
-      <a:schemeClr val="dk1"/>
-    </dgm:txFillClrLst>
-    <dgm:txEffectClrLst/>
-  </dgm:styleLbl>
-  <dgm:styleLbl name="dkBgShp">
-    <dgm:fillClrLst meth="repeat">
-      <a:schemeClr val="accent1">
-        <a:shade val="80000"/>
-      </a:schemeClr>
-    </dgm:fillClrLst>
-    <dgm:linClrLst meth="repeat">
-      <a:schemeClr val="accent1"/>
-    </dgm:linClrLst>
-    <dgm:effectClrLst/>
-    <dgm:txLinClrLst/>
-    <dgm:txFillClrLst meth="repeat">
-      <a:schemeClr val="lt1"/>
-    </dgm:txFillClrLst>
-    <dgm:txEffectClrLst/>
-  </dgm:styleLbl>
-  <dgm:styleLbl name="trBgShp">
-    <dgm:fillClrLst meth="repeat">
-      <a:schemeClr val="accent1">
-        <a:tint val="50000"/>
-        <a:alpha val="40000"/>
-      </a:schemeClr>
-    </dgm:fillClrLst>
-    <dgm:linClrLst meth="repeat">
-      <a:schemeClr val="accent1"/>
-    </dgm:linClrLst>
-    <dgm:effectClrLst/>
-    <dgm:txLinClrLst/>
-    <dgm:txFillClrLst meth="repeat">
-      <a:schemeClr val="lt1"/>
-    </dgm:txFillClrLst>
-    <dgm:txEffectClrLst/>
-  </dgm:styleLbl>
-  <dgm:styleLbl name="fgShp">
-    <dgm:fillClrLst meth="repeat">
-      <a:schemeClr val="accent1">
-        <a:tint val="60000"/>
-      </a:schemeClr>
-    </dgm:fillClrLst>
-    <dgm:linClrLst meth="repeat">
-      <a:schemeClr val="lt1"/>
-    </dgm:linClrLst>
-    <dgm:effectClrLst/>
-    <dgm:txLinClrLst/>
-    <dgm:txFillClrLst meth="repeat">
-      <a:schemeClr val="dk1"/>
-    </dgm:txFillClrLst>
-    <dgm:txEffectClrLst/>
-  </dgm:styleLbl>
-  <dgm:styleLbl name="revTx">
-    <dgm:fillClrLst meth="repeat">
-      <a:schemeClr val="lt1">
-        <a:alpha val="0"/>
-      </a:schemeClr>
-    </dgm:fillClrLst>
-    <dgm:linClrLst meth="repeat">
-      <a:schemeClr val="dk1">
-        <a:alpha val="0"/>
-      </a:schemeClr>
-    </dgm:linClrLst>
-    <dgm:effectClrLst/>
-    <dgm:txLinClrLst/>
-    <dgm:txFillClrLst meth="repeat">
-      <a:schemeClr val="tx1"/>
-    </dgm:txFillClrLst>
-    <dgm:txEffectClrLst/>
-  </dgm:styleLbl>
-</dgm:colorsDef>
-</file>
-
-<file path=ppt/diagrams/data1.xml><?xml version="1.0" encoding="utf-8"?>
-<dgm:dataModel xmlns:dgm="http://schemas.openxmlformats.org/drawingml/2006/diagram" xmlns:a="http://schemas.openxmlformats.org/drawingml/2006/main">
-  <dgm:ptLst>
-    <dgm:pt modelId="{E1EE600D-C8A7-4439-A50D-3F9EACB8DD18}" type="doc">
-      <dgm:prSet loTypeId="urn:microsoft.com/office/officeart/2005/8/layout/hierarchy1" loCatId="hierarchy" qsTypeId="urn:microsoft.com/office/officeart/2005/8/quickstyle/simple1" qsCatId="simple" csTypeId="urn:microsoft.com/office/officeart/2005/8/colors/accent1_2" csCatId="accent1"/>
-      <dgm:spPr/>
-      <dgm:t>
-        <a:bodyPr/>
-        <a:lstStyle/>
-        <a:p>
-          <a:endParaRPr lang="en-US"/>
-        </a:p>
-      </dgm:t>
-    </dgm:pt>
-    <dgm:pt modelId="{03475D42-3A56-4BDB-AEFE-60B91292DF4C}">
-      <dgm:prSet custT="1"/>
-      <dgm:spPr/>
-      <dgm:t>
-        <a:bodyPr/>
-        <a:lstStyle/>
-        <a:p>
-          <a:r>
-            <a:rPr lang="vi-VN" sz="1600" b="0" i="0" dirty="0">
-              <a:latin typeface="Calibri" panose="020F0502020204030204" pitchFamily="34" charset="0"/>
-              <a:cs typeface="Calibri" panose="020F0502020204030204" pitchFamily="34" charset="0"/>
-            </a:rPr>
-            <a:t>SVM </a:t>
-          </a:r>
-          <a:r>
-            <a:rPr lang="vi-VN" sz="1600" b="0" i="0" dirty="0" err="1">
-              <a:latin typeface="Calibri" panose="020F0502020204030204" pitchFamily="34" charset="0"/>
-              <a:cs typeface="Calibri" panose="020F0502020204030204" pitchFamily="34" charset="0"/>
-            </a:rPr>
-            <a:t>là</a:t>
-          </a:r>
-          <a:r>
-            <a:rPr lang="vi-VN" sz="1600" b="0" i="0" dirty="0">
-              <a:latin typeface="Calibri" panose="020F0502020204030204" pitchFamily="34" charset="0"/>
-              <a:cs typeface="Calibri" panose="020F0502020204030204" pitchFamily="34" charset="0"/>
-            </a:rPr>
-            <a:t> </a:t>
-          </a:r>
-          <a:r>
-            <a:rPr lang="vi-VN" sz="1600" b="0" i="0" dirty="0" err="1">
-              <a:latin typeface="Calibri" panose="020F0502020204030204" pitchFamily="34" charset="0"/>
-              <a:cs typeface="Calibri" panose="020F0502020204030204" pitchFamily="34" charset="0"/>
-            </a:rPr>
-            <a:t>một</a:t>
-          </a:r>
-          <a:r>
-            <a:rPr lang="vi-VN" sz="1600" b="0" i="0" dirty="0">
-              <a:latin typeface="Calibri" panose="020F0502020204030204" pitchFamily="34" charset="0"/>
-              <a:cs typeface="Calibri" panose="020F0502020204030204" pitchFamily="34" charset="0"/>
-            </a:rPr>
-            <a:t> phương </a:t>
-          </a:r>
-          <a:r>
-            <a:rPr lang="vi-VN" sz="1600" b="0" i="0" dirty="0" err="1">
-              <a:latin typeface="Calibri" panose="020F0502020204030204" pitchFamily="34" charset="0"/>
-              <a:cs typeface="Calibri" panose="020F0502020204030204" pitchFamily="34" charset="0"/>
-            </a:rPr>
-            <a:t>pháp</a:t>
-          </a:r>
-          <a:r>
-            <a:rPr lang="vi-VN" sz="1600" b="0" i="0" dirty="0">
-              <a:latin typeface="Calibri" panose="020F0502020204030204" pitchFamily="34" charset="0"/>
-              <a:cs typeface="Calibri" panose="020F0502020204030204" pitchFamily="34" charset="0"/>
-            </a:rPr>
-            <a:t> </a:t>
-          </a:r>
-          <a:r>
-            <a:rPr lang="vi-VN" sz="1600" b="0" i="0" dirty="0" err="1">
-              <a:latin typeface="Calibri" panose="020F0502020204030204" pitchFamily="34" charset="0"/>
-              <a:cs typeface="Calibri" panose="020F0502020204030204" pitchFamily="34" charset="0"/>
-            </a:rPr>
-            <a:t>tốt</a:t>
-          </a:r>
-          <a:r>
-            <a:rPr lang="vi-VN" sz="1600" b="0" i="0" dirty="0">
-              <a:latin typeface="Calibri" panose="020F0502020204030204" pitchFamily="34" charset="0"/>
-              <a:cs typeface="Calibri" panose="020F0502020204030204" pitchFamily="34" charset="0"/>
-            </a:rPr>
-            <a:t> (</a:t>
-          </a:r>
-          <a:r>
-            <a:rPr lang="vi-VN" sz="1600" b="0" i="0" dirty="0" err="1">
-              <a:latin typeface="Calibri" panose="020F0502020204030204" pitchFamily="34" charset="0"/>
-              <a:cs typeface="Calibri" panose="020F0502020204030204" pitchFamily="34" charset="0"/>
-            </a:rPr>
-            <a:t>phù</a:t>
-          </a:r>
-          <a:r>
-            <a:rPr lang="vi-VN" sz="1600" b="0" i="0" dirty="0">
-              <a:latin typeface="Calibri" panose="020F0502020204030204" pitchFamily="34" charset="0"/>
-              <a:cs typeface="Calibri" panose="020F0502020204030204" pitchFamily="34" charset="0"/>
-            </a:rPr>
-            <a:t> </a:t>
-          </a:r>
-          <a:r>
-            <a:rPr lang="vi-VN" sz="1600" b="0" i="0" dirty="0" err="1">
-              <a:latin typeface="Calibri" panose="020F0502020204030204" pitchFamily="34" charset="0"/>
-              <a:cs typeface="Calibri" panose="020F0502020204030204" pitchFamily="34" charset="0"/>
-            </a:rPr>
-            <a:t>hợp</a:t>
-          </a:r>
-          <a:r>
-            <a:rPr lang="vi-VN" sz="1600" b="0" i="0" dirty="0">
-              <a:latin typeface="Calibri" panose="020F0502020204030204" pitchFamily="34" charset="0"/>
-              <a:cs typeface="Calibri" panose="020F0502020204030204" pitchFamily="34" charset="0"/>
-            </a:rPr>
-            <a:t>) </a:t>
-          </a:r>
-          <a:r>
-            <a:rPr lang="vi-VN" sz="1600" b="0" i="0" dirty="0" err="1">
-              <a:latin typeface="Calibri" panose="020F0502020204030204" pitchFamily="34" charset="0"/>
-              <a:cs typeface="Calibri" panose="020F0502020204030204" pitchFamily="34" charset="0"/>
-            </a:rPr>
-            <a:t>đối</a:t>
-          </a:r>
-          <a:r>
-            <a:rPr lang="vi-VN" sz="1600" b="0" i="0" dirty="0">
-              <a:latin typeface="Calibri" panose="020F0502020204030204" pitchFamily="34" charset="0"/>
-              <a:cs typeface="Calibri" panose="020F0502020204030204" pitchFamily="34" charset="0"/>
-            </a:rPr>
-            <a:t> </a:t>
-          </a:r>
-          <a:r>
-            <a:rPr lang="vi-VN" sz="1600" b="0" i="0" dirty="0" err="1">
-              <a:latin typeface="Calibri" panose="020F0502020204030204" pitchFamily="34" charset="0"/>
-              <a:cs typeface="Calibri" panose="020F0502020204030204" pitchFamily="34" charset="0"/>
-            </a:rPr>
-            <a:t>với</a:t>
-          </a:r>
-          <a:r>
-            <a:rPr lang="vi-VN" sz="1600" b="0" i="0" dirty="0">
-              <a:latin typeface="Calibri" panose="020F0502020204030204" pitchFamily="34" charset="0"/>
-              <a:cs typeface="Calibri" panose="020F0502020204030204" pitchFamily="34" charset="0"/>
-            </a:rPr>
-            <a:t> </a:t>
-          </a:r>
-          <a:r>
-            <a:rPr lang="vi-VN" sz="1600" b="0" i="0" dirty="0" err="1">
-              <a:latin typeface="Calibri" panose="020F0502020204030204" pitchFamily="34" charset="0"/>
-              <a:cs typeface="Calibri" panose="020F0502020204030204" pitchFamily="34" charset="0"/>
-            </a:rPr>
-            <a:t>những</a:t>
-          </a:r>
-          <a:r>
-            <a:rPr lang="vi-VN" sz="1600" b="0" i="0" dirty="0">
-              <a:latin typeface="Calibri" panose="020F0502020204030204" pitchFamily="34" charset="0"/>
-              <a:cs typeface="Calibri" panose="020F0502020204030204" pitchFamily="34" charset="0"/>
-            </a:rPr>
-            <a:t> </a:t>
-          </a:r>
-          <a:r>
-            <a:rPr lang="vi-VN" sz="1600" b="0" i="0" dirty="0" err="1">
-              <a:latin typeface="Calibri" panose="020F0502020204030204" pitchFamily="34" charset="0"/>
-              <a:cs typeface="Calibri" panose="020F0502020204030204" pitchFamily="34" charset="0"/>
-            </a:rPr>
-            <a:t>bài</a:t>
-          </a:r>
-          <a:r>
-            <a:rPr lang="vi-VN" sz="1600" b="0" i="0" dirty="0">
-              <a:latin typeface="Calibri" panose="020F0502020204030204" pitchFamily="34" charset="0"/>
-              <a:cs typeface="Calibri" panose="020F0502020204030204" pitchFamily="34" charset="0"/>
-            </a:rPr>
-            <a:t> toan</a:t>
-          </a:r>
-          <a:r>
-            <a:rPr lang="en-US" sz="1600" dirty="0">
-              <a:latin typeface="Calibri" panose="020F0502020204030204" pitchFamily="34" charset="0"/>
-              <a:cs typeface="Calibri" panose="020F0502020204030204" pitchFamily="34" charset="0"/>
-            </a:rPr>
-            <a:t> </a:t>
-          </a:r>
-          <a:r>
-            <a:rPr lang="vi-VN" sz="1600" b="0" i="0" dirty="0">
-              <a:latin typeface="Calibri" panose="020F0502020204030204" pitchFamily="34" charset="0"/>
-              <a:cs typeface="Calibri" panose="020F0502020204030204" pitchFamily="34" charset="0"/>
-            </a:rPr>
-            <a:t>phân </a:t>
-          </a:r>
-          <a:r>
-            <a:rPr lang="vi-VN" sz="1600" b="0" i="0" dirty="0" err="1">
-              <a:latin typeface="Calibri" panose="020F0502020204030204" pitchFamily="34" charset="0"/>
-              <a:cs typeface="Calibri" panose="020F0502020204030204" pitchFamily="34" charset="0"/>
-            </a:rPr>
-            <a:t>lớp</a:t>
-          </a:r>
-          <a:r>
-            <a:rPr lang="vi-VN" sz="1600" b="0" i="0" dirty="0">
-              <a:latin typeface="Calibri" panose="020F0502020204030204" pitchFamily="34" charset="0"/>
-              <a:cs typeface="Calibri" panose="020F0502020204030204" pitchFamily="34" charset="0"/>
-            </a:rPr>
-            <a:t> </a:t>
-          </a:r>
-          <a:r>
-            <a:rPr lang="vi-VN" sz="1600" b="0" i="0" dirty="0" err="1">
-              <a:latin typeface="Calibri" panose="020F0502020204030204" pitchFamily="34" charset="0"/>
-              <a:cs typeface="Calibri" panose="020F0502020204030204" pitchFamily="34" charset="0"/>
-            </a:rPr>
-            <a:t>có</a:t>
-          </a:r>
-          <a:r>
-            <a:rPr lang="vi-VN" sz="1600" b="0" i="0" dirty="0">
-              <a:latin typeface="Calibri" panose="020F0502020204030204" pitchFamily="34" charset="0"/>
-              <a:cs typeface="Calibri" panose="020F0502020204030204" pitchFamily="34" charset="0"/>
-            </a:rPr>
-            <a:t> không gian </a:t>
-          </a:r>
-          <a:r>
-            <a:rPr lang="vi-VN" sz="1600" b="0" i="0" dirty="0" err="1">
-              <a:latin typeface="Calibri" panose="020F0502020204030204" pitchFamily="34" charset="0"/>
-              <a:cs typeface="Calibri" panose="020F0502020204030204" pitchFamily="34" charset="0"/>
-            </a:rPr>
-            <a:t>rất</a:t>
-          </a:r>
-          <a:r>
-            <a:rPr lang="vi-VN" sz="1600" b="0" i="0" dirty="0">
-              <a:latin typeface="Calibri" panose="020F0502020204030204" pitchFamily="34" charset="0"/>
-              <a:cs typeface="Calibri" panose="020F0502020204030204" pitchFamily="34" charset="0"/>
-            </a:rPr>
-            <a:t> </a:t>
-          </a:r>
-          <a:r>
-            <a:rPr lang="vi-VN" sz="1600" b="0" i="0" dirty="0" err="1">
-              <a:latin typeface="Calibri" panose="020F0502020204030204" pitchFamily="34" charset="0"/>
-              <a:cs typeface="Calibri" panose="020F0502020204030204" pitchFamily="34" charset="0"/>
-            </a:rPr>
-            <a:t>nhiều</a:t>
-          </a:r>
-          <a:r>
-            <a:rPr lang="vi-VN" sz="1600" b="0" i="0" dirty="0">
-              <a:latin typeface="Calibri" panose="020F0502020204030204" pitchFamily="34" charset="0"/>
-              <a:cs typeface="Calibri" panose="020F0502020204030204" pitchFamily="34" charset="0"/>
-            </a:rPr>
-            <a:t> </a:t>
-          </a:r>
-          <a:r>
-            <a:rPr lang="vi-VN" sz="1600" b="0" i="0" dirty="0" err="1">
-              <a:latin typeface="Calibri" panose="020F0502020204030204" pitchFamily="34" charset="0"/>
-              <a:cs typeface="Calibri" panose="020F0502020204030204" pitchFamily="34" charset="0"/>
-            </a:rPr>
-            <a:t>chiều</a:t>
-          </a:r>
-          <a:r>
-            <a:rPr lang="vi-VN" sz="1600" b="0" i="0" dirty="0">
-              <a:latin typeface="Calibri" panose="020F0502020204030204" pitchFamily="34" charset="0"/>
-              <a:cs typeface="Calibri" panose="020F0502020204030204" pitchFamily="34" charset="0"/>
-            </a:rPr>
-            <a:t> (</a:t>
-          </a:r>
-          <a:r>
-            <a:rPr lang="vi-VN" sz="1600" b="0" i="0" dirty="0" err="1">
-              <a:latin typeface="Calibri" panose="020F0502020204030204" pitchFamily="34" charset="0"/>
-              <a:cs typeface="Calibri" panose="020F0502020204030204" pitchFamily="34" charset="0"/>
-            </a:rPr>
-            <a:t>các</a:t>
-          </a:r>
-          <a:r>
-            <a:rPr lang="vi-VN" sz="1600" b="0" i="0" dirty="0">
-              <a:latin typeface="Calibri" panose="020F0502020204030204" pitchFamily="34" charset="0"/>
-              <a:cs typeface="Calibri" panose="020F0502020204030204" pitchFamily="34" charset="0"/>
-            </a:rPr>
-            <a:t> </a:t>
-          </a:r>
-          <a:r>
-            <a:rPr lang="vi-VN" sz="1600" b="0" i="0" dirty="0" err="1">
-              <a:latin typeface="Calibri" panose="020F0502020204030204" pitchFamily="34" charset="0"/>
-              <a:cs typeface="Calibri" panose="020F0502020204030204" pitchFamily="34" charset="0"/>
-            </a:rPr>
-            <a:t>đối</a:t>
-          </a:r>
-          <a:r>
-            <a:rPr lang="vi-VN" sz="1600" b="0" i="0" dirty="0">
-              <a:latin typeface="Calibri" panose="020F0502020204030204" pitchFamily="34" charset="0"/>
-              <a:cs typeface="Calibri" panose="020F0502020204030204" pitchFamily="34" charset="0"/>
-            </a:rPr>
-            <a:t> </a:t>
-          </a:r>
-          <a:r>
-            <a:rPr lang="vi-VN" sz="1600" b="0" i="0" dirty="0" err="1">
-              <a:latin typeface="Calibri" panose="020F0502020204030204" pitchFamily="34" charset="0"/>
-              <a:cs typeface="Calibri" panose="020F0502020204030204" pitchFamily="34" charset="0"/>
-            </a:rPr>
-            <a:t>tượng</a:t>
-          </a:r>
-          <a:r>
-            <a:rPr lang="vi-VN" sz="1600" b="0" i="0" dirty="0">
-              <a:latin typeface="Calibri" panose="020F0502020204030204" pitchFamily="34" charset="0"/>
-              <a:cs typeface="Calibri" panose="020F0502020204030204" pitchFamily="34" charset="0"/>
-            </a:rPr>
-            <a:t> </a:t>
-          </a:r>
-          <a:r>
-            <a:rPr lang="vi-VN" sz="1600" b="0" i="0" dirty="0" err="1">
-              <a:latin typeface="Calibri" panose="020F0502020204030204" pitchFamily="34" charset="0"/>
-              <a:cs typeface="Calibri" panose="020F0502020204030204" pitchFamily="34" charset="0"/>
-            </a:rPr>
-            <a:t>cần</a:t>
-          </a:r>
-          <a:r>
-            <a:rPr lang="en-US" sz="1600" dirty="0">
-              <a:latin typeface="Calibri" panose="020F0502020204030204" pitchFamily="34" charset="0"/>
-              <a:cs typeface="Calibri" panose="020F0502020204030204" pitchFamily="34" charset="0"/>
-            </a:rPr>
-            <a:t> </a:t>
-          </a:r>
-          <a:r>
-            <a:rPr lang="vi-VN" sz="1600" b="0" i="0" dirty="0">
-              <a:latin typeface="Calibri" panose="020F0502020204030204" pitchFamily="34" charset="0"/>
-              <a:cs typeface="Calibri" panose="020F0502020204030204" pitchFamily="34" charset="0"/>
-            </a:rPr>
-            <a:t>phân </a:t>
-          </a:r>
-          <a:r>
-            <a:rPr lang="vi-VN" sz="1600" b="0" i="0" dirty="0" err="1">
-              <a:latin typeface="Calibri" panose="020F0502020204030204" pitchFamily="34" charset="0"/>
-              <a:cs typeface="Calibri" panose="020F0502020204030204" pitchFamily="34" charset="0"/>
-            </a:rPr>
-            <a:t>lớp</a:t>
-          </a:r>
-          <a:r>
-            <a:rPr lang="vi-VN" sz="1600" b="0" i="0" dirty="0">
-              <a:latin typeface="Calibri" panose="020F0502020204030204" pitchFamily="34" charset="0"/>
-              <a:cs typeface="Calibri" panose="020F0502020204030204" pitchFamily="34" charset="0"/>
-            </a:rPr>
-            <a:t> </a:t>
-          </a:r>
-          <a:r>
-            <a:rPr lang="vi-VN" sz="1600" b="0" i="0" dirty="0" err="1">
-              <a:latin typeface="Calibri" panose="020F0502020204030204" pitchFamily="34" charset="0"/>
-              <a:cs typeface="Calibri" panose="020F0502020204030204" pitchFamily="34" charset="0"/>
-            </a:rPr>
-            <a:t>được</a:t>
-          </a:r>
-          <a:r>
-            <a:rPr lang="vi-VN" sz="1600" b="0" i="0" dirty="0">
-              <a:latin typeface="Calibri" panose="020F0502020204030204" pitchFamily="34" charset="0"/>
-              <a:cs typeface="Calibri" panose="020F0502020204030204" pitchFamily="34" charset="0"/>
-            </a:rPr>
-            <a:t> </a:t>
-          </a:r>
-          <a:r>
-            <a:rPr lang="vi-VN" sz="1600" b="0" i="0" dirty="0" err="1">
-              <a:latin typeface="Calibri" panose="020F0502020204030204" pitchFamily="34" charset="0"/>
-              <a:cs typeface="Calibri" panose="020F0502020204030204" pitchFamily="34" charset="0"/>
-            </a:rPr>
-            <a:t>biểu</a:t>
-          </a:r>
-          <a:r>
-            <a:rPr lang="vi-VN" sz="1600" b="0" i="0" dirty="0">
-              <a:latin typeface="Calibri" panose="020F0502020204030204" pitchFamily="34" charset="0"/>
-              <a:cs typeface="Calibri" panose="020F0502020204030204" pitchFamily="34" charset="0"/>
-            </a:rPr>
-            <a:t> </a:t>
-          </a:r>
-          <a:r>
-            <a:rPr lang="vi-VN" sz="1600" b="0" i="0" dirty="0" err="1">
-              <a:latin typeface="Calibri" panose="020F0502020204030204" pitchFamily="34" charset="0"/>
-              <a:cs typeface="Calibri" panose="020F0502020204030204" pitchFamily="34" charset="0"/>
-            </a:rPr>
-            <a:t>diễn</a:t>
-          </a:r>
-          <a:r>
-            <a:rPr lang="vi-VN" sz="1600" b="0" i="0" dirty="0">
-              <a:latin typeface="Calibri" panose="020F0502020204030204" pitchFamily="34" charset="0"/>
-              <a:cs typeface="Calibri" panose="020F0502020204030204" pitchFamily="34" charset="0"/>
-            </a:rPr>
-            <a:t> </a:t>
-          </a:r>
-          <a:r>
-            <a:rPr lang="vi-VN" sz="1600" b="0" i="0" dirty="0" err="1">
-              <a:latin typeface="Calibri" panose="020F0502020204030204" pitchFamily="34" charset="0"/>
-              <a:cs typeface="Calibri" panose="020F0502020204030204" pitchFamily="34" charset="0"/>
-            </a:rPr>
-            <a:t>bởi</a:t>
-          </a:r>
-          <a:r>
-            <a:rPr lang="vi-VN" sz="1600" b="0" i="0" dirty="0">
-              <a:latin typeface="Calibri" panose="020F0502020204030204" pitchFamily="34" charset="0"/>
-              <a:cs typeface="Calibri" panose="020F0502020204030204" pitchFamily="34" charset="0"/>
-            </a:rPr>
-            <a:t> </a:t>
-          </a:r>
-          <a:r>
-            <a:rPr lang="vi-VN" sz="1600" b="0" i="0" dirty="0" err="1">
-              <a:latin typeface="Calibri" panose="020F0502020204030204" pitchFamily="34" charset="0"/>
-              <a:cs typeface="Calibri" panose="020F0502020204030204" pitchFamily="34" charset="0"/>
-            </a:rPr>
-            <a:t>một</a:t>
-          </a:r>
-          <a:r>
-            <a:rPr lang="vi-VN" sz="1600" b="0" i="0" dirty="0">
-              <a:latin typeface="Calibri" panose="020F0502020204030204" pitchFamily="34" charset="0"/>
-              <a:cs typeface="Calibri" panose="020F0502020204030204" pitchFamily="34" charset="0"/>
-            </a:rPr>
-            <a:t> </a:t>
-          </a:r>
-          <a:r>
-            <a:rPr lang="vi-VN" sz="1600" b="0" i="0" dirty="0" err="1">
-              <a:latin typeface="Calibri" panose="020F0502020204030204" pitchFamily="34" charset="0"/>
-              <a:cs typeface="Calibri" panose="020F0502020204030204" pitchFamily="34" charset="0"/>
-            </a:rPr>
-            <a:t>tập</a:t>
-          </a:r>
-          <a:r>
-            <a:rPr lang="vi-VN" sz="1600" b="0" i="0" dirty="0">
-              <a:latin typeface="Calibri" panose="020F0502020204030204" pitchFamily="34" charset="0"/>
-              <a:cs typeface="Calibri" panose="020F0502020204030204" pitchFamily="34" charset="0"/>
-            </a:rPr>
-            <a:t> </a:t>
-          </a:r>
-          <a:r>
-            <a:rPr lang="vi-VN" sz="1600" b="0" i="0" dirty="0" err="1">
-              <a:latin typeface="Calibri" panose="020F0502020204030204" pitchFamily="34" charset="0"/>
-              <a:cs typeface="Calibri" panose="020F0502020204030204" pitchFamily="34" charset="0"/>
-            </a:rPr>
-            <a:t>rất</a:t>
-          </a:r>
-          <a:r>
-            <a:rPr lang="vi-VN" sz="1600" b="0" i="0" dirty="0">
-              <a:latin typeface="Calibri" panose="020F0502020204030204" pitchFamily="34" charset="0"/>
-              <a:cs typeface="Calibri" panose="020F0502020204030204" pitchFamily="34" charset="0"/>
-            </a:rPr>
-            <a:t> </a:t>
-          </a:r>
-          <a:r>
-            <a:rPr lang="vi-VN" sz="1600" b="0" i="0" dirty="0" err="1">
-              <a:latin typeface="Calibri" panose="020F0502020204030204" pitchFamily="34" charset="0"/>
-              <a:cs typeface="Calibri" panose="020F0502020204030204" pitchFamily="34" charset="0"/>
-            </a:rPr>
-            <a:t>lớn</a:t>
-          </a:r>
-          <a:r>
-            <a:rPr lang="vi-VN" sz="1600" b="0" i="0" dirty="0">
-              <a:latin typeface="Calibri" panose="020F0502020204030204" pitchFamily="34" charset="0"/>
-              <a:cs typeface="Calibri" panose="020F0502020204030204" pitchFamily="34" charset="0"/>
-            </a:rPr>
-            <a:t> </a:t>
-          </a:r>
-          <a:r>
-            <a:rPr lang="vi-VN" sz="1600" b="0" i="0" dirty="0" err="1">
-              <a:latin typeface="Calibri" panose="020F0502020204030204" pitchFamily="34" charset="0"/>
-              <a:cs typeface="Calibri" panose="020F0502020204030204" pitchFamily="34" charset="0"/>
-            </a:rPr>
-            <a:t>các</a:t>
-          </a:r>
-          <a:r>
-            <a:rPr lang="vi-VN" sz="1600" b="0" i="0" dirty="0">
-              <a:latin typeface="Calibri" panose="020F0502020204030204" pitchFamily="34" charset="0"/>
-              <a:cs typeface="Calibri" panose="020F0502020204030204" pitchFamily="34" charset="0"/>
-            </a:rPr>
-            <a:t> </a:t>
-          </a:r>
-          <a:r>
-            <a:rPr lang="vi-VN" sz="1600" b="0" i="0" dirty="0" err="1">
-              <a:latin typeface="Calibri" panose="020F0502020204030204" pitchFamily="34" charset="0"/>
-              <a:cs typeface="Calibri" panose="020F0502020204030204" pitchFamily="34" charset="0"/>
-            </a:rPr>
-            <a:t>thuộc</a:t>
-          </a:r>
-          <a:r>
-            <a:rPr lang="vi-VN" sz="1600" b="0" i="0" dirty="0">
-              <a:latin typeface="Calibri" panose="020F0502020204030204" pitchFamily="34" charset="0"/>
-              <a:cs typeface="Calibri" panose="020F0502020204030204" pitchFamily="34" charset="0"/>
-            </a:rPr>
-            <a:t> </a:t>
-          </a:r>
-          <a:r>
-            <a:rPr lang="vi-VN" sz="1600" b="0" i="0" dirty="0" err="1">
-              <a:latin typeface="Calibri" panose="020F0502020204030204" pitchFamily="34" charset="0"/>
-              <a:cs typeface="Calibri" panose="020F0502020204030204" pitchFamily="34" charset="0"/>
-            </a:rPr>
-            <a:t>tính</a:t>
-          </a:r>
-          <a:r>
-            <a:rPr lang="vi-VN" sz="1600" b="0" i="0" dirty="0">
-              <a:latin typeface="Calibri" panose="020F0502020204030204" pitchFamily="34" charset="0"/>
-              <a:cs typeface="Calibri" panose="020F0502020204030204" pitchFamily="34" charset="0"/>
-            </a:rPr>
-            <a:t>)</a:t>
-          </a:r>
-          <a:r>
-            <a:rPr lang="vi-VN" sz="1600" dirty="0">
-              <a:latin typeface="Calibri" panose="020F0502020204030204" pitchFamily="34" charset="0"/>
-              <a:cs typeface="Calibri" panose="020F0502020204030204" pitchFamily="34" charset="0"/>
-            </a:rPr>
-            <a:t> </a:t>
-          </a:r>
-          <a:endParaRPr lang="en-US" sz="1600" dirty="0">
-            <a:latin typeface="Calibri" panose="020F0502020204030204" pitchFamily="34" charset="0"/>
-            <a:cs typeface="Calibri" panose="020F0502020204030204" pitchFamily="34" charset="0"/>
-          </a:endParaRPr>
-        </a:p>
-      </dgm:t>
-    </dgm:pt>
-    <dgm:pt modelId="{581746FC-417F-4BCB-86F9-660D01E4FE0E}" type="parTrans" cxnId="{5F67B70B-B8DE-4050-9407-21D63ACAA954}">
-      <dgm:prSet/>
-      <dgm:spPr/>
-      <dgm:t>
-        <a:bodyPr/>
-        <a:lstStyle/>
-        <a:p>
-          <a:endParaRPr lang="en-US"/>
-        </a:p>
-      </dgm:t>
-    </dgm:pt>
-    <dgm:pt modelId="{7EAF5633-38E5-49B5-9187-EAB2C56E3EAD}" type="sibTrans" cxnId="{5F67B70B-B8DE-4050-9407-21D63ACAA954}">
-      <dgm:prSet/>
-      <dgm:spPr/>
-      <dgm:t>
-        <a:bodyPr/>
-        <a:lstStyle/>
-        <a:p>
-          <a:endParaRPr lang="en-US"/>
-        </a:p>
-      </dgm:t>
-    </dgm:pt>
-    <dgm:pt modelId="{311EC4DC-22FB-4E3A-8252-0B9F74148F95}">
-      <dgm:prSet custT="1"/>
-      <dgm:spPr/>
-      <dgm:t>
-        <a:bodyPr/>
-        <a:lstStyle/>
-        <a:p>
-          <a:r>
-            <a:rPr lang="en-US" sz="1600"/>
-            <a:t>Phương pháp học máy SVM (support vector machine) được sử dụng rộng rãi để giải các bài toán phân loại nhị phân trong lĩnh vực sinh học tính toán. </a:t>
-          </a:r>
-        </a:p>
-      </dgm:t>
-    </dgm:pt>
-    <dgm:pt modelId="{D254A6F2-075E-46D9-B88E-6E3D894A8B94}" type="parTrans" cxnId="{AEAB3892-DBA2-4A84-9B42-7070C4ECD4CC}">
-      <dgm:prSet/>
-      <dgm:spPr/>
-      <dgm:t>
-        <a:bodyPr/>
-        <a:lstStyle/>
-        <a:p>
-          <a:endParaRPr lang="en-US"/>
-        </a:p>
-      </dgm:t>
-    </dgm:pt>
-    <dgm:pt modelId="{3DC50A49-A199-43A9-BB13-D478852BE858}" type="sibTrans" cxnId="{AEAB3892-DBA2-4A84-9B42-7070C4ECD4CC}">
-      <dgm:prSet/>
-      <dgm:spPr/>
-      <dgm:t>
-        <a:bodyPr/>
-        <a:lstStyle/>
-        <a:p>
-          <a:endParaRPr lang="en-US"/>
-        </a:p>
-      </dgm:t>
-    </dgm:pt>
-    <dgm:pt modelId="{444D80C7-B1EE-4A86-8BE6-6902748CF597}" type="pres">
-      <dgm:prSet presAssocID="{E1EE600D-C8A7-4439-A50D-3F9EACB8DD18}" presName="hierChild1" presStyleCnt="0">
-        <dgm:presLayoutVars>
-          <dgm:chPref val="1"/>
-          <dgm:dir/>
-          <dgm:animOne val="branch"/>
-          <dgm:animLvl val="lvl"/>
-          <dgm:resizeHandles/>
-        </dgm:presLayoutVars>
-      </dgm:prSet>
-      <dgm:spPr/>
-    </dgm:pt>
-    <dgm:pt modelId="{DE215095-2C97-493D-B76B-97C273073C7B}" type="pres">
-      <dgm:prSet presAssocID="{03475D42-3A56-4BDB-AEFE-60B91292DF4C}" presName="hierRoot1" presStyleCnt="0"/>
-      <dgm:spPr/>
-    </dgm:pt>
-    <dgm:pt modelId="{BB7C7042-2FD0-4DE7-80E2-359CE37B15AC}" type="pres">
-      <dgm:prSet presAssocID="{03475D42-3A56-4BDB-AEFE-60B91292DF4C}" presName="composite" presStyleCnt="0"/>
-      <dgm:spPr/>
-    </dgm:pt>
-    <dgm:pt modelId="{5C5C8E9C-B583-4B83-BCB8-879BE35D0824}" type="pres">
-      <dgm:prSet presAssocID="{03475D42-3A56-4BDB-AEFE-60B91292DF4C}" presName="background" presStyleLbl="node0" presStyleIdx="0" presStyleCnt="2"/>
-      <dgm:spPr/>
-    </dgm:pt>
-    <dgm:pt modelId="{917BBCEB-082D-4ADA-A78C-EADFCE4091E0}" type="pres">
-      <dgm:prSet presAssocID="{03475D42-3A56-4BDB-AEFE-60B91292DF4C}" presName="text" presStyleLbl="fgAcc0" presStyleIdx="0" presStyleCnt="2">
-        <dgm:presLayoutVars>
-          <dgm:chPref val="3"/>
-        </dgm:presLayoutVars>
-      </dgm:prSet>
-      <dgm:spPr/>
-    </dgm:pt>
-    <dgm:pt modelId="{C884DDC3-5931-4AAD-B358-28ADBD269BC1}" type="pres">
-      <dgm:prSet presAssocID="{03475D42-3A56-4BDB-AEFE-60B91292DF4C}" presName="hierChild2" presStyleCnt="0"/>
-      <dgm:spPr/>
-    </dgm:pt>
-    <dgm:pt modelId="{5013AB19-AD22-44E9-9396-46B74E08656B}" type="pres">
-      <dgm:prSet presAssocID="{311EC4DC-22FB-4E3A-8252-0B9F74148F95}" presName="hierRoot1" presStyleCnt="0"/>
-      <dgm:spPr/>
-    </dgm:pt>
-    <dgm:pt modelId="{8B902EA2-9160-468A-B8B8-793B247B147D}" type="pres">
-      <dgm:prSet presAssocID="{311EC4DC-22FB-4E3A-8252-0B9F74148F95}" presName="composite" presStyleCnt="0"/>
-      <dgm:spPr/>
-    </dgm:pt>
-    <dgm:pt modelId="{0FBD202D-7EBF-4889-8F05-1DD8940AA7DC}" type="pres">
-      <dgm:prSet presAssocID="{311EC4DC-22FB-4E3A-8252-0B9F74148F95}" presName="background" presStyleLbl="node0" presStyleIdx="1" presStyleCnt="2"/>
-      <dgm:spPr/>
-    </dgm:pt>
-    <dgm:pt modelId="{5BEDC2F2-F278-4F4B-ADEF-FCBFE813A0EB}" type="pres">
-      <dgm:prSet presAssocID="{311EC4DC-22FB-4E3A-8252-0B9F74148F95}" presName="text" presStyleLbl="fgAcc0" presStyleIdx="1" presStyleCnt="2">
-        <dgm:presLayoutVars>
-          <dgm:chPref val="3"/>
-        </dgm:presLayoutVars>
-      </dgm:prSet>
-      <dgm:spPr/>
-    </dgm:pt>
-    <dgm:pt modelId="{024DB5DA-56B9-4B43-B60E-5CE7BA614A89}" type="pres">
-      <dgm:prSet presAssocID="{311EC4DC-22FB-4E3A-8252-0B9F74148F95}" presName="hierChild2" presStyleCnt="0"/>
-      <dgm:spPr/>
-    </dgm:pt>
-  </dgm:ptLst>
-  <dgm:cxnLst>
-    <dgm:cxn modelId="{5F67B70B-B8DE-4050-9407-21D63ACAA954}" srcId="{E1EE600D-C8A7-4439-A50D-3F9EACB8DD18}" destId="{03475D42-3A56-4BDB-AEFE-60B91292DF4C}" srcOrd="0" destOrd="0" parTransId="{581746FC-417F-4BCB-86F9-660D01E4FE0E}" sibTransId="{7EAF5633-38E5-49B5-9187-EAB2C56E3EAD}"/>
-    <dgm:cxn modelId="{7D0A1F39-2D7E-4F37-8486-2525212F2163}" type="presOf" srcId="{311EC4DC-22FB-4E3A-8252-0B9F74148F95}" destId="{5BEDC2F2-F278-4F4B-ADEF-FCBFE813A0EB}" srcOrd="0" destOrd="0" presId="urn:microsoft.com/office/officeart/2005/8/layout/hierarchy1"/>
-    <dgm:cxn modelId="{78A0D884-AB30-4044-966E-CC7F4E961E14}" type="presOf" srcId="{E1EE600D-C8A7-4439-A50D-3F9EACB8DD18}" destId="{444D80C7-B1EE-4A86-8BE6-6902748CF597}" srcOrd="0" destOrd="0" presId="urn:microsoft.com/office/officeart/2005/8/layout/hierarchy1"/>
-    <dgm:cxn modelId="{4C66F88F-BD5F-4498-88EE-6DED67FAA63F}" type="presOf" srcId="{03475D42-3A56-4BDB-AEFE-60B91292DF4C}" destId="{917BBCEB-082D-4ADA-A78C-EADFCE4091E0}" srcOrd="0" destOrd="0" presId="urn:microsoft.com/office/officeart/2005/8/layout/hierarchy1"/>
-    <dgm:cxn modelId="{AEAB3892-DBA2-4A84-9B42-7070C4ECD4CC}" srcId="{E1EE600D-C8A7-4439-A50D-3F9EACB8DD18}" destId="{311EC4DC-22FB-4E3A-8252-0B9F74148F95}" srcOrd="1" destOrd="0" parTransId="{D254A6F2-075E-46D9-B88E-6E3D894A8B94}" sibTransId="{3DC50A49-A199-43A9-BB13-D478852BE858}"/>
-    <dgm:cxn modelId="{78CBAB68-1B13-4E33-8E9C-9D000F6CBEF2}" type="presParOf" srcId="{444D80C7-B1EE-4A86-8BE6-6902748CF597}" destId="{DE215095-2C97-493D-B76B-97C273073C7B}" srcOrd="0" destOrd="0" presId="urn:microsoft.com/office/officeart/2005/8/layout/hierarchy1"/>
-    <dgm:cxn modelId="{0CC446D5-E961-4A50-953C-EE44B5A284D7}" type="presParOf" srcId="{DE215095-2C97-493D-B76B-97C273073C7B}" destId="{BB7C7042-2FD0-4DE7-80E2-359CE37B15AC}" srcOrd="0" destOrd="0" presId="urn:microsoft.com/office/officeart/2005/8/layout/hierarchy1"/>
-    <dgm:cxn modelId="{3570F7C0-D981-46F0-9BD5-1F477FBFDCB3}" type="presParOf" srcId="{BB7C7042-2FD0-4DE7-80E2-359CE37B15AC}" destId="{5C5C8E9C-B583-4B83-BCB8-879BE35D0824}" srcOrd="0" destOrd="0" presId="urn:microsoft.com/office/officeart/2005/8/layout/hierarchy1"/>
-    <dgm:cxn modelId="{6003F950-BB23-40FB-8C6C-50459ED242D6}" type="presParOf" srcId="{BB7C7042-2FD0-4DE7-80E2-359CE37B15AC}" destId="{917BBCEB-082D-4ADA-A78C-EADFCE4091E0}" srcOrd="1" destOrd="0" presId="urn:microsoft.com/office/officeart/2005/8/layout/hierarchy1"/>
-    <dgm:cxn modelId="{C744189E-C993-4291-A263-BF387077EF09}" type="presParOf" srcId="{DE215095-2C97-493D-B76B-97C273073C7B}" destId="{C884DDC3-5931-4AAD-B358-28ADBD269BC1}" srcOrd="1" destOrd="0" presId="urn:microsoft.com/office/officeart/2005/8/layout/hierarchy1"/>
-    <dgm:cxn modelId="{3D131E9C-1594-4F60-8875-8DB84ECC0104}" type="presParOf" srcId="{444D80C7-B1EE-4A86-8BE6-6902748CF597}" destId="{5013AB19-AD22-44E9-9396-46B74E08656B}" srcOrd="1" destOrd="0" presId="urn:microsoft.com/office/officeart/2005/8/layout/hierarchy1"/>
-    <dgm:cxn modelId="{22EB0937-4C06-44FC-A429-9B53D451D8A8}" type="presParOf" srcId="{5013AB19-AD22-44E9-9396-46B74E08656B}" destId="{8B902EA2-9160-468A-B8B8-793B247B147D}" srcOrd="0" destOrd="0" presId="urn:microsoft.com/office/officeart/2005/8/layout/hierarchy1"/>
-    <dgm:cxn modelId="{130BF6B6-61B2-4B2C-8D6B-D48B9AFA57CF}" type="presParOf" srcId="{8B902EA2-9160-468A-B8B8-793B247B147D}" destId="{0FBD202D-7EBF-4889-8F05-1DD8940AA7DC}" srcOrd="0" destOrd="0" presId="urn:microsoft.com/office/officeart/2005/8/layout/hierarchy1"/>
-    <dgm:cxn modelId="{A542EEB1-6FDB-4BA2-8657-8E54A6F6CB31}" type="presParOf" srcId="{8B902EA2-9160-468A-B8B8-793B247B147D}" destId="{5BEDC2F2-F278-4F4B-ADEF-FCBFE813A0EB}" srcOrd="1" destOrd="0" presId="urn:microsoft.com/office/officeart/2005/8/layout/hierarchy1"/>
-    <dgm:cxn modelId="{680DEDFD-B076-451F-9F5F-F87D39D162E5}" type="presParOf" srcId="{5013AB19-AD22-44E9-9396-46B74E08656B}" destId="{024DB5DA-56B9-4B43-B60E-5CE7BA614A89}" srcOrd="1" destOrd="0" presId="urn:microsoft.com/office/officeart/2005/8/layout/hierarchy1"/>
-  </dgm:cxnLst>
-  <dgm:bg/>
-  <dgm:whole/>
-  <dgm:extLst>
-    <a:ext uri="http://schemas.microsoft.com/office/drawing/2008/diagram">
-      <dsp:dataModelExt xmlns:dsp="http://schemas.microsoft.com/office/drawing/2008/diagram" relId="rId6" minVer="http://schemas.openxmlformats.org/drawingml/2006/diagram"/>
-    </a:ext>
-  </dgm:extLst>
-</dgm:dataModel>
-</file>
-
-<file path=ppt/diagrams/drawing1.xml><?xml version="1.0" encoding="utf-8"?>
-<dsp:drawing xmlns:dgm="http://schemas.openxmlformats.org/drawingml/2006/diagram" xmlns:dsp="http://schemas.microsoft.com/office/drawing/2008/diagram" xmlns:a="http://schemas.openxmlformats.org/drawingml/2006/main">
-  <dsp:spTree>
-    <dsp:nvGrpSpPr>
-      <dsp:cNvPr id="0" name=""/>
-      <dsp:cNvGrpSpPr/>
-    </dsp:nvGrpSpPr>
-    <dsp:grpSpPr/>
-    <dsp:sp modelId="{5C5C8E9C-B583-4B83-BCB8-879BE35D0824}">
-      <dsp:nvSpPr>
-        <dsp:cNvPr id="0" name=""/>
-        <dsp:cNvSpPr/>
-      </dsp:nvSpPr>
-      <dsp:spPr>
-        <a:xfrm>
-          <a:off x="1087045" y="209"/>
-          <a:ext cx="2573446" cy="1634138"/>
-        </a:xfrm>
-        <a:prstGeom prst="roundRect">
-          <a:avLst>
-            <a:gd name="adj" fmla="val 10000"/>
-          </a:avLst>
-        </a:prstGeom>
-        <a:solidFill>
-          <a:schemeClr val="accent1">
-            <a:hueOff val="0"/>
-            <a:satOff val="0"/>
-            <a:lumOff val="0"/>
-            <a:alphaOff val="0"/>
-          </a:schemeClr>
-        </a:solidFill>
-        <a:ln w="12700" cap="flat" cmpd="sng" algn="ctr">
-          <a:solidFill>
-            <a:schemeClr val="lt1">
-              <a:hueOff val="0"/>
-              <a:satOff val="0"/>
-              <a:lumOff val="0"/>
-              <a:alphaOff val="0"/>
-            </a:schemeClr>
-          </a:solidFill>
-          <a:prstDash val="solid"/>
-          <a:miter lim="800000"/>
-        </a:ln>
-        <a:effectLst/>
-      </dsp:spPr>
-      <dsp:style>
-        <a:lnRef idx="2">
-          <a:scrgbClr r="0" g="0" b="0"/>
-        </a:lnRef>
-        <a:fillRef idx="1">
-          <a:scrgbClr r="0" g="0" b="0"/>
-        </a:fillRef>
-        <a:effectRef idx="0">
-          <a:scrgbClr r="0" g="0" b="0"/>
-        </a:effectRef>
-        <a:fontRef idx="minor">
-          <a:schemeClr val="lt1"/>
-        </a:fontRef>
-      </dsp:style>
-    </dsp:sp>
-    <dsp:sp modelId="{917BBCEB-082D-4ADA-A78C-EADFCE4091E0}">
-      <dsp:nvSpPr>
-        <dsp:cNvPr id="0" name=""/>
-        <dsp:cNvSpPr/>
-      </dsp:nvSpPr>
-      <dsp:spPr>
-        <a:xfrm>
-          <a:off x="1372983" y="271850"/>
-          <a:ext cx="2573446" cy="1634138"/>
-        </a:xfrm>
-        <a:prstGeom prst="roundRect">
-          <a:avLst>
-            <a:gd name="adj" fmla="val 10000"/>
-          </a:avLst>
-        </a:prstGeom>
-        <a:solidFill>
-          <a:schemeClr val="lt1">
-            <a:alpha val="90000"/>
-            <a:hueOff val="0"/>
-            <a:satOff val="0"/>
-            <a:lumOff val="0"/>
-            <a:alphaOff val="0"/>
-          </a:schemeClr>
-        </a:solidFill>
-        <a:ln w="12700" cap="flat" cmpd="sng" algn="ctr">
-          <a:solidFill>
-            <a:schemeClr val="accent1">
-              <a:hueOff val="0"/>
-              <a:satOff val="0"/>
-              <a:lumOff val="0"/>
-              <a:alphaOff val="0"/>
-            </a:schemeClr>
-          </a:solidFill>
-          <a:prstDash val="solid"/>
-          <a:miter lim="800000"/>
-        </a:ln>
-        <a:effectLst/>
-      </dsp:spPr>
-      <dsp:style>
-        <a:lnRef idx="2">
-          <a:scrgbClr r="0" g="0" b="0"/>
-        </a:lnRef>
-        <a:fillRef idx="1">
-          <a:scrgbClr r="0" g="0" b="0"/>
-        </a:fillRef>
-        <a:effectRef idx="0">
-          <a:scrgbClr r="0" g="0" b="0"/>
-        </a:effectRef>
-        <a:fontRef idx="minor"/>
-      </dsp:style>
-      <dsp:txBody>
-        <a:bodyPr spcFirstLastPara="0" vert="horz" wrap="square" lIns="60960" tIns="60960" rIns="60960" bIns="60960" numCol="1" spcCol="1270" anchor="ctr" anchorCtr="0">
-          <a:noAutofit/>
-        </a:bodyPr>
-        <a:lstStyle/>
-        <a:p>
-          <a:pPr marL="0" lvl="0" indent="0" algn="ctr" defTabSz="711200">
-            <a:lnSpc>
-              <a:spcPct val="90000"/>
-            </a:lnSpc>
-            <a:spcBef>
-              <a:spcPct val="0"/>
-            </a:spcBef>
-            <a:spcAft>
-              <a:spcPct val="35000"/>
-            </a:spcAft>
-            <a:buNone/>
-          </a:pPr>
-          <a:r>
-            <a:rPr lang="vi-VN" sz="1600" b="0" i="0" kern="1200" dirty="0">
-              <a:latin typeface="Calibri" panose="020F0502020204030204" pitchFamily="34" charset="0"/>
-              <a:cs typeface="Calibri" panose="020F0502020204030204" pitchFamily="34" charset="0"/>
-            </a:rPr>
-            <a:t>SVM </a:t>
-          </a:r>
-          <a:r>
-            <a:rPr lang="vi-VN" sz="1600" b="0" i="0" kern="1200" dirty="0" err="1">
-              <a:latin typeface="Calibri" panose="020F0502020204030204" pitchFamily="34" charset="0"/>
-              <a:cs typeface="Calibri" panose="020F0502020204030204" pitchFamily="34" charset="0"/>
-            </a:rPr>
-            <a:t>là</a:t>
-          </a:r>
-          <a:r>
-            <a:rPr lang="vi-VN" sz="1600" b="0" i="0" kern="1200" dirty="0">
-              <a:latin typeface="Calibri" panose="020F0502020204030204" pitchFamily="34" charset="0"/>
-              <a:cs typeface="Calibri" panose="020F0502020204030204" pitchFamily="34" charset="0"/>
-            </a:rPr>
-            <a:t> </a:t>
-          </a:r>
-          <a:r>
-            <a:rPr lang="vi-VN" sz="1600" b="0" i="0" kern="1200" dirty="0" err="1">
-              <a:latin typeface="Calibri" panose="020F0502020204030204" pitchFamily="34" charset="0"/>
-              <a:cs typeface="Calibri" panose="020F0502020204030204" pitchFamily="34" charset="0"/>
-            </a:rPr>
-            <a:t>một</a:t>
-          </a:r>
-          <a:r>
-            <a:rPr lang="vi-VN" sz="1600" b="0" i="0" kern="1200" dirty="0">
-              <a:latin typeface="Calibri" panose="020F0502020204030204" pitchFamily="34" charset="0"/>
-              <a:cs typeface="Calibri" panose="020F0502020204030204" pitchFamily="34" charset="0"/>
-            </a:rPr>
-            <a:t> phương </a:t>
-          </a:r>
-          <a:r>
-            <a:rPr lang="vi-VN" sz="1600" b="0" i="0" kern="1200" dirty="0" err="1">
-              <a:latin typeface="Calibri" panose="020F0502020204030204" pitchFamily="34" charset="0"/>
-              <a:cs typeface="Calibri" panose="020F0502020204030204" pitchFamily="34" charset="0"/>
-            </a:rPr>
-            <a:t>pháp</a:t>
-          </a:r>
-          <a:r>
-            <a:rPr lang="vi-VN" sz="1600" b="0" i="0" kern="1200" dirty="0">
-              <a:latin typeface="Calibri" panose="020F0502020204030204" pitchFamily="34" charset="0"/>
-              <a:cs typeface="Calibri" panose="020F0502020204030204" pitchFamily="34" charset="0"/>
-            </a:rPr>
-            <a:t> </a:t>
-          </a:r>
-          <a:r>
-            <a:rPr lang="vi-VN" sz="1600" b="0" i="0" kern="1200" dirty="0" err="1">
-              <a:latin typeface="Calibri" panose="020F0502020204030204" pitchFamily="34" charset="0"/>
-              <a:cs typeface="Calibri" panose="020F0502020204030204" pitchFamily="34" charset="0"/>
-            </a:rPr>
-            <a:t>tốt</a:t>
-          </a:r>
-          <a:r>
-            <a:rPr lang="vi-VN" sz="1600" b="0" i="0" kern="1200" dirty="0">
-              <a:latin typeface="Calibri" panose="020F0502020204030204" pitchFamily="34" charset="0"/>
-              <a:cs typeface="Calibri" panose="020F0502020204030204" pitchFamily="34" charset="0"/>
-            </a:rPr>
-            <a:t> (</a:t>
-          </a:r>
-          <a:r>
-            <a:rPr lang="vi-VN" sz="1600" b="0" i="0" kern="1200" dirty="0" err="1">
-              <a:latin typeface="Calibri" panose="020F0502020204030204" pitchFamily="34" charset="0"/>
-              <a:cs typeface="Calibri" panose="020F0502020204030204" pitchFamily="34" charset="0"/>
-            </a:rPr>
-            <a:t>phù</a:t>
-          </a:r>
-          <a:r>
-            <a:rPr lang="vi-VN" sz="1600" b="0" i="0" kern="1200" dirty="0">
-              <a:latin typeface="Calibri" panose="020F0502020204030204" pitchFamily="34" charset="0"/>
-              <a:cs typeface="Calibri" panose="020F0502020204030204" pitchFamily="34" charset="0"/>
-            </a:rPr>
-            <a:t> </a:t>
-          </a:r>
-          <a:r>
-            <a:rPr lang="vi-VN" sz="1600" b="0" i="0" kern="1200" dirty="0" err="1">
-              <a:latin typeface="Calibri" panose="020F0502020204030204" pitchFamily="34" charset="0"/>
-              <a:cs typeface="Calibri" panose="020F0502020204030204" pitchFamily="34" charset="0"/>
-            </a:rPr>
-            <a:t>hợp</a:t>
-          </a:r>
-          <a:r>
-            <a:rPr lang="vi-VN" sz="1600" b="0" i="0" kern="1200" dirty="0">
-              <a:latin typeface="Calibri" panose="020F0502020204030204" pitchFamily="34" charset="0"/>
-              <a:cs typeface="Calibri" panose="020F0502020204030204" pitchFamily="34" charset="0"/>
-            </a:rPr>
-            <a:t>) </a:t>
-          </a:r>
-          <a:r>
-            <a:rPr lang="vi-VN" sz="1600" b="0" i="0" kern="1200" dirty="0" err="1">
-              <a:latin typeface="Calibri" panose="020F0502020204030204" pitchFamily="34" charset="0"/>
-              <a:cs typeface="Calibri" panose="020F0502020204030204" pitchFamily="34" charset="0"/>
-            </a:rPr>
-            <a:t>đối</a:t>
-          </a:r>
-          <a:r>
-            <a:rPr lang="vi-VN" sz="1600" b="0" i="0" kern="1200" dirty="0">
-              <a:latin typeface="Calibri" panose="020F0502020204030204" pitchFamily="34" charset="0"/>
-              <a:cs typeface="Calibri" panose="020F0502020204030204" pitchFamily="34" charset="0"/>
-            </a:rPr>
-            <a:t> </a:t>
-          </a:r>
-          <a:r>
-            <a:rPr lang="vi-VN" sz="1600" b="0" i="0" kern="1200" dirty="0" err="1">
-              <a:latin typeface="Calibri" panose="020F0502020204030204" pitchFamily="34" charset="0"/>
-              <a:cs typeface="Calibri" panose="020F0502020204030204" pitchFamily="34" charset="0"/>
-            </a:rPr>
-            <a:t>với</a:t>
-          </a:r>
-          <a:r>
-            <a:rPr lang="vi-VN" sz="1600" b="0" i="0" kern="1200" dirty="0">
-              <a:latin typeface="Calibri" panose="020F0502020204030204" pitchFamily="34" charset="0"/>
-              <a:cs typeface="Calibri" panose="020F0502020204030204" pitchFamily="34" charset="0"/>
-            </a:rPr>
-            <a:t> </a:t>
-          </a:r>
-          <a:r>
-            <a:rPr lang="vi-VN" sz="1600" b="0" i="0" kern="1200" dirty="0" err="1">
-              <a:latin typeface="Calibri" panose="020F0502020204030204" pitchFamily="34" charset="0"/>
-              <a:cs typeface="Calibri" panose="020F0502020204030204" pitchFamily="34" charset="0"/>
-            </a:rPr>
-            <a:t>những</a:t>
-          </a:r>
-          <a:r>
-            <a:rPr lang="vi-VN" sz="1600" b="0" i="0" kern="1200" dirty="0">
-              <a:latin typeface="Calibri" panose="020F0502020204030204" pitchFamily="34" charset="0"/>
-              <a:cs typeface="Calibri" panose="020F0502020204030204" pitchFamily="34" charset="0"/>
-            </a:rPr>
-            <a:t> </a:t>
-          </a:r>
-          <a:r>
-            <a:rPr lang="vi-VN" sz="1600" b="0" i="0" kern="1200" dirty="0" err="1">
-              <a:latin typeface="Calibri" panose="020F0502020204030204" pitchFamily="34" charset="0"/>
-              <a:cs typeface="Calibri" panose="020F0502020204030204" pitchFamily="34" charset="0"/>
-            </a:rPr>
-            <a:t>bài</a:t>
-          </a:r>
-          <a:r>
-            <a:rPr lang="vi-VN" sz="1600" b="0" i="0" kern="1200" dirty="0">
-              <a:latin typeface="Calibri" panose="020F0502020204030204" pitchFamily="34" charset="0"/>
-              <a:cs typeface="Calibri" panose="020F0502020204030204" pitchFamily="34" charset="0"/>
-            </a:rPr>
-            <a:t> toan</a:t>
-          </a:r>
-          <a:r>
-            <a:rPr lang="en-US" sz="1600" kern="1200" dirty="0">
-              <a:latin typeface="Calibri" panose="020F0502020204030204" pitchFamily="34" charset="0"/>
-              <a:cs typeface="Calibri" panose="020F0502020204030204" pitchFamily="34" charset="0"/>
-            </a:rPr>
-            <a:t> </a:t>
-          </a:r>
-          <a:r>
-            <a:rPr lang="vi-VN" sz="1600" b="0" i="0" kern="1200" dirty="0">
-              <a:latin typeface="Calibri" panose="020F0502020204030204" pitchFamily="34" charset="0"/>
-              <a:cs typeface="Calibri" panose="020F0502020204030204" pitchFamily="34" charset="0"/>
-            </a:rPr>
-            <a:t>phân </a:t>
-          </a:r>
-          <a:r>
-            <a:rPr lang="vi-VN" sz="1600" b="0" i="0" kern="1200" dirty="0" err="1">
-              <a:latin typeface="Calibri" panose="020F0502020204030204" pitchFamily="34" charset="0"/>
-              <a:cs typeface="Calibri" panose="020F0502020204030204" pitchFamily="34" charset="0"/>
-            </a:rPr>
-            <a:t>lớp</a:t>
-          </a:r>
-          <a:r>
-            <a:rPr lang="vi-VN" sz="1600" b="0" i="0" kern="1200" dirty="0">
-              <a:latin typeface="Calibri" panose="020F0502020204030204" pitchFamily="34" charset="0"/>
-              <a:cs typeface="Calibri" panose="020F0502020204030204" pitchFamily="34" charset="0"/>
-            </a:rPr>
-            <a:t> </a:t>
-          </a:r>
-          <a:r>
-            <a:rPr lang="vi-VN" sz="1600" b="0" i="0" kern="1200" dirty="0" err="1">
-              <a:latin typeface="Calibri" panose="020F0502020204030204" pitchFamily="34" charset="0"/>
-              <a:cs typeface="Calibri" panose="020F0502020204030204" pitchFamily="34" charset="0"/>
-            </a:rPr>
-            <a:t>có</a:t>
-          </a:r>
-          <a:r>
-            <a:rPr lang="vi-VN" sz="1600" b="0" i="0" kern="1200" dirty="0">
-              <a:latin typeface="Calibri" panose="020F0502020204030204" pitchFamily="34" charset="0"/>
-              <a:cs typeface="Calibri" panose="020F0502020204030204" pitchFamily="34" charset="0"/>
-            </a:rPr>
-            <a:t> không gian </a:t>
-          </a:r>
-          <a:r>
-            <a:rPr lang="vi-VN" sz="1600" b="0" i="0" kern="1200" dirty="0" err="1">
-              <a:latin typeface="Calibri" panose="020F0502020204030204" pitchFamily="34" charset="0"/>
-              <a:cs typeface="Calibri" panose="020F0502020204030204" pitchFamily="34" charset="0"/>
-            </a:rPr>
-            <a:t>rất</a:t>
-          </a:r>
-          <a:r>
-            <a:rPr lang="vi-VN" sz="1600" b="0" i="0" kern="1200" dirty="0">
-              <a:latin typeface="Calibri" panose="020F0502020204030204" pitchFamily="34" charset="0"/>
-              <a:cs typeface="Calibri" panose="020F0502020204030204" pitchFamily="34" charset="0"/>
-            </a:rPr>
-            <a:t> </a:t>
-          </a:r>
-          <a:r>
-            <a:rPr lang="vi-VN" sz="1600" b="0" i="0" kern="1200" dirty="0" err="1">
-              <a:latin typeface="Calibri" panose="020F0502020204030204" pitchFamily="34" charset="0"/>
-              <a:cs typeface="Calibri" panose="020F0502020204030204" pitchFamily="34" charset="0"/>
-            </a:rPr>
-            <a:t>nhiều</a:t>
-          </a:r>
-          <a:r>
-            <a:rPr lang="vi-VN" sz="1600" b="0" i="0" kern="1200" dirty="0">
-              <a:latin typeface="Calibri" panose="020F0502020204030204" pitchFamily="34" charset="0"/>
-              <a:cs typeface="Calibri" panose="020F0502020204030204" pitchFamily="34" charset="0"/>
-            </a:rPr>
-            <a:t> </a:t>
-          </a:r>
-          <a:r>
-            <a:rPr lang="vi-VN" sz="1600" b="0" i="0" kern="1200" dirty="0" err="1">
-              <a:latin typeface="Calibri" panose="020F0502020204030204" pitchFamily="34" charset="0"/>
-              <a:cs typeface="Calibri" panose="020F0502020204030204" pitchFamily="34" charset="0"/>
-            </a:rPr>
-            <a:t>chiều</a:t>
-          </a:r>
-          <a:r>
-            <a:rPr lang="vi-VN" sz="1600" b="0" i="0" kern="1200" dirty="0">
-              <a:latin typeface="Calibri" panose="020F0502020204030204" pitchFamily="34" charset="0"/>
-              <a:cs typeface="Calibri" panose="020F0502020204030204" pitchFamily="34" charset="0"/>
-            </a:rPr>
-            <a:t> (</a:t>
-          </a:r>
-          <a:r>
-            <a:rPr lang="vi-VN" sz="1600" b="0" i="0" kern="1200" dirty="0" err="1">
-              <a:latin typeface="Calibri" panose="020F0502020204030204" pitchFamily="34" charset="0"/>
-              <a:cs typeface="Calibri" panose="020F0502020204030204" pitchFamily="34" charset="0"/>
-            </a:rPr>
-            <a:t>các</a:t>
-          </a:r>
-          <a:r>
-            <a:rPr lang="vi-VN" sz="1600" b="0" i="0" kern="1200" dirty="0">
-              <a:latin typeface="Calibri" panose="020F0502020204030204" pitchFamily="34" charset="0"/>
-              <a:cs typeface="Calibri" panose="020F0502020204030204" pitchFamily="34" charset="0"/>
-            </a:rPr>
-            <a:t> </a:t>
-          </a:r>
-          <a:r>
-            <a:rPr lang="vi-VN" sz="1600" b="0" i="0" kern="1200" dirty="0" err="1">
-              <a:latin typeface="Calibri" panose="020F0502020204030204" pitchFamily="34" charset="0"/>
-              <a:cs typeface="Calibri" panose="020F0502020204030204" pitchFamily="34" charset="0"/>
-            </a:rPr>
-            <a:t>đối</a:t>
-          </a:r>
-          <a:r>
-            <a:rPr lang="vi-VN" sz="1600" b="0" i="0" kern="1200" dirty="0">
-              <a:latin typeface="Calibri" panose="020F0502020204030204" pitchFamily="34" charset="0"/>
-              <a:cs typeface="Calibri" panose="020F0502020204030204" pitchFamily="34" charset="0"/>
-            </a:rPr>
-            <a:t> </a:t>
-          </a:r>
-          <a:r>
-            <a:rPr lang="vi-VN" sz="1600" b="0" i="0" kern="1200" dirty="0" err="1">
-              <a:latin typeface="Calibri" panose="020F0502020204030204" pitchFamily="34" charset="0"/>
-              <a:cs typeface="Calibri" panose="020F0502020204030204" pitchFamily="34" charset="0"/>
-            </a:rPr>
-            <a:t>tượng</a:t>
-          </a:r>
-          <a:r>
-            <a:rPr lang="vi-VN" sz="1600" b="0" i="0" kern="1200" dirty="0">
-              <a:latin typeface="Calibri" panose="020F0502020204030204" pitchFamily="34" charset="0"/>
-              <a:cs typeface="Calibri" panose="020F0502020204030204" pitchFamily="34" charset="0"/>
-            </a:rPr>
-            <a:t> </a:t>
-          </a:r>
-          <a:r>
-            <a:rPr lang="vi-VN" sz="1600" b="0" i="0" kern="1200" dirty="0" err="1">
-              <a:latin typeface="Calibri" panose="020F0502020204030204" pitchFamily="34" charset="0"/>
-              <a:cs typeface="Calibri" panose="020F0502020204030204" pitchFamily="34" charset="0"/>
-            </a:rPr>
-            <a:t>cần</a:t>
-          </a:r>
-          <a:r>
-            <a:rPr lang="en-US" sz="1600" kern="1200" dirty="0">
-              <a:latin typeface="Calibri" panose="020F0502020204030204" pitchFamily="34" charset="0"/>
-              <a:cs typeface="Calibri" panose="020F0502020204030204" pitchFamily="34" charset="0"/>
-            </a:rPr>
-            <a:t> </a:t>
-          </a:r>
-          <a:r>
-            <a:rPr lang="vi-VN" sz="1600" b="0" i="0" kern="1200" dirty="0">
-              <a:latin typeface="Calibri" panose="020F0502020204030204" pitchFamily="34" charset="0"/>
-              <a:cs typeface="Calibri" panose="020F0502020204030204" pitchFamily="34" charset="0"/>
-            </a:rPr>
-            <a:t>phân </a:t>
-          </a:r>
-          <a:r>
-            <a:rPr lang="vi-VN" sz="1600" b="0" i="0" kern="1200" dirty="0" err="1">
-              <a:latin typeface="Calibri" panose="020F0502020204030204" pitchFamily="34" charset="0"/>
-              <a:cs typeface="Calibri" panose="020F0502020204030204" pitchFamily="34" charset="0"/>
-            </a:rPr>
-            <a:t>lớp</a:t>
-          </a:r>
-          <a:r>
-            <a:rPr lang="vi-VN" sz="1600" b="0" i="0" kern="1200" dirty="0">
-              <a:latin typeface="Calibri" panose="020F0502020204030204" pitchFamily="34" charset="0"/>
-              <a:cs typeface="Calibri" panose="020F0502020204030204" pitchFamily="34" charset="0"/>
-            </a:rPr>
-            <a:t> </a:t>
-          </a:r>
-          <a:r>
-            <a:rPr lang="vi-VN" sz="1600" b="0" i="0" kern="1200" dirty="0" err="1">
-              <a:latin typeface="Calibri" panose="020F0502020204030204" pitchFamily="34" charset="0"/>
-              <a:cs typeface="Calibri" panose="020F0502020204030204" pitchFamily="34" charset="0"/>
-            </a:rPr>
-            <a:t>được</a:t>
-          </a:r>
-          <a:r>
-            <a:rPr lang="vi-VN" sz="1600" b="0" i="0" kern="1200" dirty="0">
-              <a:latin typeface="Calibri" panose="020F0502020204030204" pitchFamily="34" charset="0"/>
-              <a:cs typeface="Calibri" panose="020F0502020204030204" pitchFamily="34" charset="0"/>
-            </a:rPr>
-            <a:t> </a:t>
-          </a:r>
-          <a:r>
-            <a:rPr lang="vi-VN" sz="1600" b="0" i="0" kern="1200" dirty="0" err="1">
-              <a:latin typeface="Calibri" panose="020F0502020204030204" pitchFamily="34" charset="0"/>
-              <a:cs typeface="Calibri" panose="020F0502020204030204" pitchFamily="34" charset="0"/>
-            </a:rPr>
-            <a:t>biểu</a:t>
-          </a:r>
-          <a:r>
-            <a:rPr lang="vi-VN" sz="1600" b="0" i="0" kern="1200" dirty="0">
-              <a:latin typeface="Calibri" panose="020F0502020204030204" pitchFamily="34" charset="0"/>
-              <a:cs typeface="Calibri" panose="020F0502020204030204" pitchFamily="34" charset="0"/>
-            </a:rPr>
-            <a:t> </a:t>
-          </a:r>
-          <a:r>
-            <a:rPr lang="vi-VN" sz="1600" b="0" i="0" kern="1200" dirty="0" err="1">
-              <a:latin typeface="Calibri" panose="020F0502020204030204" pitchFamily="34" charset="0"/>
-              <a:cs typeface="Calibri" panose="020F0502020204030204" pitchFamily="34" charset="0"/>
-            </a:rPr>
-            <a:t>diễn</a:t>
-          </a:r>
-          <a:r>
-            <a:rPr lang="vi-VN" sz="1600" b="0" i="0" kern="1200" dirty="0">
-              <a:latin typeface="Calibri" panose="020F0502020204030204" pitchFamily="34" charset="0"/>
-              <a:cs typeface="Calibri" panose="020F0502020204030204" pitchFamily="34" charset="0"/>
-            </a:rPr>
-            <a:t> </a:t>
-          </a:r>
-          <a:r>
-            <a:rPr lang="vi-VN" sz="1600" b="0" i="0" kern="1200" dirty="0" err="1">
-              <a:latin typeface="Calibri" panose="020F0502020204030204" pitchFamily="34" charset="0"/>
-              <a:cs typeface="Calibri" panose="020F0502020204030204" pitchFamily="34" charset="0"/>
-            </a:rPr>
-            <a:t>bởi</a:t>
-          </a:r>
-          <a:r>
-            <a:rPr lang="vi-VN" sz="1600" b="0" i="0" kern="1200" dirty="0">
-              <a:latin typeface="Calibri" panose="020F0502020204030204" pitchFamily="34" charset="0"/>
-              <a:cs typeface="Calibri" panose="020F0502020204030204" pitchFamily="34" charset="0"/>
-            </a:rPr>
-            <a:t> </a:t>
-          </a:r>
-          <a:r>
-            <a:rPr lang="vi-VN" sz="1600" b="0" i="0" kern="1200" dirty="0" err="1">
-              <a:latin typeface="Calibri" panose="020F0502020204030204" pitchFamily="34" charset="0"/>
-              <a:cs typeface="Calibri" panose="020F0502020204030204" pitchFamily="34" charset="0"/>
-            </a:rPr>
-            <a:t>một</a:t>
-          </a:r>
-          <a:r>
-            <a:rPr lang="vi-VN" sz="1600" b="0" i="0" kern="1200" dirty="0">
-              <a:latin typeface="Calibri" panose="020F0502020204030204" pitchFamily="34" charset="0"/>
-              <a:cs typeface="Calibri" panose="020F0502020204030204" pitchFamily="34" charset="0"/>
-            </a:rPr>
-            <a:t> </a:t>
-          </a:r>
-          <a:r>
-            <a:rPr lang="vi-VN" sz="1600" b="0" i="0" kern="1200" dirty="0" err="1">
-              <a:latin typeface="Calibri" panose="020F0502020204030204" pitchFamily="34" charset="0"/>
-              <a:cs typeface="Calibri" panose="020F0502020204030204" pitchFamily="34" charset="0"/>
-            </a:rPr>
-            <a:t>tập</a:t>
-          </a:r>
-          <a:r>
-            <a:rPr lang="vi-VN" sz="1600" b="0" i="0" kern="1200" dirty="0">
-              <a:latin typeface="Calibri" panose="020F0502020204030204" pitchFamily="34" charset="0"/>
-              <a:cs typeface="Calibri" panose="020F0502020204030204" pitchFamily="34" charset="0"/>
-            </a:rPr>
-            <a:t> </a:t>
-          </a:r>
-          <a:r>
-            <a:rPr lang="vi-VN" sz="1600" b="0" i="0" kern="1200" dirty="0" err="1">
-              <a:latin typeface="Calibri" panose="020F0502020204030204" pitchFamily="34" charset="0"/>
-              <a:cs typeface="Calibri" panose="020F0502020204030204" pitchFamily="34" charset="0"/>
-            </a:rPr>
-            <a:t>rất</a:t>
-          </a:r>
-          <a:r>
-            <a:rPr lang="vi-VN" sz="1600" b="0" i="0" kern="1200" dirty="0">
-              <a:latin typeface="Calibri" panose="020F0502020204030204" pitchFamily="34" charset="0"/>
-              <a:cs typeface="Calibri" panose="020F0502020204030204" pitchFamily="34" charset="0"/>
-            </a:rPr>
-            <a:t> </a:t>
-          </a:r>
-          <a:r>
-            <a:rPr lang="vi-VN" sz="1600" b="0" i="0" kern="1200" dirty="0" err="1">
-              <a:latin typeface="Calibri" panose="020F0502020204030204" pitchFamily="34" charset="0"/>
-              <a:cs typeface="Calibri" panose="020F0502020204030204" pitchFamily="34" charset="0"/>
-            </a:rPr>
-            <a:t>lớn</a:t>
-          </a:r>
-          <a:r>
-            <a:rPr lang="vi-VN" sz="1600" b="0" i="0" kern="1200" dirty="0">
-              <a:latin typeface="Calibri" panose="020F0502020204030204" pitchFamily="34" charset="0"/>
-              <a:cs typeface="Calibri" panose="020F0502020204030204" pitchFamily="34" charset="0"/>
-            </a:rPr>
-            <a:t> </a:t>
-          </a:r>
-          <a:r>
-            <a:rPr lang="vi-VN" sz="1600" b="0" i="0" kern="1200" dirty="0" err="1">
-              <a:latin typeface="Calibri" panose="020F0502020204030204" pitchFamily="34" charset="0"/>
-              <a:cs typeface="Calibri" panose="020F0502020204030204" pitchFamily="34" charset="0"/>
-            </a:rPr>
-            <a:t>các</a:t>
-          </a:r>
-          <a:r>
-            <a:rPr lang="vi-VN" sz="1600" b="0" i="0" kern="1200" dirty="0">
-              <a:latin typeface="Calibri" panose="020F0502020204030204" pitchFamily="34" charset="0"/>
-              <a:cs typeface="Calibri" panose="020F0502020204030204" pitchFamily="34" charset="0"/>
-            </a:rPr>
-            <a:t> </a:t>
-          </a:r>
-          <a:r>
-            <a:rPr lang="vi-VN" sz="1600" b="0" i="0" kern="1200" dirty="0" err="1">
-              <a:latin typeface="Calibri" panose="020F0502020204030204" pitchFamily="34" charset="0"/>
-              <a:cs typeface="Calibri" panose="020F0502020204030204" pitchFamily="34" charset="0"/>
-            </a:rPr>
-            <a:t>thuộc</a:t>
-          </a:r>
-          <a:r>
-            <a:rPr lang="vi-VN" sz="1600" b="0" i="0" kern="1200" dirty="0">
-              <a:latin typeface="Calibri" panose="020F0502020204030204" pitchFamily="34" charset="0"/>
-              <a:cs typeface="Calibri" panose="020F0502020204030204" pitchFamily="34" charset="0"/>
-            </a:rPr>
-            <a:t> </a:t>
-          </a:r>
-          <a:r>
-            <a:rPr lang="vi-VN" sz="1600" b="0" i="0" kern="1200" dirty="0" err="1">
-              <a:latin typeface="Calibri" panose="020F0502020204030204" pitchFamily="34" charset="0"/>
-              <a:cs typeface="Calibri" panose="020F0502020204030204" pitchFamily="34" charset="0"/>
-            </a:rPr>
-            <a:t>tính</a:t>
-          </a:r>
-          <a:r>
-            <a:rPr lang="vi-VN" sz="1600" b="0" i="0" kern="1200" dirty="0">
-              <a:latin typeface="Calibri" panose="020F0502020204030204" pitchFamily="34" charset="0"/>
-              <a:cs typeface="Calibri" panose="020F0502020204030204" pitchFamily="34" charset="0"/>
-            </a:rPr>
-            <a:t>)</a:t>
-          </a:r>
-          <a:r>
-            <a:rPr lang="vi-VN" sz="1600" kern="1200" dirty="0">
-              <a:latin typeface="Calibri" panose="020F0502020204030204" pitchFamily="34" charset="0"/>
-              <a:cs typeface="Calibri" panose="020F0502020204030204" pitchFamily="34" charset="0"/>
-            </a:rPr>
-            <a:t> </a:t>
-          </a:r>
-          <a:endParaRPr lang="en-US" sz="1600" kern="1200" dirty="0">
-            <a:latin typeface="Calibri" panose="020F0502020204030204" pitchFamily="34" charset="0"/>
-            <a:cs typeface="Calibri" panose="020F0502020204030204" pitchFamily="34" charset="0"/>
-          </a:endParaRPr>
-        </a:p>
-      </dsp:txBody>
-      <dsp:txXfrm>
-        <a:off x="1420845" y="319712"/>
-        <a:ext cx="2477722" cy="1538414"/>
-      </dsp:txXfrm>
-    </dsp:sp>
-    <dsp:sp modelId="{0FBD202D-7EBF-4889-8F05-1DD8940AA7DC}">
-      <dsp:nvSpPr>
-        <dsp:cNvPr id="0" name=""/>
-        <dsp:cNvSpPr/>
-      </dsp:nvSpPr>
-      <dsp:spPr>
-        <a:xfrm>
-          <a:off x="4232368" y="209"/>
-          <a:ext cx="2573446" cy="1634138"/>
-        </a:xfrm>
-        <a:prstGeom prst="roundRect">
-          <a:avLst>
-            <a:gd name="adj" fmla="val 10000"/>
-          </a:avLst>
-        </a:prstGeom>
-        <a:solidFill>
-          <a:schemeClr val="accent1">
-            <a:hueOff val="0"/>
-            <a:satOff val="0"/>
-            <a:lumOff val="0"/>
-            <a:alphaOff val="0"/>
-          </a:schemeClr>
-        </a:solidFill>
-        <a:ln w="12700" cap="flat" cmpd="sng" algn="ctr">
-          <a:solidFill>
-            <a:schemeClr val="lt1">
-              <a:hueOff val="0"/>
-              <a:satOff val="0"/>
-              <a:lumOff val="0"/>
-              <a:alphaOff val="0"/>
-            </a:schemeClr>
-          </a:solidFill>
-          <a:prstDash val="solid"/>
-          <a:miter lim="800000"/>
-        </a:ln>
-        <a:effectLst/>
-      </dsp:spPr>
-      <dsp:style>
-        <a:lnRef idx="2">
-          <a:scrgbClr r="0" g="0" b="0"/>
-        </a:lnRef>
-        <a:fillRef idx="1">
-          <a:scrgbClr r="0" g="0" b="0"/>
-        </a:fillRef>
-        <a:effectRef idx="0">
-          <a:scrgbClr r="0" g="0" b="0"/>
-        </a:effectRef>
-        <a:fontRef idx="minor">
-          <a:schemeClr val="lt1"/>
-        </a:fontRef>
-      </dsp:style>
-    </dsp:sp>
-    <dsp:sp modelId="{5BEDC2F2-F278-4F4B-ADEF-FCBFE813A0EB}">
-      <dsp:nvSpPr>
-        <dsp:cNvPr id="0" name=""/>
-        <dsp:cNvSpPr/>
-      </dsp:nvSpPr>
-      <dsp:spPr>
-        <a:xfrm>
-          <a:off x="4518307" y="271850"/>
-          <a:ext cx="2573446" cy="1634138"/>
-        </a:xfrm>
-        <a:prstGeom prst="roundRect">
-          <a:avLst>
-            <a:gd name="adj" fmla="val 10000"/>
-          </a:avLst>
-        </a:prstGeom>
-        <a:solidFill>
-          <a:schemeClr val="lt1">
-            <a:alpha val="90000"/>
-            <a:hueOff val="0"/>
-            <a:satOff val="0"/>
-            <a:lumOff val="0"/>
-            <a:alphaOff val="0"/>
-          </a:schemeClr>
-        </a:solidFill>
-        <a:ln w="12700" cap="flat" cmpd="sng" algn="ctr">
-          <a:solidFill>
-            <a:schemeClr val="accent1">
-              <a:hueOff val="0"/>
-              <a:satOff val="0"/>
-              <a:lumOff val="0"/>
-              <a:alphaOff val="0"/>
-            </a:schemeClr>
-          </a:solidFill>
-          <a:prstDash val="solid"/>
-          <a:miter lim="800000"/>
-        </a:ln>
-        <a:effectLst/>
-      </dsp:spPr>
-      <dsp:style>
-        <a:lnRef idx="2">
-          <a:scrgbClr r="0" g="0" b="0"/>
-        </a:lnRef>
-        <a:fillRef idx="1">
-          <a:scrgbClr r="0" g="0" b="0"/>
-        </a:fillRef>
-        <a:effectRef idx="0">
-          <a:scrgbClr r="0" g="0" b="0"/>
-        </a:effectRef>
-        <a:fontRef idx="minor"/>
-      </dsp:style>
-      <dsp:txBody>
-        <a:bodyPr spcFirstLastPara="0" vert="horz" wrap="square" lIns="60960" tIns="60960" rIns="60960" bIns="60960" numCol="1" spcCol="1270" anchor="ctr" anchorCtr="0">
-          <a:noAutofit/>
-        </a:bodyPr>
-        <a:lstStyle/>
-        <a:p>
-          <a:pPr marL="0" lvl="0" indent="0" algn="ctr" defTabSz="711200">
-            <a:lnSpc>
-              <a:spcPct val="90000"/>
-            </a:lnSpc>
-            <a:spcBef>
-              <a:spcPct val="0"/>
-            </a:spcBef>
-            <a:spcAft>
-              <a:spcPct val="35000"/>
-            </a:spcAft>
-            <a:buNone/>
-          </a:pPr>
-          <a:r>
-            <a:rPr lang="en-US" sz="1600" kern="1200"/>
-            <a:t>Phương pháp học máy SVM (support vector machine) được sử dụng rộng rãi để giải các bài toán phân loại nhị phân trong lĩnh vực sinh học tính toán. </a:t>
-          </a:r>
-        </a:p>
-      </dsp:txBody>
-      <dsp:txXfrm>
-        <a:off x="4566169" y="319712"/>
-        <a:ext cx="2477722" cy="1538414"/>
-      </dsp:txXfrm>
-    </dsp:sp>
-  </dsp:spTree>
-</dsp:drawing>
-</file>
-
-<file path=ppt/diagrams/layout1.xml><?xml version="1.0" encoding="utf-8"?>
-<dgm:layoutDef xmlns:dgm="http://schemas.openxmlformats.org/drawingml/2006/diagram" xmlns:a="http://schemas.openxmlformats.org/drawingml/2006/main" uniqueId="urn:microsoft.com/office/officeart/2005/8/layout/hierarchy1">
-  <dgm:title val=""/>
-  <dgm:desc val=""/>
-  <dgm:catLst>
-    <dgm:cat type="hierarchy" pri="2000"/>
-  </dgm:catLst>
-  <dgm:sampData>
-    <dgm:dataModel>
-      <dgm:ptLst>
-        <dgm:pt modelId="0" type="doc"/>
-        <dgm:pt modelId="1">
-          <dgm:prSet phldr="1"/>
-        </dgm:pt>
-        <dgm:pt modelId="2">
-          <dgm:prSet phldr="1"/>
-        </dgm:pt>
-        <dgm:pt modelId="21">
-          <dgm:prSet phldr="1"/>
-        </dgm:pt>
-        <dgm:pt modelId="22">
-          <dgm:prSet phldr="1"/>
-        </dgm:pt>
-        <dgm:pt modelId="3">
-          <dgm:prSet phldr="1"/>
-        </dgm:pt>
-        <dgm:pt modelId="31">
-          <dgm:prSet phldr="1"/>
-        </dgm:pt>
-      </dgm:ptLst>
-      <dgm:cxnLst>
-        <dgm:cxn modelId="4" srcId="0" destId="1" srcOrd="0" destOrd="0"/>
-        <dgm:cxn modelId="5" srcId="1" destId="2" srcOrd="0" destOrd="0"/>
-        <dgm:cxn modelId="6" srcId="1" destId="3" srcOrd="1" destOrd="0"/>
-        <dgm:cxn modelId="23" srcId="2" destId="21" srcOrd="0" destOrd="0"/>
-        <dgm:cxn modelId="24" srcId="2" destId="22" srcOrd="1" destOrd="0"/>
-        <dgm:cxn modelId="33" srcId="3" destId="31" srcOrd="0" destOrd="0"/>
-      </dgm:cxnLst>
-      <dgm:bg/>
-      <dgm:whole/>
-    </dgm:dataModel>
-  </dgm:sampData>
-  <dgm:styleData>
-    <dgm:dataModel>
-      <dgm:ptLst>
-        <dgm:pt modelId="0" type="doc"/>
-        <dgm:pt modelId="1"/>
-        <dgm:pt modelId="11"/>
-        <dgm:pt modelId="12"/>
-      </dgm:ptLst>
-      <dgm:cxnLst>
-        <dgm:cxn modelId="2" srcId="0" destId="1" srcOrd="0" destOrd="0"/>
-        <dgm:cxn modelId="13" srcId="1" destId="11" srcOrd="0" destOrd="0"/>
-        <dgm:cxn modelId="14" srcId="1" destId="12" srcOrd="1" destOrd="0"/>
-      </dgm:cxnLst>
-      <dgm:bg/>
-      <dgm:whole/>
-    </dgm:dataModel>
-  </dgm:styleData>
-  <dgm:clrData>
-    <dgm:dataModel>
-      <dgm:ptLst>
-        <dgm:pt modelId="0" type="doc"/>
-        <dgm:pt modelId="1"/>
-        <dgm:pt modelId="2"/>
-        <dgm:pt modelId="21"/>
-        <dgm:pt modelId="211"/>
-        <dgm:pt modelId="3"/>
-        <dgm:pt modelId="31"/>
-        <dgm:pt modelId="311"/>
-      </dgm:ptLst>
-      <dgm:cxnLst>
-        <dgm:cxn modelId="4" srcId="0" destId="1" srcOrd="0" destOrd="0"/>
-        <dgm:cxn modelId="5" srcId="1" destId="2" srcOrd="0" destOrd="0"/>
-        <dgm:cxn modelId="6" srcId="1" destId="3" srcOrd="1" destOrd="0"/>
-        <dgm:cxn modelId="23" srcId="2" destId="21" srcOrd="0" destOrd="0"/>
-        <dgm:cxn modelId="24" srcId="21" destId="211" srcOrd="0" destOrd="0"/>
-        <dgm:cxn modelId="33" srcId="3" destId="31" srcOrd="0" destOrd="0"/>
-        <dgm:cxn modelId="34" srcId="31" destId="311" srcOrd="0" destOrd="0"/>
-      </dgm:cxnLst>
-      <dgm:bg/>
-      <dgm:whole/>
-    </dgm:dataModel>
-  </dgm:clrData>
-  <dgm:layoutNode name="hierChild1">
-    <dgm:varLst>
-      <dgm:chPref val="1"/>
-      <dgm:dir/>
-      <dgm:animOne val="branch"/>
-      <dgm:animLvl val="lvl"/>
-      <dgm:resizeHandles/>
-    </dgm:varLst>
-    <dgm:choose name="Name0">
-      <dgm:if name="Name1" func="var" arg="dir" op="equ" val="norm">
-        <dgm:alg type="hierChild">
-          <dgm:param type="linDir" val="fromL"/>
-        </dgm:alg>
-      </dgm:if>
-      <dgm:else name="Name2">
-        <dgm:alg type="hierChild">
-          <dgm:param type="linDir" val="fromR"/>
-        </dgm:alg>
-      </dgm:else>
-    </dgm:choose>
-    <dgm:shape xmlns:r="http://schemas.openxmlformats.org/officeDocument/2006/relationships" r:blip="">
-      <dgm:adjLst/>
-    </dgm:shape>
-    <dgm:presOf/>
-    <dgm:constrLst>
-      <dgm:constr type="primFontSz" for="des" ptType="node" op="equ" val="65"/>
-      <dgm:constr type="w" for="des" forName="composite" refType="w"/>
-      <dgm:constr type="h" for="des" forName="composite" refType="w" refFor="des" refForName="composite" fact="0.667"/>
-      <dgm:constr type="w" for="des" forName="composite2" refType="w" refFor="des" refForName="composite"/>
-      <dgm:constr type="h" for="des" forName="composite2" refType="h" refFor="des" refForName="composite"/>
-      <dgm:constr type="w" for="des" forName="composite3" refType="w" refFor="des" refForName="composite"/>
-      <dgm:constr type="h" for="des" forName="composite3" refType="h" refFor="des" refForName="composite"/>
-      <dgm:constr type="w" for="des" forName="composite4" refType="w" refFor="des" refForName="composite"/>
-      <dgm:constr type="h" for="des" forName="composite4" refType="h" refFor="des" refForName="composite"/>
-      <dgm:constr type="w" for="des" forName="composite5" refType="w" refFor="des" refForName="composite"/>
-      <dgm:constr type="h" for="des" forName="composite5" refType="h" refFor="des" refForName="composite"/>
-      <dgm:constr type="sibSp" refType="w" refFor="des" refForName="composite" fact="0.1"/>
-      <dgm:constr type="sibSp" for="des" forName="hierChild2" refType="sibSp"/>
-      <dgm:constr type="sibSp" for="des" forName="hierChild3" refType="sibSp"/>
-      <dgm:constr type="sibSp" for="des" forName="hierChild4" refType="sibSp"/>
-      <dgm:constr type="sibSp" for="des" forName="hierChild5" refType="sibSp"/>
-      <dgm:constr type="sibSp" for="des" forName="hierChild6" refType="sibSp"/>
-      <dgm:constr type="sp" for="des" forName="hierRoot1" refType="h" refFor="des" refForName="composite" fact="0.25"/>
-      <dgm:constr type="sp" for="des" forName="hierRoot2" refType="sp" refFor="des" refForName="hierRoot1"/>
-      <dgm:constr type="sp" for="des" forName="hierRoot3" refType="sp" refFor="des" refForName="hierRoot1"/>
-      <dgm:constr type="sp" for="des" forName="hierRoot4" refType="sp" refFor="des" refForName="hierRoot1"/>
-      <dgm:constr type="sp" for="des" forName="hierRoot5" refType="sp" refFor="des" refForName="hierRoot1"/>
-    </dgm:constrLst>
-    <dgm:ruleLst/>
-    <dgm:forEach name="Name3" axis="ch">
-      <dgm:forEach name="Name4" axis="self" ptType="node">
-        <dgm:layoutNode name="hierRoot1">
-          <dgm:alg type="hierRoot"/>
-          <dgm:shape xmlns:r="http://schemas.openxmlformats.org/officeDocument/2006/relationships" r:blip="">
-            <dgm:adjLst/>
-          </dgm:shape>
-          <dgm:presOf/>
-          <dgm:constrLst>
-            <dgm:constr type="bendDist" for="des" ptType="parTrans" refType="sp" fact="0.5"/>
-          </dgm:constrLst>
-          <dgm:ruleLst/>
-          <dgm:layoutNode name="composite">
-            <dgm:alg type="composite"/>
-            <dgm:shape xmlns:r="http://schemas.openxmlformats.org/officeDocument/2006/relationships" r:blip="">
-              <dgm:adjLst/>
-            </dgm:shape>
-            <dgm:presOf/>
-            <dgm:constrLst>
-              <dgm:constr type="w" for="ch" forName="background" refType="w" fact="0.9"/>
-              <dgm:constr type="h" for="ch" forName="background" refType="w" refFor="ch" refForName="background" fact="0.635"/>
-              <dgm:constr type="t" for="ch" forName="background"/>
-              <dgm:constr type="l" for="ch" forName="background"/>
-              <dgm:constr type="w" for="ch" forName="text" refType="w" fact="0.9"/>
-              <dgm:constr type="h" for="ch" forName="text" refType="w" refFor="ch" refForName="text" fact="0.635"/>
-              <dgm:constr type="t" for="ch" forName="text" refType="w" fact="0.095"/>
-              <dgm:constr type="l" for="ch" forName="text" refType="w" fact="0.1"/>
-            </dgm:constrLst>
-            <dgm:ruleLst/>
-            <dgm:layoutNode name="background" styleLbl="node0" moveWith="text">
-              <dgm:alg type="sp"/>
-              <dgm:shape xmlns:r="http://schemas.openxmlformats.org/officeDocument/2006/relationships" type="roundRect" r:blip="">
-                <dgm:adjLst>
-                  <dgm:adj idx="1" val="0.1"/>
-                </dgm:adjLst>
-              </dgm:shape>
-              <dgm:presOf/>
-              <dgm:constrLst/>
-              <dgm:ruleLst/>
-            </dgm:layoutNode>
-            <dgm:layoutNode name="text" styleLbl="fgAcc0">
-              <dgm:varLst>
-                <dgm:chPref val="3"/>
-              </dgm:varLst>
-              <dgm:alg type="tx"/>
-              <dgm:shape xmlns:r="http://schemas.openxmlformats.org/officeDocument/2006/relationships" type="roundRect" r:blip="">
-                <dgm:adjLst>
-                  <dgm:adj idx="1" val="0.1"/>
-                </dgm:adjLst>
-              </dgm:shape>
-              <dgm:presOf axis="self"/>
-              <dgm:constrLst>
-                <dgm:constr type="tMarg" refType="primFontSz" fact="0.3"/>
-                <dgm:constr type="bMarg" refType="primFontSz" fact="0.3"/>
-                <dgm:constr type="lMarg" refType="primFontSz" fact="0.3"/>
-                <dgm:constr type="rMarg" refType="primFontSz" fact="0.3"/>
-              </dgm:constrLst>
-              <dgm:ruleLst>
-                <dgm:rule type="primFontSz" val="5" fact="NaN" max="NaN"/>
-              </dgm:ruleLst>
-            </dgm:layoutNode>
-          </dgm:layoutNode>
-          <dgm:layoutNode name="hierChild2">
-            <dgm:choose name="Name5">
-              <dgm:if name="Name6" func="var" arg="dir" op="equ" val="norm">
-                <dgm:alg type="hierChild">
-                  <dgm:param type="linDir" val="fromL"/>
-                </dgm:alg>
-              </dgm:if>
-              <dgm:else name="Name7">
-                <dgm:alg type="hierChild">
-                  <dgm:param type="linDir" val="fromR"/>
-                </dgm:alg>
-              </dgm:else>
-            </dgm:choose>
-            <dgm:shape xmlns:r="http://schemas.openxmlformats.org/officeDocument/2006/relationships" r:blip="">
-              <dgm:adjLst/>
-            </dgm:shape>
-            <dgm:presOf/>
-            <dgm:constrLst/>
-            <dgm:ruleLst/>
-            <dgm:forEach name="Name8" axis="ch">
-              <dgm:forEach name="Name9" axis="self" ptType="parTrans" cnt="1">
-                <dgm:layoutNode name="Name10">
-                  <dgm:alg type="conn">
-                    <dgm:param type="dim" val="1D"/>
-                    <dgm:param type="endSty" val="noArr"/>
-                    <dgm:param type="connRout" val="bend"/>
-                    <dgm:param type="bendPt" val="end"/>
-                    <dgm:param type="begPts" val="bCtr"/>
-                    <dgm:param type="endPts" val="tCtr"/>
-                    <dgm:param type="srcNode" val="background"/>
-                    <dgm:param type="dstNode" val="background2"/>
-                  </dgm:alg>
-                  <dgm:shape xmlns:r="http://schemas.openxmlformats.org/officeDocument/2006/relationships" type="conn" r:blip="" zOrderOff="-999">
-                    <dgm:adjLst/>
-                  </dgm:shape>
-                  <dgm:presOf axis="self"/>
-                  <dgm:constrLst>
-                    <dgm:constr type="begPad"/>
-                    <dgm:constr type="endPad"/>
-                  </dgm:constrLst>
-                  <dgm:ruleLst/>
-                </dgm:layoutNode>
-              </dgm:forEach>
-              <dgm:forEach name="Name11" axis="self" ptType="node">
-                <dgm:layoutNode name="hierRoot2">
-                  <dgm:alg type="hierRoot"/>
-                  <dgm:shape xmlns:r="http://schemas.openxmlformats.org/officeDocument/2006/relationships" r:blip="">
-                    <dgm:adjLst/>
-                  </dgm:shape>
-                  <dgm:presOf/>
-                  <dgm:constrLst>
-                    <dgm:constr type="bendDist" for="des" ptType="parTrans" refType="sp" fact="0.5"/>
-                  </dgm:constrLst>
-                  <dgm:ruleLst/>
-                  <dgm:layoutNode name="composite2">
-                    <dgm:alg type="composite"/>
-                    <dgm:shape xmlns:r="http://schemas.openxmlformats.org/officeDocument/2006/relationships" r:blip="">
-                      <dgm:adjLst/>
-                    </dgm:shape>
-                    <dgm:presOf/>
-                    <dgm:constrLst>
-                      <dgm:constr type="w" for="ch" forName="background2" refType="w" fact="0.9"/>
-                      <dgm:constr type="h" for="ch" forName="background2" refType="w" refFor="ch" refForName="background2" fact="0.635"/>
-                      <dgm:constr type="t" for="ch" forName="background2"/>
-                      <dgm:constr type="l" for="ch" forName="background2"/>
-                      <dgm:constr type="w" for="ch" forName="text2" refType="w" fact="0.9"/>
-                      <dgm:constr type="h" for="ch" forName="text2" refType="w" refFor="ch" refForName="text2" fact="0.635"/>
-                      <dgm:constr type="t" for="ch" forName="text2" refType="w" fact="0.095"/>
-                      <dgm:constr type="l" for="ch" forName="text2" refType="w" fact="0.1"/>
-                    </dgm:constrLst>
-                    <dgm:ruleLst/>
-                    <dgm:layoutNode name="background2" moveWith="text2">
-                      <dgm:alg type="sp"/>
-                      <dgm:shape xmlns:r="http://schemas.openxmlformats.org/officeDocument/2006/relationships" type="roundRect" r:blip="">
-                        <dgm:adjLst>
-                          <dgm:adj idx="1" val="0.1"/>
-                        </dgm:adjLst>
-                      </dgm:shape>
-                      <dgm:presOf/>
-                      <dgm:constrLst/>
-                      <dgm:ruleLst/>
-                    </dgm:layoutNode>
-                    <dgm:layoutNode name="text2" styleLbl="fgAcc2">
-                      <dgm:varLst>
-                        <dgm:chPref val="3"/>
-                      </dgm:varLst>
-                      <dgm:alg type="tx"/>
-                      <dgm:shape xmlns:r="http://schemas.openxmlformats.org/officeDocument/2006/relationships" type="roundRect" r:blip="">
-                        <dgm:adjLst>
-                          <dgm:adj idx="1" val="0.1"/>
-                        </dgm:adjLst>
-                      </dgm:shape>
-                      <dgm:presOf axis="self"/>
-                      <dgm:constrLst>
-                        <dgm:constr type="tMarg" refType="primFontSz" fact="0.3"/>
-                        <dgm:constr type="bMarg" refType="primFontSz" fact="0.3"/>
-                        <dgm:constr type="lMarg" refType="primFontSz" fact="0.3"/>
-                        <dgm:constr type="rMarg" refType="primFontSz" fact="0.3"/>
-                      </dgm:constrLst>
-                      <dgm:ruleLst>
-                        <dgm:rule type="primFontSz" val="5" fact="NaN" max="NaN"/>
-                      </dgm:ruleLst>
-                    </dgm:layoutNode>
-                  </dgm:layoutNode>
-                  <dgm:layoutNode name="hierChild3">
-                    <dgm:choose name="Name12">
-                      <dgm:if name="Name13" func="var" arg="dir" op="equ" val="norm">
-                        <dgm:alg type="hierChild">
-                          <dgm:param type="linDir" val="fromL"/>
-                        </dgm:alg>
-                      </dgm:if>
-                      <dgm:else name="Name14">
-                        <dgm:alg type="hierChild">
-                          <dgm:param type="linDir" val="fromR"/>
-                        </dgm:alg>
-                      </dgm:else>
-                    </dgm:choose>
-                    <dgm:shape xmlns:r="http://schemas.openxmlformats.org/officeDocument/2006/relationships" r:blip="">
-                      <dgm:adjLst/>
-                    </dgm:shape>
-                    <dgm:presOf/>
-                    <dgm:constrLst/>
-                    <dgm:ruleLst/>
-                    <dgm:forEach name="Name15" axis="ch">
-                      <dgm:forEach name="Name16" axis="self" ptType="parTrans" cnt="1">
-                        <dgm:layoutNode name="Name17">
-                          <dgm:alg type="conn">
-                            <dgm:param type="dim" val="1D"/>
-                            <dgm:param type="endSty" val="noArr"/>
-                            <dgm:param type="connRout" val="bend"/>
-                            <dgm:param type="bendPt" val="end"/>
-                            <dgm:param type="begPts" val="bCtr"/>
-                            <dgm:param type="endPts" val="tCtr"/>
-                            <dgm:param type="srcNode" val="background2"/>
-                            <dgm:param type="dstNode" val="background3"/>
-                          </dgm:alg>
-                          <dgm:shape xmlns:r="http://schemas.openxmlformats.org/officeDocument/2006/relationships" type="conn" r:blip="" zOrderOff="-999">
-                            <dgm:adjLst/>
-                          </dgm:shape>
-                          <dgm:presOf axis="self"/>
-                          <dgm:constrLst>
-                            <dgm:constr type="begPad"/>
-                            <dgm:constr type="endPad"/>
-                          </dgm:constrLst>
-                          <dgm:ruleLst/>
-                        </dgm:layoutNode>
-                      </dgm:forEach>
-                      <dgm:forEach name="Name18" axis="self" ptType="node">
-                        <dgm:layoutNode name="hierRoot3">
-                          <dgm:alg type="hierRoot"/>
-                          <dgm:shape xmlns:r="http://schemas.openxmlformats.org/officeDocument/2006/relationships" r:blip="">
-                            <dgm:adjLst/>
-                          </dgm:shape>
-                          <dgm:presOf/>
-                          <dgm:constrLst>
-                            <dgm:constr type="bendDist" for="des" ptType="parTrans" refType="sp" fact="0.5"/>
-                          </dgm:constrLst>
-                          <dgm:ruleLst/>
-                          <dgm:layoutNode name="composite3">
-                            <dgm:alg type="composite"/>
-                            <dgm:shape xmlns:r="http://schemas.openxmlformats.org/officeDocument/2006/relationships" r:blip="">
-                              <dgm:adjLst/>
-                            </dgm:shape>
-                            <dgm:presOf/>
-                            <dgm:constrLst>
-                              <dgm:constr type="w" for="ch" forName="background3" refType="w" fact="0.9"/>
-                              <dgm:constr type="h" for="ch" forName="background3" refType="w" refFor="ch" refForName="background3" fact="0.635"/>
-                              <dgm:constr type="t" for="ch" forName="background3"/>
-                              <dgm:constr type="l" for="ch" forName="background3"/>
-                              <dgm:constr type="w" for="ch" forName="text3" refType="w" fact="0.9"/>
-                              <dgm:constr type="h" for="ch" forName="text3" refType="w" refFor="ch" refForName="text3" fact="0.635"/>
-                              <dgm:constr type="t" for="ch" forName="text3" refType="w" fact="0.095"/>
-                              <dgm:constr type="l" for="ch" forName="text3" refType="w" fact="0.1"/>
-                            </dgm:constrLst>
-                            <dgm:ruleLst/>
-                            <dgm:layoutNode name="background3" moveWith="text3">
-                              <dgm:alg type="sp"/>
-                              <dgm:shape xmlns:r="http://schemas.openxmlformats.org/officeDocument/2006/relationships" type="roundRect" r:blip="">
-                                <dgm:adjLst>
-                                  <dgm:adj idx="1" val="0.1"/>
-                                </dgm:adjLst>
-                              </dgm:shape>
-                              <dgm:presOf/>
-                              <dgm:constrLst/>
-                              <dgm:ruleLst/>
-                            </dgm:layoutNode>
-                            <dgm:layoutNode name="text3" styleLbl="fgAcc3">
-                              <dgm:varLst>
-                                <dgm:chPref val="3"/>
-                              </dgm:varLst>
-                              <dgm:alg type="tx"/>
-                              <dgm:shape xmlns:r="http://schemas.openxmlformats.org/officeDocument/2006/relationships" type="roundRect" r:blip="">
-                                <dgm:adjLst>
-                                  <dgm:adj idx="1" val="0.1"/>
-                                </dgm:adjLst>
-                              </dgm:shape>
-                              <dgm:presOf axis="self"/>
-                              <dgm:constrLst>
-                                <dgm:constr type="tMarg" refType="primFontSz" fact="0.3"/>
-                                <dgm:constr type="bMarg" refType="primFontSz" fact="0.3"/>
-                                <dgm:constr type="lMarg" refType="primFontSz" fact="0.3"/>
-                                <dgm:constr type="rMarg" refType="primFontSz" fact="0.3"/>
-                              </dgm:constrLst>
-                              <dgm:ruleLst>
-                                <dgm:rule type="primFontSz" val="5" fact="NaN" max="NaN"/>
-                              </dgm:ruleLst>
-                            </dgm:layoutNode>
-                          </dgm:layoutNode>
-                          <dgm:layoutNode name="hierChild4">
-                            <dgm:choose name="Name19">
-                              <dgm:if name="Name20" func="var" arg="dir" op="equ" val="norm">
-                                <dgm:alg type="hierChild">
-                                  <dgm:param type="linDir" val="fromL"/>
-                                </dgm:alg>
-                              </dgm:if>
-                              <dgm:else name="Name21">
-                                <dgm:alg type="hierChild">
-                                  <dgm:param type="linDir" val="fromR"/>
-                                </dgm:alg>
-                              </dgm:else>
-                            </dgm:choose>
-                            <dgm:shape xmlns:r="http://schemas.openxmlformats.org/officeDocument/2006/relationships" r:blip="">
-                              <dgm:adjLst/>
-                            </dgm:shape>
-                            <dgm:presOf/>
-                            <dgm:constrLst/>
-                            <dgm:ruleLst/>
-                            <dgm:forEach name="repeat" axis="ch">
-                              <dgm:forEach name="Name22" axis="self" ptType="parTrans" cnt="1">
-                                <dgm:layoutNode name="Name23">
-                                  <dgm:choose name="Name24">
-                                    <dgm:if name="Name25" axis="self" func="depth" op="lte" val="4">
-                                      <dgm:alg type="conn">
-                                        <dgm:param type="dim" val="1D"/>
-                                        <dgm:param type="endSty" val="noArr"/>
-                                        <dgm:param type="connRout" val="bend"/>
-                                        <dgm:param type="bendPt" val="end"/>
-                                        <dgm:param type="begPts" val="bCtr"/>
-                                        <dgm:param type="endPts" val="tCtr"/>
-                                        <dgm:param type="srcNode" val="background3"/>
-                                        <dgm:param type="dstNode" val="background4"/>
-                                      </dgm:alg>
-                                    </dgm:if>
-                                    <dgm:else name="Name26">
-                                      <dgm:alg type="conn">
-                                        <dgm:param type="dim" val="1D"/>
-                                        <dgm:param type="endSty" val="noArr"/>
-                                        <dgm:param type="connRout" val="bend"/>
-                                        <dgm:param type="bendPt" val="end"/>
-                                        <dgm:param type="begPts" val="bCtr"/>
-                                        <dgm:param type="endPts" val="tCtr"/>
-                                        <dgm:param type="srcNode" val="background4"/>
-                                        <dgm:param type="dstNode" val="background4"/>
-                                      </dgm:alg>
-                                    </dgm:else>
-                                  </dgm:choose>
-                                  <dgm:shape xmlns:r="http://schemas.openxmlformats.org/officeDocument/2006/relationships" type="conn" r:blip="" zOrderOff="-999">
-                                    <dgm:adjLst/>
-                                  </dgm:shape>
-                                  <dgm:presOf axis="self"/>
-                                  <dgm:constrLst>
-                                    <dgm:constr type="begPad"/>
-                                    <dgm:constr type="endPad"/>
-                                  </dgm:constrLst>
-                                  <dgm:ruleLst/>
-                                </dgm:layoutNode>
-                              </dgm:forEach>
-                              <dgm:forEach name="Name27" axis="self" ptType="node">
-                                <dgm:layoutNode name="hierRoot4">
-                                  <dgm:alg type="hierRoot"/>
-                                  <dgm:shape xmlns:r="http://schemas.openxmlformats.org/officeDocument/2006/relationships" r:blip="">
-                                    <dgm:adjLst/>
-                                  </dgm:shape>
-                                  <dgm:presOf/>
-                                  <dgm:constrLst>
-                                    <dgm:constr type="bendDist" for="des" ptType="parTrans" refType="sp" fact="0.5"/>
-                                  </dgm:constrLst>
-                                  <dgm:ruleLst/>
-                                  <dgm:layoutNode name="composite4">
-                                    <dgm:alg type="composite"/>
-                                    <dgm:shape xmlns:r="http://schemas.openxmlformats.org/officeDocument/2006/relationships" r:blip="">
-                                      <dgm:adjLst/>
-                                    </dgm:shape>
-                                    <dgm:presOf/>
-                                    <dgm:constrLst>
-                                      <dgm:constr type="w" for="ch" forName="background4" refType="w" fact="0.9"/>
-                                      <dgm:constr type="h" for="ch" forName="background4" refType="w" refFor="ch" refForName="background4" fact="0.635"/>
-                                      <dgm:constr type="t" for="ch" forName="background4"/>
-                                      <dgm:constr type="l" for="ch" forName="background4"/>
-                                      <dgm:constr type="w" for="ch" forName="text4" refType="w" fact="0.9"/>
-                                      <dgm:constr type="h" for="ch" forName="text4" refType="w" refFor="ch" refForName="text4" fact="0.635"/>
-                                      <dgm:constr type="t" for="ch" forName="text4" refType="w" fact="0.095"/>
-                                      <dgm:constr type="l" for="ch" forName="text4" refType="w" fact="0.1"/>
-                                    </dgm:constrLst>
-                                    <dgm:ruleLst/>
-                                    <dgm:layoutNode name="background4" moveWith="text4">
-                                      <dgm:alg type="sp"/>
-                                      <dgm:shape xmlns:r="http://schemas.openxmlformats.org/officeDocument/2006/relationships" type="roundRect" r:blip="">
-                                        <dgm:adjLst>
-                                          <dgm:adj idx="1" val="0.1"/>
-                                        </dgm:adjLst>
-                                      </dgm:shape>
-                                      <dgm:presOf/>
-                                      <dgm:constrLst/>
-                                      <dgm:ruleLst/>
-                                    </dgm:layoutNode>
-                                    <dgm:layoutNode name="text4" styleLbl="fgAcc4">
-                                      <dgm:varLst>
-                                        <dgm:chPref val="3"/>
-                                      </dgm:varLst>
-                                      <dgm:alg type="tx"/>
-                                      <dgm:shape xmlns:r="http://schemas.openxmlformats.org/officeDocument/2006/relationships" type="roundRect" r:blip="">
-                                        <dgm:adjLst>
-                                          <dgm:adj idx="1" val="0.1"/>
-                                        </dgm:adjLst>
-                                      </dgm:shape>
-                                      <dgm:presOf axis="self"/>
-                                      <dgm:constrLst>
-                                        <dgm:constr type="tMarg" refType="primFontSz" fact="0.3"/>
-                                        <dgm:constr type="bMarg" refType="primFontSz" fact="0.3"/>
-                                        <dgm:constr type="lMarg" refType="primFontSz" fact="0.3"/>
-                                        <dgm:constr type="rMarg" refType="primFontSz" fact="0.3"/>
-                                      </dgm:constrLst>
-                                      <dgm:ruleLst>
-                                        <dgm:rule type="primFontSz" val="5" fact="NaN" max="NaN"/>
-                                      </dgm:ruleLst>
-                                    </dgm:layoutNode>
-                                  </dgm:layoutNode>
-                                  <dgm:layoutNode name="hierChild5">
-                                    <dgm:choose name="Name28">
-                                      <dgm:if name="Name29" func="var" arg="dir" op="equ" val="norm">
-                                        <dgm:alg type="hierChild">
-                                          <dgm:param type="linDir" val="fromL"/>
-                                        </dgm:alg>
-                                      </dgm:if>
-                                      <dgm:else name="Name30">
-                                        <dgm:alg type="hierChild">
-                                          <dgm:param type="linDir" val="fromR"/>
-                                        </dgm:alg>
-                                      </dgm:else>
-                                    </dgm:choose>
-                                    <dgm:shape xmlns:r="http://schemas.openxmlformats.org/officeDocument/2006/relationships" r:blip="">
-                                      <dgm:adjLst/>
-                                    </dgm:shape>
-                                    <dgm:presOf/>
-                                    <dgm:constrLst/>
-                                    <dgm:ruleLst/>
-                                    <dgm:forEach name="Name31" ref="repeat"/>
-                                  </dgm:layoutNode>
-                                </dgm:layoutNode>
-                              </dgm:forEach>
-                            </dgm:forEach>
-                          </dgm:layoutNode>
-                        </dgm:layoutNode>
-                      </dgm:forEach>
-                    </dgm:forEach>
-                  </dgm:layoutNode>
-                </dgm:layoutNode>
-              </dgm:forEach>
-            </dgm:forEach>
-          </dgm:layoutNode>
-        </dgm:layoutNode>
-      </dgm:forEach>
-    </dgm:forEach>
-  </dgm:layoutNode>
-</dgm:layoutDef>
-</file>
-
-<file path=ppt/diagrams/quickStyle1.xml><?xml version="1.0" encoding="utf-8"?>
-<dgm:styleDef xmlns:dgm="http://schemas.openxmlformats.org/drawingml/2006/diagram" xmlns:a="http://schemas.openxmlformats.org/drawingml/2006/main" uniqueId="urn:microsoft.com/office/officeart/2005/8/quickstyle/simple1">
-  <dgm:title val=""/>
-  <dgm:desc val=""/>
-  <dgm:catLst>
-    <dgm:cat type="simple" pri="10100"/>
-  </dgm:catLst>
-  <dgm:scene3d>
-    <a:camera prst="orthographicFront"/>
-    <a:lightRig rig="threePt" dir="t"/>
-  </dgm:scene3d>
-  <dgm:styleLbl name="node0">
-    <dgm:scene3d>
-      <a:camera prst="orthographicFront"/>
-      <a:lightRig rig="threePt" dir="t"/>
-    </dgm:scene3d>
-    <dgm:sp3d/>
-    <dgm:txPr/>
-    <dgm:style>
-      <a:lnRef idx="2">
-        <a:scrgbClr r="0" g="0" b="0"/>
-      </a:lnRef>
-      <a:fillRef idx="1">
-        <a:scrgbClr r="0" g="0" b="0"/>
-      </a:fillRef>
-      <a:effectRef idx="0">
-        <a:scrgbClr r="0" g="0" b="0"/>
-      </a:effectRef>
-      <a:fontRef idx="minor">
-        <a:schemeClr val="lt1"/>
-      </a:fontRef>
-    </dgm:style>
-  </dgm:styleLbl>
-  <dgm:styleLbl name="lnNode1">
-    <dgm:scene3d>
-      <a:camera prst="orthographicFront"/>
-      <a:lightRig rig="threePt" dir="t"/>
-    </dgm:scene3d>
-    <dgm:sp3d/>
-    <dgm:txPr/>
-    <dgm:style>
-      <a:lnRef idx="2">
-        <a:scrgbClr r="0" g="0" b="0"/>
-      </a:lnRef>
-      <a:fillRef idx="1">
-        <a:scrgbClr r="0" g="0" b="0"/>
-      </a:fillRef>
-      <a:effectRef idx="0">
-        <a:scrgbClr r="0" g="0" b="0"/>
-      </a:effectRef>
-      <a:fontRef idx="minor">
-        <a:schemeClr val="lt1"/>
-      </a:fontRef>
-    </dgm:style>
-  </dgm:styleLbl>
-  <dgm:styleLbl name="vennNode1">
-    <dgm:scene3d>
-      <a:camera prst="orthographicFront"/>
-      <a:lightRig rig="threePt" dir="t"/>
-    </dgm:scene3d>
-    <dgm:sp3d/>
-    <dgm:txPr/>
-    <dgm:style>
-      <a:lnRef idx="2">
-        <a:scrgbClr r="0" g="0" b="0"/>
-      </a:lnRef>
-      <a:fillRef idx="1">
-        <a:scrgbClr r="0" g="0" b="0"/>
-      </a:fillRef>
-      <a:effectRef idx="0">
-        <a:scrgbClr r="0" g="0" b="0"/>
-      </a:effectRef>
-      <a:fontRef idx="minor">
-        <a:schemeClr val="tx1"/>
-      </a:fontRef>
-    </dgm:style>
-  </dgm:styleLbl>
-  <dgm:styleLbl name="alignNode1">
-    <dgm:scene3d>
-      <a:camera prst="orthographicFront"/>
-      <a:lightRig rig="threePt" dir="t"/>
-    </dgm:scene3d>
-    <dgm:sp3d/>
-    <dgm:txPr/>
-    <dgm:style>
-      <a:lnRef idx="2">
-        <a:scrgbClr r="0" g="0" b="0"/>
-      </a:lnRef>
-      <a:fillRef idx="1">
-        <a:scrgbClr r="0" g="0" b="0"/>
-      </a:fillRef>
-      <a:effectRef idx="0">
-        <a:scrgbClr r="0" g="0" b="0"/>
-      </a:effectRef>
-      <a:fontRef idx="minor">
-        <a:schemeClr val="lt1"/>
-      </a:fontRef>
-    </dgm:style>
-  </dgm:styleLbl>
-  <dgm:styleLbl name="node1">
-    <dgm:scene3d>
-      <a:camera prst="orthographicFront"/>
-      <a:lightRig rig="threePt" dir="t"/>
-    </dgm:scene3d>
-    <dgm:sp3d/>
-    <dgm:txPr/>
-    <dgm:style>
-      <a:lnRef idx="2">
-        <a:scrgbClr r="0" g="0" b="0"/>
-      </a:lnRef>
-      <a:fillRef idx="1">
-        <a:scrgbClr r="0" g="0" b="0"/>
-      </a:fillRef>
-      <a:effectRef idx="0">
-        <a:scrgbClr r="0" g="0" b="0"/>
-      </a:effectRef>
-      <a:fontRef idx="minor">
-        <a:schemeClr val="lt1"/>
-      </a:fontRef>
-    </dgm:style>
-  </dgm:styleLbl>
-  <dgm:styleLbl name="node2">
-    <dgm:scene3d>
-      <a:camera prst="orthographicFront"/>
-      <a:lightRig rig="threePt" dir="t"/>
-    </dgm:scene3d>
-    <dgm:sp3d/>
-    <dgm:txPr/>
-    <dgm:style>
-      <a:lnRef idx="2">
-        <a:scrgbClr r="0" g="0" b="0"/>
-      </a:lnRef>
-      <a:fillRef idx="1">
-        <a:scrgbClr r="0" g="0" b="0"/>
-      </a:fillRef>
-      <a:effectRef idx="0">
-        <a:scrgbClr r="0" g="0" b="0"/>
-      </a:effectRef>
-      <a:fontRef idx="minor">
-        <a:schemeClr val="lt1"/>
-      </a:fontRef>
-    </dgm:style>
-  </dgm:styleLbl>
-  <dgm:styleLbl name="node3">
-    <dgm:scene3d>
-      <a:camera prst="orthographicFront"/>
-      <a:lightRig rig="threePt" dir="t"/>
-    </dgm:scene3d>
-    <dgm:sp3d/>
-    <dgm:txPr/>
-    <dgm:style>
-      <a:lnRef idx="2">
-        <a:scrgbClr r="0" g="0" b="0"/>
-      </a:lnRef>
-      <a:fillRef idx="1">
-        <a:scrgbClr r="0" g="0" b="0"/>
-      </a:fillRef>
-      <a:effectRef idx="0">
-        <a:scrgbClr r="0" g="0" b="0"/>
-      </a:effectRef>
-      <a:fontRef idx="minor">
-        <a:schemeClr val="lt1"/>
-      </a:fontRef>
-    </dgm:style>
-  </dgm:styleLbl>
-  <dgm:styleLbl name="node4">
-    <dgm:scene3d>
-      <a:camera prst="orthographicFront"/>
-      <a:lightRig rig="threePt" dir="t"/>
-    </dgm:scene3d>
-    <dgm:sp3d/>
-    <dgm:txPr/>
-    <dgm:style>
-      <a:lnRef idx="2">
-        <a:scrgbClr r="0" g="0" b="0"/>
-      </a:lnRef>
-      <a:fillRef idx="1">
-        <a:scrgbClr r="0" g="0" b="0"/>
-      </a:fillRef>
-      <a:effectRef idx="0">
-        <a:scrgbClr r="0" g="0" b="0"/>
-      </a:effectRef>
-      <a:fontRef idx="minor">
-        <a:schemeClr val="lt1"/>
-      </a:fontRef>
-    </dgm:style>
-  </dgm:styleLbl>
-  <dgm:styleLbl name="fgImgPlace1">
-    <dgm:scene3d>
-      <a:camera prst="orthographicFront"/>
-      <a:lightRig rig="threePt" dir="t"/>
-    </dgm:scene3d>
-    <dgm:sp3d/>
-    <dgm:txPr/>
-    <dgm:style>
-      <a:lnRef idx="2">
-        <a:scrgbClr r="0" g="0" b="0"/>
-      </a:lnRef>
-      <a:fillRef idx="1">
-        <a:scrgbClr r="0" g="0" b="0"/>
-      </a:fillRef>
-      <a:effectRef idx="0">
-        <a:scrgbClr r="0" g="0" b="0"/>
-      </a:effectRef>
-      <a:fontRef idx="minor"/>
-    </dgm:style>
-  </dgm:styleLbl>
-  <dgm:styleLbl name="alignImgPlace1">
-    <dgm:scene3d>
-      <a:camera prst="orthographicFront"/>
-      <a:lightRig rig="threePt" dir="t"/>
-    </dgm:scene3d>
-    <dgm:sp3d/>
-    <dgm:txPr/>
-    <dgm:style>
-      <a:lnRef idx="2">
-        <a:scrgbClr r="0" g="0" b="0"/>
-      </a:lnRef>
-      <a:fillRef idx="1">
-        <a:scrgbClr r="0" g="0" b="0"/>
-      </a:fillRef>
-      <a:effectRef idx="0">
-        <a:scrgbClr r="0" g="0" b="0"/>
-      </a:effectRef>
-      <a:fontRef idx="minor"/>
-    </dgm:style>
-  </dgm:styleLbl>
-  <dgm:styleLbl name="bgImgPlace1">
-    <dgm:scene3d>
-      <a:camera prst="orthographicFront"/>
-      <a:lightRig rig="threePt" dir="t"/>
-    </dgm:scene3d>
-    <dgm:sp3d/>
-    <dgm:txPr/>
-    <dgm:style>
-      <a:lnRef idx="2">
-        <a:scrgbClr r="0" g="0" b="0"/>
-      </a:lnRef>
-      <a:fillRef idx="1">
-        <a:scrgbClr r="0" g="0" b="0"/>
-      </a:fillRef>
-      <a:effectRef idx="0">
-        <a:scrgbClr r="0" g="0" b="0"/>
-      </a:effectRef>
-      <a:fontRef idx="minor"/>
-    </dgm:style>
-  </dgm:styleLbl>
-  <dgm:styleLbl name="sibTrans2D1">
-    <dgm:scene3d>
-      <a:camera prst="orthographicFront"/>
-      <a:lightRig rig="threePt" dir="t"/>
-    </dgm:scene3d>
-    <dgm:sp3d/>
-    <dgm:txPr/>
-    <dgm:style>
-      <a:lnRef idx="0">
-        <a:scrgbClr r="0" g="0" b="0"/>
-      </a:lnRef>
-      <a:fillRef idx="1">
-        <a:scrgbClr r="0" g="0" b="0"/>
-      </a:fillRef>
-      <a:effectRef idx="0">
-        <a:scrgbClr r="0" g="0" b="0"/>
-      </a:effectRef>
-      <a:fontRef idx="minor">
-        <a:schemeClr val="lt1"/>
-      </a:fontRef>
-    </dgm:style>
-  </dgm:styleLbl>
-  <dgm:styleLbl name="fgSibTrans2D1">
-    <dgm:scene3d>
-      <a:camera prst="orthographicFront"/>
-      <a:lightRig rig="threePt" dir="t"/>
-    </dgm:scene3d>
-    <dgm:sp3d/>
-    <dgm:txPr/>
-    <dgm:style>
-      <a:lnRef idx="0">
-        <a:scrgbClr r="0" g="0" b="0"/>
-      </a:lnRef>
-      <a:fillRef idx="1">
-        <a:scrgbClr r="0" g="0" b="0"/>
-      </a:fillRef>
-      <a:effectRef idx="0">
-        <a:scrgbClr r="0" g="0" b="0"/>
-      </a:effectRef>
-      <a:fontRef idx="minor">
-        <a:schemeClr val="lt1"/>
-      </a:fontRef>
-    </dgm:style>
-  </dgm:styleLbl>
-  <dgm:styleLbl name="bgSibTrans2D1">
-    <dgm:scene3d>
-      <a:camera prst="orthographicFront"/>
-      <a:lightRig rig="threePt" dir="t"/>
-    </dgm:scene3d>
-    <dgm:sp3d/>
-    <dgm:txPr/>
-    <dgm:style>
-      <a:lnRef idx="0">
-        <a:scrgbClr r="0" g="0" b="0"/>
-      </a:lnRef>
-      <a:fillRef idx="1">
-        <a:scrgbClr r="0" g="0" b="0"/>
-      </a:fillRef>
-      <a:effectRef idx="0">
-        <a:scrgbClr r="0" g="0" b="0"/>
-      </a:effectRef>
-      <a:fontRef idx="minor">
-        <a:schemeClr val="lt1"/>
-      </a:fontRef>
-    </dgm:style>
-  </dgm:styleLbl>
-  <dgm:styleLbl name="sibTrans1D1">
-    <dgm:scene3d>
-      <a:camera prst="orthographicFront"/>
-      <a:lightRig rig="threePt" dir="t"/>
-    </dgm:scene3d>
-    <dgm:sp3d/>
-    <dgm:txPr/>
-    <dgm:style>
-      <a:lnRef idx="1">
-        <a:scrgbClr r="0" g="0" b="0"/>
-      </a:lnRef>
-      <a:fillRef idx="0">
-        <a:scrgbClr r="0" g="0" b="0"/>
-      </a:fillRef>
-      <a:effectRef idx="0">
-        <a:scrgbClr r="0" g="0" b="0"/>
-      </a:effectRef>
-      <a:fontRef idx="minor"/>
-    </dgm:style>
-  </dgm:styleLbl>
-  <dgm:styleLbl name="callout">
-    <dgm:scene3d>
-      <a:camera prst="orthographicFront"/>
-      <a:lightRig rig="threePt" dir="t"/>
-    </dgm:scene3d>
-    <dgm:sp3d/>
-    <dgm:txPr/>
-    <dgm:style>
-      <a:lnRef idx="2">
-        <a:scrgbClr r="0" g="0" b="0"/>
-      </a:lnRef>
-      <a:fillRef idx="1">
-        <a:scrgbClr r="0" g="0" b="0"/>
-      </a:fillRef>
-      <a:effectRef idx="0">
-        <a:scrgbClr r="0" g="0" b="0"/>
-      </a:effectRef>
-      <a:fontRef idx="minor"/>
-    </dgm:style>
-  </dgm:styleLbl>
-  <dgm:styleLbl name="asst0">
-    <dgm:scene3d>
-      <a:camera prst="orthographicFront"/>
-      <a:lightRig rig="threePt" dir="t"/>
-    </dgm:scene3d>
-    <dgm:sp3d/>
-    <dgm:txPr/>
-    <dgm:style>
-      <a:lnRef idx="2">
-        <a:scrgbClr r="0" g="0" b="0"/>
-      </a:lnRef>
-      <a:fillRef idx="1">
-        <a:scrgbClr r="0" g="0" b="0"/>
-      </a:fillRef>
-      <a:effectRef idx="0">
-        <a:scrgbClr r="0" g="0" b="0"/>
-      </a:effectRef>
-      <a:fontRef idx="minor">
-        <a:schemeClr val="lt1"/>
-      </a:fontRef>
-    </dgm:style>
-  </dgm:styleLbl>
-  <dgm:styleLbl name="asst1">
-    <dgm:scene3d>
-      <a:camera prst="orthographicFront"/>
-      <a:lightRig rig="threePt" dir="t"/>
-    </dgm:scene3d>
-    <dgm:sp3d/>
-    <dgm:txPr/>
-    <dgm:style>
-      <a:lnRef idx="2">
-        <a:scrgbClr r="0" g="0" b="0"/>
-      </a:lnRef>
-      <a:fillRef idx="1">
-        <a:scrgbClr r="0" g="0" b="0"/>
-      </a:fillRef>
-      <a:effectRef idx="0">
-        <a:scrgbClr r="0" g="0" b="0"/>
-      </a:effectRef>
-      <a:fontRef idx="minor">
-        <a:schemeClr val="lt1"/>
-      </a:fontRef>
-    </dgm:style>
-  </dgm:styleLbl>
-  <dgm:styleLbl name="asst2">
-    <dgm:scene3d>
-      <a:camera prst="orthographicFront"/>
-      <a:lightRig rig="threePt" dir="t"/>
-    </dgm:scene3d>
-    <dgm:sp3d/>
-    <dgm:txPr/>
-    <dgm:style>
-      <a:lnRef idx="2">
-        <a:scrgbClr r="0" g="0" b="0"/>
-      </a:lnRef>
-      <a:fillRef idx="1">
-        <a:scrgbClr r="0" g="0" b="0"/>
-      </a:fillRef>
-      <a:effectRef idx="0">
-        <a:scrgbClr r="0" g="0" b="0"/>
-      </a:effectRef>
-      <a:fontRef idx="minor">
-        <a:schemeClr val="lt1"/>
-      </a:fontRef>
-    </dgm:style>
-  </dgm:styleLbl>
-  <dgm:styleLbl name="asst3">
-    <dgm:scene3d>
-      <a:camera prst="orthographicFront"/>
-      <a:lightRig rig="threePt" dir="t"/>
-    </dgm:scene3d>
-    <dgm:sp3d/>
-    <dgm:txPr/>
-    <dgm:style>
-      <a:lnRef idx="2">
-        <a:scrgbClr r="0" g="0" b="0"/>
-      </a:lnRef>
-      <a:fillRef idx="1">
-        <a:scrgbClr r="0" g="0" b="0"/>
-      </a:fillRef>
-      <a:effectRef idx="0">
-        <a:scrgbClr r="0" g="0" b="0"/>
-      </a:effectRef>
-      <a:fontRef idx="minor">
-        <a:schemeClr val="lt1"/>
-      </a:fontRef>
-    </dgm:style>
-  </dgm:styleLbl>
-  <dgm:styleLbl name="asst4">
-    <dgm:scene3d>
-      <a:camera prst="orthographicFront"/>
-      <a:lightRig rig="threePt" dir="t"/>
-    </dgm:scene3d>
-    <dgm:sp3d/>
-    <dgm:txPr/>
-    <dgm:style>
-      <a:lnRef idx="2">
-        <a:scrgbClr r="0" g="0" b="0"/>
-      </a:lnRef>
-      <a:fillRef idx="1">
-        <a:scrgbClr r="0" g="0" b="0"/>
-      </a:fillRef>
-      <a:effectRef idx="0">
-        <a:scrgbClr r="0" g="0" b="0"/>
-      </a:effectRef>
-      <a:fontRef idx="minor">
-        <a:schemeClr val="lt1"/>
-      </a:fontRef>
-    </dgm:style>
-  </dgm:styleLbl>
-  <dgm:styleLbl name="parChTrans2D1">
-    <dgm:scene3d>
-      <a:camera prst="orthographicFront"/>
-      <a:lightRig rig="threePt" dir="t"/>
-    </dgm:scene3d>
-    <dgm:sp3d/>
-    <dgm:txPr/>
-    <dgm:style>
-      <a:lnRef idx="2">
-        <a:scrgbClr r="0" g="0" b="0"/>
-      </a:lnRef>
-      <a:fillRef idx="1">
-        <a:scrgbClr r="0" g="0" b="0"/>
-      </a:fillRef>
-      <a:effectRef idx="0">
-        <a:scrgbClr r="0" g="0" b="0"/>
-      </a:effectRef>
-      <a:fontRef idx="minor">
-        <a:schemeClr val="lt1"/>
-      </a:fontRef>
-    </dgm:style>
-  </dgm:styleLbl>
-  <dgm:styleLbl name="parChTrans2D2">
-    <dgm:scene3d>
-      <a:camera prst="orthographicFront"/>
-      <a:lightRig rig="threePt" dir="t"/>
-    </dgm:scene3d>
-    <dgm:sp3d/>
-    <dgm:txPr/>
-    <dgm:style>
-      <a:lnRef idx="2">
-        <a:scrgbClr r="0" g="0" b="0"/>
-      </a:lnRef>
-      <a:fillRef idx="1">
-        <a:scrgbClr r="0" g="0" b="0"/>
-      </a:fillRef>
-      <a:effectRef idx="0">
-        <a:scrgbClr r="0" g="0" b="0"/>
-      </a:effectRef>
-      <a:fontRef idx="minor">
-        <a:schemeClr val="lt1"/>
-      </a:fontRef>
-    </dgm:style>
-  </dgm:styleLbl>
-  <dgm:styleLbl name="parChTrans2D3">
-    <dgm:scene3d>
-      <a:camera prst="orthographicFront"/>
-      <a:lightRig rig="threePt" dir="t"/>
-    </dgm:scene3d>
-    <dgm:sp3d/>
-    <dgm:txPr/>
-    <dgm:style>
-      <a:lnRef idx="2">
-        <a:scrgbClr r="0" g="0" b="0"/>
-      </a:lnRef>
-      <a:fillRef idx="1">
-        <a:scrgbClr r="0" g="0" b="0"/>
-      </a:fillRef>
-      <a:effectRef idx="0">
-        <a:scrgbClr r="0" g="0" b="0"/>
-      </a:effectRef>
-      <a:fontRef idx="minor">
-        <a:schemeClr val="lt1"/>
-      </a:fontRef>
-    </dgm:style>
-  </dgm:styleLbl>
-  <dgm:styleLbl name="parChTrans2D4">
-    <dgm:scene3d>
-      <a:camera prst="orthographicFront"/>
-      <a:lightRig rig="threePt" dir="t"/>
-    </dgm:scene3d>
-    <dgm:sp3d/>
-    <dgm:txPr/>
-    <dgm:style>
-      <a:lnRef idx="2">
-        <a:scrgbClr r="0" g="0" b="0"/>
-      </a:lnRef>
-      <a:fillRef idx="1">
-        <a:scrgbClr r="0" g="0" b="0"/>
-      </a:fillRef>
-      <a:effectRef idx="0">
-        <a:scrgbClr r="0" g="0" b="0"/>
-      </a:effectRef>
-      <a:fontRef idx="minor">
-        <a:schemeClr val="lt1"/>
-      </a:fontRef>
-    </dgm:style>
-  </dgm:styleLbl>
-  <dgm:styleLbl name="parChTrans1D1">
-    <dgm:scene3d>
-      <a:camera prst="orthographicFront"/>
-      <a:lightRig rig="threePt" dir="t"/>
-    </dgm:scene3d>
-    <dgm:sp3d/>
-    <dgm:txPr/>
-    <dgm:style>
-      <a:lnRef idx="2">
-        <a:scrgbClr r="0" g="0" b="0"/>
-      </a:lnRef>
-      <a:fillRef idx="0">
-        <a:scrgbClr r="0" g="0" b="0"/>
-      </a:fillRef>
-      <a:effectRef idx="0">
-        <a:scrgbClr r="0" g="0" b="0"/>
-      </a:effectRef>
-      <a:fontRef idx="minor"/>
-    </dgm:style>
-  </dgm:styleLbl>
-  <dgm:styleLbl name="parChTrans1D2">
-    <dgm:scene3d>
-      <a:camera prst="orthographicFront"/>
-      <a:lightRig rig="threePt" dir="t"/>
-    </dgm:scene3d>
-    <dgm:sp3d/>
-    <dgm:txPr/>
-    <dgm:style>
-      <a:lnRef idx="2">
-        <a:scrgbClr r="0" g="0" b="0"/>
-      </a:lnRef>
-      <a:fillRef idx="0">
-        <a:scrgbClr r="0" g="0" b="0"/>
-      </a:fillRef>
-      <a:effectRef idx="0">
-        <a:scrgbClr r="0" g="0" b="0"/>
-      </a:effectRef>
-      <a:fontRef idx="minor"/>
-    </dgm:style>
-  </dgm:styleLbl>
-  <dgm:styleLbl name="parChTrans1D3">
-    <dgm:scene3d>
-      <a:camera prst="orthographicFront"/>
-      <a:lightRig rig="threePt" dir="t"/>
-    </dgm:scene3d>
-    <dgm:sp3d/>
-    <dgm:txPr/>
-    <dgm:style>
-      <a:lnRef idx="2">
-        <a:scrgbClr r="0" g="0" b="0"/>
-      </a:lnRef>
-      <a:fillRef idx="0">
-        <a:scrgbClr r="0" g="0" b="0"/>
-      </a:fillRef>
-      <a:effectRef idx="0">
-        <a:scrgbClr r="0" g="0" b="0"/>
-      </a:effectRef>
-      <a:fontRef idx="minor"/>
-    </dgm:style>
-  </dgm:styleLbl>
-  <dgm:styleLbl name="parChTrans1D4">
-    <dgm:scene3d>
-      <a:camera prst="orthographicFront"/>
-      <a:lightRig rig="threePt" dir="t"/>
-    </dgm:scene3d>
-    <dgm:sp3d/>
-    <dgm:txPr/>
-    <dgm:style>
-      <a:lnRef idx="2">
-        <a:scrgbClr r="0" g="0" b="0"/>
-      </a:lnRef>
-      <a:fillRef idx="0">
-        <a:scrgbClr r="0" g="0" b="0"/>
-      </a:fillRef>
-      <a:effectRef idx="0">
-        <a:scrgbClr r="0" g="0" b="0"/>
-      </a:effectRef>
-      <a:fontRef idx="minor"/>
-    </dgm:style>
-  </dgm:styleLbl>
-  <dgm:styleLbl name="fgAcc1">
-    <dgm:scene3d>
-      <a:camera prst="orthographicFront"/>
-      <a:lightRig rig="threePt" dir="t"/>
-    </dgm:scene3d>
-    <dgm:sp3d/>
-    <dgm:txPr/>
-    <dgm:style>
-      <a:lnRef idx="2">
-        <a:scrgbClr r="0" g="0" b="0"/>
-      </a:lnRef>
-      <a:fillRef idx="1">
-        <a:scrgbClr r="0" g="0" b="0"/>
-      </a:fillRef>
-      <a:effectRef idx="0">
-        <a:scrgbClr r="0" g="0" b="0"/>
-      </a:effectRef>
-      <a:fontRef idx="minor"/>
-    </dgm:style>
-  </dgm:styleLbl>
-  <dgm:styleLbl name="conFgAcc1">
-    <dgm:scene3d>
-      <a:camera prst="orthographicFront"/>
-      <a:lightRig rig="threePt" dir="t"/>
-    </dgm:scene3d>
-    <dgm:sp3d/>
-    <dgm:txPr/>
-    <dgm:style>
-      <a:lnRef idx="2">
-        <a:scrgbClr r="0" g="0" b="0"/>
-      </a:lnRef>
-      <a:fillRef idx="1">
-        <a:scrgbClr r="0" g="0" b="0"/>
-      </a:fillRef>
-      <a:effectRef idx="0">
-        <a:scrgbClr r="0" g="0" b="0"/>
-      </a:effectRef>
-      <a:fontRef idx="minor"/>
-    </dgm:style>
-  </dgm:styleLbl>
-  <dgm:styleLbl name="alignAcc1">
-    <dgm:scene3d>
-      <a:camera prst="orthographicFront"/>
-      <a:lightRig rig="threePt" dir="t"/>
-    </dgm:scene3d>
-    <dgm:sp3d/>
-    <dgm:txPr/>
-    <dgm:style>
-      <a:lnRef idx="2">
-        <a:scrgbClr r="0" g="0" b="0"/>
-      </a:lnRef>
-      <a:fillRef idx="1">
-        <a:scrgbClr r="0" g="0" b="0"/>
-      </a:fillRef>
-      <a:effectRef idx="0">
-        <a:scrgbClr r="0" g="0" b="0"/>
-      </a:effectRef>
-      <a:fontRef idx="minor"/>
-    </dgm:style>
-  </dgm:styleLbl>
-  <dgm:styleLbl name="trAlignAcc1">
-    <dgm:scene3d>
-      <a:camera prst="orthographicFront"/>
-      <a:lightRig rig="threePt" dir="t"/>
-    </dgm:scene3d>
-    <dgm:sp3d/>
-    <dgm:txPr/>
-    <dgm:style>
-      <a:lnRef idx="1">
-        <a:scrgbClr r="0" g="0" b="0"/>
-      </a:lnRef>
-      <a:fillRef idx="1">
-        <a:scrgbClr r="0" g="0" b="0"/>
-      </a:fillRef>
-      <a:effectRef idx="0">
-        <a:scrgbClr r="0" g="0" b="0"/>
-      </a:effectRef>
-      <a:fontRef idx="minor"/>
-    </dgm:style>
-  </dgm:styleLbl>
-  <dgm:styleLbl name="bgAcc1">
-    <dgm:scene3d>
-      <a:camera prst="orthographicFront"/>
-      <a:lightRig rig="threePt" dir="t"/>
-    </dgm:scene3d>
-    <dgm:sp3d/>
-    <dgm:txPr/>
-    <dgm:style>
-      <a:lnRef idx="2">
-        <a:scrgbClr r="0" g="0" b="0"/>
-      </a:lnRef>
-      <a:fillRef idx="1">
-        <a:scrgbClr r="0" g="0" b="0"/>
-      </a:fillRef>
-      <a:effectRef idx="0">
-        <a:scrgbClr r="0" g="0" b="0"/>
-      </a:effectRef>
-      <a:fontRef idx="minor"/>
-    </dgm:style>
-  </dgm:styleLbl>
-  <dgm:styleLbl name="solidFgAcc1">
-    <dgm:scene3d>
-      <a:camera prst="orthographicFront"/>
-      <a:lightRig rig="threePt" dir="t"/>
-    </dgm:scene3d>
-    <dgm:sp3d/>
-    <dgm:txPr/>
-    <dgm:style>
-      <a:lnRef idx="2">
-        <a:scrgbClr r="0" g="0" b="0"/>
-      </a:lnRef>
-      <a:fillRef idx="1">
-        <a:scrgbClr r="0" g="0" b="0"/>
-      </a:fillRef>
-      <a:effectRef idx="0">
-        <a:scrgbClr r="0" g="0" b="0"/>
-      </a:effectRef>
-      <a:fontRef idx="minor"/>
-    </dgm:style>
-  </dgm:styleLbl>
-  <dgm:styleLbl name="solidAlignAcc1">
-    <dgm:scene3d>
-      <a:camera prst="orthographicFront"/>
-      <a:lightRig rig="threePt" dir="t"/>
-    </dgm:scene3d>
-    <dgm:sp3d/>
-    <dgm:txPr/>
-    <dgm:style>
-      <a:lnRef idx="2">
-        <a:scrgbClr r="0" g="0" b="0"/>
-      </a:lnRef>
-      <a:fillRef idx="1">
-        <a:scrgbClr r="0" g="0" b="0"/>
-      </a:fillRef>
-      <a:effectRef idx="0">
-        <a:scrgbClr r="0" g="0" b="0"/>
-      </a:effectRef>
-      <a:fontRef idx="minor"/>
-    </dgm:style>
-  </dgm:styleLbl>
-  <dgm:styleLbl name="solidBgAcc1">
-    <dgm:scene3d>
-      <a:camera prst="orthographicFront"/>
-      <a:lightRig rig="threePt" dir="t"/>
-    </dgm:scene3d>
-    <dgm:sp3d/>
-    <dgm:txPr/>
-    <dgm:style>
-      <a:lnRef idx="2">
-        <a:scrgbClr r="0" g="0" b="0"/>
-      </a:lnRef>
-      <a:fillRef idx="1">
-        <a:scrgbClr r="0" g="0" b="0"/>
-      </a:fillRef>
-      <a:effectRef idx="0">
-        <a:scrgbClr r="0" g="0" b="0"/>
-      </a:effectRef>
-      <a:fontRef idx="minor"/>
-    </dgm:style>
-  </dgm:styleLbl>
-  <dgm:styleLbl name="fgAccFollowNode1">
-    <dgm:scene3d>
-      <a:camera prst="orthographicFront"/>
-      <a:lightRig rig="threePt" dir="t"/>
-    </dgm:scene3d>
-    <dgm:sp3d/>
-    <dgm:txPr/>
-    <dgm:style>
-      <a:lnRef idx="2">
-        <a:scrgbClr r="0" g="0" b="0"/>
-      </a:lnRef>
-      <a:fillRef idx="1">
-        <a:scrgbClr r="0" g="0" b="0"/>
-      </a:fillRef>
-      <a:effectRef idx="0">
-        <a:scrgbClr r="0" g="0" b="0"/>
-      </a:effectRef>
-      <a:fontRef idx="minor"/>
-    </dgm:style>
-  </dgm:styleLbl>
-  <dgm:styleLbl name="alignAccFollowNode1">
-    <dgm:scene3d>
-      <a:camera prst="orthographicFront"/>
-      <a:lightRig rig="threePt" dir="t"/>
-    </dgm:scene3d>
-    <dgm:sp3d/>
-    <dgm:txPr/>
-    <dgm:style>
-      <a:lnRef idx="2">
-        <a:scrgbClr r="0" g="0" b="0"/>
-      </a:lnRef>
-      <a:fillRef idx="1">
-        <a:scrgbClr r="0" g="0" b="0"/>
-      </a:fillRef>
-      <a:effectRef idx="0">
-        <a:scrgbClr r="0" g="0" b="0"/>
-      </a:effectRef>
-      <a:fontRef idx="minor"/>
-    </dgm:style>
-  </dgm:styleLbl>
-  <dgm:styleLbl name="bgAccFollowNode1">
-    <dgm:scene3d>
-      <a:camera prst="orthographicFront"/>
-      <a:lightRig rig="threePt" dir="t"/>
-    </dgm:scene3d>
-    <dgm:sp3d/>
-    <dgm:txPr/>
-    <dgm:style>
-      <a:lnRef idx="2">
-        <a:scrgbClr r="0" g="0" b="0"/>
-      </a:lnRef>
-      <a:fillRef idx="1">
-        <a:scrgbClr r="0" g="0" b="0"/>
-      </a:fillRef>
-      <a:effectRef idx="0">
-        <a:scrgbClr r="0" g="0" b="0"/>
-      </a:effectRef>
-      <a:fontRef idx="minor"/>
-    </dgm:style>
-  </dgm:styleLbl>
-  <dgm:styleLbl name="fgAcc0">
-    <dgm:scene3d>
-      <a:camera prst="orthographicFront"/>
-      <a:lightRig rig="threePt" dir="t"/>
-    </dgm:scene3d>
-    <dgm:sp3d/>
-    <dgm:txPr/>
-    <dgm:style>
-      <a:lnRef idx="2">
-        <a:scrgbClr r="0" g="0" b="0"/>
-      </a:lnRef>
-      <a:fillRef idx="1">
-        <a:scrgbClr r="0" g="0" b="0"/>
-      </a:fillRef>
-      <a:effectRef idx="0">
-        <a:scrgbClr r="0" g="0" b="0"/>
-      </a:effectRef>
-      <a:fontRef idx="minor"/>
-    </dgm:style>
-  </dgm:styleLbl>
-  <dgm:styleLbl name="fgAcc2">
-    <dgm:scene3d>
-      <a:camera prst="orthographicFront"/>
-      <a:lightRig rig="threePt" dir="t"/>
-    </dgm:scene3d>
-    <dgm:sp3d/>
-    <dgm:txPr/>
-    <dgm:style>
-      <a:lnRef idx="2">
-        <a:scrgbClr r="0" g="0" b="0"/>
-      </a:lnRef>
-      <a:fillRef idx="1">
-        <a:scrgbClr r="0" g="0" b="0"/>
-      </a:fillRef>
-      <a:effectRef idx="0">
-        <a:scrgbClr r="0" g="0" b="0"/>
-      </a:effectRef>
-      <a:fontRef idx="minor"/>
-    </dgm:style>
-  </dgm:styleLbl>
-  <dgm:styleLbl name="fgAcc3">
-    <dgm:scene3d>
-      <a:camera prst="orthographicFront"/>
-      <a:lightRig rig="threePt" dir="t"/>
-    </dgm:scene3d>
-    <dgm:sp3d/>
-    <dgm:txPr/>
-    <dgm:style>
-      <a:lnRef idx="2">
-        <a:scrgbClr r="0" g="0" b="0"/>
-      </a:lnRef>
-      <a:fillRef idx="1">
-        <a:scrgbClr r="0" g="0" b="0"/>
-      </a:fillRef>
-      <a:effectRef idx="0">
-        <a:scrgbClr r="0" g="0" b="0"/>
-      </a:effectRef>
-      <a:fontRef idx="minor"/>
-    </dgm:style>
-  </dgm:styleLbl>
-  <dgm:styleLbl name="fgAcc4">
-    <dgm:scene3d>
-      <a:camera prst="orthographicFront"/>
-      <a:lightRig rig="threePt" dir="t"/>
-    </dgm:scene3d>
-    <dgm:sp3d/>
-    <dgm:txPr/>
-    <dgm:style>
-      <a:lnRef idx="2">
-        <a:scrgbClr r="0" g="0" b="0"/>
-      </a:lnRef>
-      <a:fillRef idx="1">
-        <a:scrgbClr r="0" g="0" b="0"/>
-      </a:fillRef>
-      <a:effectRef idx="0">
-        <a:scrgbClr r="0" g="0" b="0"/>
-      </a:effectRef>
-      <a:fontRef idx="minor"/>
-    </dgm:style>
-  </dgm:styleLbl>
-  <dgm:styleLbl name="bgShp">
-    <dgm:scene3d>
-      <a:camera prst="orthographicFront"/>
-      <a:lightRig rig="threePt" dir="t"/>
-    </dgm:scene3d>
-    <dgm:sp3d/>
-    <dgm:txPr/>
-    <dgm:style>
-      <a:lnRef idx="0">
-        <a:scrgbClr r="0" g="0" b="0"/>
-      </a:lnRef>
-      <a:fillRef idx="1">
-        <a:scrgbClr r="0" g="0" b="0"/>
-      </a:fillRef>
-      <a:effectRef idx="0">
-        <a:scrgbClr r="0" g="0" b="0"/>
-      </a:effectRef>
-      <a:fontRef idx="minor"/>
-    </dgm:style>
-  </dgm:styleLbl>
-  <dgm:styleLbl name="dkBgShp">
-    <dgm:scene3d>
-      <a:camera prst="orthographicFront"/>
-      <a:lightRig rig="threePt" dir="t"/>
-    </dgm:scene3d>
-    <dgm:sp3d/>
-    <dgm:txPr/>
-    <dgm:style>
-      <a:lnRef idx="0">
-        <a:scrgbClr r="0" g="0" b="0"/>
-      </a:lnRef>
-      <a:fillRef idx="1">
-        <a:scrgbClr r="0" g="0" b="0"/>
-      </a:fillRef>
-      <a:effectRef idx="0">
-        <a:scrgbClr r="0" g="0" b="0"/>
-      </a:effectRef>
-      <a:fontRef idx="minor"/>
-    </dgm:style>
-  </dgm:styleLbl>
-  <dgm:styleLbl name="trBgShp">
-    <dgm:scene3d>
-      <a:camera prst="orthographicFront"/>
-      <a:lightRig rig="threePt" dir="t"/>
-    </dgm:scene3d>
-    <dgm:sp3d/>
-    <dgm:txPr/>
-    <dgm:style>
-      <a:lnRef idx="0">
-        <a:scrgbClr r="0" g="0" b="0"/>
-      </a:lnRef>
-      <a:fillRef idx="1">
-        <a:scrgbClr r="0" g="0" b="0"/>
-      </a:fillRef>
-      <a:effectRef idx="0">
-        <a:scrgbClr r="0" g="0" b="0"/>
-      </a:effectRef>
-      <a:fontRef idx="minor"/>
-    </dgm:style>
-  </dgm:styleLbl>
-  <dgm:styleLbl name="fgShp">
-    <dgm:scene3d>
-      <a:camera prst="orthographicFront"/>
-      <a:lightRig rig="threePt" dir="t"/>
-    </dgm:scene3d>
-    <dgm:sp3d/>
-    <dgm:txPr/>
-    <dgm:style>
-      <a:lnRef idx="2">
-        <a:scrgbClr r="0" g="0" b="0"/>
-      </a:lnRef>
-      <a:fillRef idx="1">
-        <a:scrgbClr r="0" g="0" b="0"/>
-      </a:fillRef>
-      <a:effectRef idx="0">
-        <a:scrgbClr r="0" g="0" b="0"/>
-      </a:effectRef>
-      <a:fontRef idx="minor"/>
-    </dgm:style>
-  </dgm:styleLbl>
-  <dgm:styleLbl name="revTx">
-    <dgm:scene3d>
-      <a:camera prst="orthographicFront"/>
-      <a:lightRig rig="threePt" dir="t"/>
-    </dgm:scene3d>
-    <dgm:sp3d/>
-    <dgm:txPr/>
-    <dgm:style>
-      <a:lnRef idx="0">
-        <a:scrgbClr r="0" g="0" b="0"/>
-      </a:lnRef>
-      <a:fillRef idx="0">
-        <a:scrgbClr r="0" g="0" b="0"/>
-      </a:fillRef>
-      <a:effectRef idx="0">
-        <a:scrgbClr r="0" g="0" b="0"/>
-      </a:effectRef>
-      <a:fontRef idx="minor"/>
-    </dgm:style>
-  </dgm:styleLbl>
-</dgm:styleDef>
 </file>
 
 <file path=ppt/notesMasters/notesMaster1.xml><?xml version="1.0" encoding="utf-8"?>
@@ -6221,37 +2491,6 @@
           </a:p>
         </p:txBody>
       </p:sp>
-      <p:graphicFrame>
-        <p:nvGraphicFramePr>
-          <p:cNvPr id="22" name="Content Placeholder 1">
-            <a:extLst>
-              <a:ext uri="{FF2B5EF4-FFF2-40B4-BE49-F238E27FC236}">
-                <a16:creationId xmlns:a16="http://schemas.microsoft.com/office/drawing/2014/main" id="{F01E45D2-793C-4AB4-9FC2-817693673871}"/>
-              </a:ext>
-            </a:extLst>
-          </p:cNvPr>
-          <p:cNvGraphicFramePr>
-            <a:graphicFrameLocks noGrp="1"/>
-          </p:cNvGraphicFramePr>
-          <p:nvPr>
-            <p:ph sz="quarter" idx="10"/>
-            <p:extLst>
-              <p:ext uri="{D42A27DB-BD31-4B8C-83A1-F6EECF244321}">
-                <p14:modId xmlns:p14="http://schemas.microsoft.com/office/powerpoint/2010/main" val="618513867"/>
-              </p:ext>
-            </p:extLst>
-          </p:nvPr>
-        </p:nvGraphicFramePr>
-        <p:xfrm>
-          <a:off x="336729" y="1785821"/>
-          <a:ext cx="8178799" cy="1906198"/>
-        </p:xfrm>
-        <a:graphic>
-          <a:graphicData uri="http://schemas.openxmlformats.org/drawingml/2006/diagram">
-            <dgm:relIds xmlns:dgm="http://schemas.openxmlformats.org/drawingml/2006/diagram" xmlns:r="http://schemas.openxmlformats.org/officeDocument/2006/relationships" r:dm="rId2" r:lo="rId3" r:qs="rId4" r:cs="rId5"/>
-          </a:graphicData>
-        </a:graphic>
-      </p:graphicFrame>
       <p:grpSp>
         <p:nvGrpSpPr>
           <p:cNvPr id="7" name="Group 10">
@@ -6572,6 +2811,795 @@
           </p:txBody>
         </p:sp>
       </p:grpSp>
+      <p:sp>
+        <p:nvSpPr>
+          <p:cNvPr id="13" name="TextBox 12">
+            <a:extLst>
+              <a:ext uri="{FF2B5EF4-FFF2-40B4-BE49-F238E27FC236}">
+                <a16:creationId xmlns:a16="http://schemas.microsoft.com/office/drawing/2014/main" id="{A2D96795-D5BF-4B5E-AC90-129271CDC5B0}"/>
+              </a:ext>
+            </a:extLst>
+          </p:cNvPr>
+          <p:cNvSpPr txBox="1"/>
+          <p:nvPr/>
+        </p:nvSpPr>
+        <p:spPr>
+          <a:xfrm>
+            <a:off x="632120" y="1004615"/>
+            <a:ext cx="8305379" cy="923330"/>
+          </a:xfrm>
+          <a:prstGeom prst="rect">
+            <a:avLst/>
+          </a:prstGeom>
+          <a:noFill/>
+        </p:spPr>
+        <p:txBody>
+          <a:bodyPr wrap="square">
+            <a:spAutoFit/>
+          </a:bodyPr>
+          <a:lstStyle/>
+          <a:p>
+            <a:pPr lvl="0"/>
+            <a:r>
+              <a:rPr lang="vi-VN" sz="1800" b="0" i="0" dirty="0">
+                <a:latin typeface="Calibri" panose="020F0502020204030204" pitchFamily="34" charset="0"/>
+                <a:cs typeface="Calibri" panose="020F0502020204030204" pitchFamily="34" charset="0"/>
+              </a:rPr>
+              <a:t>SVM </a:t>
+            </a:r>
+            <a:r>
+              <a:rPr lang="vi-VN" sz="1800" b="0" i="0" dirty="0" err="1">
+                <a:latin typeface="Calibri" panose="020F0502020204030204" pitchFamily="34" charset="0"/>
+                <a:cs typeface="Calibri" panose="020F0502020204030204" pitchFamily="34" charset="0"/>
+              </a:rPr>
+              <a:t>là</a:t>
+            </a:r>
+            <a:r>
+              <a:rPr lang="vi-VN" sz="1800" b="0" i="0" dirty="0">
+                <a:latin typeface="Calibri" panose="020F0502020204030204" pitchFamily="34" charset="0"/>
+                <a:cs typeface="Calibri" panose="020F0502020204030204" pitchFamily="34" charset="0"/>
+              </a:rPr>
+              <a:t> </a:t>
+            </a:r>
+            <a:r>
+              <a:rPr lang="vi-VN" sz="1800" b="0" i="0" dirty="0" err="1">
+                <a:latin typeface="Calibri" panose="020F0502020204030204" pitchFamily="34" charset="0"/>
+                <a:cs typeface="Calibri" panose="020F0502020204030204" pitchFamily="34" charset="0"/>
+              </a:rPr>
+              <a:t>một</a:t>
+            </a:r>
+            <a:r>
+              <a:rPr lang="vi-VN" sz="1800" b="0" i="0" dirty="0">
+                <a:latin typeface="Calibri" panose="020F0502020204030204" pitchFamily="34" charset="0"/>
+                <a:cs typeface="Calibri" panose="020F0502020204030204" pitchFamily="34" charset="0"/>
+              </a:rPr>
+              <a:t> phương </a:t>
+            </a:r>
+            <a:r>
+              <a:rPr lang="vi-VN" sz="1800" b="0" i="0" dirty="0" err="1">
+                <a:latin typeface="Calibri" panose="020F0502020204030204" pitchFamily="34" charset="0"/>
+                <a:cs typeface="Calibri" panose="020F0502020204030204" pitchFamily="34" charset="0"/>
+              </a:rPr>
+              <a:t>pháp</a:t>
+            </a:r>
+            <a:r>
+              <a:rPr lang="vi-VN" sz="1800" b="0" i="0" dirty="0">
+                <a:latin typeface="Calibri" panose="020F0502020204030204" pitchFamily="34" charset="0"/>
+                <a:cs typeface="Calibri" panose="020F0502020204030204" pitchFamily="34" charset="0"/>
+              </a:rPr>
+              <a:t> </a:t>
+            </a:r>
+            <a:r>
+              <a:rPr lang="vi-VN" sz="1800" b="0" i="0" dirty="0" err="1">
+                <a:latin typeface="Calibri" panose="020F0502020204030204" pitchFamily="34" charset="0"/>
+                <a:cs typeface="Calibri" panose="020F0502020204030204" pitchFamily="34" charset="0"/>
+              </a:rPr>
+              <a:t>tốt</a:t>
+            </a:r>
+            <a:r>
+              <a:rPr lang="vi-VN" sz="1800" b="0" i="0" dirty="0">
+                <a:latin typeface="Calibri" panose="020F0502020204030204" pitchFamily="34" charset="0"/>
+                <a:cs typeface="Calibri" panose="020F0502020204030204" pitchFamily="34" charset="0"/>
+              </a:rPr>
+              <a:t> (</a:t>
+            </a:r>
+            <a:r>
+              <a:rPr lang="vi-VN" sz="1800" b="0" i="0" dirty="0" err="1">
+                <a:latin typeface="Calibri" panose="020F0502020204030204" pitchFamily="34" charset="0"/>
+                <a:cs typeface="Calibri" panose="020F0502020204030204" pitchFamily="34" charset="0"/>
+              </a:rPr>
+              <a:t>phù</a:t>
+            </a:r>
+            <a:r>
+              <a:rPr lang="vi-VN" sz="1800" b="0" i="0" dirty="0">
+                <a:latin typeface="Calibri" panose="020F0502020204030204" pitchFamily="34" charset="0"/>
+                <a:cs typeface="Calibri" panose="020F0502020204030204" pitchFamily="34" charset="0"/>
+              </a:rPr>
+              <a:t> </a:t>
+            </a:r>
+            <a:r>
+              <a:rPr lang="vi-VN" sz="1800" b="0" i="0" dirty="0" err="1">
+                <a:latin typeface="Calibri" panose="020F0502020204030204" pitchFamily="34" charset="0"/>
+                <a:cs typeface="Calibri" panose="020F0502020204030204" pitchFamily="34" charset="0"/>
+              </a:rPr>
+              <a:t>hợp</a:t>
+            </a:r>
+            <a:r>
+              <a:rPr lang="vi-VN" sz="1800" b="0" i="0" dirty="0">
+                <a:latin typeface="Calibri" panose="020F0502020204030204" pitchFamily="34" charset="0"/>
+                <a:cs typeface="Calibri" panose="020F0502020204030204" pitchFamily="34" charset="0"/>
+              </a:rPr>
+              <a:t>) </a:t>
+            </a:r>
+            <a:r>
+              <a:rPr lang="vi-VN" sz="1800" b="0" i="0" dirty="0" err="1">
+                <a:latin typeface="Calibri" panose="020F0502020204030204" pitchFamily="34" charset="0"/>
+                <a:cs typeface="Calibri" panose="020F0502020204030204" pitchFamily="34" charset="0"/>
+              </a:rPr>
+              <a:t>đối</a:t>
+            </a:r>
+            <a:r>
+              <a:rPr lang="vi-VN" sz="1800" b="0" i="0" dirty="0">
+                <a:latin typeface="Calibri" panose="020F0502020204030204" pitchFamily="34" charset="0"/>
+                <a:cs typeface="Calibri" panose="020F0502020204030204" pitchFamily="34" charset="0"/>
+              </a:rPr>
+              <a:t> </a:t>
+            </a:r>
+            <a:r>
+              <a:rPr lang="vi-VN" sz="1800" b="0" i="0" dirty="0" err="1">
+                <a:latin typeface="Calibri" panose="020F0502020204030204" pitchFamily="34" charset="0"/>
+                <a:cs typeface="Calibri" panose="020F0502020204030204" pitchFamily="34" charset="0"/>
+              </a:rPr>
+              <a:t>với</a:t>
+            </a:r>
+            <a:r>
+              <a:rPr lang="vi-VN" sz="1800" b="0" i="0" dirty="0">
+                <a:latin typeface="Calibri" panose="020F0502020204030204" pitchFamily="34" charset="0"/>
+                <a:cs typeface="Calibri" panose="020F0502020204030204" pitchFamily="34" charset="0"/>
+              </a:rPr>
+              <a:t> </a:t>
+            </a:r>
+            <a:r>
+              <a:rPr lang="vi-VN" sz="1800" b="0" i="0" dirty="0" err="1">
+                <a:latin typeface="Calibri" panose="020F0502020204030204" pitchFamily="34" charset="0"/>
+                <a:cs typeface="Calibri" panose="020F0502020204030204" pitchFamily="34" charset="0"/>
+              </a:rPr>
+              <a:t>những</a:t>
+            </a:r>
+            <a:r>
+              <a:rPr lang="vi-VN" sz="1800" b="0" i="0" dirty="0">
+                <a:latin typeface="Calibri" panose="020F0502020204030204" pitchFamily="34" charset="0"/>
+                <a:cs typeface="Calibri" panose="020F0502020204030204" pitchFamily="34" charset="0"/>
+              </a:rPr>
+              <a:t> </a:t>
+            </a:r>
+            <a:r>
+              <a:rPr lang="vi-VN" sz="1800" b="0" i="0" dirty="0" err="1">
+                <a:latin typeface="Calibri" panose="020F0502020204030204" pitchFamily="34" charset="0"/>
+                <a:cs typeface="Calibri" panose="020F0502020204030204" pitchFamily="34" charset="0"/>
+              </a:rPr>
+              <a:t>bài</a:t>
+            </a:r>
+            <a:r>
+              <a:rPr lang="vi-VN" sz="1800" b="0" i="0" dirty="0">
+                <a:latin typeface="Calibri" panose="020F0502020204030204" pitchFamily="34" charset="0"/>
+                <a:cs typeface="Calibri" panose="020F0502020204030204" pitchFamily="34" charset="0"/>
+              </a:rPr>
+              <a:t> toan</a:t>
+            </a:r>
+            <a:r>
+              <a:rPr lang="en-US" sz="1800" dirty="0">
+                <a:latin typeface="Calibri" panose="020F0502020204030204" pitchFamily="34" charset="0"/>
+                <a:cs typeface="Calibri" panose="020F0502020204030204" pitchFamily="34" charset="0"/>
+              </a:rPr>
+              <a:t> </a:t>
+            </a:r>
+            <a:r>
+              <a:rPr lang="vi-VN" sz="1800" b="0" i="0" dirty="0">
+                <a:latin typeface="Calibri" panose="020F0502020204030204" pitchFamily="34" charset="0"/>
+                <a:cs typeface="Calibri" panose="020F0502020204030204" pitchFamily="34" charset="0"/>
+              </a:rPr>
+              <a:t>phân </a:t>
+            </a:r>
+            <a:r>
+              <a:rPr lang="vi-VN" sz="1800" b="0" i="0" dirty="0" err="1">
+                <a:latin typeface="Calibri" panose="020F0502020204030204" pitchFamily="34" charset="0"/>
+                <a:cs typeface="Calibri" panose="020F0502020204030204" pitchFamily="34" charset="0"/>
+              </a:rPr>
+              <a:t>lớp</a:t>
+            </a:r>
+            <a:r>
+              <a:rPr lang="vi-VN" sz="1800" b="0" i="0" dirty="0">
+                <a:latin typeface="Calibri" panose="020F0502020204030204" pitchFamily="34" charset="0"/>
+                <a:cs typeface="Calibri" panose="020F0502020204030204" pitchFamily="34" charset="0"/>
+              </a:rPr>
+              <a:t> </a:t>
+            </a:r>
+            <a:r>
+              <a:rPr lang="vi-VN" sz="1800" b="0" i="0" dirty="0" err="1">
+                <a:latin typeface="Calibri" panose="020F0502020204030204" pitchFamily="34" charset="0"/>
+                <a:cs typeface="Calibri" panose="020F0502020204030204" pitchFamily="34" charset="0"/>
+              </a:rPr>
+              <a:t>có</a:t>
+            </a:r>
+            <a:r>
+              <a:rPr lang="vi-VN" sz="1800" b="0" i="0" dirty="0">
+                <a:latin typeface="Calibri" panose="020F0502020204030204" pitchFamily="34" charset="0"/>
+                <a:cs typeface="Calibri" panose="020F0502020204030204" pitchFamily="34" charset="0"/>
+              </a:rPr>
+              <a:t> không gian </a:t>
+            </a:r>
+            <a:r>
+              <a:rPr lang="vi-VN" sz="1800" b="0" i="0" dirty="0" err="1">
+                <a:latin typeface="Calibri" panose="020F0502020204030204" pitchFamily="34" charset="0"/>
+                <a:cs typeface="Calibri" panose="020F0502020204030204" pitchFamily="34" charset="0"/>
+              </a:rPr>
+              <a:t>rất</a:t>
+            </a:r>
+            <a:r>
+              <a:rPr lang="vi-VN" sz="1800" b="0" i="0" dirty="0">
+                <a:latin typeface="Calibri" panose="020F0502020204030204" pitchFamily="34" charset="0"/>
+                <a:cs typeface="Calibri" panose="020F0502020204030204" pitchFamily="34" charset="0"/>
+              </a:rPr>
+              <a:t> </a:t>
+            </a:r>
+            <a:r>
+              <a:rPr lang="vi-VN" sz="1800" b="0" i="0" dirty="0" err="1">
+                <a:latin typeface="Calibri" panose="020F0502020204030204" pitchFamily="34" charset="0"/>
+                <a:cs typeface="Calibri" panose="020F0502020204030204" pitchFamily="34" charset="0"/>
+              </a:rPr>
+              <a:t>nhiều</a:t>
+            </a:r>
+            <a:r>
+              <a:rPr lang="vi-VN" sz="1800" b="0" i="0" dirty="0">
+                <a:latin typeface="Calibri" panose="020F0502020204030204" pitchFamily="34" charset="0"/>
+                <a:cs typeface="Calibri" panose="020F0502020204030204" pitchFamily="34" charset="0"/>
+              </a:rPr>
+              <a:t> </a:t>
+            </a:r>
+            <a:r>
+              <a:rPr lang="vi-VN" sz="1800" b="0" i="0" dirty="0" err="1">
+                <a:latin typeface="Calibri" panose="020F0502020204030204" pitchFamily="34" charset="0"/>
+                <a:cs typeface="Calibri" panose="020F0502020204030204" pitchFamily="34" charset="0"/>
+              </a:rPr>
+              <a:t>chiều</a:t>
+            </a:r>
+            <a:r>
+              <a:rPr lang="vi-VN" sz="1800" b="0" i="0" dirty="0">
+                <a:latin typeface="Calibri" panose="020F0502020204030204" pitchFamily="34" charset="0"/>
+                <a:cs typeface="Calibri" panose="020F0502020204030204" pitchFamily="34" charset="0"/>
+              </a:rPr>
+              <a:t> (</a:t>
+            </a:r>
+            <a:r>
+              <a:rPr lang="vi-VN" sz="1800" b="0" i="0" dirty="0" err="1">
+                <a:latin typeface="Calibri" panose="020F0502020204030204" pitchFamily="34" charset="0"/>
+                <a:cs typeface="Calibri" panose="020F0502020204030204" pitchFamily="34" charset="0"/>
+              </a:rPr>
+              <a:t>các</a:t>
+            </a:r>
+            <a:r>
+              <a:rPr lang="vi-VN" sz="1800" b="0" i="0" dirty="0">
+                <a:latin typeface="Calibri" panose="020F0502020204030204" pitchFamily="34" charset="0"/>
+                <a:cs typeface="Calibri" panose="020F0502020204030204" pitchFamily="34" charset="0"/>
+              </a:rPr>
+              <a:t> </a:t>
+            </a:r>
+            <a:r>
+              <a:rPr lang="vi-VN" sz="1800" b="0" i="0" dirty="0" err="1">
+                <a:latin typeface="Calibri" panose="020F0502020204030204" pitchFamily="34" charset="0"/>
+                <a:cs typeface="Calibri" panose="020F0502020204030204" pitchFamily="34" charset="0"/>
+              </a:rPr>
+              <a:t>đối</a:t>
+            </a:r>
+            <a:r>
+              <a:rPr lang="vi-VN" sz="1800" b="0" i="0" dirty="0">
+                <a:latin typeface="Calibri" panose="020F0502020204030204" pitchFamily="34" charset="0"/>
+                <a:cs typeface="Calibri" panose="020F0502020204030204" pitchFamily="34" charset="0"/>
+              </a:rPr>
+              <a:t> </a:t>
+            </a:r>
+            <a:r>
+              <a:rPr lang="vi-VN" sz="1800" b="0" i="0" dirty="0" err="1">
+                <a:latin typeface="Calibri" panose="020F0502020204030204" pitchFamily="34" charset="0"/>
+                <a:cs typeface="Calibri" panose="020F0502020204030204" pitchFamily="34" charset="0"/>
+              </a:rPr>
+              <a:t>tượng</a:t>
+            </a:r>
+            <a:r>
+              <a:rPr lang="vi-VN" sz="1800" b="0" i="0" dirty="0">
+                <a:latin typeface="Calibri" panose="020F0502020204030204" pitchFamily="34" charset="0"/>
+                <a:cs typeface="Calibri" panose="020F0502020204030204" pitchFamily="34" charset="0"/>
+              </a:rPr>
+              <a:t> </a:t>
+            </a:r>
+            <a:r>
+              <a:rPr lang="vi-VN" sz="1800" b="0" i="0" dirty="0" err="1">
+                <a:latin typeface="Calibri" panose="020F0502020204030204" pitchFamily="34" charset="0"/>
+                <a:cs typeface="Calibri" panose="020F0502020204030204" pitchFamily="34" charset="0"/>
+              </a:rPr>
+              <a:t>cần</a:t>
+            </a:r>
+            <a:r>
+              <a:rPr lang="en-US" sz="1800" dirty="0">
+                <a:latin typeface="Calibri" panose="020F0502020204030204" pitchFamily="34" charset="0"/>
+                <a:cs typeface="Calibri" panose="020F0502020204030204" pitchFamily="34" charset="0"/>
+              </a:rPr>
+              <a:t> </a:t>
+            </a:r>
+            <a:r>
+              <a:rPr lang="vi-VN" sz="1800" b="0" i="0" dirty="0">
+                <a:latin typeface="Calibri" panose="020F0502020204030204" pitchFamily="34" charset="0"/>
+                <a:cs typeface="Calibri" panose="020F0502020204030204" pitchFamily="34" charset="0"/>
+              </a:rPr>
+              <a:t>phân </a:t>
+            </a:r>
+            <a:r>
+              <a:rPr lang="vi-VN" sz="1800" b="0" i="0" dirty="0" err="1">
+                <a:latin typeface="Calibri" panose="020F0502020204030204" pitchFamily="34" charset="0"/>
+                <a:cs typeface="Calibri" panose="020F0502020204030204" pitchFamily="34" charset="0"/>
+              </a:rPr>
+              <a:t>lớp</a:t>
+            </a:r>
+            <a:r>
+              <a:rPr lang="vi-VN" sz="1800" b="0" i="0" dirty="0">
+                <a:latin typeface="Calibri" panose="020F0502020204030204" pitchFamily="34" charset="0"/>
+                <a:cs typeface="Calibri" panose="020F0502020204030204" pitchFamily="34" charset="0"/>
+              </a:rPr>
+              <a:t> </a:t>
+            </a:r>
+            <a:r>
+              <a:rPr lang="vi-VN" sz="1800" b="0" i="0" dirty="0" err="1">
+                <a:latin typeface="Calibri" panose="020F0502020204030204" pitchFamily="34" charset="0"/>
+                <a:cs typeface="Calibri" panose="020F0502020204030204" pitchFamily="34" charset="0"/>
+              </a:rPr>
+              <a:t>được</a:t>
+            </a:r>
+            <a:r>
+              <a:rPr lang="vi-VN" sz="1800" b="0" i="0" dirty="0">
+                <a:latin typeface="Calibri" panose="020F0502020204030204" pitchFamily="34" charset="0"/>
+                <a:cs typeface="Calibri" panose="020F0502020204030204" pitchFamily="34" charset="0"/>
+              </a:rPr>
+              <a:t> </a:t>
+            </a:r>
+            <a:r>
+              <a:rPr lang="vi-VN" sz="1800" b="0" i="0" dirty="0" err="1">
+                <a:latin typeface="Calibri" panose="020F0502020204030204" pitchFamily="34" charset="0"/>
+                <a:cs typeface="Calibri" panose="020F0502020204030204" pitchFamily="34" charset="0"/>
+              </a:rPr>
+              <a:t>biểu</a:t>
+            </a:r>
+            <a:r>
+              <a:rPr lang="vi-VN" sz="1800" b="0" i="0" dirty="0">
+                <a:latin typeface="Calibri" panose="020F0502020204030204" pitchFamily="34" charset="0"/>
+                <a:cs typeface="Calibri" panose="020F0502020204030204" pitchFamily="34" charset="0"/>
+              </a:rPr>
+              <a:t> </a:t>
+            </a:r>
+            <a:r>
+              <a:rPr lang="vi-VN" sz="1800" b="0" i="0" dirty="0" err="1">
+                <a:latin typeface="Calibri" panose="020F0502020204030204" pitchFamily="34" charset="0"/>
+                <a:cs typeface="Calibri" panose="020F0502020204030204" pitchFamily="34" charset="0"/>
+              </a:rPr>
+              <a:t>diễn</a:t>
+            </a:r>
+            <a:r>
+              <a:rPr lang="vi-VN" sz="1800" b="0" i="0" dirty="0">
+                <a:latin typeface="Calibri" panose="020F0502020204030204" pitchFamily="34" charset="0"/>
+                <a:cs typeface="Calibri" panose="020F0502020204030204" pitchFamily="34" charset="0"/>
+              </a:rPr>
+              <a:t> </a:t>
+            </a:r>
+            <a:r>
+              <a:rPr lang="vi-VN" sz="1800" b="0" i="0" dirty="0" err="1">
+                <a:latin typeface="Calibri" panose="020F0502020204030204" pitchFamily="34" charset="0"/>
+                <a:cs typeface="Calibri" panose="020F0502020204030204" pitchFamily="34" charset="0"/>
+              </a:rPr>
+              <a:t>bởi</a:t>
+            </a:r>
+            <a:r>
+              <a:rPr lang="vi-VN" sz="1800" b="0" i="0" dirty="0">
+                <a:latin typeface="Calibri" panose="020F0502020204030204" pitchFamily="34" charset="0"/>
+                <a:cs typeface="Calibri" panose="020F0502020204030204" pitchFamily="34" charset="0"/>
+              </a:rPr>
+              <a:t> </a:t>
+            </a:r>
+            <a:r>
+              <a:rPr lang="vi-VN" sz="1800" b="0" i="0" dirty="0" err="1">
+                <a:latin typeface="Calibri" panose="020F0502020204030204" pitchFamily="34" charset="0"/>
+                <a:cs typeface="Calibri" panose="020F0502020204030204" pitchFamily="34" charset="0"/>
+              </a:rPr>
+              <a:t>một</a:t>
+            </a:r>
+            <a:r>
+              <a:rPr lang="vi-VN" sz="1800" b="0" i="0" dirty="0">
+                <a:latin typeface="Calibri" panose="020F0502020204030204" pitchFamily="34" charset="0"/>
+                <a:cs typeface="Calibri" panose="020F0502020204030204" pitchFamily="34" charset="0"/>
+              </a:rPr>
+              <a:t> </a:t>
+            </a:r>
+            <a:r>
+              <a:rPr lang="vi-VN" sz="1800" b="0" i="0" dirty="0" err="1">
+                <a:latin typeface="Calibri" panose="020F0502020204030204" pitchFamily="34" charset="0"/>
+                <a:cs typeface="Calibri" panose="020F0502020204030204" pitchFamily="34" charset="0"/>
+              </a:rPr>
+              <a:t>tập</a:t>
+            </a:r>
+            <a:r>
+              <a:rPr lang="vi-VN" sz="1800" b="0" i="0" dirty="0">
+                <a:latin typeface="Calibri" panose="020F0502020204030204" pitchFamily="34" charset="0"/>
+                <a:cs typeface="Calibri" panose="020F0502020204030204" pitchFamily="34" charset="0"/>
+              </a:rPr>
+              <a:t> </a:t>
+            </a:r>
+            <a:r>
+              <a:rPr lang="vi-VN" sz="1800" b="0" i="0" dirty="0" err="1">
+                <a:latin typeface="Calibri" panose="020F0502020204030204" pitchFamily="34" charset="0"/>
+                <a:cs typeface="Calibri" panose="020F0502020204030204" pitchFamily="34" charset="0"/>
+              </a:rPr>
+              <a:t>rất</a:t>
+            </a:r>
+            <a:r>
+              <a:rPr lang="vi-VN" sz="1800" b="0" i="0" dirty="0">
+                <a:latin typeface="Calibri" panose="020F0502020204030204" pitchFamily="34" charset="0"/>
+                <a:cs typeface="Calibri" panose="020F0502020204030204" pitchFamily="34" charset="0"/>
+              </a:rPr>
+              <a:t> </a:t>
+            </a:r>
+            <a:r>
+              <a:rPr lang="vi-VN" sz="1800" b="0" i="0" dirty="0" err="1">
+                <a:latin typeface="Calibri" panose="020F0502020204030204" pitchFamily="34" charset="0"/>
+                <a:cs typeface="Calibri" panose="020F0502020204030204" pitchFamily="34" charset="0"/>
+              </a:rPr>
+              <a:t>lớn</a:t>
+            </a:r>
+            <a:r>
+              <a:rPr lang="vi-VN" sz="1800" b="0" i="0" dirty="0">
+                <a:latin typeface="Calibri" panose="020F0502020204030204" pitchFamily="34" charset="0"/>
+                <a:cs typeface="Calibri" panose="020F0502020204030204" pitchFamily="34" charset="0"/>
+              </a:rPr>
+              <a:t> </a:t>
+            </a:r>
+            <a:r>
+              <a:rPr lang="vi-VN" sz="1800" b="0" i="0" dirty="0" err="1">
+                <a:latin typeface="Calibri" panose="020F0502020204030204" pitchFamily="34" charset="0"/>
+                <a:cs typeface="Calibri" panose="020F0502020204030204" pitchFamily="34" charset="0"/>
+              </a:rPr>
+              <a:t>các</a:t>
+            </a:r>
+            <a:r>
+              <a:rPr lang="vi-VN" sz="1800" b="0" i="0" dirty="0">
+                <a:latin typeface="Calibri" panose="020F0502020204030204" pitchFamily="34" charset="0"/>
+                <a:cs typeface="Calibri" panose="020F0502020204030204" pitchFamily="34" charset="0"/>
+              </a:rPr>
+              <a:t> </a:t>
+            </a:r>
+            <a:r>
+              <a:rPr lang="vi-VN" sz="1800" b="0" i="0" dirty="0" err="1">
+                <a:latin typeface="Calibri" panose="020F0502020204030204" pitchFamily="34" charset="0"/>
+                <a:cs typeface="Calibri" panose="020F0502020204030204" pitchFamily="34" charset="0"/>
+              </a:rPr>
+              <a:t>thuộc</a:t>
+            </a:r>
+            <a:r>
+              <a:rPr lang="vi-VN" sz="1800" b="0" i="0" dirty="0">
+                <a:latin typeface="Calibri" panose="020F0502020204030204" pitchFamily="34" charset="0"/>
+                <a:cs typeface="Calibri" panose="020F0502020204030204" pitchFamily="34" charset="0"/>
+              </a:rPr>
+              <a:t> </a:t>
+            </a:r>
+            <a:r>
+              <a:rPr lang="vi-VN" sz="1800" b="0" i="0" dirty="0" err="1">
+                <a:latin typeface="Calibri" panose="020F0502020204030204" pitchFamily="34" charset="0"/>
+                <a:cs typeface="Calibri" panose="020F0502020204030204" pitchFamily="34" charset="0"/>
+              </a:rPr>
+              <a:t>tính</a:t>
+            </a:r>
+            <a:r>
+              <a:rPr lang="vi-VN" sz="1800" b="0" i="0" dirty="0">
+                <a:latin typeface="Calibri" panose="020F0502020204030204" pitchFamily="34" charset="0"/>
+                <a:cs typeface="Calibri" panose="020F0502020204030204" pitchFamily="34" charset="0"/>
+              </a:rPr>
+              <a:t>)</a:t>
+            </a:r>
+            <a:r>
+              <a:rPr lang="vi-VN" sz="1800" dirty="0">
+                <a:latin typeface="Calibri" panose="020F0502020204030204" pitchFamily="34" charset="0"/>
+                <a:cs typeface="Calibri" panose="020F0502020204030204" pitchFamily="34" charset="0"/>
+              </a:rPr>
+              <a:t> </a:t>
+            </a:r>
+            <a:endParaRPr lang="en-US" sz="1800" dirty="0">
+              <a:latin typeface="Calibri" panose="020F0502020204030204" pitchFamily="34" charset="0"/>
+              <a:cs typeface="Calibri" panose="020F0502020204030204" pitchFamily="34" charset="0"/>
+            </a:endParaRPr>
+          </a:p>
+        </p:txBody>
+      </p:sp>
+      <p:sp>
+        <p:nvSpPr>
+          <p:cNvPr id="18" name="TextBox 17">
+            <a:extLst>
+              <a:ext uri="{FF2B5EF4-FFF2-40B4-BE49-F238E27FC236}">
+                <a16:creationId xmlns:a16="http://schemas.microsoft.com/office/drawing/2014/main" id="{CB3E3655-13CC-41C8-BC00-FF0D111A639A}"/>
+              </a:ext>
+            </a:extLst>
+          </p:cNvPr>
+          <p:cNvSpPr txBox="1"/>
+          <p:nvPr/>
+        </p:nvSpPr>
+        <p:spPr>
+          <a:xfrm>
+            <a:off x="632120" y="2177660"/>
+            <a:ext cx="8178798" cy="646331"/>
+          </a:xfrm>
+          <a:prstGeom prst="rect">
+            <a:avLst/>
+          </a:prstGeom>
+          <a:noFill/>
+        </p:spPr>
+        <p:txBody>
+          <a:bodyPr wrap="square">
+            <a:spAutoFit/>
+          </a:bodyPr>
+          <a:lstStyle/>
+          <a:p>
+            <a:pPr lvl="0"/>
+            <a:r>
+              <a:rPr lang="en-US" sz="1800" dirty="0" err="1">
+                <a:latin typeface="+mn-lt"/>
+              </a:rPr>
+              <a:t>Được</a:t>
+            </a:r>
+            <a:r>
+              <a:rPr lang="en-US" sz="1800" dirty="0">
+                <a:latin typeface="+mn-lt"/>
+              </a:rPr>
+              <a:t> </a:t>
+            </a:r>
+            <a:r>
+              <a:rPr lang="en-US" sz="1800" dirty="0" err="1">
+                <a:latin typeface="+mn-lt"/>
+              </a:rPr>
+              <a:t>sử</a:t>
+            </a:r>
+            <a:r>
+              <a:rPr lang="en-US" sz="1800" dirty="0">
+                <a:latin typeface="+mn-lt"/>
+              </a:rPr>
+              <a:t> </a:t>
+            </a:r>
+            <a:r>
+              <a:rPr lang="en-US" sz="1800" dirty="0" err="1">
+                <a:latin typeface="+mn-lt"/>
+              </a:rPr>
+              <a:t>dụng</a:t>
+            </a:r>
+            <a:r>
+              <a:rPr lang="en-US" sz="1800" dirty="0">
+                <a:latin typeface="+mn-lt"/>
+              </a:rPr>
+              <a:t> </a:t>
+            </a:r>
+            <a:r>
+              <a:rPr lang="en-US" sz="1800" dirty="0" err="1">
+                <a:latin typeface="+mn-lt"/>
+              </a:rPr>
+              <a:t>rộng</a:t>
+            </a:r>
+            <a:r>
+              <a:rPr lang="en-US" sz="1800" dirty="0">
+                <a:latin typeface="+mn-lt"/>
+              </a:rPr>
+              <a:t> </a:t>
+            </a:r>
+            <a:r>
+              <a:rPr lang="en-US" sz="1800" dirty="0" err="1">
+                <a:latin typeface="+mn-lt"/>
+              </a:rPr>
+              <a:t>rãi</a:t>
+            </a:r>
+            <a:r>
+              <a:rPr lang="en-US" sz="1800" dirty="0">
+                <a:latin typeface="+mn-lt"/>
+              </a:rPr>
+              <a:t> </a:t>
+            </a:r>
+            <a:r>
+              <a:rPr lang="en-US" sz="1800" dirty="0" err="1">
+                <a:latin typeface="+mn-lt"/>
+              </a:rPr>
+              <a:t>để</a:t>
+            </a:r>
+            <a:r>
+              <a:rPr lang="en-US" sz="1800" dirty="0">
+                <a:latin typeface="+mn-lt"/>
+              </a:rPr>
+              <a:t> </a:t>
+            </a:r>
+            <a:r>
+              <a:rPr lang="en-US" sz="1800" dirty="0" err="1">
+                <a:latin typeface="+mn-lt"/>
+              </a:rPr>
+              <a:t>giải</a:t>
+            </a:r>
+            <a:r>
+              <a:rPr lang="en-US" sz="1800" dirty="0">
+                <a:latin typeface="+mn-lt"/>
+              </a:rPr>
+              <a:t> </a:t>
+            </a:r>
+            <a:r>
+              <a:rPr lang="en-US" sz="1800" dirty="0" err="1">
+                <a:latin typeface="+mn-lt"/>
+              </a:rPr>
+              <a:t>các</a:t>
+            </a:r>
+            <a:r>
+              <a:rPr lang="en-US" sz="1800" dirty="0">
+                <a:latin typeface="+mn-lt"/>
+              </a:rPr>
+              <a:t> </a:t>
+            </a:r>
+            <a:r>
+              <a:rPr lang="en-US" sz="1800" dirty="0" err="1">
+                <a:latin typeface="+mn-lt"/>
+              </a:rPr>
+              <a:t>bài</a:t>
+            </a:r>
+            <a:r>
+              <a:rPr lang="en-US" sz="1800" dirty="0">
+                <a:latin typeface="+mn-lt"/>
+              </a:rPr>
+              <a:t> </a:t>
+            </a:r>
+            <a:r>
+              <a:rPr lang="en-US" sz="1800" dirty="0" err="1">
+                <a:latin typeface="+mn-lt"/>
+              </a:rPr>
+              <a:t>toán</a:t>
+            </a:r>
+            <a:r>
+              <a:rPr lang="en-US" sz="1800" dirty="0">
+                <a:latin typeface="+mn-lt"/>
+              </a:rPr>
+              <a:t> </a:t>
+            </a:r>
+            <a:r>
+              <a:rPr lang="en-US" sz="1800" dirty="0" err="1">
+                <a:latin typeface="+mn-lt"/>
+              </a:rPr>
+              <a:t>phân</a:t>
+            </a:r>
+            <a:r>
+              <a:rPr lang="en-US" sz="1800" dirty="0">
+                <a:latin typeface="+mn-lt"/>
+              </a:rPr>
+              <a:t> </a:t>
+            </a:r>
+            <a:r>
+              <a:rPr lang="en-US" sz="1800" dirty="0" err="1">
+                <a:latin typeface="+mn-lt"/>
+              </a:rPr>
+              <a:t>loại</a:t>
+            </a:r>
+            <a:r>
+              <a:rPr lang="en-US" sz="1800" dirty="0">
+                <a:latin typeface="+mn-lt"/>
+              </a:rPr>
+              <a:t> </a:t>
+            </a:r>
+            <a:r>
+              <a:rPr lang="en-US" sz="1800" dirty="0" err="1">
+                <a:latin typeface="+mn-lt"/>
+              </a:rPr>
+              <a:t>nhị</a:t>
+            </a:r>
+            <a:r>
+              <a:rPr lang="en-US" sz="1800" dirty="0">
+                <a:latin typeface="+mn-lt"/>
+              </a:rPr>
+              <a:t> </a:t>
+            </a:r>
+            <a:r>
+              <a:rPr lang="en-US" sz="1800" dirty="0" err="1">
+                <a:latin typeface="+mn-lt"/>
+              </a:rPr>
+              <a:t>phân</a:t>
+            </a:r>
+            <a:r>
+              <a:rPr lang="en-US" sz="1800" dirty="0">
+                <a:latin typeface="+mn-lt"/>
+              </a:rPr>
+              <a:t> </a:t>
+            </a:r>
+            <a:r>
+              <a:rPr lang="en-US" sz="1800" dirty="0" err="1">
+                <a:latin typeface="+mn-lt"/>
+              </a:rPr>
+              <a:t>trong</a:t>
+            </a:r>
+            <a:r>
+              <a:rPr lang="en-US" sz="1800" dirty="0">
+                <a:latin typeface="+mn-lt"/>
+              </a:rPr>
+              <a:t> </a:t>
+            </a:r>
+            <a:r>
+              <a:rPr lang="en-US" sz="1800" dirty="0" err="1">
+                <a:latin typeface="+mn-lt"/>
+              </a:rPr>
+              <a:t>lĩnh</a:t>
+            </a:r>
+            <a:r>
+              <a:rPr lang="en-US" sz="1800" dirty="0">
+                <a:latin typeface="+mn-lt"/>
+              </a:rPr>
+              <a:t> </a:t>
+            </a:r>
+            <a:r>
+              <a:rPr lang="en-US" sz="1800" dirty="0" err="1">
+                <a:latin typeface="+mn-lt"/>
+              </a:rPr>
+              <a:t>vực</a:t>
+            </a:r>
+            <a:r>
+              <a:rPr lang="en-US" sz="1800" dirty="0">
+                <a:latin typeface="+mn-lt"/>
+              </a:rPr>
+              <a:t> </a:t>
+            </a:r>
+            <a:r>
+              <a:rPr lang="en-US" sz="1800" dirty="0" err="1">
+                <a:latin typeface="+mn-lt"/>
+              </a:rPr>
+              <a:t>sinh</a:t>
+            </a:r>
+            <a:r>
+              <a:rPr lang="en-US" sz="1800" dirty="0">
+                <a:latin typeface="+mn-lt"/>
+              </a:rPr>
+              <a:t> </a:t>
+            </a:r>
+            <a:r>
+              <a:rPr lang="en-US" sz="1800" dirty="0" err="1">
+                <a:latin typeface="+mn-lt"/>
+              </a:rPr>
+              <a:t>học</a:t>
+            </a:r>
+            <a:r>
+              <a:rPr lang="en-US" sz="1800" dirty="0">
+                <a:latin typeface="+mn-lt"/>
+              </a:rPr>
+              <a:t> </a:t>
+            </a:r>
+            <a:r>
+              <a:rPr lang="en-US" sz="1800" dirty="0" err="1">
+                <a:latin typeface="+mn-lt"/>
+              </a:rPr>
+              <a:t>tính</a:t>
+            </a:r>
+            <a:r>
+              <a:rPr lang="en-US" sz="1800" dirty="0">
+                <a:latin typeface="+mn-lt"/>
+              </a:rPr>
+              <a:t> </a:t>
+            </a:r>
+            <a:r>
+              <a:rPr lang="en-US" sz="1800" dirty="0" err="1">
+                <a:latin typeface="+mn-lt"/>
+              </a:rPr>
+              <a:t>toán</a:t>
+            </a:r>
+            <a:r>
+              <a:rPr lang="en-US" sz="1800" dirty="0">
+                <a:latin typeface="+mn-lt"/>
+              </a:rPr>
+              <a:t>. </a:t>
+            </a:r>
+          </a:p>
+        </p:txBody>
+      </p:sp>
     </p:spTree>
     <p:extLst>
       <p:ext uri="{BB962C8B-B14F-4D97-AF65-F5344CB8AC3E}">
@@ -7107,55 +4135,6 @@
           </a:p>
         </p:txBody>
       </p:sp>
-      <p:sp>
-        <p:nvSpPr>
-          <p:cNvPr id="49" name="Content Placeholder 48">
-            <a:extLst>
-              <a:ext uri="{FF2B5EF4-FFF2-40B4-BE49-F238E27FC236}">
-                <a16:creationId xmlns:a16="http://schemas.microsoft.com/office/drawing/2014/main" id="{EAA74363-C793-4786-9FF1-1BA015014629}"/>
-              </a:ext>
-            </a:extLst>
-          </p:cNvPr>
-          <p:cNvSpPr>
-            <a:spLocks noGrp="1"/>
-          </p:cNvSpPr>
-          <p:nvPr>
-            <p:ph sz="quarter" idx="10"/>
-          </p:nvPr>
-        </p:nvSpPr>
-        <p:spPr>
-          <a:xfrm>
-            <a:off x="4087245" y="311588"/>
-            <a:ext cx="4698224" cy="1260389"/>
-          </a:xfrm>
-        </p:spPr>
-        <p:txBody>
-          <a:bodyPr vert="horz" lIns="91440" tIns="45720" rIns="91440" bIns="45720" rtlCol="0" anchor="ctr">
-            <a:normAutofit/>
-          </a:bodyPr>
-          <a:lstStyle/>
-          <a:p>
-            <a:r>
-              <a:rPr lang="en-US" sz="1800" dirty="0">
-                <a:latin typeface="+mn-lt"/>
-                <a:ea typeface="+mn-ea"/>
-                <a:cs typeface="+mn-cs"/>
-              </a:rPr>
-              <a:t>Sensitivity = 0.84		Accuracy = 0.93</a:t>
-            </a:r>
-          </a:p>
-          <a:p>
-            <a:r>
-              <a:rPr lang="en-US" sz="1800" dirty="0">
-                <a:latin typeface="+mn-lt"/>
-                <a:ea typeface="+mn-ea"/>
-                <a:cs typeface="+mn-cs"/>
-              </a:rPr>
-              <a:t>Specificity = 0.96		F-value = 0.89</a:t>
-            </a:r>
-          </a:p>
-        </p:txBody>
-      </p:sp>
       <p:pic>
         <p:nvPicPr>
           <p:cNvPr id="8" name="Picture 7">
@@ -7178,7 +4157,7 @@
         </p:blipFill>
         <p:spPr>
           <a:xfrm>
-            <a:off x="358531" y="1472704"/>
+            <a:off x="356206" y="1571977"/>
             <a:ext cx="3100066" cy="3308724"/>
           </a:xfrm>
           <a:prstGeom prst="rect">
@@ -7188,10 +4167,10 @@
       </p:pic>
       <p:pic>
         <p:nvPicPr>
-          <p:cNvPr id="6" name="Picture 5">
+          <p:cNvPr id="4" name="Picture 3" descr="Chart, treemap chart&#10;&#10;Description automatically generated">
             <a:extLst>
               <a:ext uri="{FF2B5EF4-FFF2-40B4-BE49-F238E27FC236}">
-                <a16:creationId xmlns:a16="http://schemas.microsoft.com/office/drawing/2014/main" id="{D1D706BE-27DF-40CE-B302-4F47431D9D54}"/>
+                <a16:creationId xmlns:a16="http://schemas.microsoft.com/office/drawing/2014/main" id="{53F3EBE3-D545-4061-9EA3-862F19D5DF7D}"/>
               </a:ext>
             </a:extLst>
           </p:cNvPr>
@@ -7208,14 +4187,86 @@
         </p:blipFill>
         <p:spPr>
           <a:xfrm>
-            <a:off x="3728714" y="1472704"/>
-            <a:ext cx="5281488" cy="3604614"/>
+            <a:off x="4225077" y="1659094"/>
+            <a:ext cx="4147831" cy="3043187"/>
           </a:xfrm>
           <a:prstGeom prst="rect">
             <a:avLst/>
           </a:prstGeom>
         </p:spPr>
       </p:pic>
+      <p:sp>
+        <p:nvSpPr>
+          <p:cNvPr id="10" name="TextBox 9">
+            <a:extLst>
+              <a:ext uri="{FF2B5EF4-FFF2-40B4-BE49-F238E27FC236}">
+                <a16:creationId xmlns:a16="http://schemas.microsoft.com/office/drawing/2014/main" id="{E2AA9B48-63A8-462D-A2D1-3508DF32E101}"/>
+              </a:ext>
+            </a:extLst>
+          </p:cNvPr>
+          <p:cNvSpPr txBox="1"/>
+          <p:nvPr/>
+        </p:nvSpPr>
+        <p:spPr>
+          <a:xfrm>
+            <a:off x="584583" y="1217874"/>
+            <a:ext cx="4572000" cy="307777"/>
+          </a:xfrm>
+          <a:prstGeom prst="rect">
+            <a:avLst/>
+          </a:prstGeom>
+          <a:noFill/>
+        </p:spPr>
+        <p:txBody>
+          <a:bodyPr wrap="square">
+            <a:spAutoFit/>
+          </a:bodyPr>
+          <a:lstStyle/>
+          <a:p>
+            <a:pPr lvl="0"/>
+            <a:r>
+              <a:rPr lang="en-US" sz="1400" dirty="0"/>
+              <a:t>SVM</a:t>
+            </a:r>
+          </a:p>
+        </p:txBody>
+      </p:sp>
+      <p:sp>
+        <p:nvSpPr>
+          <p:cNvPr id="11" name="TextBox 10">
+            <a:extLst>
+              <a:ext uri="{FF2B5EF4-FFF2-40B4-BE49-F238E27FC236}">
+                <a16:creationId xmlns:a16="http://schemas.microsoft.com/office/drawing/2014/main" id="{6EBB09A7-9CB0-4B81-BCCB-701E336580A8}"/>
+              </a:ext>
+            </a:extLst>
+          </p:cNvPr>
+          <p:cNvSpPr txBox="1"/>
+          <p:nvPr/>
+        </p:nvSpPr>
+        <p:spPr>
+          <a:xfrm>
+            <a:off x="5189421" y="1217874"/>
+            <a:ext cx="4572000" cy="307777"/>
+          </a:xfrm>
+          <a:prstGeom prst="rect">
+            <a:avLst/>
+          </a:prstGeom>
+          <a:noFill/>
+        </p:spPr>
+        <p:txBody>
+          <a:bodyPr wrap="square">
+            <a:spAutoFit/>
+          </a:bodyPr>
+          <a:lstStyle/>
+          <a:p>
+            <a:pPr lvl="0"/>
+            <a:r>
+              <a:rPr lang="en-US" sz="1400" dirty="0"/>
+              <a:t>Navi bayes</a:t>
+            </a:r>
+          </a:p>
+        </p:txBody>
+      </p:sp>
     </p:spTree>
     <p:extLst>
       <p:ext uri="{BB962C8B-B14F-4D97-AF65-F5344CB8AC3E}">
@@ -19522,8 +16573,8 @@
         </p:blipFill>
         <p:spPr>
           <a:xfrm>
-            <a:off x="4923692" y="2039815"/>
-            <a:ext cx="4165882" cy="1411307"/>
+            <a:off x="4572000" y="2039815"/>
+            <a:ext cx="4517574" cy="1411307"/>
           </a:xfrm>
           <a:prstGeom prst="rect">
             <a:avLst/>
